--- a/spring14/slidesS14/6042S14welcome.pptx
+++ b/spring14/slidesS14/6042S14welcome.pptx
@@ -5520,7 +5520,7 @@
         <p:spPr bwMode="auto">
           <a:xfrm>
             <a:off x="3891908" y="6611938"/>
-            <a:ext cx="1371953" cy="246221"/>
+            <a:ext cx="1252416" cy="246221"/>
           </a:xfrm>
           <a:prstGeom prst="rect">
             <a:avLst/>
@@ -5547,13 +5547,13 @@
               <a:rPr lang="en-US" sz="1000" baseline="0" dirty="0" smtClean="0">
                 <a:latin typeface="Comic Sans MS" pitchFamily="66" charset="0"/>
               </a:rPr>
-              <a:t>September 4</a:t>
+              <a:t>February 5</a:t>
             </a:r>
             <a:r>
               <a:rPr lang="en-US" sz="1000" dirty="0" smtClean="0">
                 <a:latin typeface="Comic Sans MS" pitchFamily="66" charset="0"/>
               </a:rPr>
-              <a:t>,  2013</a:t>
+              <a:t>,  2014</a:t>
             </a:r>
             <a:endParaRPr lang="en-US" sz="1000" dirty="0">
               <a:latin typeface="Comic Sans MS" pitchFamily="66" charset="0"/>
@@ -5611,7 +5611,7 @@
               <a:rPr lang="en-US" sz="1000" dirty="0" smtClean="0">
                 <a:latin typeface="Comic Sans MS" pitchFamily="66" charset="0"/>
               </a:rPr>
-              <a:t>2013 </a:t>
+              <a:t>2014 </a:t>
             </a:r>
             <a:endParaRPr lang="en-US" sz="1000" dirty="0">
               <a:latin typeface="Comic Sans MS" pitchFamily="66" charset="0"/>
@@ -6165,32 +6165,50 @@
               <a:defRPr/>
             </a:pPr>
             <a:r>
-              <a:rPr lang="en-US" b="1" u="sng" dirty="0" smtClean="0">
+              <a:rPr lang="en-US" sz="2400" b="1" u="sng" dirty="0">
                 <a:solidFill>
                   <a:srgbClr val="A0106D"/>
                 </a:solidFill>
                 <a:latin typeface="Courier New" pitchFamily="49" charset="0"/>
                 <a:cs typeface="Courier New" pitchFamily="49" charset="0"/>
               </a:rPr>
-              <a:t>http://courses.csail.mit.edu/6.042</a:t>
-            </a:r>
-            <a:endParaRPr lang="en-US" sz="2400" dirty="0" smtClean="0">
-              <a:solidFill>
-                <a:srgbClr val="0D05A7"/>
-              </a:solidFill>
-            </a:endParaRPr>
-          </a:p>
-          <a:p>
-            <a:pPr eaLnBrk="1" hangingPunct="1">
-              <a:defRPr/>
-            </a:pPr>
+              <a:t>https://</a:t>
+            </a:r>
+            <a:r>
+              <a:rPr lang="en-US" sz="2400" b="1" u="sng" dirty="0" err="1">
+                <a:solidFill>
+                  <a:srgbClr val="A0106D"/>
+                </a:solidFill>
+                <a:latin typeface="Courier New" pitchFamily="49" charset="0"/>
+                <a:cs typeface="Courier New" pitchFamily="49" charset="0"/>
+              </a:rPr>
+              <a:t>stellar.mit.edu</a:t>
+            </a:r>
+            <a:r>
+              <a:rPr lang="en-US" sz="2400" b="1" u="sng" dirty="0">
+                <a:solidFill>
+                  <a:srgbClr val="A0106D"/>
+                </a:solidFill>
+                <a:latin typeface="Courier New" pitchFamily="49" charset="0"/>
+                <a:cs typeface="Courier New" pitchFamily="49" charset="0"/>
+              </a:rPr>
+              <a:t>/S/course/6/sp14/6.042/</a:t>
+            </a:r>
             <a:r>
               <a:rPr lang="en-US" sz="6000" dirty="0" smtClean="0">
                 <a:solidFill>
                   <a:srgbClr val="0D05A7"/>
                 </a:solidFill>
               </a:rPr>
-              <a:t>WELCOME!</a:t>
+              <a:t>WELCOME</a:t>
+            </a:r>
+            <a:r>
+              <a:rPr lang="en-US" sz="6000" dirty="0" smtClean="0">
+                <a:solidFill>
+                  <a:srgbClr val="0D05A7"/>
+                </a:solidFill>
+              </a:rPr>
+              <a:t>!</a:t>
             </a:r>
           </a:p>
           <a:p>
@@ -6235,7 +6253,7 @@
           <a:graphicData uri="http://schemas.openxmlformats.org/presentationml/2006/ole">
             <mc:AlternateContent xmlns:mc="http://schemas.openxmlformats.org/markup-compatibility/2006">
               <mc:Choice xmlns:v="urn:schemas-microsoft-com:vml" Requires="v">
-                <p:oleObj spid="_x0000_s1113" name="Equation" r:id="rId4" imgW="914400" imgH="215640" progId="Equation.3">
+                <p:oleObj spid="_x0000_s1116" name="Equation" r:id="rId4" imgW="914400" imgH="215640" progId="Equation.3">
                   <p:embed/>
                 </p:oleObj>
               </mc:Choice>
@@ -6305,7 +6323,7 @@
           <a:graphicData uri="http://schemas.openxmlformats.org/presentationml/2006/ole">
             <mc:AlternateContent xmlns:mc="http://schemas.openxmlformats.org/markup-compatibility/2006">
               <mc:Choice xmlns:v="urn:schemas-microsoft-com:vml" Requires="v">
-                <p:oleObj spid="_x0000_s1114" name="Equation" r:id="rId6" imgW="914400" imgH="215640" progId="Equation.3">
+                <p:oleObj spid="_x0000_s1117" name="Equation" r:id="rId6" imgW="914400" imgH="215640" progId="Equation.3">
                   <p:embed/>
                 </p:oleObj>
               </mc:Choice>
@@ -6364,11 +6382,11 @@
   <p:clrMapOvr>
     <a:masterClrMapping/>
   </p:clrMapOvr>
-  <mc:AlternateContent xmlns:mc="http://schemas.openxmlformats.org/markup-compatibility/2006">
-    <mc:Choice xmlns:p14="http://schemas.microsoft.com/office/powerpoint/2010/main" Requires="p14">
+  <mc:AlternateContent xmlns:mc="http://schemas.openxmlformats.org/markup-compatibility/2006" xmlns:p14="http://schemas.microsoft.com/office/powerpoint/2010/main">
+    <mc:Choice Requires="p14">
       <p:transition p14:dur="0"/>
     </mc:Choice>
-    <mc:Fallback>
+    <mc:Fallback xmlns="">
       <p:transition xmlns:p14="http://schemas.microsoft.com/office/powerpoint/2010/main"/>
     </mc:Fallback>
   </mc:AlternateContent>
@@ -8909,7 +8927,7 @@
           <a:graphicData uri="http://schemas.openxmlformats.org/presentationml/2006/ole">
             <mc:AlternateContent xmlns:mc="http://schemas.openxmlformats.org/markup-compatibility/2006">
               <mc:Choice xmlns:v="urn:schemas-microsoft-com:vml" Requires="v">
-                <p:oleObj spid="_x0000_s150579" name="Equation" r:id="rId4" imgW="838200" imgH="241300" progId="Equation.DSMT4">
+                <p:oleObj spid="_x0000_s150581" name="Equation" r:id="rId4" imgW="838200" imgH="241300" progId="Equation.DSMT4">
                   <p:embed/>
                 </p:oleObj>
               </mc:Choice>
@@ -9855,7 +9873,7 @@
           <a:graphicData uri="http://schemas.openxmlformats.org/presentationml/2006/ole">
             <mc:AlternateContent xmlns:mc="http://schemas.openxmlformats.org/markup-compatibility/2006">
               <mc:Choice xmlns:v="urn:schemas-microsoft-com:vml" Requires="v">
-                <p:oleObj spid="_x0000_s6230" name="Equation" r:id="rId4" imgW="304560" imgH="139680" progId="Equation.DSMT4">
+                <p:oleObj spid="_x0000_s6233" name="Equation" r:id="rId4" imgW="304560" imgH="139680" progId="Equation.DSMT4">
                   <p:embed/>
                 </p:oleObj>
               </mc:Choice>
@@ -9925,7 +9943,7 @@
           <a:graphicData uri="http://schemas.openxmlformats.org/presentationml/2006/ole">
             <mc:AlternateContent xmlns:mc="http://schemas.openxmlformats.org/markup-compatibility/2006">
               <mc:Choice xmlns:v="urn:schemas-microsoft-com:vml" Requires="v">
-                <p:oleObj spid="_x0000_s6231" name="Equation" r:id="rId6" imgW="304560" imgH="139680" progId="Equation.DSMT4">
+                <p:oleObj spid="_x0000_s6234" name="Equation" r:id="rId6" imgW="304560" imgH="139680" progId="Equation.DSMT4">
                   <p:embed/>
                 </p:oleObj>
               </mc:Choice>
@@ -11351,7 +11369,7 @@
           <a:graphicData uri="http://schemas.openxmlformats.org/presentationml/2006/ole">
             <mc:AlternateContent xmlns:mc="http://schemas.openxmlformats.org/markup-compatibility/2006">
               <mc:Choice xmlns:v="urn:schemas-microsoft-com:vml" Requires="v">
-                <p:oleObj spid="_x0000_s7252" name="Equation" r:id="rId4" imgW="304560" imgH="139680" progId="Equation.DSMT4">
+                <p:oleObj spid="_x0000_s7255" name="Equation" r:id="rId4" imgW="304560" imgH="139680" progId="Equation.DSMT4">
                   <p:embed/>
                 </p:oleObj>
               </mc:Choice>
@@ -11421,7 +11439,7 @@
           <a:graphicData uri="http://schemas.openxmlformats.org/presentationml/2006/ole">
             <mc:AlternateContent xmlns:mc="http://schemas.openxmlformats.org/markup-compatibility/2006">
               <mc:Choice xmlns:v="urn:schemas-microsoft-com:vml" Requires="v">
-                <p:oleObj spid="_x0000_s7253" name="Equation" r:id="rId6" imgW="304560" imgH="139680" progId="Equation.DSMT4">
+                <p:oleObj spid="_x0000_s7256" name="Equation" r:id="rId6" imgW="304560" imgH="139680" progId="Equation.DSMT4">
                   <p:embed/>
                 </p:oleObj>
               </mc:Choice>
@@ -11855,32 +11873,50 @@
               <a:defRPr/>
             </a:pPr>
             <a:r>
-              <a:rPr lang="en-US" b="1" u="sng" dirty="0" smtClean="0">
+              <a:rPr lang="en-US" sz="2400" b="1" u="sng" dirty="0">
                 <a:solidFill>
                   <a:srgbClr val="A0106D"/>
                 </a:solidFill>
                 <a:latin typeface="Courier New" pitchFamily="49" charset="0"/>
                 <a:cs typeface="Courier New" pitchFamily="49" charset="0"/>
               </a:rPr>
-              <a:t>http://courses.csail.mit.edu/6.042</a:t>
-            </a:r>
-            <a:endParaRPr lang="en-US" sz="2400" dirty="0" smtClean="0">
-              <a:solidFill>
-                <a:srgbClr val="0D05A7"/>
-              </a:solidFill>
-            </a:endParaRPr>
-          </a:p>
-          <a:p>
-            <a:pPr eaLnBrk="1" hangingPunct="1">
-              <a:defRPr/>
-            </a:pPr>
+              <a:t>https://</a:t>
+            </a:r>
+            <a:r>
+              <a:rPr lang="en-US" sz="2400" b="1" u="sng" dirty="0" err="1">
+                <a:solidFill>
+                  <a:srgbClr val="A0106D"/>
+                </a:solidFill>
+                <a:latin typeface="Courier New" pitchFamily="49" charset="0"/>
+                <a:cs typeface="Courier New" pitchFamily="49" charset="0"/>
+              </a:rPr>
+              <a:t>stellar.mit.edu</a:t>
+            </a:r>
+            <a:r>
+              <a:rPr lang="en-US" sz="2400" b="1" u="sng" dirty="0">
+                <a:solidFill>
+                  <a:srgbClr val="A0106D"/>
+                </a:solidFill>
+                <a:latin typeface="Courier New" pitchFamily="49" charset="0"/>
+                <a:cs typeface="Courier New" pitchFamily="49" charset="0"/>
+              </a:rPr>
+              <a:t>/S/course/6/sp14/6.042/</a:t>
+            </a:r>
             <a:r>
               <a:rPr lang="en-US" sz="6000" dirty="0" smtClean="0">
                 <a:solidFill>
                   <a:srgbClr val="0D05A7"/>
                 </a:solidFill>
               </a:rPr>
-              <a:t>WELCOME!</a:t>
+              <a:t>WELCOME</a:t>
+            </a:r>
+            <a:r>
+              <a:rPr lang="en-US" sz="6000" dirty="0" smtClean="0">
+                <a:solidFill>
+                  <a:srgbClr val="0D05A7"/>
+                </a:solidFill>
+              </a:rPr>
+              <a:t>!</a:t>
             </a:r>
           </a:p>
           <a:p>
@@ -11931,7 +11967,7 @@
           <a:graphicData uri="http://schemas.openxmlformats.org/presentationml/2006/ole">
             <mc:AlternateContent xmlns:mc="http://schemas.openxmlformats.org/markup-compatibility/2006">
               <mc:Choice xmlns:v="urn:schemas-microsoft-com:vml" Requires="v">
-                <p:oleObj spid="_x0000_s194602" name="Equation" r:id="rId4" imgW="914400" imgH="215640" progId="Equation.3">
+                <p:oleObj spid="_x0000_s194605" name="Equation" r:id="rId4" imgW="914400" imgH="215640" progId="Equation.3">
                   <p:embed/>
                 </p:oleObj>
               </mc:Choice>
@@ -12001,7 +12037,7 @@
           <a:graphicData uri="http://schemas.openxmlformats.org/presentationml/2006/ole">
             <mc:AlternateContent xmlns:mc="http://schemas.openxmlformats.org/markup-compatibility/2006">
               <mc:Choice xmlns:v="urn:schemas-microsoft-com:vml" Requires="v">
-                <p:oleObj spid="_x0000_s194603" name="Equation" r:id="rId6" imgW="914400" imgH="215640" progId="Equation.3">
+                <p:oleObj spid="_x0000_s194606" name="Equation" r:id="rId6" imgW="914400" imgH="215640" progId="Equation.3">
                   <p:embed/>
                 </p:oleObj>
               </mc:Choice>
@@ -12172,7 +12208,7 @@
           <a:graphicData uri="http://schemas.openxmlformats.org/presentationml/2006/ole">
             <mc:AlternateContent xmlns:mc="http://schemas.openxmlformats.org/markup-compatibility/2006">
               <mc:Choice xmlns:v="urn:schemas-microsoft-com:vml" Requires="v">
-                <p:oleObj spid="_x0000_s209947" name="Equation" r:id="rId4" imgW="114120" imgH="177480" progId="Equation.DSMT4">
+                <p:oleObj spid="_x0000_s209950" name="Equation" r:id="rId4" imgW="114120" imgH="177480" progId="Equation.DSMT4">
                   <p:embed/>
                 </p:oleObj>
               </mc:Choice>
@@ -12777,7 +12813,7 @@
           <a:graphicData uri="http://schemas.openxmlformats.org/presentationml/2006/ole">
             <mc:AlternateContent xmlns:mc="http://schemas.openxmlformats.org/markup-compatibility/2006">
               <mc:Choice xmlns:v="urn:schemas-microsoft-com:vml" Requires="v">
-                <p:oleObj spid="_x0000_s209948" name="Equation" r:id="rId6" imgW="635000" imgH="469900" progId="Equation.DSMT4">
+                <p:oleObj spid="_x0000_s209951" name="Equation" r:id="rId6" imgW="635000" imgH="469900" progId="Equation.DSMT4">
                   <p:embed/>
                 </p:oleObj>
               </mc:Choice>
@@ -13005,7 +13041,7 @@
           <a:graphicData uri="http://schemas.openxmlformats.org/presentationml/2006/ole">
             <mc:AlternateContent xmlns:mc="http://schemas.openxmlformats.org/markup-compatibility/2006">
               <mc:Choice xmlns:v="urn:schemas-microsoft-com:vml" Requires="v">
-                <p:oleObj spid="_x0000_s187450" name="Equation" r:id="rId4" imgW="114120" imgH="177480" progId="Equation.DSMT4">
+                <p:oleObj spid="_x0000_s187453" name="Equation" r:id="rId4" imgW="114120" imgH="177480" progId="Equation.DSMT4">
                   <p:embed/>
                 </p:oleObj>
               </mc:Choice>
@@ -13684,7 +13720,7 @@
           <a:graphicData uri="http://schemas.openxmlformats.org/presentationml/2006/ole">
             <mc:AlternateContent xmlns:mc="http://schemas.openxmlformats.org/markup-compatibility/2006">
               <mc:Choice xmlns:v="urn:schemas-microsoft-com:vml" Requires="v">
-                <p:oleObj spid="_x0000_s187451" name="Equation" r:id="rId6" imgW="635000" imgH="444500" progId="Equation.DSMT4">
+                <p:oleObj spid="_x0000_s187454" name="Equation" r:id="rId6" imgW="635000" imgH="444500" progId="Equation.DSMT4">
                   <p:embed/>
                 </p:oleObj>
               </mc:Choice>
@@ -18868,7 +18904,7 @@
           <a:graphicData uri="http://schemas.openxmlformats.org/presentationml/2006/ole">
             <mc:AlternateContent xmlns:mc="http://schemas.openxmlformats.org/markup-compatibility/2006">
               <mc:Choice xmlns:v="urn:schemas-microsoft-com:vml" Requires="v">
-                <p:oleObj spid="_x0000_s9340" name="Equation" r:id="rId4" imgW="1257120" imgH="444240" progId="Equation.DSMT4">
+                <p:oleObj spid="_x0000_s9344" name="Equation" r:id="rId4" imgW="1257120" imgH="444240" progId="Equation.DSMT4">
                   <p:embed/>
                 </p:oleObj>
               </mc:Choice>
@@ -18963,7 +18999,7 @@
           <a:graphicData uri="http://schemas.openxmlformats.org/presentationml/2006/ole">
             <mc:AlternateContent xmlns:mc="http://schemas.openxmlformats.org/markup-compatibility/2006">
               <mc:Choice xmlns:v="urn:schemas-microsoft-com:vml" Requires="v">
-                <p:oleObj spid="_x0000_s9341" name="Equation" r:id="rId6" imgW="1269720" imgH="444240" progId="Equation.DSMT4">
+                <p:oleObj spid="_x0000_s9345" name="Equation" r:id="rId6" imgW="1269720" imgH="444240" progId="Equation.DSMT4">
                   <p:embed/>
                 </p:oleObj>
               </mc:Choice>
@@ -19136,7 +19172,7 @@
           <a:graphicData uri="http://schemas.openxmlformats.org/presentationml/2006/ole">
             <mc:AlternateContent xmlns:mc="http://schemas.openxmlformats.org/markup-compatibility/2006">
               <mc:Choice xmlns:v="urn:schemas-microsoft-com:vml" Requires="v">
-                <p:oleObj spid="_x0000_s9342" name="Equation" r:id="rId8" imgW="774360" imgH="203040" progId="Equation.DSMT4">
+                <p:oleObj spid="_x0000_s9346" name="Equation" r:id="rId8" imgW="774360" imgH="203040" progId="Equation.DSMT4">
                   <p:embed/>
                 </p:oleObj>
               </mc:Choice>
@@ -19728,7 +19764,7 @@
             <a:graphicData uri="http://schemas.openxmlformats.org/presentationml/2006/ole">
               <mc:AlternateContent xmlns:mc="http://schemas.openxmlformats.org/markup-compatibility/2006">
                 <mc:Choice xmlns:v="urn:schemas-microsoft-com:vml" Requires="v">
-                  <p:oleObj spid="_x0000_s10326" name="Equation" r:id="rId4" imgW="774360" imgH="203040" progId="Equation.DSMT4">
+                  <p:oleObj spid="_x0000_s10329" name="Equation" r:id="rId4" imgW="774360" imgH="203040" progId="Equation.DSMT4">
                     <p:embed/>
                   </p:oleObj>
                 </mc:Choice>
@@ -19893,7 +19929,7 @@
             <a:graphicData uri="http://schemas.openxmlformats.org/presentationml/2006/ole">
               <mc:AlternateContent xmlns:mc="http://schemas.openxmlformats.org/markup-compatibility/2006">
                 <mc:Choice xmlns:v="urn:schemas-microsoft-com:vml" Requires="v">
-                  <p:oleObj spid="_x0000_s10327" name="Equation" r:id="rId6" imgW="736560" imgH="203040" progId="Equation.DSMT4">
+                  <p:oleObj spid="_x0000_s10330" name="Equation" r:id="rId6" imgW="736560" imgH="203040" progId="Equation.DSMT4">
                     <p:embed/>
                   </p:oleObj>
                 </mc:Choice>
@@ -20719,7 +20755,7 @@
           <a:graphicData uri="http://schemas.openxmlformats.org/presentationml/2006/ole">
             <mc:AlternateContent xmlns:mc="http://schemas.openxmlformats.org/markup-compatibility/2006">
               <mc:Choice xmlns:v="urn:schemas-microsoft-com:vml" Requires="v">
-                <p:oleObj spid="_x0000_s11352" name="Equation" r:id="rId4" imgW="114120" imgH="177480" progId="Equation.DSMT4">
+                <p:oleObj spid="_x0000_s11355" name="Equation" r:id="rId4" imgW="114120" imgH="177480" progId="Equation.DSMT4">
                   <p:embed/>
                 </p:oleObj>
               </mc:Choice>
@@ -20789,7 +20825,7 @@
           <a:graphicData uri="http://schemas.openxmlformats.org/presentationml/2006/ole">
             <mc:AlternateContent xmlns:mc="http://schemas.openxmlformats.org/markup-compatibility/2006">
               <mc:Choice xmlns:v="urn:schemas-microsoft-com:vml" Requires="v">
-                <p:oleObj spid="_x0000_s11353" name="Equation" r:id="rId6" imgW="114120" imgH="177480" progId="Equation.DSMT4">
+                <p:oleObj spid="_x0000_s11356" name="Equation" r:id="rId6" imgW="114120" imgH="177480" progId="Equation.DSMT4">
                   <p:embed/>
                 </p:oleObj>
               </mc:Choice>
@@ -21673,7 +21709,7 @@
           <a:graphicData uri="http://schemas.openxmlformats.org/presentationml/2006/ole">
             <mc:AlternateContent xmlns:mc="http://schemas.openxmlformats.org/markup-compatibility/2006">
               <mc:Choice xmlns:v="urn:schemas-microsoft-com:vml" Requires="v">
-                <p:oleObj spid="_x0000_s184371" name="Equation" r:id="rId4" imgW="2552700" imgH="419100" progId="Equation.DSMT4">
+                <p:oleObj spid="_x0000_s184373" name="Equation" r:id="rId4" imgW="2552700" imgH="419100" progId="Equation.DSMT4">
                   <p:embed/>
                 </p:oleObj>
               </mc:Choice>
@@ -22233,7 +22269,7 @@
           <a:graphicData uri="http://schemas.openxmlformats.org/presentationml/2006/ole">
             <mc:AlternateContent xmlns:mc="http://schemas.openxmlformats.org/markup-compatibility/2006">
               <mc:Choice xmlns:v="urn:schemas-microsoft-com:vml" Requires="v">
-                <p:oleObj spid="_x0000_s140376" name="Equation" r:id="rId4" imgW="914400" imgH="215640" progId="Equation.3">
+                <p:oleObj spid="_x0000_s140379" name="Equation" r:id="rId4" imgW="914400" imgH="215640" progId="Equation.3">
                   <p:embed/>
                 </p:oleObj>
               </mc:Choice>
@@ -22303,7 +22339,7 @@
           <a:graphicData uri="http://schemas.openxmlformats.org/presentationml/2006/ole">
             <mc:AlternateContent xmlns:mc="http://schemas.openxmlformats.org/markup-compatibility/2006">
               <mc:Choice xmlns:v="urn:schemas-microsoft-com:vml" Requires="v">
-                <p:oleObj spid="_x0000_s140377" name="Equation" r:id="rId6" imgW="914400" imgH="215640" progId="Equation.3">
+                <p:oleObj spid="_x0000_s140380" name="Equation" r:id="rId6" imgW="914400" imgH="215640" progId="Equation.3">
                   <p:embed/>
                 </p:oleObj>
               </mc:Choice>
@@ -22430,8 +22466,8 @@
         </p:nvSpPr>
         <p:spPr bwMode="auto">
           <a:xfrm>
-            <a:off x="477838" y="1579561"/>
-            <a:ext cx="8188325" cy="4062651"/>
+            <a:off x="203200" y="1168400"/>
+            <a:ext cx="8826500" cy="4154983"/>
           </a:xfrm>
           <a:prstGeom prst="rect">
             <a:avLst/>
@@ -22445,7 +22481,7 @@
           </a:ln>
         </p:spPr>
         <p:txBody>
-          <a:bodyPr>
+          <a:bodyPr wrap="square">
             <a:spAutoFit/>
           </a:bodyPr>
           <a:lstStyle/>
@@ -22454,35 +22490,37 @@
               <a:defRPr/>
             </a:pPr>
             <a:r>
-              <a:rPr lang="en-US" sz="2800" b="1" u="sng" dirty="0">
+              <a:rPr lang="en-US" sz="2400" b="1" u="sng" kern="0" dirty="0">
                 <a:solidFill>
                   <a:srgbClr val="A0106D"/>
                 </a:solidFill>
                 <a:latin typeface="Courier New" pitchFamily="49" charset="0"/>
                 <a:cs typeface="Courier New" pitchFamily="49" charset="0"/>
-                <a:hlinkClick r:id="rId7"/>
-              </a:rPr>
-              <a:t>http://courses.csail.mit.edu/6.042</a:t>
-            </a:r>
-            <a:endParaRPr lang="en-US" sz="2800" b="1" dirty="0">
-              <a:solidFill>
-                <a:schemeClr val="accent1">
-                  <a:lumMod val="50000"/>
-                </a:schemeClr>
-              </a:solidFill>
-            </a:endParaRPr>
-          </a:p>
-          <a:p>
-            <a:pPr algn="l">
-              <a:spcBef>
-                <a:spcPts val="1200"/>
-              </a:spcBef>
-              <a:buFont typeface="Arial" pitchFamily="34" charset="0"/>
-              <a:buChar char="•"/>
-              <a:defRPr/>
-            </a:pPr>
-            <a:r>
-              <a:rPr lang="en-US" sz="4400" dirty="0">
+              </a:rPr>
+              <a:t>https://</a:t>
+            </a:r>
+            <a:r>
+              <a:rPr lang="en-US" sz="2400" b="1" u="sng" kern="0" dirty="0" err="1">
+                <a:solidFill>
+                  <a:srgbClr val="A0106D"/>
+                </a:solidFill>
+                <a:latin typeface="Courier New" pitchFamily="49" charset="0"/>
+                <a:cs typeface="Courier New" pitchFamily="49" charset="0"/>
+              </a:rPr>
+              <a:t>stellar.mit.edu</a:t>
+            </a:r>
+            <a:r>
+              <a:rPr lang="en-US" sz="2400" b="1" u="sng" kern="0" dirty="0">
+                <a:solidFill>
+                  <a:srgbClr val="A0106D"/>
+                </a:solidFill>
+                <a:latin typeface="Courier New" pitchFamily="49" charset="0"/>
+                <a:cs typeface="Courier New" pitchFamily="49" charset="0"/>
+              </a:rPr>
+              <a:t>/S/course/6/sp14/6.042/</a:t>
+            </a:r>
+            <a:r>
+              <a:rPr lang="en-US" sz="4400" dirty="0" smtClean="0">
                 <a:latin typeface="Comic Sans MS" pitchFamily="66" charset="0"/>
               </a:rPr>
               <a:t> </a:t>
@@ -22626,7 +22664,7 @@
                                         <p:tgtEl>
                                           <p:spTgt spid="5128">
                                             <p:txEl>
-                                              <p:pRg st="2" end="2"/>
+                                              <p:pRg st="1" end="1"/>
                                             </p:txEl>
                                           </p:spTgt>
                                         </p:tgtEl>
@@ -22675,7 +22713,7 @@
                                         <p:tgtEl>
                                           <p:spTgt spid="5128">
                                             <p:txEl>
-                                              <p:pRg st="3" end="3"/>
+                                              <p:pRg st="2" end="2"/>
                                             </p:txEl>
                                           </p:spTgt>
                                         </p:tgtEl>
@@ -22724,7 +22762,7 @@
                                         <p:tgtEl>
                                           <p:spTgt spid="5128">
                                             <p:txEl>
-                                              <p:pRg st="4" end="4"/>
+                                              <p:pRg st="3" end="3"/>
                                             </p:txEl>
                                           </p:spTgt>
                                         </p:tgtEl>
@@ -22773,7 +22811,7 @@
                                         <p:tgtEl>
                                           <p:spTgt spid="5128">
                                             <p:txEl>
-                                              <p:pRg st="5" end="5"/>
+                                              <p:pRg st="4" end="4"/>
                                             </p:txEl>
                                           </p:spTgt>
                                         </p:tgtEl>
@@ -22960,7 +22998,7 @@
           <a:graphicData uri="http://schemas.openxmlformats.org/presentationml/2006/ole">
             <mc:AlternateContent xmlns:mc="http://schemas.openxmlformats.org/markup-compatibility/2006">
               <mc:Choice xmlns:v="urn:schemas-microsoft-com:vml" Requires="v">
-                <p:oleObj spid="_x0000_s12340" name="Equation" r:id="rId4" imgW="2590560" imgH="368280" progId="Equation.DSMT4">
+                <p:oleObj spid="_x0000_s12342" name="Equation" r:id="rId4" imgW="2590560" imgH="368280" progId="Equation.DSMT4">
                   <p:embed/>
                 </p:oleObj>
               </mc:Choice>
@@ -23641,11 +23679,7 @@
             <a:pPr eaLnBrk="1" hangingPunct="1"/>
             <a:r>
               <a:rPr lang="en-US" dirty="0" smtClean="0"/>
-              <a:t>Consequences of  </a:t>
-            </a:r>
-            <a:r>
-              <a:rPr lang="en-US" dirty="0" smtClean="0"/>
-              <a:t>1 </a:t>
+              <a:t>Consequences of  1 </a:t>
             </a:r>
             <a:r>
               <a:rPr lang="en-US" dirty="0" smtClean="0">
@@ -23855,7 +23889,7 @@
           <a:graphicData uri="http://schemas.openxmlformats.org/presentationml/2006/ole">
             <mc:AlternateContent xmlns:mc="http://schemas.openxmlformats.org/markup-compatibility/2006">
               <mc:Choice xmlns:v="urn:schemas-microsoft-com:vml" Requires="v">
-                <p:oleObj spid="_x0000_s13364" name="Equation" r:id="rId4" imgW="152280" imgH="393480" progId="Equation.DSMT4">
+                <p:oleObj spid="_x0000_s13366" name="Equation" r:id="rId4" imgW="152280" imgH="393480" progId="Equation.DSMT4">
                   <p:embed/>
                 </p:oleObj>
               </mc:Choice>
@@ -23914,13 +23948,13 @@
   <p:clrMapOvr>
     <a:masterClrMapping/>
   </p:clrMapOvr>
-  <mc:AlternateContent xmlns:mc="http://schemas.openxmlformats.org/markup-compatibility/2006">
-    <mc:Choice xmlns:p14="http://schemas.microsoft.com/office/powerpoint/2010/main" Requires="p14">
+  <mc:AlternateContent xmlns:mc="http://schemas.openxmlformats.org/markup-compatibility/2006" xmlns:p14="http://schemas.microsoft.com/office/powerpoint/2010/main">
+    <mc:Choice Requires="p14">
       <p:transition spd="med" p14:dur="600">
         <p:fade thruBlk="1"/>
       </p:transition>
     </mc:Choice>
-    <mc:Fallback>
+    <mc:Fallback xmlns="">
       <p:transition xmlns:p14="http://schemas.microsoft.com/office/powerpoint/2010/main" spd="med">
         <p:fade thruBlk="1"/>
       </p:transition>
@@ -24381,11 +24415,7 @@
             <a:pPr eaLnBrk="1" hangingPunct="1"/>
             <a:r>
               <a:rPr lang="en-US" dirty="0" smtClean="0"/>
-              <a:t>Consequences of  </a:t>
-            </a:r>
-            <a:r>
-              <a:rPr lang="en-US" dirty="0" smtClean="0"/>
-              <a:t>1 </a:t>
+              <a:t>Consequences of  1 </a:t>
             </a:r>
             <a:r>
               <a:rPr lang="en-US" dirty="0" smtClean="0">
@@ -24654,7 +24684,7 @@
                   <a:schemeClr val="tx1"/>
                 </a:solidFill>
               </a:rPr>
-              <a:t>Online Tutor</a:t>
+              <a:t>6.042r</a:t>
             </a:r>
             <a:r>
               <a:rPr lang="en-US" b="0" dirty="0" smtClean="0">
@@ -24696,7 +24726,7 @@
           <a:graphicData uri="http://schemas.openxmlformats.org/presentationml/2006/ole">
             <mc:AlternateContent xmlns:mc="http://schemas.openxmlformats.org/markup-compatibility/2006">
               <mc:Choice xmlns:v="urn:schemas-microsoft-com:vml" Requires="v">
-                <p:oleObj spid="_x0000_s2141" name="Equation" r:id="rId4" imgW="914400" imgH="215640" progId="Equation.3">
+                <p:oleObj spid="_x0000_s2144" name="Equation" r:id="rId4" imgW="914400" imgH="215640" progId="Equation.3">
                   <p:embed/>
                 </p:oleObj>
               </mc:Choice>
@@ -24766,7 +24796,7 @@
           <a:graphicData uri="http://schemas.openxmlformats.org/presentationml/2006/ole">
             <mc:AlternateContent xmlns:mc="http://schemas.openxmlformats.org/markup-compatibility/2006">
               <mc:Choice xmlns:v="urn:schemas-microsoft-com:vml" Requires="v">
-                <p:oleObj spid="_x0000_s2142" name="Equation" r:id="rId6" imgW="914400" imgH="215640" progId="Equation.3">
+                <p:oleObj spid="_x0000_s2145" name="Equation" r:id="rId6" imgW="914400" imgH="215640" progId="Equation.3">
                   <p:embed/>
                 </p:oleObj>
               </mc:Choice>
@@ -26010,25 +26040,7 @@
               <a:rPr lang="en-US" sz="4800" dirty="0" smtClean="0">
                 <a:latin typeface="Comic Sans MS" pitchFamily="66" charset="0"/>
               </a:rPr>
-              <a:t> Text </a:t>
-            </a:r>
-            <a:r>
-              <a:rPr lang="en-US" sz="4800" dirty="0" smtClean="0">
-                <a:latin typeface="Comic Sans MS" pitchFamily="66" charset="0"/>
-              </a:rPr>
-              <a:t>Chapter </a:t>
-            </a:r>
-            <a:r>
-              <a:rPr lang="en-US" sz="4800" dirty="0" smtClean="0">
-                <a:latin typeface="Comic Sans MS" pitchFamily="66" charset="0"/>
-              </a:rPr>
-              <a:t>1 </a:t>
-            </a:r>
-            <a:r>
-              <a:rPr lang="en-US" sz="4800" dirty="0" smtClean="0">
-                <a:latin typeface="Comic Sans MS" pitchFamily="66" charset="0"/>
-              </a:rPr>
-              <a:t>for </a:t>
+              <a:t> Text Chapter 1 for </a:t>
             </a:r>
             <a:r>
               <a:rPr lang="en-US" sz="4800" dirty="0" smtClean="0">
@@ -26050,19 +26062,7 @@
               <a:rPr lang="en-US" sz="4800" dirty="0" smtClean="0">
                 <a:latin typeface="Comic Sans MS" pitchFamily="66" charset="0"/>
               </a:rPr>
-              <a:t> </a:t>
-            </a:r>
-            <a:r>
-              <a:rPr lang="en-US" sz="4800" dirty="0" smtClean="0">
-                <a:latin typeface="Comic Sans MS" pitchFamily="66" charset="0"/>
-              </a:rPr>
-              <a:t> </a:t>
-            </a:r>
-            <a:r>
-              <a:rPr lang="en-US" sz="4800" dirty="0" smtClean="0">
-                <a:latin typeface="Comic Sans MS" pitchFamily="66" charset="0"/>
-              </a:rPr>
-              <a:t>slide </a:t>
+              <a:t>  slide </a:t>
             </a:r>
             <a:r>
               <a:rPr lang="en-US" sz="4800" dirty="0">
@@ -26236,7 +26236,7 @@
           <a:graphicData uri="http://schemas.openxmlformats.org/presentationml/2006/ole">
             <mc:AlternateContent xmlns:mc="http://schemas.openxmlformats.org/markup-compatibility/2006">
               <mc:Choice xmlns:v="urn:schemas-microsoft-com:vml" Requires="v">
-                <p:oleObj spid="_x0000_s3164" name="Equation" r:id="rId4" imgW="914400" imgH="215640" progId="Equation.3">
+                <p:oleObj spid="_x0000_s3167" name="Equation" r:id="rId4" imgW="914400" imgH="215640" progId="Equation.3">
                   <p:embed/>
                 </p:oleObj>
               </mc:Choice>
@@ -26306,7 +26306,7 @@
           <a:graphicData uri="http://schemas.openxmlformats.org/presentationml/2006/ole">
             <mc:AlternateContent xmlns:mc="http://schemas.openxmlformats.org/markup-compatibility/2006">
               <mc:Choice xmlns:v="urn:schemas-microsoft-com:vml" Requires="v">
-                <p:oleObj spid="_x0000_s3165" name="Equation" r:id="rId6" imgW="914400" imgH="215640" progId="Equation.3">
+                <p:oleObj spid="_x0000_s3168" name="Equation" r:id="rId6" imgW="914400" imgH="215640" progId="Equation.3">
                   <p:embed/>
                 </p:oleObj>
               </mc:Choice>
@@ -26760,11 +26760,7 @@
             </a:r>
             <a:r>
               <a:rPr lang="en-US" sz="4000" dirty="0" smtClean="0"/>
-              <a:t> most Mondays 15 min</a:t>
-            </a:r>
-            <a:r>
-              <a:rPr lang="en-US" sz="4000" dirty="0" smtClean="0"/>
-              <a:t>.</a:t>
+              <a:t> most Mondays 15 min.</a:t>
             </a:r>
           </a:p>
           <a:p>
@@ -26796,7 +26792,6 @@
               <a:rPr lang="en-US" sz="4000" dirty="0" smtClean="0"/>
               <a:t>.</a:t>
             </a:r>
-            <a:endParaRPr lang="en-US" sz="4000" dirty="0" smtClean="0"/>
           </a:p>
           <a:p>
             <a:r>
@@ -26845,11 +26840,7 @@
             </a:r>
             <a:r>
               <a:rPr lang="en-US" sz="4000" dirty="0" smtClean="0"/>
-              <a:t> </a:t>
-            </a:r>
-            <a:r>
-              <a:rPr lang="en-US" sz="4000" dirty="0" smtClean="0"/>
-              <a:t>due most days</a:t>
+              <a:t> due most days</a:t>
             </a:r>
           </a:p>
           <a:p>
@@ -26863,11 +26854,7 @@
             </a:r>
             <a:r>
               <a:rPr lang="en-US" sz="4000" dirty="0" smtClean="0"/>
-              <a:t>, </a:t>
-            </a:r>
-            <a:r>
-              <a:rPr lang="en-US" sz="4000" dirty="0" smtClean="0"/>
-              <a:t>1 </a:t>
+              <a:t>, 1 </a:t>
             </a:r>
             <a:r>
               <a:rPr lang="en-US" sz="4000" dirty="0"/>

--- a/spring14/slidesS14/6042S14welcome.pptx
+++ b/spring14/slidesS14/6042S14welcome.pptx
@@ -6253,7 +6253,7 @@
           <a:graphicData uri="http://schemas.openxmlformats.org/presentationml/2006/ole">
             <mc:AlternateContent xmlns:mc="http://schemas.openxmlformats.org/markup-compatibility/2006">
               <mc:Choice xmlns:v="urn:schemas-microsoft-com:vml" Requires="v">
-                <p:oleObj spid="_x0000_s1116" name="Equation" r:id="rId4" imgW="914400" imgH="215640" progId="Equation.3">
+                <p:oleObj spid="_x0000_s1130" name="Equation" r:id="rId4" imgW="914400" imgH="215640" progId="Equation.3">
                   <p:embed/>
                 </p:oleObj>
               </mc:Choice>
@@ -6323,7 +6323,7 @@
           <a:graphicData uri="http://schemas.openxmlformats.org/presentationml/2006/ole">
             <mc:AlternateContent xmlns:mc="http://schemas.openxmlformats.org/markup-compatibility/2006">
               <mc:Choice xmlns:v="urn:schemas-microsoft-com:vml" Requires="v">
-                <p:oleObj spid="_x0000_s1117" name="Equation" r:id="rId6" imgW="914400" imgH="215640" progId="Equation.3">
+                <p:oleObj spid="_x0000_s1131" name="Equation" r:id="rId6" imgW="914400" imgH="215640" progId="Equation.3">
                   <p:embed/>
                 </p:oleObj>
               </mc:Choice>
@@ -6382,12 +6382,12 @@
   <p:clrMapOvr>
     <a:masterClrMapping/>
   </p:clrMapOvr>
-  <mc:AlternateContent xmlns:mc="http://schemas.openxmlformats.org/markup-compatibility/2006" xmlns:p14="http://schemas.microsoft.com/office/powerpoint/2010/main">
-    <mc:Choice Requires="p14">
-      <p:transition p14:dur="0"/>
+  <mc:AlternateContent xmlns:mc="http://schemas.openxmlformats.org/markup-compatibility/2006">
+    <mc:Choice xmlns:p14="http://schemas.microsoft.com/office/powerpoint/2010/main" Requires="p14">
+      <p:transition p14:dur="0" advClick="0"/>
     </mc:Choice>
-    <mc:Fallback xmlns="">
-      <p:transition xmlns:p14="http://schemas.microsoft.com/office/powerpoint/2010/main"/>
+    <mc:Fallback>
+      <p:transition xmlns:p14="http://schemas.microsoft.com/office/powerpoint/2010/main" advClick="0"/>
     </mc:Fallback>
   </mc:AlternateContent>
   <p:timing>
@@ -6493,8 +6493,8 @@
         </p:nvSpPr>
         <p:spPr bwMode="auto">
           <a:xfrm>
-            <a:off x="645855" y="2137926"/>
-            <a:ext cx="7830066" cy="2585323"/>
+            <a:off x="645855" y="1795026"/>
+            <a:ext cx="7830066" cy="3416320"/>
           </a:xfrm>
           <a:prstGeom prst="rect">
             <a:avLst/>
@@ -6542,17 +6542,26 @@
               <a:buChar char="•"/>
             </a:pPr>
             <a:r>
+              <a:rPr lang="en-US" sz="5400" dirty="0" smtClean="0">
+                <a:latin typeface="Comic Sans MS" pitchFamily="66" charset="0"/>
+              </a:rPr>
+              <a:t>5-10 </a:t>
+            </a:r>
+            <a:r>
               <a:rPr lang="en-US" sz="5400" dirty="0">
                 <a:latin typeface="Comic Sans MS" pitchFamily="66" charset="0"/>
               </a:rPr>
-              <a:t>initial 5 min </a:t>
+              <a:t>min </a:t>
             </a:r>
             <a:r>
               <a:rPr lang="en-US" sz="5400" dirty="0" smtClean="0">
                 <a:latin typeface="Comic Sans MS" pitchFamily="66" charset="0"/>
               </a:rPr>
-              <a:t>overview</a:t>
-            </a:r>
+              <a:t>overview by team coach, then</a:t>
+            </a:r>
+            <a:endParaRPr lang="en-US" sz="5400" dirty="0" smtClean="0">
+              <a:latin typeface="Comic Sans MS" pitchFamily="66" charset="0"/>
+            </a:endParaRPr>
           </a:p>
           <a:p>
             <a:pPr marL="685800" indent="-685800" algn="l">
@@ -6591,7 +6600,152 @@
   <p:timing>
     <p:tnLst>
       <p:par>
-        <p:cTn xmlns:p14="http://schemas.microsoft.com/office/powerpoint/2010/main" id="1" dur="indefinite" restart="never" nodeType="tmRoot"/>
+        <p:cTn xmlns:p14="http://schemas.microsoft.com/office/powerpoint/2010/main" id="1" dur="indefinite" restart="never" nodeType="tmRoot">
+          <p:childTnLst>
+            <p:seq concurrent="1" nextAc="seek">
+              <p:cTn id="2" dur="indefinite" nodeType="mainSeq">
+                <p:childTnLst>
+                  <p:par>
+                    <p:cTn id="3" fill="hold">
+                      <p:stCondLst>
+                        <p:cond delay="indefinite"/>
+                      </p:stCondLst>
+                      <p:childTnLst>
+                        <p:par>
+                          <p:cTn id="4" fill="hold">
+                            <p:stCondLst>
+                              <p:cond delay="0"/>
+                            </p:stCondLst>
+                            <p:childTnLst>
+                              <p:par>
+                                <p:cTn id="5" presetID="9" presetClass="entr" presetSubtype="0" fill="hold" nodeType="clickEffect">
+                                  <p:stCondLst>
+                                    <p:cond delay="0"/>
+                                  </p:stCondLst>
+                                  <p:childTnLst>
+                                    <p:set>
+                                      <p:cBhvr>
+                                        <p:cTn id="6" dur="1" fill="hold">
+                                          <p:stCondLst>
+                                            <p:cond delay="0"/>
+                                          </p:stCondLst>
+                                        </p:cTn>
+                                        <p:tgtEl>
+                                          <p:spTgt spid="24580">
+                                            <p:txEl>
+                                              <p:pRg st="1" end="1"/>
+                                            </p:txEl>
+                                          </p:spTgt>
+                                        </p:tgtEl>
+                                        <p:attrNameLst>
+                                          <p:attrName>style.visibility</p:attrName>
+                                        </p:attrNameLst>
+                                      </p:cBhvr>
+                                      <p:to>
+                                        <p:strVal val="visible"/>
+                                      </p:to>
+                                    </p:set>
+                                    <p:animEffect transition="in" filter="dissolve">
+                                      <p:cBhvr>
+                                        <p:cTn id="7" dur="500"/>
+                                        <p:tgtEl>
+                                          <p:spTgt spid="24580">
+                                            <p:txEl>
+                                              <p:pRg st="1" end="1"/>
+                                            </p:txEl>
+                                          </p:spTgt>
+                                        </p:tgtEl>
+                                      </p:cBhvr>
+                                    </p:animEffect>
+                                  </p:childTnLst>
+                                </p:cTn>
+                              </p:par>
+                            </p:childTnLst>
+                          </p:cTn>
+                        </p:par>
+                      </p:childTnLst>
+                    </p:cTn>
+                  </p:par>
+                  <p:par>
+                    <p:cTn id="8" fill="hold">
+                      <p:stCondLst>
+                        <p:cond delay="indefinite"/>
+                      </p:stCondLst>
+                      <p:childTnLst>
+                        <p:par>
+                          <p:cTn id="9" fill="hold">
+                            <p:stCondLst>
+                              <p:cond delay="0"/>
+                            </p:stCondLst>
+                            <p:childTnLst>
+                              <p:par>
+                                <p:cTn id="10" presetID="9" presetClass="entr" presetSubtype="0" fill="hold" nodeType="clickEffect">
+                                  <p:stCondLst>
+                                    <p:cond delay="0"/>
+                                  </p:stCondLst>
+                                  <p:childTnLst>
+                                    <p:set>
+                                      <p:cBhvr>
+                                        <p:cTn id="11" dur="1" fill="hold">
+                                          <p:stCondLst>
+                                            <p:cond delay="0"/>
+                                          </p:stCondLst>
+                                        </p:cTn>
+                                        <p:tgtEl>
+                                          <p:spTgt spid="24580">
+                                            <p:txEl>
+                                              <p:pRg st="2" end="2"/>
+                                            </p:txEl>
+                                          </p:spTgt>
+                                        </p:tgtEl>
+                                        <p:attrNameLst>
+                                          <p:attrName>style.visibility</p:attrName>
+                                        </p:attrNameLst>
+                                      </p:cBhvr>
+                                      <p:to>
+                                        <p:strVal val="visible"/>
+                                      </p:to>
+                                    </p:set>
+                                    <p:animEffect transition="in" filter="dissolve">
+                                      <p:cBhvr>
+                                        <p:cTn id="12" dur="500"/>
+                                        <p:tgtEl>
+                                          <p:spTgt spid="24580">
+                                            <p:txEl>
+                                              <p:pRg st="2" end="2"/>
+                                            </p:txEl>
+                                          </p:spTgt>
+                                        </p:tgtEl>
+                                      </p:cBhvr>
+                                    </p:animEffect>
+                                  </p:childTnLst>
+                                </p:cTn>
+                              </p:par>
+                            </p:childTnLst>
+                          </p:cTn>
+                        </p:par>
+                      </p:childTnLst>
+                    </p:cTn>
+                  </p:par>
+                </p:childTnLst>
+              </p:cTn>
+              <p:prevCondLst>
+                <p:cond evt="onPrev" delay="0">
+                  <p:tgtEl>
+                    <p:sldTgt/>
+                  </p:tgtEl>
+                </p:cond>
+              </p:prevCondLst>
+              <p:nextCondLst>
+                <p:cond evt="onNext" delay="0">
+                  <p:tgtEl>
+                    <p:sldTgt/>
+                  </p:tgtEl>
+                </p:cond>
+              </p:nextCondLst>
+            </p:seq>
+          </p:childTnLst>
+        </p:cTn>
       </p:par>
     </p:tnLst>
   </p:timing>
@@ -6820,7 +6974,7 @@
   <p:clrMapOvr>
     <a:masterClrMapping/>
   </p:clrMapOvr>
-  <p:transition xmlns:p14="http://schemas.microsoft.com/office/powerpoint/2010/main" spd="slow">
+  <p:transition xmlns:p14="http://schemas.microsoft.com/office/powerpoint/2010/main" spd="slow" advClick="0">
     <p:fade/>
   </p:transition>
   <p:timing>
@@ -6844,7 +6998,7 @@
                             </p:stCondLst>
                             <p:childTnLst>
                               <p:par>
-                                <p:cTn id="5" presetID="1" presetClass="entr" presetSubtype="0" fill="hold" grpId="0" nodeType="clickEffect">
+                                <p:cTn id="5" presetID="9" presetClass="entr" presetSubtype="0" fill="hold" grpId="0" nodeType="clickEffect">
                                   <p:stCondLst>
                                     <p:cond delay="0"/>
                                   </p:stCondLst>
@@ -6871,6 +7025,18 @@
                                         <p:strVal val="visible"/>
                                       </p:to>
                                     </p:set>
+                                    <p:animEffect transition="in" filter="dissolve">
+                                      <p:cBhvr>
+                                        <p:cTn id="7" dur="500"/>
+                                        <p:tgtEl>
+                                          <p:spTgt spid="4">
+                                            <p:txEl>
+                                              <p:pRg st="1" end="1"/>
+                                            </p:txEl>
+                                          </p:spTgt>
+                                        </p:tgtEl>
+                                      </p:cBhvr>
+                                    </p:animEffect>
                                   </p:childTnLst>
                                 </p:cTn>
                               </p:par>
@@ -6881,26 +7047,26 @@
                     </p:cTn>
                   </p:par>
                   <p:par>
-                    <p:cTn id="7" fill="hold">
+                    <p:cTn id="8" fill="hold">
                       <p:stCondLst>
                         <p:cond delay="indefinite"/>
                       </p:stCondLst>
                       <p:childTnLst>
                         <p:par>
-                          <p:cTn id="8" fill="hold">
+                          <p:cTn id="9" fill="hold">
                             <p:stCondLst>
                               <p:cond delay="0"/>
                             </p:stCondLst>
                             <p:childTnLst>
                               <p:par>
-                                <p:cTn id="9" presetID="1" presetClass="entr" presetSubtype="0" fill="hold" grpId="0" nodeType="clickEffect">
+                                <p:cTn id="10" presetID="9" presetClass="entr" presetSubtype="0" fill="hold" grpId="0" nodeType="clickEffect">
                                   <p:stCondLst>
                                     <p:cond delay="0"/>
                                   </p:stCondLst>
                                   <p:childTnLst>
                                     <p:set>
                                       <p:cBhvr>
-                                        <p:cTn id="10" dur="1" fill="hold">
+                                        <p:cTn id="11" dur="1" fill="hold">
                                           <p:stCondLst>
                                             <p:cond delay="0"/>
                                           </p:stCondLst>
@@ -6920,6 +7086,18 @@
                                         <p:strVal val="visible"/>
                                       </p:to>
                                     </p:set>
+                                    <p:animEffect transition="in" filter="dissolve">
+                                      <p:cBhvr>
+                                        <p:cTn id="12" dur="500"/>
+                                        <p:tgtEl>
+                                          <p:spTgt spid="4">
+                                            <p:txEl>
+                                              <p:pRg st="2" end="2"/>
+                                            </p:txEl>
+                                          </p:spTgt>
+                                        </p:tgtEl>
+                                      </p:cBhvr>
+                                    </p:animEffect>
                                   </p:childTnLst>
                                 </p:cTn>
                               </p:par>
@@ -6930,26 +7108,26 @@
                     </p:cTn>
                   </p:par>
                   <p:par>
-                    <p:cTn id="11" fill="hold">
+                    <p:cTn id="13" fill="hold">
                       <p:stCondLst>
                         <p:cond delay="indefinite"/>
                       </p:stCondLst>
                       <p:childTnLst>
                         <p:par>
-                          <p:cTn id="12" fill="hold">
+                          <p:cTn id="14" fill="hold">
                             <p:stCondLst>
                               <p:cond delay="0"/>
                             </p:stCondLst>
                             <p:childTnLst>
                               <p:par>
-                                <p:cTn id="13" presetID="1" presetClass="entr" presetSubtype="0" fill="hold" grpId="0" nodeType="clickEffect">
+                                <p:cTn id="15" presetID="9" presetClass="entr" presetSubtype="0" fill="hold" grpId="0" nodeType="clickEffect">
                                   <p:stCondLst>
                                     <p:cond delay="0"/>
                                   </p:stCondLst>
                                   <p:childTnLst>
                                     <p:set>
                                       <p:cBhvr>
-                                        <p:cTn id="14" dur="1" fill="hold">
+                                        <p:cTn id="16" dur="1" fill="hold">
                                           <p:stCondLst>
                                             <p:cond delay="0"/>
                                           </p:stCondLst>
@@ -6969,6 +7147,18 @@
                                         <p:strVal val="visible"/>
                                       </p:to>
                                     </p:set>
+                                    <p:animEffect transition="in" filter="dissolve">
+                                      <p:cBhvr>
+                                        <p:cTn id="17" dur="500"/>
+                                        <p:tgtEl>
+                                          <p:spTgt spid="4">
+                                            <p:txEl>
+                                              <p:pRg st="3" end="3"/>
+                                            </p:txEl>
+                                          </p:spTgt>
+                                        </p:tgtEl>
+                                      </p:cBhvr>
+                                    </p:animEffect>
                                   </p:childTnLst>
                                 </p:cTn>
                               </p:par>
@@ -6979,26 +7169,26 @@
                     </p:cTn>
                   </p:par>
                   <p:par>
-                    <p:cTn id="15" fill="hold">
+                    <p:cTn id="18" fill="hold">
                       <p:stCondLst>
                         <p:cond delay="indefinite"/>
                       </p:stCondLst>
                       <p:childTnLst>
                         <p:par>
-                          <p:cTn id="16" fill="hold">
+                          <p:cTn id="19" fill="hold">
                             <p:stCondLst>
                               <p:cond delay="0"/>
                             </p:stCondLst>
                             <p:childTnLst>
                               <p:par>
-                                <p:cTn id="17" presetID="1" presetClass="entr" presetSubtype="0" fill="hold" grpId="0" nodeType="clickEffect">
+                                <p:cTn id="20" presetID="9" presetClass="entr" presetSubtype="0" fill="hold" grpId="0" nodeType="clickEffect">
                                   <p:stCondLst>
                                     <p:cond delay="0"/>
                                   </p:stCondLst>
                                   <p:childTnLst>
                                     <p:set>
                                       <p:cBhvr>
-                                        <p:cTn id="18" dur="1" fill="hold">
+                                        <p:cTn id="21" dur="1" fill="hold">
                                           <p:stCondLst>
                                             <p:cond delay="0"/>
                                           </p:stCondLst>
@@ -7018,55 +7208,18 @@
                                         <p:strVal val="visible"/>
                                       </p:to>
                                     </p:set>
-                                  </p:childTnLst>
-                                </p:cTn>
-                              </p:par>
-                            </p:childTnLst>
-                          </p:cTn>
-                        </p:par>
-                      </p:childTnLst>
-                    </p:cTn>
-                  </p:par>
-                  <p:par>
-                    <p:cTn id="19" fill="hold">
-                      <p:stCondLst>
-                        <p:cond delay="indefinite"/>
-                      </p:stCondLst>
-                      <p:childTnLst>
-                        <p:par>
-                          <p:cTn id="20" fill="hold">
-                            <p:stCondLst>
-                              <p:cond delay="0"/>
-                            </p:stCondLst>
-                            <p:childTnLst>
-                              <p:par>
-                                <p:cTn id="21" presetID="1" presetClass="entr" presetSubtype="0" fill="hold" grpId="0" nodeType="clickEffect">
-                                  <p:stCondLst>
-                                    <p:cond delay="0"/>
-                                  </p:stCondLst>
-                                  <p:childTnLst>
-                                    <p:set>
+                                    <p:animEffect transition="in" filter="dissolve">
                                       <p:cBhvr>
-                                        <p:cTn id="22" dur="1" fill="hold">
-                                          <p:stCondLst>
-                                            <p:cond delay="0"/>
-                                          </p:stCondLst>
-                                        </p:cTn>
+                                        <p:cTn id="22" dur="500"/>
                                         <p:tgtEl>
                                           <p:spTgt spid="4">
                                             <p:txEl>
-                                              <p:pRg st="5" end="5"/>
+                                              <p:pRg st="4" end="4"/>
                                             </p:txEl>
                                           </p:spTgt>
                                         </p:tgtEl>
-                                        <p:attrNameLst>
-                                          <p:attrName>style.visibility</p:attrName>
-                                        </p:attrNameLst>
                                       </p:cBhvr>
-                                      <p:to>
-                                        <p:strVal val="visible"/>
-                                      </p:to>
-                                    </p:set>
+                                    </p:animEffect>
                                   </p:childTnLst>
                                 </p:cTn>
                               </p:par>
@@ -7089,7 +7242,7 @@
                             </p:stCondLst>
                             <p:childTnLst>
                               <p:par>
-                                <p:cTn id="25" presetID="15" presetClass="entr" presetSubtype="0" fill="hold" grpId="0" nodeType="clickEffect">
+                                <p:cTn id="25" presetID="9" presetClass="entr" presetSubtype="0" fill="hold" grpId="0" nodeType="clickEffect">
                                   <p:stCondLst>
                                     <p:cond delay="0"/>
                                   </p:stCondLst>
@@ -7097,6 +7250,67 @@
                                     <p:set>
                                       <p:cBhvr>
                                         <p:cTn id="26" dur="1" fill="hold">
+                                          <p:stCondLst>
+                                            <p:cond delay="0"/>
+                                          </p:stCondLst>
+                                        </p:cTn>
+                                        <p:tgtEl>
+                                          <p:spTgt spid="4">
+                                            <p:txEl>
+                                              <p:pRg st="5" end="5"/>
+                                            </p:txEl>
+                                          </p:spTgt>
+                                        </p:tgtEl>
+                                        <p:attrNameLst>
+                                          <p:attrName>style.visibility</p:attrName>
+                                        </p:attrNameLst>
+                                      </p:cBhvr>
+                                      <p:to>
+                                        <p:strVal val="visible"/>
+                                      </p:to>
+                                    </p:set>
+                                    <p:animEffect transition="in" filter="dissolve">
+                                      <p:cBhvr>
+                                        <p:cTn id="27" dur="500"/>
+                                        <p:tgtEl>
+                                          <p:spTgt spid="4">
+                                            <p:txEl>
+                                              <p:pRg st="5" end="5"/>
+                                            </p:txEl>
+                                          </p:spTgt>
+                                        </p:tgtEl>
+                                      </p:cBhvr>
+                                    </p:animEffect>
+                                  </p:childTnLst>
+                                </p:cTn>
+                              </p:par>
+                            </p:childTnLst>
+                          </p:cTn>
+                        </p:par>
+                      </p:childTnLst>
+                    </p:cTn>
+                  </p:par>
+                  <p:par>
+                    <p:cTn id="28" fill="hold">
+                      <p:stCondLst>
+                        <p:cond delay="indefinite"/>
+                      </p:stCondLst>
+                      <p:childTnLst>
+                        <p:par>
+                          <p:cTn id="29" fill="hold">
+                            <p:stCondLst>
+                              <p:cond delay="0"/>
+                            </p:stCondLst>
+                            <p:childTnLst>
+                              <p:par>
+                                <p:cTn id="30" presetID="9" presetClass="entr" presetSubtype="0" fill="hold" grpId="0" nodeType="clickEffect">
+                                  <p:stCondLst>
+                                    <p:cond delay="0"/>
+                                  </p:stCondLst>
+                                  <p:childTnLst>
+                                    <p:set>
+                                      <p:cBhvr>
+                                        <p:cTn id="31" dur="1" fill="hold">
                                           <p:stCondLst>
                                             <p:cond delay="0"/>
                                           </p:stCondLst>
@@ -7116,9 +7330,9 @@
                                         <p:strVal val="visible"/>
                                       </p:to>
                                     </p:set>
-                                    <p:anim calcmode="lin" valueType="num">
+                                    <p:animEffect transition="in" filter="dissolve">
                                       <p:cBhvr>
-                                        <p:cTn id="27" dur="1000" fill="hold"/>
+                                        <p:cTn id="32" dur="500"/>
                                         <p:tgtEl>
                                           <p:spTgt spid="4">
                                             <p:txEl>
@@ -7126,104 +7340,8 @@
                                             </p:txEl>
                                           </p:spTgt>
                                         </p:tgtEl>
-                                        <p:attrNameLst>
-                                          <p:attrName>ppt_w</p:attrName>
-                                        </p:attrNameLst>
                                       </p:cBhvr>
-                                      <p:tavLst>
-                                        <p:tav tm="0">
-                                          <p:val>
-                                            <p:fltVal val="0"/>
-                                          </p:val>
-                                        </p:tav>
-                                        <p:tav tm="100000">
-                                          <p:val>
-                                            <p:strVal val="#ppt_w"/>
-                                          </p:val>
-                                        </p:tav>
-                                      </p:tavLst>
-                                    </p:anim>
-                                    <p:anim calcmode="lin" valueType="num">
-                                      <p:cBhvr>
-                                        <p:cTn id="28" dur="1000" fill="hold"/>
-                                        <p:tgtEl>
-                                          <p:spTgt spid="4">
-                                            <p:txEl>
-                                              <p:pRg st="6" end="6"/>
-                                            </p:txEl>
-                                          </p:spTgt>
-                                        </p:tgtEl>
-                                        <p:attrNameLst>
-                                          <p:attrName>ppt_h</p:attrName>
-                                        </p:attrNameLst>
-                                      </p:cBhvr>
-                                      <p:tavLst>
-                                        <p:tav tm="0">
-                                          <p:val>
-                                            <p:fltVal val="0"/>
-                                          </p:val>
-                                        </p:tav>
-                                        <p:tav tm="100000">
-                                          <p:val>
-                                            <p:strVal val="#ppt_h"/>
-                                          </p:val>
-                                        </p:tav>
-                                      </p:tavLst>
-                                    </p:anim>
-                                    <p:anim calcmode="lin" valueType="num">
-                                      <p:cBhvr>
-                                        <p:cTn id="29" dur="1000" fill="hold"/>
-                                        <p:tgtEl>
-                                          <p:spTgt spid="4">
-                                            <p:txEl>
-                                              <p:pRg st="6" end="6"/>
-                                            </p:txEl>
-                                          </p:spTgt>
-                                        </p:tgtEl>
-                                        <p:attrNameLst>
-                                          <p:attrName>ppt_x</p:attrName>
-                                        </p:attrNameLst>
-                                      </p:cBhvr>
-                                      <p:tavLst>
-                                        <p:tav tm="0" fmla="#ppt_x+(cos(-2*pi*(1-$))*-#ppt_x-sin(-2*pi*(1-$))*(1-#ppt_y))*(1-$)">
-                                          <p:val>
-                                            <p:fltVal val="0"/>
-                                          </p:val>
-                                        </p:tav>
-                                        <p:tav tm="100000">
-                                          <p:val>
-                                            <p:fltVal val="1"/>
-                                          </p:val>
-                                        </p:tav>
-                                      </p:tavLst>
-                                    </p:anim>
-                                    <p:anim calcmode="lin" valueType="num">
-                                      <p:cBhvr>
-                                        <p:cTn id="30" dur="1000" fill="hold"/>
-                                        <p:tgtEl>
-                                          <p:spTgt spid="4">
-                                            <p:txEl>
-                                              <p:pRg st="6" end="6"/>
-                                            </p:txEl>
-                                          </p:spTgt>
-                                        </p:tgtEl>
-                                        <p:attrNameLst>
-                                          <p:attrName>ppt_y</p:attrName>
-                                        </p:attrNameLst>
-                                      </p:cBhvr>
-                                      <p:tavLst>
-                                        <p:tav tm="0" fmla="#ppt_y+(sin(-2*pi*(1-$))*-#ppt_x+cos(-2*pi*(1-$))*(1-#ppt_y))*(1-$)">
-                                          <p:val>
-                                            <p:fltVal val="0"/>
-                                          </p:val>
-                                        </p:tav>
-                                        <p:tav tm="100000">
-                                          <p:val>
-                                            <p:fltVal val="1"/>
-                                          </p:val>
-                                        </p:tav>
-                                      </p:tavLst>
-                                    </p:anim>
+                                    </p:animEffect>
                                   </p:childTnLst>
                                 </p:cTn>
                               </p:par>
@@ -7462,7 +7580,7 @@
             <a:r>
               <a:rPr lang="en-US" sz="4800" dirty="0" smtClean="0">
                 <a:solidFill>
-                  <a:srgbClr val="FF6600"/>
+                  <a:srgbClr val="CB21DD"/>
                 </a:solidFill>
                 <a:latin typeface="Comic Sans MS" pitchFamily="66" charset="0"/>
               </a:rPr>
@@ -7510,7 +7628,7 @@
   <p:clrMapOvr>
     <a:masterClrMapping/>
   </p:clrMapOvr>
-  <p:transition xmlns:p14="http://schemas.microsoft.com/office/powerpoint/2010/main" spd="slow">
+  <p:transition xmlns:p14="http://schemas.microsoft.com/office/powerpoint/2010/main" spd="slow" advClick="0">
     <p:fade/>
   </p:transition>
   <p:timing>
@@ -8044,7 +8162,19 @@
               <a:rPr lang="en-US" sz="6000" dirty="0" smtClean="0">
                 <a:latin typeface="Comic Sans MS" pitchFamily="66" charset="0"/>
               </a:rPr>
-              <a:t>Your TA/LA will be working to bring out the </a:t>
+              <a:t>Your </a:t>
+            </a:r>
+            <a:r>
+              <a:rPr lang="en-US" sz="6000" dirty="0" smtClean="0">
+                <a:latin typeface="Comic Sans MS" pitchFamily="66" charset="0"/>
+              </a:rPr>
+              <a:t>team coach </a:t>
+            </a:r>
+            <a:r>
+              <a:rPr lang="en-US" sz="6000" dirty="0" smtClean="0">
+                <a:latin typeface="Comic Sans MS" pitchFamily="66" charset="0"/>
+              </a:rPr>
+              <a:t>will be working to bring out the </a:t>
             </a:r>
             <a:r>
               <a:rPr lang="en-US" sz="6000" dirty="0" smtClean="0">
@@ -8094,7 +8224,7 @@
   <p:clrMapOvr>
     <a:masterClrMapping/>
   </p:clrMapOvr>
-  <p:transition xmlns:p14="http://schemas.microsoft.com/office/powerpoint/2010/main" spd="slow">
+  <p:transition xmlns:p14="http://schemas.microsoft.com/office/powerpoint/2010/main" spd="slow" advClick="0">
     <p:fade/>
   </p:transition>
   <p:timing>
@@ -8228,7 +8358,7 @@
   <p:clrMapOvr>
     <a:masterClrMapping/>
   </p:clrMapOvr>
-  <p:transition xmlns:p14="http://schemas.microsoft.com/office/powerpoint/2010/main" spd="slow">
+  <p:transition xmlns:p14="http://schemas.microsoft.com/office/powerpoint/2010/main" spd="slow" advClick="0">
     <p:fade/>
   </p:transition>
   <p:timing>
@@ -8365,7 +8495,7 @@
   <p:clrMapOvr>
     <a:masterClrMapping/>
   </p:clrMapOvr>
-  <p:transition xmlns:p14="http://schemas.microsoft.com/office/powerpoint/2010/main" spd="slow">
+  <p:transition xmlns:p14="http://schemas.microsoft.com/office/powerpoint/2010/main" spd="slow" advClick="0">
     <p:fade/>
   </p:transition>
   <p:timing>
@@ -8927,7 +9057,7 @@
           <a:graphicData uri="http://schemas.openxmlformats.org/presentationml/2006/ole">
             <mc:AlternateContent xmlns:mc="http://schemas.openxmlformats.org/markup-compatibility/2006">
               <mc:Choice xmlns:v="urn:schemas-microsoft-com:vml" Requires="v">
-                <p:oleObj spid="_x0000_s150581" name="Equation" r:id="rId4" imgW="838200" imgH="241300" progId="Equation.DSMT4">
+                <p:oleObj spid="_x0000_s150589" name="Equation" r:id="rId4" imgW="838200" imgH="241300" progId="Equation.DSMT4">
                   <p:embed/>
                 </p:oleObj>
               </mc:Choice>
@@ -9010,7 +9140,7 @@
                             </p:stCondLst>
                             <p:childTnLst>
                               <p:par>
-                                <p:cTn id="5" presetID="1" presetClass="entr" presetSubtype="0" fill="hold" nodeType="clickEffect">
+                                <p:cTn id="5" presetID="22" presetClass="entr" presetSubtype="8" fill="hold" nodeType="clickEffect">
                                   <p:stCondLst>
                                     <p:cond delay="0"/>
                                   </p:stCondLst>
@@ -9018,6 +9148,59 @@
                                     <p:set>
                                       <p:cBhvr>
                                         <p:cTn id="6" dur="1" fill="hold">
+                                          <p:stCondLst>
+                                            <p:cond delay="0"/>
+                                          </p:stCondLst>
+                                        </p:cTn>
+                                        <p:tgtEl>
+                                          <p:spTgt spid="18"/>
+                                        </p:tgtEl>
+                                        <p:attrNameLst>
+                                          <p:attrName>style.visibility</p:attrName>
+                                        </p:attrNameLst>
+                                      </p:cBhvr>
+                                      <p:to>
+                                        <p:strVal val="visible"/>
+                                      </p:to>
+                                    </p:set>
+                                    <p:animEffect transition="in" filter="wipe(left)">
+                                      <p:cBhvr>
+                                        <p:cTn id="7" dur="1000"/>
+                                        <p:tgtEl>
+                                          <p:spTgt spid="18"/>
+                                        </p:tgtEl>
+                                      </p:cBhvr>
+                                    </p:animEffect>
+                                  </p:childTnLst>
+                                </p:cTn>
+                              </p:par>
+                            </p:childTnLst>
+                          </p:cTn>
+                        </p:par>
+                      </p:childTnLst>
+                    </p:cTn>
+                  </p:par>
+                  <p:par>
+                    <p:cTn id="8" fill="hold">
+                      <p:stCondLst>
+                        <p:cond delay="indefinite"/>
+                      </p:stCondLst>
+                      <p:childTnLst>
+                        <p:par>
+                          <p:cTn id="9" fill="hold">
+                            <p:stCondLst>
+                              <p:cond delay="0"/>
+                            </p:stCondLst>
+                            <p:childTnLst>
+                              <p:par>
+                                <p:cTn id="10" presetID="1" presetClass="entr" presetSubtype="0" fill="hold" nodeType="clickEffect">
+                                  <p:stCondLst>
+                                    <p:cond delay="0"/>
+                                  </p:stCondLst>
+                                  <p:childTnLst>
+                                    <p:set>
+                                      <p:cBhvr>
+                                        <p:cTn id="11" dur="1" fill="hold">
                                           <p:stCondLst>
                                             <p:cond delay="0"/>
                                           </p:stCondLst>
@@ -9047,26 +9230,26 @@
                     </p:cTn>
                   </p:par>
                   <p:par>
-                    <p:cTn id="7" fill="hold">
+                    <p:cTn id="12" fill="hold">
                       <p:stCondLst>
                         <p:cond delay="indefinite"/>
                       </p:stCondLst>
                       <p:childTnLst>
                         <p:par>
-                          <p:cTn id="8" fill="hold">
+                          <p:cTn id="13" fill="hold">
                             <p:stCondLst>
                               <p:cond delay="0"/>
                             </p:stCondLst>
                             <p:childTnLst>
                               <p:par>
-                                <p:cTn id="9" presetID="1" presetClass="entr" presetSubtype="0" fill="hold" grpId="0" nodeType="clickEffect">
+                                <p:cTn id="14" presetID="9" presetClass="entr" presetSubtype="0" fill="hold" grpId="0" nodeType="clickEffect">
                                   <p:stCondLst>
                                     <p:cond delay="0"/>
                                   </p:stCondLst>
                                   <p:childTnLst>
                                     <p:set>
                                       <p:cBhvr>
-                                        <p:cTn id="10" dur="1" fill="hold">
+                                        <p:cTn id="15" dur="1" fill="hold">
                                           <p:stCondLst>
                                             <p:cond delay="0"/>
                                           </p:stCondLst>
@@ -9082,6 +9265,14 @@
                                         <p:strVal val="visible"/>
                                       </p:to>
                                     </p:set>
+                                    <p:animEffect transition="in" filter="dissolve">
+                                      <p:cBhvr>
+                                        <p:cTn id="16" dur="500"/>
+                                        <p:tgtEl>
+                                          <p:spTgt spid="8241"/>
+                                        </p:tgtEl>
+                                      </p:cBhvr>
+                                    </p:animEffect>
                                   </p:childTnLst>
                                 </p:cTn>
                               </p:par>
@@ -9092,26 +9283,26 @@
                     </p:cTn>
                   </p:par>
                   <p:par>
-                    <p:cTn id="11" fill="hold">
+                    <p:cTn id="17" fill="hold">
                       <p:stCondLst>
                         <p:cond delay="indefinite"/>
                       </p:stCondLst>
                       <p:childTnLst>
                         <p:par>
-                          <p:cTn id="12" fill="hold">
+                          <p:cTn id="18" fill="hold">
                             <p:stCondLst>
                               <p:cond delay="0"/>
                             </p:stCondLst>
                             <p:childTnLst>
                               <p:par>
-                                <p:cTn id="13" presetID="1" presetClass="entr" presetSubtype="0" fill="hold" nodeType="clickEffect">
+                                <p:cTn id="19" presetID="1" presetClass="entr" presetSubtype="0" fill="hold" nodeType="clickEffect">
                                   <p:stCondLst>
                                     <p:cond delay="0"/>
                                   </p:stCondLst>
                                   <p:childTnLst>
                                     <p:set>
                                       <p:cBhvr>
-                                        <p:cTn id="14" dur="1" fill="hold">
+                                        <p:cTn id="20" dur="1" fill="hold">
                                           <p:stCondLst>
                                             <p:cond delay="0"/>
                                           </p:stCondLst>
@@ -9141,26 +9332,26 @@
                     </p:cTn>
                   </p:par>
                   <p:par>
-                    <p:cTn id="15" fill="hold">
+                    <p:cTn id="21" fill="hold">
                       <p:stCondLst>
                         <p:cond delay="indefinite"/>
                       </p:stCondLst>
                       <p:childTnLst>
                         <p:par>
-                          <p:cTn id="16" fill="hold">
+                          <p:cTn id="22" fill="hold">
                             <p:stCondLst>
                               <p:cond delay="0"/>
                             </p:stCondLst>
                             <p:childTnLst>
                               <p:par>
-                                <p:cTn id="17" presetID="1" presetClass="entr" presetSubtype="0" fill="hold" grpId="0" nodeType="clickEffect">
+                                <p:cTn id="23" presetID="9" presetClass="entr" presetSubtype="0" fill="hold" grpId="0" nodeType="clickEffect">
                                   <p:stCondLst>
                                     <p:cond delay="0"/>
                                   </p:stCondLst>
                                   <p:childTnLst>
                                     <p:set>
                                       <p:cBhvr>
-                                        <p:cTn id="18" dur="1" fill="hold">
+                                        <p:cTn id="24" dur="1" fill="hold">
                                           <p:stCondLst>
                                             <p:cond delay="0"/>
                                           </p:stCondLst>
@@ -9176,6 +9367,14 @@
                                         <p:strVal val="visible"/>
                                       </p:to>
                                     </p:set>
+                                    <p:animEffect transition="in" filter="dissolve">
+                                      <p:cBhvr>
+                                        <p:cTn id="25" dur="500"/>
+                                        <p:tgtEl>
+                                          <p:spTgt spid="8242"/>
+                                        </p:tgtEl>
+                                      </p:cBhvr>
+                                    </p:animEffect>
                                   </p:childTnLst>
                                 </p:cTn>
                               </p:par>
@@ -9873,7 +10072,7 @@
           <a:graphicData uri="http://schemas.openxmlformats.org/presentationml/2006/ole">
             <mc:AlternateContent xmlns:mc="http://schemas.openxmlformats.org/markup-compatibility/2006">
               <mc:Choice xmlns:v="urn:schemas-microsoft-com:vml" Requires="v">
-                <p:oleObj spid="_x0000_s6233" name="Equation" r:id="rId4" imgW="304560" imgH="139680" progId="Equation.DSMT4">
+                <p:oleObj spid="_x0000_s6249" name="Equation" r:id="rId4" imgW="304560" imgH="139680" progId="Equation.DSMT4">
                   <p:embed/>
                 </p:oleObj>
               </mc:Choice>
@@ -9943,7 +10142,7 @@
           <a:graphicData uri="http://schemas.openxmlformats.org/presentationml/2006/ole">
             <mc:AlternateContent xmlns:mc="http://schemas.openxmlformats.org/markup-compatibility/2006">
               <mc:Choice xmlns:v="urn:schemas-microsoft-com:vml" Requires="v">
-                <p:oleObj spid="_x0000_s6234" name="Equation" r:id="rId6" imgW="304560" imgH="139680" progId="Equation.DSMT4">
+                <p:oleObj spid="_x0000_s6250" name="Equation" r:id="rId6" imgW="304560" imgH="139680" progId="Equation.DSMT4">
                   <p:embed/>
                 </p:oleObj>
               </mc:Choice>
@@ -10166,7 +10365,7 @@
                             </p:stCondLst>
                             <p:childTnLst>
                               <p:par>
-                                <p:cTn id="5" presetID="1" presetClass="entr" presetSubtype="0" fill="hold" grpId="0" nodeType="clickEffect">
+                                <p:cTn id="5" presetID="9" presetClass="entr" presetSubtype="0" fill="hold" grpId="0" nodeType="clickEffect">
                                   <p:stCondLst>
                                     <p:cond delay="0"/>
                                   </p:stCondLst>
@@ -10193,6 +10392,18 @@
                                         <p:strVal val="visible"/>
                                       </p:to>
                                     </p:set>
+                                    <p:animEffect transition="in" filter="dissolve">
+                                      <p:cBhvr>
+                                        <p:cTn id="7" dur="500"/>
+                                        <p:tgtEl>
+                                          <p:spTgt spid="9376">
+                                            <p:txEl>
+                                              <p:pRg st="0" end="0"/>
+                                            </p:txEl>
+                                          </p:spTgt>
+                                        </p:tgtEl>
+                                      </p:cBhvr>
+                                    </p:animEffect>
                                   </p:childTnLst>
                                 </p:cTn>
                               </p:par>
@@ -10203,26 +10414,26 @@
                     </p:cTn>
                   </p:par>
                   <p:par>
-                    <p:cTn id="7" fill="hold">
+                    <p:cTn id="8" fill="hold">
                       <p:stCondLst>
                         <p:cond delay="indefinite"/>
                       </p:stCondLst>
                       <p:childTnLst>
                         <p:par>
-                          <p:cTn id="8" fill="hold">
+                          <p:cTn id="9" fill="hold">
                             <p:stCondLst>
                               <p:cond delay="0"/>
                             </p:stCondLst>
                             <p:childTnLst>
                               <p:par>
-                                <p:cTn id="9" presetID="9" presetClass="entr" presetSubtype="0" fill="hold" grpId="0" nodeType="clickEffect">
+                                <p:cTn id="10" presetID="9" presetClass="entr" presetSubtype="0" fill="hold" grpId="0" nodeType="clickEffect">
                                   <p:stCondLst>
                                     <p:cond delay="0"/>
                                   </p:stCondLst>
                                   <p:childTnLst>
                                     <p:set>
                                       <p:cBhvr>
-                                        <p:cTn id="10" dur="1" fill="hold">
+                                        <p:cTn id="11" dur="1" fill="hold">
                                           <p:stCondLst>
                                             <p:cond delay="0"/>
                                           </p:stCondLst>
@@ -10244,7 +10455,7 @@
                                     </p:set>
                                     <p:animEffect transition="in" filter="dissolve">
                                       <p:cBhvr>
-                                        <p:cTn id="11" dur="500"/>
+                                        <p:cTn id="12" dur="500"/>
                                         <p:tgtEl>
                                           <p:spTgt spid="9376">
                                             <p:txEl>
@@ -10264,26 +10475,26 @@
                     </p:cTn>
                   </p:par>
                   <p:par>
-                    <p:cTn id="12" fill="hold">
+                    <p:cTn id="13" fill="hold">
                       <p:stCondLst>
                         <p:cond delay="indefinite"/>
                       </p:stCondLst>
                       <p:childTnLst>
                         <p:par>
-                          <p:cTn id="13" fill="hold">
+                          <p:cTn id="14" fill="hold">
                             <p:stCondLst>
                               <p:cond delay="0"/>
                             </p:stCondLst>
                             <p:childTnLst>
                               <p:par>
-                                <p:cTn id="14" presetID="9" presetClass="entr" presetSubtype="0" fill="hold" grpId="0" nodeType="clickEffect">
+                                <p:cTn id="15" presetID="9" presetClass="entr" presetSubtype="0" fill="hold" grpId="0" nodeType="clickEffect">
                                   <p:stCondLst>
                                     <p:cond delay="0"/>
                                   </p:stCondLst>
                                   <p:childTnLst>
                                     <p:set>
                                       <p:cBhvr>
-                                        <p:cTn id="15" dur="1" fill="hold">
+                                        <p:cTn id="16" dur="1" fill="hold">
                                           <p:stCondLst>
                                             <p:cond delay="0"/>
                                           </p:stCondLst>
@@ -10305,7 +10516,7 @@
                                     </p:set>
                                     <p:animEffect transition="in" filter="dissolve">
                                       <p:cBhvr>
-                                        <p:cTn id="16" dur="500"/>
+                                        <p:cTn id="17" dur="500"/>
                                         <p:tgtEl>
                                           <p:spTgt spid="9376">
                                             <p:txEl>
@@ -10907,8 +11118,8 @@
   <p:clrMapOvr>
     <a:masterClrMapping/>
   </p:clrMapOvr>
-  <p:transition xmlns:p14="http://schemas.microsoft.com/office/powerpoint/2010/main" spd="slow">
-    <p:fade/>
+  <p:transition xmlns:p14="http://schemas.microsoft.com/office/powerpoint/2010/main" spd="slow" advClick="0">
+    <p:fade thruBlk="1"/>
   </p:transition>
   <p:timing>
     <p:tnLst>
@@ -11369,7 +11580,7 @@
           <a:graphicData uri="http://schemas.openxmlformats.org/presentationml/2006/ole">
             <mc:AlternateContent xmlns:mc="http://schemas.openxmlformats.org/markup-compatibility/2006">
               <mc:Choice xmlns:v="urn:schemas-microsoft-com:vml" Requires="v">
-                <p:oleObj spid="_x0000_s7255" name="Equation" r:id="rId4" imgW="304560" imgH="139680" progId="Equation.DSMT4">
+                <p:oleObj spid="_x0000_s7269" name="Equation" r:id="rId4" imgW="304560" imgH="139680" progId="Equation.DSMT4">
                   <p:embed/>
                 </p:oleObj>
               </mc:Choice>
@@ -11439,7 +11650,7 @@
           <a:graphicData uri="http://schemas.openxmlformats.org/presentationml/2006/ole">
             <mc:AlternateContent xmlns:mc="http://schemas.openxmlformats.org/markup-compatibility/2006">
               <mc:Choice xmlns:v="urn:schemas-microsoft-com:vml" Requires="v">
-                <p:oleObj spid="_x0000_s7256" name="Equation" r:id="rId6" imgW="304560" imgH="139680" progId="Equation.DSMT4">
+                <p:oleObj spid="_x0000_s7270" name="Equation" r:id="rId6" imgW="304560" imgH="139680" progId="Equation.DSMT4">
                   <p:embed/>
                 </p:oleObj>
               </mc:Choice>
@@ -11733,7 +11944,7 @@
   <p:clrMapOvr>
     <a:masterClrMapping/>
   </p:clrMapOvr>
-  <p:transition xmlns:p14="http://schemas.microsoft.com/office/powerpoint/2010/main" spd="slow">
+  <p:transition xmlns:p14="http://schemas.microsoft.com/office/powerpoint/2010/main" spd="slow" advClick="0">
     <p:fade/>
   </p:transition>
   <p:timing>
@@ -11967,7 +12178,7 @@
           <a:graphicData uri="http://schemas.openxmlformats.org/presentationml/2006/ole">
             <mc:AlternateContent xmlns:mc="http://schemas.openxmlformats.org/markup-compatibility/2006">
               <mc:Choice xmlns:v="urn:schemas-microsoft-com:vml" Requires="v">
-                <p:oleObj spid="_x0000_s194605" name="Equation" r:id="rId4" imgW="914400" imgH="215640" progId="Equation.3">
+                <p:oleObj spid="_x0000_s194619" name="Equation" r:id="rId4" imgW="914400" imgH="215640" progId="Equation.3">
                   <p:embed/>
                 </p:oleObj>
               </mc:Choice>
@@ -12037,7 +12248,7 @@
           <a:graphicData uri="http://schemas.openxmlformats.org/presentationml/2006/ole">
             <mc:AlternateContent xmlns:mc="http://schemas.openxmlformats.org/markup-compatibility/2006">
               <mc:Choice xmlns:v="urn:schemas-microsoft-com:vml" Requires="v">
-                <p:oleObj spid="_x0000_s194606" name="Equation" r:id="rId6" imgW="914400" imgH="215640" progId="Equation.3">
+                <p:oleObj spid="_x0000_s194620" name="Equation" r:id="rId6" imgW="914400" imgH="215640" progId="Equation.3">
                   <p:embed/>
                 </p:oleObj>
               </mc:Choice>
@@ -12101,7 +12312,7 @@
   <p:clrMapOvr>
     <a:masterClrMapping/>
   </p:clrMapOvr>
-  <p:transition xmlns:p14="http://schemas.microsoft.com/office/powerpoint/2010/main" spd="slow">
+  <p:transition xmlns:p14="http://schemas.microsoft.com/office/powerpoint/2010/main" spd="slow" advClick="0">
     <p:fade/>
   </p:transition>
   <p:timing>
@@ -12208,7 +12419,7 @@
           <a:graphicData uri="http://schemas.openxmlformats.org/presentationml/2006/ole">
             <mc:AlternateContent xmlns:mc="http://schemas.openxmlformats.org/markup-compatibility/2006">
               <mc:Choice xmlns:v="urn:schemas-microsoft-com:vml" Requires="v">
-                <p:oleObj spid="_x0000_s209950" name="Equation" r:id="rId4" imgW="114120" imgH="177480" progId="Equation.DSMT4">
+                <p:oleObj spid="_x0000_s209966" name="Equation" r:id="rId4" imgW="114120" imgH="177480" progId="Equation.DSMT4">
                   <p:embed/>
                 </p:oleObj>
               </mc:Choice>
@@ -12813,7 +13024,7 @@
           <a:graphicData uri="http://schemas.openxmlformats.org/presentationml/2006/ole">
             <mc:AlternateContent xmlns:mc="http://schemas.openxmlformats.org/markup-compatibility/2006">
               <mc:Choice xmlns:v="urn:schemas-microsoft-com:vml" Requires="v">
-                <p:oleObj spid="_x0000_s209951" name="Equation" r:id="rId6" imgW="635000" imgH="469900" progId="Equation.DSMT4">
+                <p:oleObj spid="_x0000_s209967" name="Equation" r:id="rId6" imgW="635000" imgH="469900" progId="Equation.DSMT4">
                   <p:embed/>
                 </p:oleObj>
               </mc:Choice>
@@ -12858,7 +13069,7 @@
   <p:clrMapOvr>
     <a:masterClrMapping/>
   </p:clrMapOvr>
-  <p:transition xmlns:p14="http://schemas.microsoft.com/office/powerpoint/2010/main" spd="slow">
+  <p:transition xmlns:p14="http://schemas.microsoft.com/office/powerpoint/2010/main" spd="slow" advClick="0">
     <p:fade/>
   </p:transition>
   <p:timing>
@@ -13041,7 +13252,7 @@
           <a:graphicData uri="http://schemas.openxmlformats.org/presentationml/2006/ole">
             <mc:AlternateContent xmlns:mc="http://schemas.openxmlformats.org/markup-compatibility/2006">
               <mc:Choice xmlns:v="urn:schemas-microsoft-com:vml" Requires="v">
-                <p:oleObj spid="_x0000_s187453" name="Equation" r:id="rId4" imgW="114120" imgH="177480" progId="Equation.DSMT4">
+                <p:oleObj spid="_x0000_s187467" name="Equation" r:id="rId4" imgW="114120" imgH="177480" progId="Equation.DSMT4">
                   <p:embed/>
                 </p:oleObj>
               </mc:Choice>
@@ -13720,7 +13931,7 @@
           <a:graphicData uri="http://schemas.openxmlformats.org/presentationml/2006/ole">
             <mc:AlternateContent xmlns:mc="http://schemas.openxmlformats.org/markup-compatibility/2006">
               <mc:Choice xmlns:v="urn:schemas-microsoft-com:vml" Requires="v">
-                <p:oleObj spid="_x0000_s187454" name="Equation" r:id="rId6" imgW="635000" imgH="444500" progId="Equation.DSMT4">
+                <p:oleObj spid="_x0000_s187468" name="Equation" r:id="rId6" imgW="635000" imgH="444500" progId="Equation.DSMT4">
                   <p:embed/>
                 </p:oleObj>
               </mc:Choice>
@@ -13765,7 +13976,7 @@
   <p:clrMapOvr>
     <a:masterClrMapping/>
   </p:clrMapOvr>
-  <p:transition xmlns:p14="http://schemas.microsoft.com/office/powerpoint/2010/main" spd="slow">
+  <p:transition xmlns:p14="http://schemas.microsoft.com/office/powerpoint/2010/main" spd="slow" advClick="0">
     <p:fade/>
   </p:transition>
   <p:timing>
@@ -15482,7 +15693,7 @@
   <p:clrMapOvr>
     <a:masterClrMapping/>
   </p:clrMapOvr>
-  <p:transition xmlns:p14="http://schemas.microsoft.com/office/powerpoint/2010/main" spd="slow">
+  <p:transition xmlns:p14="http://schemas.microsoft.com/office/powerpoint/2010/main" spd="slow" advClick="0">
     <p:fade thruBlk="1"/>
   </p:transition>
   <p:timing>
@@ -17705,7 +17916,7 @@
   <p:clrMapOvr>
     <a:masterClrMapping/>
   </p:clrMapOvr>
-  <p:transition xmlns:p14="http://schemas.microsoft.com/office/powerpoint/2010/main" spd="slow">
+  <p:transition xmlns:p14="http://schemas.microsoft.com/office/powerpoint/2010/main" spd="slow" advClick="0">
     <p:fade/>
   </p:transition>
   <p:timing>
@@ -18573,7 +18784,7 @@
   <p:clrMapOvr>
     <a:masterClrMapping/>
   </p:clrMapOvr>
-  <p:transition xmlns:p14="http://schemas.microsoft.com/office/powerpoint/2010/main" spd="slow">
+  <p:transition xmlns:p14="http://schemas.microsoft.com/office/powerpoint/2010/main" spd="slow" advClick="0">
     <p:fade/>
   </p:transition>
   <p:timing>
@@ -18894,22 +19105,28 @@
           <p:cNvGraphicFramePr>
             <a:graphicFrameLocks noChangeAspect="1"/>
           </p:cNvGraphicFramePr>
-          <p:nvPr/>
+          <p:nvPr>
+            <p:extLst>
+              <p:ext uri="{D42A27DB-BD31-4B8C-83A1-F6EECF244321}">
+                <p14:modId xmlns:p14="http://schemas.microsoft.com/office/powerpoint/2010/main" val="1062783483"/>
+              </p:ext>
+            </p:extLst>
+          </p:nvPr>
         </p:nvGraphicFramePr>
         <p:xfrm>
-          <a:off x="468313" y="4532313"/>
-          <a:ext cx="3549650" cy="1255712"/>
+          <a:off x="450850" y="4514850"/>
+          <a:ext cx="3586163" cy="1290638"/>
         </p:xfrm>
         <a:graphic>
           <a:graphicData uri="http://schemas.openxmlformats.org/presentationml/2006/ole">
             <mc:AlternateContent xmlns:mc="http://schemas.openxmlformats.org/markup-compatibility/2006">
               <mc:Choice xmlns:v="urn:schemas-microsoft-com:vml" Requires="v">
-                <p:oleObj spid="_x0000_s9344" name="Equation" r:id="rId4" imgW="1257120" imgH="444240" progId="Equation.DSMT4">
+                <p:oleObj spid="_x0000_s9365" name="Equation" r:id="rId4" imgW="1270000" imgH="457200" progId="Equation.DSMT4">
                   <p:embed/>
                 </p:oleObj>
               </mc:Choice>
               <mc:Fallback>
-                <p:oleObj name="Equation" r:id="rId4" imgW="1257120" imgH="444240" progId="Equation.DSMT4">
+                <p:oleObj name="Equation" r:id="rId4" imgW="1270000" imgH="457200" progId="Equation.DSMT4">
                   <p:embed/>
                   <p:pic>
                     <p:nvPicPr>
@@ -18920,13 +19137,7 @@
                       <p:nvPr/>
                     </p:nvPicPr>
                     <p:blipFill>
-                      <a:blip r:embed="rId5">
-                        <a:extLst>
-                          <a:ext uri="{28A0092B-C50C-407E-A947-70E740481C1C}">
-                            <a14:useLocalDpi xmlns:a14="http://schemas.microsoft.com/office/drawing/2010/main" val="0"/>
-                          </a:ext>
-                        </a:extLst>
-                      </a:blip>
+                      <a:blip r:embed="rId5"/>
                       <a:srcRect/>
                       <a:stretch>
                         <a:fillRect/>
@@ -18934,8 +19145,8 @@
                     </p:blipFill>
                     <p:spPr bwMode="auto">
                       <a:xfrm>
-                        <a:off x="468313" y="4532313"/>
-                        <a:ext cx="3549650" cy="1255712"/>
+                        <a:off x="450850" y="4514850"/>
+                        <a:ext cx="3586163" cy="1290638"/>
                       </a:xfrm>
                       <a:prstGeom prst="rect">
                         <a:avLst/>
@@ -18989,22 +19200,28 @@
           <p:cNvGraphicFramePr>
             <a:graphicFrameLocks noChangeAspect="1"/>
           </p:cNvGraphicFramePr>
-          <p:nvPr/>
+          <p:nvPr>
+            <p:extLst>
+              <p:ext uri="{D42A27DB-BD31-4B8C-83A1-F6EECF244321}">
+                <p14:modId xmlns:p14="http://schemas.microsoft.com/office/powerpoint/2010/main" val="2170936243"/>
+              </p:ext>
+            </p:extLst>
+          </p:nvPr>
         </p:nvGraphicFramePr>
         <p:xfrm>
-          <a:off x="5168900" y="4600575"/>
-          <a:ext cx="3535363" cy="1235075"/>
+          <a:off x="5168900" y="4583113"/>
+          <a:ext cx="3535363" cy="1270000"/>
         </p:xfrm>
         <a:graphic>
           <a:graphicData uri="http://schemas.openxmlformats.org/presentationml/2006/ole">
             <mc:AlternateContent xmlns:mc="http://schemas.openxmlformats.org/markup-compatibility/2006">
               <mc:Choice xmlns:v="urn:schemas-microsoft-com:vml" Requires="v">
-                <p:oleObj spid="_x0000_s9345" name="Equation" r:id="rId6" imgW="1269720" imgH="444240" progId="Equation.DSMT4">
+                <p:oleObj spid="_x0000_s9366" name="Equation" r:id="rId6" imgW="1270000" imgH="457200" progId="Equation.DSMT4">
                   <p:embed/>
                 </p:oleObj>
               </mc:Choice>
               <mc:Fallback>
-                <p:oleObj name="Equation" r:id="rId6" imgW="1269720" imgH="444240" progId="Equation.DSMT4">
+                <p:oleObj name="Equation" r:id="rId6" imgW="1270000" imgH="457200" progId="Equation.DSMT4">
                   <p:embed/>
                   <p:pic>
                     <p:nvPicPr>
@@ -19015,13 +19232,7 @@
                       <p:nvPr/>
                     </p:nvPicPr>
                     <p:blipFill>
-                      <a:blip r:embed="rId7">
-                        <a:extLst>
-                          <a:ext uri="{28A0092B-C50C-407E-A947-70E740481C1C}">
-                            <a14:useLocalDpi xmlns:a14="http://schemas.microsoft.com/office/drawing/2010/main" val="0"/>
-                          </a:ext>
-                        </a:extLst>
-                      </a:blip>
+                      <a:blip r:embed="rId7"/>
                       <a:srcRect/>
                       <a:stretch>
                         <a:fillRect/>
@@ -19029,8 +19240,8 @@
                     </p:blipFill>
                     <p:spPr bwMode="auto">
                       <a:xfrm>
-                        <a:off x="5168900" y="4600575"/>
-                        <a:ext cx="3535363" cy="1235075"/>
+                        <a:off x="5168900" y="4583113"/>
+                        <a:ext cx="3535363" cy="1270000"/>
                       </a:xfrm>
                       <a:prstGeom prst="rect">
                         <a:avLst/>
@@ -19172,7 +19383,7 @@
           <a:graphicData uri="http://schemas.openxmlformats.org/presentationml/2006/ole">
             <mc:AlternateContent xmlns:mc="http://schemas.openxmlformats.org/markup-compatibility/2006">
               <mc:Choice xmlns:v="urn:schemas-microsoft-com:vml" Requires="v">
-                <p:oleObj spid="_x0000_s9346" name="Equation" r:id="rId8" imgW="774360" imgH="203040" progId="Equation.DSMT4">
+                <p:oleObj spid="_x0000_s9367" name="Equation" r:id="rId8" imgW="774360" imgH="203040" progId="Equation.DSMT4">
                   <p:embed/>
                 </p:oleObj>
               </mc:Choice>
@@ -19256,7 +19467,7 @@
   <p:clrMapOvr>
     <a:masterClrMapping/>
   </p:clrMapOvr>
-  <p:transition xmlns:p14="http://schemas.microsoft.com/office/powerpoint/2010/main" spd="slow">
+  <p:transition xmlns:p14="http://schemas.microsoft.com/office/powerpoint/2010/main" spd="slow" advClick="0">
     <p:fade thruBlk="1"/>
   </p:transition>
   <p:timing>
@@ -19764,7 +19975,7 @@
             <a:graphicData uri="http://schemas.openxmlformats.org/presentationml/2006/ole">
               <mc:AlternateContent xmlns:mc="http://schemas.openxmlformats.org/markup-compatibility/2006">
                 <mc:Choice xmlns:v="urn:schemas-microsoft-com:vml" Requires="v">
-                  <p:oleObj spid="_x0000_s10329" name="Equation" r:id="rId4" imgW="774360" imgH="203040" progId="Equation.DSMT4">
+                  <p:oleObj spid="_x0000_s10343" name="Equation" r:id="rId4" imgW="774360" imgH="203040" progId="Equation.DSMT4">
                     <p:embed/>
                   </p:oleObj>
                 </mc:Choice>
@@ -19929,7 +20140,7 @@
             <a:graphicData uri="http://schemas.openxmlformats.org/presentationml/2006/ole">
               <mc:AlternateContent xmlns:mc="http://schemas.openxmlformats.org/markup-compatibility/2006">
                 <mc:Choice xmlns:v="urn:schemas-microsoft-com:vml" Requires="v">
-                  <p:oleObj spid="_x0000_s10330" name="Equation" r:id="rId6" imgW="736560" imgH="203040" progId="Equation.DSMT4">
+                  <p:oleObj spid="_x0000_s10344" name="Equation" r:id="rId6" imgW="736560" imgH="203040" progId="Equation.DSMT4">
                     <p:embed/>
                   </p:oleObj>
                 </mc:Choice>
@@ -19989,7 +20200,7 @@
   <p:clrMapOvr>
     <a:masterClrMapping/>
   </p:clrMapOvr>
-  <p:transition xmlns:p14="http://schemas.microsoft.com/office/powerpoint/2010/main" spd="slow">
+  <p:transition xmlns:p14="http://schemas.microsoft.com/office/powerpoint/2010/main" spd="slow" advClick="0">
     <p:fade/>
   </p:transition>
   <p:timing>
@@ -20755,7 +20966,7 @@
           <a:graphicData uri="http://schemas.openxmlformats.org/presentationml/2006/ole">
             <mc:AlternateContent xmlns:mc="http://schemas.openxmlformats.org/markup-compatibility/2006">
               <mc:Choice xmlns:v="urn:schemas-microsoft-com:vml" Requires="v">
-                <p:oleObj spid="_x0000_s11355" name="Equation" r:id="rId4" imgW="114120" imgH="177480" progId="Equation.DSMT4">
+                <p:oleObj spid="_x0000_s11369" name="Equation" r:id="rId4" imgW="114120" imgH="177480" progId="Equation.DSMT4">
                   <p:embed/>
                 </p:oleObj>
               </mc:Choice>
@@ -20825,7 +21036,7 @@
           <a:graphicData uri="http://schemas.openxmlformats.org/presentationml/2006/ole">
             <mc:AlternateContent xmlns:mc="http://schemas.openxmlformats.org/markup-compatibility/2006">
               <mc:Choice xmlns:v="urn:schemas-microsoft-com:vml" Requires="v">
-                <p:oleObj spid="_x0000_s11356" name="Equation" r:id="rId6" imgW="114120" imgH="177480" progId="Equation.DSMT4">
+                <p:oleObj spid="_x0000_s11370" name="Equation" r:id="rId6" imgW="114120" imgH="177480" progId="Equation.DSMT4">
                   <p:embed/>
                 </p:oleObj>
               </mc:Choice>
@@ -20884,7 +21095,7 @@
   <p:clrMapOvr>
     <a:masterClrMapping/>
   </p:clrMapOvr>
-  <p:transition xmlns:p14="http://schemas.microsoft.com/office/powerpoint/2010/main" spd="slow">
+  <p:transition xmlns:p14="http://schemas.microsoft.com/office/powerpoint/2010/main" spd="slow" advClick="0">
     <p:fade/>
   </p:transition>
   <p:timing>
@@ -21432,7 +21643,7 @@
   <p:clrMapOvr>
     <a:masterClrMapping/>
   </p:clrMapOvr>
-  <p:transition xmlns:p14="http://schemas.microsoft.com/office/powerpoint/2010/main" spd="slow">
+  <p:transition xmlns:p14="http://schemas.microsoft.com/office/powerpoint/2010/main" spd="slow" advClick="0">
     <p:fade/>
   </p:transition>
   <p:timing>
@@ -21709,7 +21920,7 @@
           <a:graphicData uri="http://schemas.openxmlformats.org/presentationml/2006/ole">
             <mc:AlternateContent xmlns:mc="http://schemas.openxmlformats.org/markup-compatibility/2006">
               <mc:Choice xmlns:v="urn:schemas-microsoft-com:vml" Requires="v">
-                <p:oleObj spid="_x0000_s184373" name="Equation" r:id="rId4" imgW="2552700" imgH="419100" progId="Equation.DSMT4">
+                <p:oleObj spid="_x0000_s184380" name="Equation" r:id="rId4" imgW="2552700" imgH="419100" progId="Equation.DSMT4">
                   <p:embed/>
                 </p:oleObj>
               </mc:Choice>
@@ -21889,7 +22100,7 @@
   <p:clrMapOvr>
     <a:masterClrMapping/>
   </p:clrMapOvr>
-  <p:transition xmlns:p14="http://schemas.microsoft.com/office/powerpoint/2010/main" spd="slow">
+  <p:transition xmlns:p14="http://schemas.microsoft.com/office/powerpoint/2010/main" spd="slow" advClick="0">
     <p:fade thruBlk="1"/>
   </p:transition>
   <p:timing>
@@ -22269,7 +22480,7 @@
           <a:graphicData uri="http://schemas.openxmlformats.org/presentationml/2006/ole">
             <mc:AlternateContent xmlns:mc="http://schemas.openxmlformats.org/markup-compatibility/2006">
               <mc:Choice xmlns:v="urn:schemas-microsoft-com:vml" Requires="v">
-                <p:oleObj spid="_x0000_s140379" name="Equation" r:id="rId4" imgW="914400" imgH="215640" progId="Equation.3">
+                <p:oleObj spid="_x0000_s140397" name="Equation" r:id="rId4" imgW="914400" imgH="215640" progId="Equation.3">
                   <p:embed/>
                 </p:oleObj>
               </mc:Choice>
@@ -22339,7 +22550,7 @@
           <a:graphicData uri="http://schemas.openxmlformats.org/presentationml/2006/ole">
             <mc:AlternateContent xmlns:mc="http://schemas.openxmlformats.org/markup-compatibility/2006">
               <mc:Choice xmlns:v="urn:schemas-microsoft-com:vml" Requires="v">
-                <p:oleObj spid="_x0000_s140380" name="Equation" r:id="rId6" imgW="914400" imgH="215640" progId="Equation.3">
+                <p:oleObj spid="_x0000_s140398" name="Equation" r:id="rId6" imgW="914400" imgH="215640" progId="Equation.3">
                   <p:embed/>
                 </p:oleObj>
               </mc:Choice>
@@ -22450,8 +22661,12 @@
           <a:p>
             <a:pPr eaLnBrk="1" hangingPunct="1"/>
             <a:r>
-              <a:rPr lang="en-US" smtClean="0"/>
-              <a:t>Course Web site</a:t>
+              <a:rPr lang="en-US" dirty="0" smtClean="0"/>
+              <a:t>Stellar </a:t>
+            </a:r>
+            <a:r>
+              <a:rPr lang="en-US" dirty="0" smtClean="0"/>
+              <a:t>Web site</a:t>
             </a:r>
           </a:p>
         </p:txBody>
@@ -22467,7 +22682,7 @@
         <p:spPr bwMode="auto">
           <a:xfrm>
             <a:off x="203200" y="1168400"/>
-            <a:ext cx="8826500" cy="4154983"/>
+            <a:ext cx="8826500" cy="4462760"/>
           </a:xfrm>
           <a:prstGeom prst="rect">
             <a:avLst/>
@@ -22496,40 +22711,15 @@
                 </a:solidFill>
                 <a:latin typeface="Courier New" pitchFamily="49" charset="0"/>
                 <a:cs typeface="Courier New" pitchFamily="49" charset="0"/>
-              </a:rPr>
-              <a:t>https://</a:t>
-            </a:r>
-            <a:r>
-              <a:rPr lang="en-US" sz="2400" b="1" u="sng" kern="0" dirty="0" err="1">
-                <a:solidFill>
-                  <a:srgbClr val="A0106D"/>
-                </a:solidFill>
-                <a:latin typeface="Courier New" pitchFamily="49" charset="0"/>
-                <a:cs typeface="Courier New" pitchFamily="49" charset="0"/>
-              </a:rPr>
-              <a:t>stellar.mit.edu</a:t>
-            </a:r>
-            <a:r>
-              <a:rPr lang="en-US" sz="2400" b="1" u="sng" kern="0" dirty="0">
-                <a:solidFill>
-                  <a:srgbClr val="A0106D"/>
-                </a:solidFill>
-                <a:latin typeface="Courier New" pitchFamily="49" charset="0"/>
-                <a:cs typeface="Courier New" pitchFamily="49" charset="0"/>
-              </a:rPr>
-              <a:t>/S/course/6/sp14/6.042/</a:t>
+                <a:hlinkClick r:id="rId7"/>
+              </a:rPr>
+              <a:t>https://stellar.mit.edu/S/course/6/sp14/6.042/</a:t>
             </a:r>
             <a:r>
               <a:rPr lang="en-US" sz="4400" dirty="0" smtClean="0">
                 <a:latin typeface="Comic Sans MS" pitchFamily="66" charset="0"/>
               </a:rPr>
               <a:t> </a:t>
-            </a:r>
-            <a:r>
-              <a:rPr lang="en-US" sz="4400" dirty="0" smtClean="0">
-                <a:latin typeface="Comic Sans MS" pitchFamily="66" charset="0"/>
-              </a:rPr>
-              <a:t>announcements</a:t>
             </a:r>
             <a:endParaRPr lang="en-US" sz="4400" dirty="0">
               <a:latin typeface="Comic Sans MS" pitchFamily="66" charset="0"/>
@@ -22548,9 +22738,17 @@
                 </a:solidFill>
                 <a:latin typeface="Comic Sans MS" pitchFamily="66" charset="0"/>
               </a:rPr>
-              <a:t> class schedule</a:t>
-            </a:r>
-            <a:endParaRPr lang="en-US" dirty="0"/>
+              <a:t> </a:t>
+            </a:r>
+            <a:r>
+              <a:rPr lang="en-US" sz="6000" dirty="0">
+                <a:solidFill>
+                  <a:srgbClr val="000000"/>
+                </a:solidFill>
+                <a:latin typeface="Comic Sans MS" pitchFamily="66" charset="0"/>
+              </a:rPr>
+              <a:t> notes, handouts</a:t>
+            </a:r>
           </a:p>
           <a:p>
             <a:pPr algn="l">
@@ -22559,23 +22757,15 @@
               <a:defRPr/>
             </a:pPr>
             <a:r>
-              <a:rPr lang="en-US" sz="4400" dirty="0" smtClean="0">
+              <a:rPr lang="en-US" sz="6000" dirty="0" smtClean="0">
                 <a:solidFill>
                   <a:srgbClr val="000000"/>
                 </a:solidFill>
                 <a:latin typeface="Comic Sans MS" pitchFamily="66" charset="0"/>
               </a:rPr>
-              <a:t> notes</a:t>
-            </a:r>
-            <a:r>
-              <a:rPr lang="en-US" sz="4400" dirty="0">
-                <a:solidFill>
-                  <a:srgbClr val="000000"/>
-                </a:solidFill>
-                <a:latin typeface="Comic Sans MS" pitchFamily="66" charset="0"/>
-              </a:rPr>
-              <a:t>, slides,…</a:t>
-            </a:r>
+              <a:t>  class calendar</a:t>
+            </a:r>
+            <a:endParaRPr lang="en-US" sz="4400" dirty="0"/>
           </a:p>
           <a:p>
             <a:pPr algn="l">
@@ -22584,7 +22774,7 @@
               <a:defRPr/>
             </a:pPr>
             <a:r>
-              <a:rPr lang="en-US" sz="4400" dirty="0">
+              <a:rPr lang="en-US" sz="6000" dirty="0" smtClean="0">
                 <a:solidFill>
                   <a:srgbClr val="000000"/>
                 </a:solidFill>
@@ -22593,7 +22783,7 @@
               <a:t> </a:t>
             </a:r>
             <a:r>
-              <a:rPr lang="en-US" sz="4400" dirty="0" smtClean="0">
+              <a:rPr lang="en-US" sz="6000" dirty="0" smtClean="0">
                 <a:solidFill>
                   <a:srgbClr val="000000"/>
                 </a:solidFill>
@@ -22609,14 +22799,29 @@
               <a:defRPr/>
             </a:pPr>
             <a:r>
-              <a:rPr lang="en-US" sz="4400" dirty="0" smtClean="0">
+              <a:rPr lang="en-US" sz="6000" dirty="0" smtClean="0">
                 <a:solidFill>
                   <a:srgbClr val="000000"/>
                 </a:solidFill>
                 <a:latin typeface="Comic Sans MS" pitchFamily="66" charset="0"/>
               </a:rPr>
-              <a:t> grading info</a:t>
-            </a:r>
+              <a:t> </a:t>
+            </a:r>
+            <a:r>
+              <a:rPr lang="en-US" sz="6000" dirty="0" smtClean="0">
+                <a:solidFill>
+                  <a:srgbClr val="000000"/>
+                </a:solidFill>
+                <a:latin typeface="Comic Sans MS" pitchFamily="66" charset="0"/>
+              </a:rPr>
+              <a:t> problem submission</a:t>
+            </a:r>
+            <a:endParaRPr lang="en-US" sz="6000" dirty="0" smtClean="0">
+              <a:solidFill>
+                <a:srgbClr val="000000"/>
+              </a:solidFill>
+              <a:latin typeface="Comic Sans MS" pitchFamily="66" charset="0"/>
+            </a:endParaRPr>
           </a:p>
         </p:txBody>
       </p:sp>
@@ -22649,7 +22854,7 @@
                             </p:stCondLst>
                             <p:childTnLst>
                               <p:par>
-                                <p:cTn id="5" presetID="1" presetClass="entr" presetSubtype="0" fill="hold" grpId="0" nodeType="clickEffect">
+                                <p:cTn id="5" presetID="9" presetClass="entr" presetSubtype="0" fill="hold" grpId="0" nodeType="clickEffect">
                                   <p:stCondLst>
                                     <p:cond delay="0"/>
                                   </p:stCondLst>
@@ -22676,6 +22881,18 @@
                                         <p:strVal val="visible"/>
                                       </p:to>
                                     </p:set>
+                                    <p:animEffect transition="in" filter="dissolve">
+                                      <p:cBhvr>
+                                        <p:cTn id="7" dur="500"/>
+                                        <p:tgtEl>
+                                          <p:spTgt spid="5128">
+                                            <p:txEl>
+                                              <p:pRg st="1" end="1"/>
+                                            </p:txEl>
+                                          </p:spTgt>
+                                        </p:tgtEl>
+                                      </p:cBhvr>
+                                    </p:animEffect>
                                   </p:childTnLst>
                                 </p:cTn>
                               </p:par>
@@ -22686,26 +22903,26 @@
                     </p:cTn>
                   </p:par>
                   <p:par>
-                    <p:cTn id="7" fill="hold">
+                    <p:cTn id="8" fill="hold">
                       <p:stCondLst>
                         <p:cond delay="indefinite"/>
                       </p:stCondLst>
                       <p:childTnLst>
                         <p:par>
-                          <p:cTn id="8" fill="hold">
+                          <p:cTn id="9" fill="hold">
                             <p:stCondLst>
                               <p:cond delay="0"/>
                             </p:stCondLst>
                             <p:childTnLst>
                               <p:par>
-                                <p:cTn id="9" presetID="1" presetClass="entr" presetSubtype="0" fill="hold" grpId="0" nodeType="clickEffect">
+                                <p:cTn id="10" presetID="9" presetClass="entr" presetSubtype="0" fill="hold" grpId="0" nodeType="clickEffect">
                                   <p:stCondLst>
                                     <p:cond delay="0"/>
                                   </p:stCondLst>
                                   <p:childTnLst>
                                     <p:set>
                                       <p:cBhvr>
-                                        <p:cTn id="10" dur="1" fill="hold">
+                                        <p:cTn id="11" dur="1" fill="hold">
                                           <p:stCondLst>
                                             <p:cond delay="0"/>
                                           </p:stCondLst>
@@ -22725,6 +22942,18 @@
                                         <p:strVal val="visible"/>
                                       </p:to>
                                     </p:set>
+                                    <p:animEffect transition="in" filter="dissolve">
+                                      <p:cBhvr>
+                                        <p:cTn id="12" dur="500"/>
+                                        <p:tgtEl>
+                                          <p:spTgt spid="5128">
+                                            <p:txEl>
+                                              <p:pRg st="2" end="2"/>
+                                            </p:txEl>
+                                          </p:spTgt>
+                                        </p:tgtEl>
+                                      </p:cBhvr>
+                                    </p:animEffect>
                                   </p:childTnLst>
                                 </p:cTn>
                               </p:par>
@@ -22735,26 +22964,26 @@
                     </p:cTn>
                   </p:par>
                   <p:par>
-                    <p:cTn id="11" fill="hold">
+                    <p:cTn id="13" fill="hold">
                       <p:stCondLst>
                         <p:cond delay="indefinite"/>
                       </p:stCondLst>
                       <p:childTnLst>
                         <p:par>
-                          <p:cTn id="12" fill="hold">
+                          <p:cTn id="14" fill="hold">
                             <p:stCondLst>
                               <p:cond delay="0"/>
                             </p:stCondLst>
                             <p:childTnLst>
                               <p:par>
-                                <p:cTn id="13" presetID="1" presetClass="entr" presetSubtype="0" fill="hold" grpId="0" nodeType="clickEffect">
+                                <p:cTn id="15" presetID="9" presetClass="entr" presetSubtype="0" fill="hold" grpId="0" nodeType="clickEffect">
                                   <p:stCondLst>
                                     <p:cond delay="0"/>
                                   </p:stCondLst>
                                   <p:childTnLst>
                                     <p:set>
                                       <p:cBhvr>
-                                        <p:cTn id="14" dur="1" fill="hold">
+                                        <p:cTn id="16" dur="1" fill="hold">
                                           <p:stCondLst>
                                             <p:cond delay="0"/>
                                           </p:stCondLst>
@@ -22774,6 +23003,18 @@
                                         <p:strVal val="visible"/>
                                       </p:to>
                                     </p:set>
+                                    <p:animEffect transition="in" filter="dissolve">
+                                      <p:cBhvr>
+                                        <p:cTn id="17" dur="500"/>
+                                        <p:tgtEl>
+                                          <p:spTgt spid="5128">
+                                            <p:txEl>
+                                              <p:pRg st="3" end="3"/>
+                                            </p:txEl>
+                                          </p:spTgt>
+                                        </p:tgtEl>
+                                      </p:cBhvr>
+                                    </p:animEffect>
                                   </p:childTnLst>
                                 </p:cTn>
                               </p:par>
@@ -22784,26 +23025,26 @@
                     </p:cTn>
                   </p:par>
                   <p:par>
-                    <p:cTn id="15" fill="hold">
+                    <p:cTn id="18" fill="hold">
                       <p:stCondLst>
                         <p:cond delay="indefinite"/>
                       </p:stCondLst>
                       <p:childTnLst>
                         <p:par>
-                          <p:cTn id="16" fill="hold">
+                          <p:cTn id="19" fill="hold">
                             <p:stCondLst>
                               <p:cond delay="0"/>
                             </p:stCondLst>
                             <p:childTnLst>
                               <p:par>
-                                <p:cTn id="17" presetID="1" presetClass="entr" presetSubtype="0" fill="hold" grpId="0" nodeType="clickEffect">
+                                <p:cTn id="20" presetID="9" presetClass="entr" presetSubtype="0" fill="hold" grpId="0" nodeType="clickEffect">
                                   <p:stCondLst>
                                     <p:cond delay="0"/>
                                   </p:stCondLst>
                                   <p:childTnLst>
                                     <p:set>
                                       <p:cBhvr>
-                                        <p:cTn id="18" dur="1" fill="hold">
+                                        <p:cTn id="21" dur="1" fill="hold">
                                           <p:stCondLst>
                                             <p:cond delay="0"/>
                                           </p:stCondLst>
@@ -22823,6 +23064,18 @@
                                         <p:strVal val="visible"/>
                                       </p:to>
                                     </p:set>
+                                    <p:animEffect transition="in" filter="dissolve">
+                                      <p:cBhvr>
+                                        <p:cTn id="22" dur="500"/>
+                                        <p:tgtEl>
+                                          <p:spTgt spid="5128">
+                                            <p:txEl>
+                                              <p:pRg st="4" end="4"/>
+                                            </p:txEl>
+                                          </p:spTgt>
+                                        </p:tgtEl>
+                                      </p:cBhvr>
+                                    </p:animEffect>
                                   </p:childTnLst>
                                 </p:cTn>
                               </p:par>
@@ -22998,7 +23251,7 @@
           <a:graphicData uri="http://schemas.openxmlformats.org/presentationml/2006/ole">
             <mc:AlternateContent xmlns:mc="http://schemas.openxmlformats.org/markup-compatibility/2006">
               <mc:Choice xmlns:v="urn:schemas-microsoft-com:vml" Requires="v">
-                <p:oleObj spid="_x0000_s12342" name="Equation" r:id="rId4" imgW="2590560" imgH="368280" progId="Equation.DSMT4">
+                <p:oleObj spid="_x0000_s12349" name="Equation" r:id="rId4" imgW="2590560" imgH="368280" progId="Equation.DSMT4">
                   <p:embed/>
                 </p:oleObj>
               </mc:Choice>
@@ -23202,7 +23455,7 @@
   <p:clrMapOvr>
     <a:masterClrMapping/>
   </p:clrMapOvr>
-  <p:transition xmlns:p14="http://schemas.microsoft.com/office/powerpoint/2010/main" spd="slow">
+  <p:transition xmlns:p14="http://schemas.microsoft.com/office/powerpoint/2010/main" spd="slow" advClick="0">
     <p:fade/>
   </p:transition>
   <p:timing>
@@ -23889,7 +24142,7 @@
           <a:graphicData uri="http://schemas.openxmlformats.org/presentationml/2006/ole">
             <mc:AlternateContent xmlns:mc="http://schemas.openxmlformats.org/markup-compatibility/2006">
               <mc:Choice xmlns:v="urn:schemas-microsoft-com:vml" Requires="v">
-                <p:oleObj spid="_x0000_s13366" name="Equation" r:id="rId4" imgW="152280" imgH="393480" progId="Equation.DSMT4">
+                <p:oleObj spid="_x0000_s13373" name="Equation" r:id="rId4" imgW="152280" imgH="393480" progId="Equation.DSMT4">
                   <p:embed/>
                 </p:oleObj>
               </mc:Choice>
@@ -23948,14 +24201,14 @@
   <p:clrMapOvr>
     <a:masterClrMapping/>
   </p:clrMapOvr>
-  <mc:AlternateContent xmlns:mc="http://schemas.openxmlformats.org/markup-compatibility/2006" xmlns:p14="http://schemas.microsoft.com/office/powerpoint/2010/main">
-    <mc:Choice Requires="p14">
-      <p:transition spd="med" p14:dur="600">
+  <mc:AlternateContent xmlns:mc="http://schemas.openxmlformats.org/markup-compatibility/2006">
+    <mc:Choice xmlns:p14="http://schemas.microsoft.com/office/powerpoint/2010/main" Requires="p14">
+      <p:transition spd="med" p14:dur="600" advClick="0">
         <p:fade thruBlk="1"/>
       </p:transition>
     </mc:Choice>
-    <mc:Fallback xmlns="">
-      <p:transition xmlns:p14="http://schemas.microsoft.com/office/powerpoint/2010/main" spd="med">
+    <mc:Fallback>
+      <p:transition xmlns:p14="http://schemas.microsoft.com/office/powerpoint/2010/main" spd="med" advClick="0">
         <p:fade thruBlk="1"/>
       </p:transition>
     </mc:Fallback>
@@ -24446,7 +24699,7 @@
   <p:clrMapOvr>
     <a:masterClrMapping/>
   </p:clrMapOvr>
-  <p:transition xmlns:p14="http://schemas.microsoft.com/office/powerpoint/2010/main" spd="slow">
+  <p:transition xmlns:p14="http://schemas.microsoft.com/office/powerpoint/2010/main" spd="slow" advClick="0">
     <p:fade/>
   </p:transition>
   <p:timing>
@@ -24589,7 +24842,7 @@
   <p:clrMapOvr>
     <a:masterClrMapping/>
   </p:clrMapOvr>
-  <p:transition xmlns:p14="http://schemas.microsoft.com/office/powerpoint/2010/main" spd="slow">
+  <p:transition xmlns:p14="http://schemas.microsoft.com/office/powerpoint/2010/main" spd="slow" advClick="0">
     <p:fade/>
   </p:transition>
   <p:timing>
@@ -24603,7 +24856,7 @@
 </file>
 
 <file path=ppt/slides/slide4.xml><?xml version="1.0" encoding="utf-8"?>
-<p:sld xmlns:a="http://schemas.openxmlformats.org/drawingml/2006/main" xmlns:r="http://schemas.openxmlformats.org/officeDocument/2006/relationships" xmlns:p="http://schemas.openxmlformats.org/presentationml/2006/main" show="0">
+<p:sld xmlns:a="http://schemas.openxmlformats.org/drawingml/2006/main" xmlns:r="http://schemas.openxmlformats.org/officeDocument/2006/relationships" xmlns:p="http://schemas.openxmlformats.org/presentationml/2006/main">
   <p:cSld>
     <p:spTree>
       <p:nvGrpSpPr>
@@ -24681,7 +24934,7 @@
             <a:r>
               <a:rPr lang="en-US" dirty="0" smtClean="0">
                 <a:solidFill>
-                  <a:schemeClr val="tx1"/>
+                  <a:srgbClr val="CB21DD"/>
                 </a:solidFill>
               </a:rPr>
               <a:t>6.042r</a:t>
@@ -24700,7 +24953,7 @@
                   <a:schemeClr val="tx1"/>
                 </a:solidFill>
               </a:rPr>
-              <a:t>Registration</a:t>
+              <a:t>Website</a:t>
             </a:r>
             <a:endParaRPr lang="en-US" dirty="0" smtClean="0">
               <a:solidFill>
@@ -24726,7 +24979,7 @@
           <a:graphicData uri="http://schemas.openxmlformats.org/presentationml/2006/ole">
             <mc:AlternateContent xmlns:mc="http://schemas.openxmlformats.org/markup-compatibility/2006">
               <mc:Choice xmlns:v="urn:schemas-microsoft-com:vml" Requires="v">
-                <p:oleObj spid="_x0000_s2144" name="Equation" r:id="rId4" imgW="914400" imgH="215640" progId="Equation.3">
+                <p:oleObj spid="_x0000_s2162" name="Equation" r:id="rId4" imgW="914400" imgH="215640" progId="Equation.3">
                   <p:embed/>
                 </p:oleObj>
               </mc:Choice>
@@ -24796,7 +25049,7 @@
           <a:graphicData uri="http://schemas.openxmlformats.org/presentationml/2006/ole">
             <mc:AlternateContent xmlns:mc="http://schemas.openxmlformats.org/markup-compatibility/2006">
               <mc:Choice xmlns:v="urn:schemas-microsoft-com:vml" Requires="v">
-                <p:oleObj spid="_x0000_s2145" name="Equation" r:id="rId6" imgW="914400" imgH="215640" progId="Equation.3">
+                <p:oleObj spid="_x0000_s2163" name="Equation" r:id="rId6" imgW="914400" imgH="215640" progId="Equation.3">
                   <p:embed/>
                 </p:oleObj>
               </mc:Choice>
@@ -24894,8 +25147,8 @@
         </p:nvSpPr>
         <p:spPr bwMode="auto">
           <a:xfrm>
-            <a:off x="620696" y="2142677"/>
-            <a:ext cx="7922170" cy="2585323"/>
+            <a:off x="368301" y="1380677"/>
+            <a:ext cx="8369300" cy="4321623"/>
           </a:xfrm>
           <a:prstGeom prst="rect">
             <a:avLst/>
@@ -24919,28 +25172,95 @@
               <a:rPr lang="en-US" sz="5400" dirty="0" smtClean="0">
                 <a:latin typeface="Comic Sans MS" pitchFamily="66" charset="0"/>
               </a:rPr>
-              <a:t>TP.1:</a:t>
-            </a:r>
-            <a:r>
-              <a:rPr lang="en-US" sz="5400" b="1" dirty="0" smtClean="0">
+              <a:t>has </a:t>
+            </a:r>
+            <a:r>
+              <a:rPr lang="en-US" sz="5400" dirty="0" smtClean="0">
+                <a:solidFill>
+                  <a:schemeClr val="accent1">
+                    <a:lumMod val="50000"/>
+                  </a:schemeClr>
+                </a:solidFill>
                 <a:latin typeface="Comic Sans MS" pitchFamily="66" charset="0"/>
               </a:rPr>
-              <a:t> </a:t>
+              <a:t>videos, slides, online questions</a:t>
             </a:r>
             <a:r>
               <a:rPr lang="en-US" sz="5400" dirty="0" smtClean="0">
                 <a:latin typeface="Comic Sans MS" pitchFamily="66" charset="0"/>
               </a:rPr>
-              <a:t>Registration </a:t>
-            </a:r>
-            <a:r>
-              <a:rPr lang="en-US" sz="5400" dirty="0" err="1" smtClean="0">
+              <a:t>.</a:t>
+            </a:r>
+            <a:endParaRPr lang="en-US" sz="5400" dirty="0">
+              <a:latin typeface="Comic Sans MS" pitchFamily="66" charset="0"/>
+            </a:endParaRPr>
+          </a:p>
+          <a:p>
+            <a:pPr algn="l"/>
+            <a:r>
+              <a:rPr lang="en-US" sz="5400" dirty="0" smtClean="0">
                 <a:solidFill>
                   <a:srgbClr val="FF0000"/>
                 </a:solidFill>
                 <a:latin typeface="Comic Sans MS" pitchFamily="66" charset="0"/>
               </a:rPr>
-              <a:t>asap</a:t>
+              <a:t>Register </a:t>
+            </a:r>
+            <a:r>
+              <a:rPr lang="en-US" sz="5400" dirty="0" smtClean="0">
+                <a:latin typeface="Comic Sans MS" pitchFamily="66" charset="0"/>
+              </a:rPr>
+              <a:t>on</a:t>
+            </a:r>
+            <a:r>
+              <a:rPr lang="en-US" sz="5400" dirty="0" smtClean="0">
+                <a:solidFill>
+                  <a:srgbClr val="000000"/>
+                </a:solidFill>
+                <a:latin typeface="Comic Sans MS" pitchFamily="66" charset="0"/>
+              </a:rPr>
+              <a:t>line</a:t>
+            </a:r>
+            <a:r>
+              <a:rPr lang="en-US" sz="5400" dirty="0" smtClean="0">
+                <a:solidFill>
+                  <a:srgbClr val="FF0000"/>
+                </a:solidFill>
+                <a:latin typeface="Comic Sans MS" pitchFamily="66" charset="0"/>
+              </a:rPr>
+              <a:t> </a:t>
+            </a:r>
+            <a:r>
+              <a:rPr lang="en-US" sz="5400" dirty="0" smtClean="0">
+                <a:latin typeface="Comic Sans MS" pitchFamily="66" charset="0"/>
+              </a:rPr>
+              <a:t>by</a:t>
+            </a:r>
+            <a:r>
+              <a:rPr lang="en-US" sz="5400" dirty="0" smtClean="0">
+                <a:solidFill>
+                  <a:srgbClr val="FF0000"/>
+                </a:solidFill>
+                <a:latin typeface="Comic Sans MS" pitchFamily="66" charset="0"/>
+              </a:rPr>
+              <a:t> </a:t>
+            </a:r>
+            <a:r>
+              <a:rPr lang="en-US" sz="5400" dirty="0" smtClean="0">
+                <a:solidFill>
+                  <a:schemeClr val="accent1">
+                    <a:lumMod val="50000"/>
+                  </a:schemeClr>
+                </a:solidFill>
+                <a:latin typeface="Comic Sans MS" pitchFamily="66" charset="0"/>
+              </a:rPr>
+              <a:t>Friday midnight</a:t>
+            </a:r>
+            <a:r>
+              <a:rPr lang="en-US" sz="5400" dirty="0" smtClean="0">
+                <a:latin typeface="Comic Sans MS" pitchFamily="66" charset="0"/>
+              </a:rPr>
+              <a:t> for team</a:t>
             </a:r>
             <a:endParaRPr lang="en-US" sz="5400" dirty="0" smtClean="0">
               <a:solidFill>
@@ -24952,16 +25272,10 @@
           <a:p>
             <a:pPr algn="l"/>
             <a:r>
-              <a:rPr lang="en-US" sz="4800" dirty="0" smtClean="0">
-                <a:latin typeface="Comic Sans MS" pitchFamily="66" charset="0"/>
-              </a:rPr>
-              <a:t>--necessary for </a:t>
-            </a:r>
-            <a:r>
               <a:rPr lang="en-US" sz="5400" dirty="0" smtClean="0">
                 <a:latin typeface="Comic Sans MS" pitchFamily="66" charset="0"/>
               </a:rPr>
-              <a:t>table assignment for Monday</a:t>
+              <a:t>assignment</a:t>
             </a:r>
             <a:endParaRPr lang="en-US" sz="5400" dirty="0">
               <a:latin typeface="Comic Sans MS" pitchFamily="66" charset="0"/>
@@ -24974,7 +25288,7 @@
   <p:clrMapOvr>
     <a:masterClrMapping/>
   </p:clrMapOvr>
-  <p:transition xmlns:p14="http://schemas.microsoft.com/office/powerpoint/2010/main" spd="slow">
+  <p:transition xmlns:p14="http://schemas.microsoft.com/office/powerpoint/2010/main" spd="slow" advClick="0">
     <p:fade/>
   </p:transition>
   <p:timing>
@@ -25013,7 +25327,7 @@
                                         <p:tgtEl>
                                           <p:spTgt spid="2056">
                                             <p:txEl>
-                                              <p:pRg st="1" end="1"/>
+                                              <p:pRg st="0" end="0"/>
                                             </p:txEl>
                                           </p:spTgt>
                                         </p:tgtEl>
@@ -25031,7 +25345,111 @@
                                         <p:tgtEl>
                                           <p:spTgt spid="2056">
                                             <p:txEl>
+                                              <p:pRg st="0" end="0"/>
+                                            </p:txEl>
+                                          </p:spTgt>
+                                        </p:tgtEl>
+                                      </p:cBhvr>
+                                    </p:animEffect>
+                                  </p:childTnLst>
+                                </p:cTn>
+                              </p:par>
+                            </p:childTnLst>
+                          </p:cTn>
+                        </p:par>
+                      </p:childTnLst>
+                    </p:cTn>
+                  </p:par>
+                  <p:par>
+                    <p:cTn id="8" fill="hold">
+                      <p:stCondLst>
+                        <p:cond delay="indefinite"/>
+                      </p:stCondLst>
+                      <p:childTnLst>
+                        <p:par>
+                          <p:cTn id="9" fill="hold">
+                            <p:stCondLst>
+                              <p:cond delay="0"/>
+                            </p:stCondLst>
+                            <p:childTnLst>
+                              <p:par>
+                                <p:cTn id="10" presetID="9" presetClass="entr" presetSubtype="0" fill="hold" nodeType="clickEffect">
+                                  <p:stCondLst>
+                                    <p:cond delay="0"/>
+                                  </p:stCondLst>
+                                  <p:childTnLst>
+                                    <p:set>
+                                      <p:cBhvr>
+                                        <p:cTn id="11" dur="1" fill="hold">
+                                          <p:stCondLst>
+                                            <p:cond delay="0"/>
+                                          </p:stCondLst>
+                                        </p:cTn>
+                                        <p:tgtEl>
+                                          <p:spTgt spid="2056">
+                                            <p:txEl>
                                               <p:pRg st="1" end="1"/>
+                                            </p:txEl>
+                                          </p:spTgt>
+                                        </p:tgtEl>
+                                        <p:attrNameLst>
+                                          <p:attrName>style.visibility</p:attrName>
+                                        </p:attrNameLst>
+                                      </p:cBhvr>
+                                      <p:to>
+                                        <p:strVal val="visible"/>
+                                      </p:to>
+                                    </p:set>
+                                    <p:animEffect transition="in" filter="dissolve">
+                                      <p:cBhvr>
+                                        <p:cTn id="12" dur="500"/>
+                                        <p:tgtEl>
+                                          <p:spTgt spid="2056">
+                                            <p:txEl>
+                                              <p:pRg st="1" end="1"/>
+                                            </p:txEl>
+                                          </p:spTgt>
+                                        </p:tgtEl>
+                                      </p:cBhvr>
+                                    </p:animEffect>
+                                  </p:childTnLst>
+                                </p:cTn>
+                              </p:par>
+                              <p:par>
+                                <p:cTn id="13" presetID="9" presetClass="entr" presetSubtype="0" fill="hold" nodeType="withEffect">
+                                  <p:stCondLst>
+                                    <p:cond delay="0"/>
+                                  </p:stCondLst>
+                                  <p:childTnLst>
+                                    <p:set>
+                                      <p:cBhvr>
+                                        <p:cTn id="14" dur="1" fill="hold">
+                                          <p:stCondLst>
+                                            <p:cond delay="0"/>
+                                          </p:stCondLst>
+                                        </p:cTn>
+                                        <p:tgtEl>
+                                          <p:spTgt spid="2056">
+                                            <p:txEl>
+                                              <p:pRg st="2" end="2"/>
+                                            </p:txEl>
+                                          </p:spTgt>
+                                        </p:tgtEl>
+                                        <p:attrNameLst>
+                                          <p:attrName>style.visibility</p:attrName>
+                                        </p:attrNameLst>
+                                      </p:cBhvr>
+                                      <p:to>
+                                        <p:strVal val="visible"/>
+                                      </p:to>
+                                    </p:set>
+                                    <p:animEffect transition="in" filter="dissolve">
+                                      <p:cBhvr>
+                                        <p:cTn id="15" dur="500"/>
+                                        <p:tgtEl>
+                                          <p:spTgt spid="2056">
+                                            <p:txEl>
+                                              <p:pRg st="2" end="2"/>
                                             </p:txEl>
                                           </p:spTgt>
                                         </p:tgtEl>
@@ -25123,8 +25541,8 @@
         </p:nvSpPr>
         <p:spPr>
           <a:xfrm>
-            <a:off x="126996" y="2008910"/>
-            <a:ext cx="8947726" cy="4110182"/>
+            <a:off x="63496" y="2910610"/>
+            <a:ext cx="9017004" cy="1026390"/>
           </a:xfrm>
         </p:spPr>
         <p:txBody>
@@ -25135,37 +25553,7 @@
               <a:buNone/>
             </a:pPr>
             <a:r>
-              <a:rPr lang="en-US" sz="4000" b="1" dirty="0" smtClean="0">
-                <a:latin typeface="Comic Sans MS"/>
-                <a:cs typeface="Comic Sans MS"/>
-              </a:rPr>
-              <a:t>To </a:t>
-            </a:r>
-            <a:r>
-              <a:rPr lang="en-US" sz="4000" b="1" dirty="0">
-                <a:latin typeface="Comic Sans MS"/>
-                <a:cs typeface="Comic Sans MS"/>
-              </a:rPr>
-              <a:t>request </a:t>
-            </a:r>
-            <a:r>
-              <a:rPr lang="en-US" sz="4000" b="1" dirty="0" smtClean="0">
-                <a:latin typeface="Comic Sans MS"/>
-                <a:cs typeface="Comic Sans MS"/>
-              </a:rPr>
-              <a:t>changes e</a:t>
-            </a:r>
-            <a:r>
-              <a:rPr lang="en-US" sz="4000" b="1" dirty="0" smtClean="0"/>
-              <a:t>mail</a:t>
-            </a:r>
-          </a:p>
-          <a:p>
-            <a:pPr marL="0" indent="0">
-              <a:buNone/>
-            </a:pPr>
-            <a:r>
-              <a:rPr lang="en-US" sz="4000" b="1" dirty="0" smtClean="0">
+              <a:rPr lang="en-US" sz="3800" b="1" dirty="0" smtClean="0">
                 <a:solidFill>
                   <a:srgbClr val="0000FF"/>
                 </a:solidFill>
@@ -25176,7 +25564,7 @@
               <a:t>604</a:t>
             </a:r>
             <a:r>
-              <a:rPr lang="en-US" sz="4000" b="1" dirty="0" smtClean="0">
+              <a:rPr lang="en-US" sz="3800" b="1" dirty="0" smtClean="0">
                 <a:solidFill>
                   <a:schemeClr val="accent1">
                     <a:lumMod val="50000"/>
@@ -25186,10 +25574,23 @@
                 <a:cs typeface="Courier New"/>
                 <a:hlinkClick r:id="rId2"/>
               </a:rPr>
-              <a:t>2-webmaster@csail.mit.ed</a:t>
-            </a:r>
-            <a:r>
-              <a:rPr lang="en-US" sz="4000" b="1" dirty="0" smtClean="0">
+              <a:t>2-s14-stellar@</a:t>
+            </a:r>
+            <a:r>
+              <a:rPr lang="en-US" sz="3800" b="1" dirty="0" smtClean="0">
+                <a:solidFill>
+                  <a:schemeClr val="accent1">
+                    <a:lumMod val="50000"/>
+                  </a:schemeClr>
+                </a:solidFill>
+                <a:latin typeface="Courier New"/>
+                <a:cs typeface="Courier New"/>
+                <a:hlinkClick r:id="rId2"/>
+              </a:rPr>
+              <a:t>csail.mit.ed</a:t>
+            </a:r>
+            <a:r>
+              <a:rPr lang="en-US" sz="3800" b="1" dirty="0" smtClean="0">
                 <a:solidFill>
                   <a:srgbClr val="0000FF"/>
                 </a:solidFill>
@@ -25199,7 +25600,7 @@
               </a:rPr>
               <a:t>u</a:t>
             </a:r>
-            <a:endParaRPr lang="en-US" sz="4000" b="1" dirty="0" smtClean="0">
+            <a:endParaRPr lang="en-US" sz="3800" b="1" dirty="0" smtClean="0">
               <a:solidFill>
                 <a:srgbClr val="0000FF"/>
               </a:solidFill>
@@ -25261,7 +25662,7 @@
   <p:clrMapOvr>
     <a:masterClrMapping/>
   </p:clrMapOvr>
-  <p:transition xmlns:p14="http://schemas.microsoft.com/office/powerpoint/2010/main" spd="slow">
+  <p:transition xmlns:p14="http://schemas.microsoft.com/office/powerpoint/2010/main" spd="slow" advClick="0">
     <p:fade/>
   </p:transition>
   <p:timing>
@@ -25568,7 +25969,7 @@
                             </p:stCondLst>
                             <p:childTnLst>
                               <p:par>
-                                <p:cTn id="5" presetID="1" presetClass="entr" presetSubtype="0" fill="hold" nodeType="clickEffect">
+                                <p:cTn id="5" presetID="9" presetClass="entr" presetSubtype="0" fill="hold" nodeType="clickEffect">
                                   <p:stCondLst>
                                     <p:cond delay="0"/>
                                   </p:stCondLst>
@@ -25595,6 +25996,18 @@
                                         <p:strVal val="visible"/>
                                       </p:to>
                                     </p:set>
+                                    <p:animEffect transition="in" filter="dissolve">
+                                      <p:cBhvr>
+                                        <p:cTn id="7" dur="500"/>
+                                        <p:tgtEl>
+                                          <p:spTgt spid="1033">
+                                            <p:txEl>
+                                              <p:pRg st="1" end="1"/>
+                                            </p:txEl>
+                                          </p:spTgt>
+                                        </p:tgtEl>
+                                      </p:cBhvr>
+                                    </p:animEffect>
                                   </p:childTnLst>
                                 </p:cTn>
                               </p:par>
@@ -25605,26 +26018,26 @@
                     </p:cTn>
                   </p:par>
                   <p:par>
-                    <p:cTn id="7" fill="hold">
+                    <p:cTn id="8" fill="hold">
                       <p:stCondLst>
                         <p:cond delay="indefinite"/>
                       </p:stCondLst>
                       <p:childTnLst>
                         <p:par>
-                          <p:cTn id="8" fill="hold">
+                          <p:cTn id="9" fill="hold">
                             <p:stCondLst>
                               <p:cond delay="0"/>
                             </p:stCondLst>
                             <p:childTnLst>
                               <p:par>
-                                <p:cTn id="9" presetID="1" presetClass="entr" presetSubtype="0" fill="hold" nodeType="clickEffect">
+                                <p:cTn id="10" presetID="9" presetClass="entr" presetSubtype="0" fill="hold" nodeType="clickEffect">
                                   <p:stCondLst>
                                     <p:cond delay="0"/>
                                   </p:stCondLst>
                                   <p:childTnLst>
                                     <p:set>
                                       <p:cBhvr>
-                                        <p:cTn id="10" dur="1" fill="hold">
+                                        <p:cTn id="11" dur="1" fill="hold">
                                           <p:stCondLst>
                                             <p:cond delay="0"/>
                                           </p:stCondLst>
@@ -25644,6 +26057,18 @@
                                         <p:strVal val="visible"/>
                                       </p:to>
                                     </p:set>
+                                    <p:animEffect transition="in" filter="dissolve">
+                                      <p:cBhvr>
+                                        <p:cTn id="12" dur="500"/>
+                                        <p:tgtEl>
+                                          <p:spTgt spid="1033">
+                                            <p:txEl>
+                                              <p:pRg st="2" end="2"/>
+                                            </p:txEl>
+                                          </p:spTgt>
+                                        </p:tgtEl>
+                                      </p:cBhvr>
+                                    </p:animEffect>
                                   </p:childTnLst>
                                 </p:cTn>
                               </p:par>
@@ -25962,7 +26387,7 @@
         <p:spPr bwMode="auto">
           <a:xfrm>
             <a:off x="84668" y="1532451"/>
-            <a:ext cx="8983133" cy="3785652"/>
+            <a:ext cx="8983133" cy="4524315"/>
           </a:xfrm>
           <a:prstGeom prst="rect">
             <a:avLst/>
@@ -26040,7 +26465,40 @@
               <a:rPr lang="en-US" sz="4800" dirty="0" smtClean="0">
                 <a:latin typeface="Comic Sans MS" pitchFamily="66" charset="0"/>
               </a:rPr>
-              <a:t> Text Chapter 1 for </a:t>
+              <a:t> Text Chapter </a:t>
+            </a:r>
+            <a:r>
+              <a:rPr lang="en-US" sz="4800" dirty="0" smtClean="0">
+                <a:latin typeface="Comic Sans MS" pitchFamily="66" charset="0"/>
+              </a:rPr>
+              <a:t>1, </a:t>
+            </a:r>
+            <a:r>
+              <a:rPr lang="en-US" sz="4800" dirty="0" smtClean="0">
+                <a:latin typeface="Comic Sans MS" pitchFamily="66" charset="0"/>
+              </a:rPr>
+              <a:t>slide </a:t>
+            </a:r>
+            <a:r>
+              <a:rPr lang="en-US" sz="4800" dirty="0">
+                <a:latin typeface="Comic Sans MS" pitchFamily="66" charset="0"/>
+              </a:rPr>
+              <a:t>video </a:t>
+            </a:r>
+            <a:r>
+              <a:rPr lang="en-US" sz="4800" dirty="0" smtClean="0">
+                <a:latin typeface="Comic Sans MS" pitchFamily="66" charset="0"/>
+              </a:rPr>
+              <a:t>  	</a:t>
+            </a:r>
+            <a:r>
+              <a:rPr lang="en-US" sz="4800" dirty="0" smtClean="0">
+                <a:solidFill>
+                  <a:srgbClr val="000000"/>
+                </a:solidFill>
+                <a:latin typeface="Comic Sans MS" pitchFamily="66" charset="0"/>
+              </a:rPr>
+              <a:t>for</a:t>
             </a:r>
             <a:r>
               <a:rPr lang="en-US" sz="4800" dirty="0" smtClean="0">
@@ -26049,8 +26507,85 @@
                 </a:solidFill>
                 <a:latin typeface="Comic Sans MS" pitchFamily="66" charset="0"/>
               </a:rPr>
-              <a:t>Friday</a:t>
-            </a:r>
+              <a:t> Friday</a:t>
+            </a:r>
+            <a:r>
+              <a:rPr lang="en-US" sz="4800" dirty="0" smtClean="0">
+                <a:solidFill>
+                  <a:srgbClr val="000000"/>
+                </a:solidFill>
+                <a:latin typeface="Comic Sans MS" pitchFamily="66" charset="0"/>
+              </a:rPr>
+              <a:t>.</a:t>
+            </a:r>
+          </a:p>
+          <a:p>
+            <a:pPr algn="l">
+              <a:defRPr/>
+            </a:pPr>
+            <a:r>
+              <a:rPr lang="en-US" sz="4800" dirty="0" smtClean="0">
+                <a:solidFill>
+                  <a:srgbClr val="000000"/>
+                </a:solidFill>
+                <a:latin typeface="Comic Sans MS" pitchFamily="66" charset="0"/>
+              </a:rPr>
+              <a:t>     </a:t>
+            </a:r>
+            <a:r>
+              <a:rPr lang="en-US" sz="4800" dirty="0">
+                <a:latin typeface="Comic Sans MS" pitchFamily="66" charset="0"/>
+              </a:rPr>
+              <a:t>F</a:t>
+            </a:r>
+            <a:r>
+              <a:rPr lang="en-US" sz="4800" dirty="0" smtClean="0">
+                <a:latin typeface="Comic Sans MS" pitchFamily="66" charset="0"/>
+              </a:rPr>
+              <a:t>or</a:t>
+            </a:r>
+            <a:r>
+              <a:rPr lang="en-US" sz="4800" dirty="0" smtClean="0">
+                <a:solidFill>
+                  <a:srgbClr val="0000FF"/>
+                </a:solidFill>
+                <a:latin typeface="Comic Sans MS" pitchFamily="66" charset="0"/>
+              </a:rPr>
+              <a:t> </a:t>
+            </a:r>
+            <a:r>
+              <a:rPr lang="en-US" sz="4800" dirty="0">
+                <a:solidFill>
+                  <a:srgbClr val="0000FF"/>
+                </a:solidFill>
+                <a:latin typeface="Comic Sans MS" pitchFamily="66" charset="0"/>
+              </a:rPr>
+              <a:t>next </a:t>
+            </a:r>
+            <a:r>
+              <a:rPr lang="en-US" sz="4800" dirty="0" smtClean="0">
+                <a:solidFill>
+                  <a:srgbClr val="0000FF"/>
+                </a:solidFill>
+                <a:latin typeface="Comic Sans MS" pitchFamily="66" charset="0"/>
+              </a:rPr>
+              <a:t>week:</a:t>
+            </a:r>
+            <a:r>
+              <a:rPr lang="en-US" sz="4800" dirty="0" smtClean="0">
+                <a:solidFill>
+                  <a:srgbClr val="000000"/>
+                </a:solidFill>
+                <a:latin typeface="Comic Sans MS" pitchFamily="66" charset="0"/>
+              </a:rPr>
+              <a:t> videos &amp;</a:t>
+            </a:r>
+            <a:endParaRPr lang="en-US" sz="4800" dirty="0" smtClean="0">
+              <a:solidFill>
+                <a:srgbClr val="0000FF"/>
+              </a:solidFill>
+              <a:latin typeface="Comic Sans MS" pitchFamily="66" charset="0"/>
+            </a:endParaRPr>
           </a:p>
           <a:p>
             <a:pPr algn="l">
@@ -26062,74 +26597,19 @@
               <a:rPr lang="en-US" sz="4800" dirty="0" smtClean="0">
                 <a:latin typeface="Comic Sans MS" pitchFamily="66" charset="0"/>
               </a:rPr>
-              <a:t>  slide </a:t>
+              <a:t> Ch. </a:t>
             </a:r>
             <a:r>
               <a:rPr lang="en-US" sz="4800" dirty="0">
                 <a:latin typeface="Comic Sans MS" pitchFamily="66" charset="0"/>
               </a:rPr>
-              <a:t>video </a:t>
-            </a:r>
-            <a:r>
-              <a:rPr lang="en-US" sz="4800" dirty="0">
-                <a:solidFill>
-                  <a:srgbClr val="0000FF"/>
-                </a:solidFill>
-                <a:latin typeface="Comic Sans MS" pitchFamily="66" charset="0"/>
-              </a:rPr>
-              <a:t>for </a:t>
-            </a:r>
-            <a:r>
-              <a:rPr lang="en-US" sz="4800" dirty="0" smtClean="0">
-                <a:solidFill>
-                  <a:srgbClr val="0000FF"/>
-                </a:solidFill>
-                <a:latin typeface="Comic Sans MS" pitchFamily="66" charset="0"/>
-              </a:rPr>
-              <a:t>Friday</a:t>
-            </a:r>
-          </a:p>
-          <a:p>
-            <a:pPr algn="l">
-              <a:buFont typeface="Arial" pitchFamily="34" charset="0"/>
-              <a:buChar char="•"/>
-              <a:defRPr/>
-            </a:pPr>
+              <a:t>2 </a:t>
+            </a:r>
             <a:r>
               <a:rPr lang="en-US" sz="4800" dirty="0" smtClean="0">
                 <a:latin typeface="Comic Sans MS" pitchFamily="66" charset="0"/>
               </a:rPr>
-              <a:t> Ch. </a:t>
-            </a:r>
-            <a:r>
-              <a:rPr lang="en-US" sz="4800" dirty="0">
-                <a:latin typeface="Comic Sans MS" pitchFamily="66" charset="0"/>
-              </a:rPr>
-              <a:t>2 for</a:t>
-            </a:r>
-            <a:r>
-              <a:rPr lang="en-US" sz="4800" dirty="0">
-                <a:solidFill>
-                  <a:schemeClr val="accent1">
-                    <a:lumMod val="50000"/>
-                  </a:schemeClr>
-                </a:solidFill>
-                <a:latin typeface="Comic Sans MS" pitchFamily="66" charset="0"/>
-              </a:rPr>
-              <a:t> Monday</a:t>
-            </a:r>
-          </a:p>
-          <a:p>
-            <a:pPr algn="l">
-              <a:buFont typeface="Arial"/>
-              <a:buChar char="•"/>
-              <a:defRPr/>
-            </a:pPr>
-            <a:r>
-              <a:rPr lang="en-US" sz="4800" dirty="0">
-                <a:latin typeface="Comic Sans MS" pitchFamily="66" charset="0"/>
-              </a:rPr>
-              <a:t> Ch. 3 for </a:t>
+              <a:t>parts for</a:t>
             </a:r>
             <a:r>
               <a:rPr lang="en-US" sz="4800" dirty="0" smtClean="0">
@@ -26140,7 +26620,54 @@
                 </a:solidFill>
                 <a:latin typeface="Comic Sans MS" pitchFamily="66" charset="0"/>
               </a:rPr>
-              <a:t>Wed, Fri next week</a:t>
+              <a:t> Monday</a:t>
+            </a:r>
+            <a:endParaRPr lang="en-US" sz="4800" dirty="0">
+              <a:solidFill>
+                <a:srgbClr val="000000"/>
+              </a:solidFill>
+              <a:latin typeface="Comic Sans MS" pitchFamily="66" charset="0"/>
+            </a:endParaRPr>
+          </a:p>
+          <a:p>
+            <a:pPr algn="l">
+              <a:buFont typeface="Arial"/>
+              <a:buChar char="•"/>
+              <a:defRPr/>
+            </a:pPr>
+            <a:r>
+              <a:rPr lang="en-US" sz="4800" dirty="0">
+                <a:latin typeface="Comic Sans MS" pitchFamily="66" charset="0"/>
+              </a:rPr>
+              <a:t> Ch. 3 </a:t>
+            </a:r>
+            <a:r>
+              <a:rPr lang="en-US" sz="4800" dirty="0" smtClean="0">
+                <a:latin typeface="Comic Sans MS" pitchFamily="66" charset="0"/>
+              </a:rPr>
+              <a:t>parts for </a:t>
+            </a:r>
+            <a:r>
+              <a:rPr lang="en-US" sz="4800" dirty="0" smtClean="0">
+                <a:solidFill>
+                  <a:schemeClr val="accent1">
+                    <a:lumMod val="50000"/>
+                  </a:schemeClr>
+                </a:solidFill>
+                <a:latin typeface="Comic Sans MS" pitchFamily="66" charset="0"/>
+              </a:rPr>
+              <a:t>Wed, </a:t>
+            </a:r>
+            <a:r>
+              <a:rPr lang="en-US" sz="4800" dirty="0" smtClean="0">
+                <a:solidFill>
+                  <a:schemeClr val="accent1">
+                    <a:lumMod val="50000"/>
+                  </a:schemeClr>
+                </a:solidFill>
+                <a:latin typeface="Comic Sans MS" pitchFamily="66" charset="0"/>
+              </a:rPr>
+              <a:t>Fri</a:t>
             </a:r>
             <a:endParaRPr lang="en-US" sz="4800" dirty="0">
               <a:latin typeface="Comic Sans MS" pitchFamily="66" charset="0"/>
@@ -26236,7 +26763,7 @@
           <a:graphicData uri="http://schemas.openxmlformats.org/presentationml/2006/ole">
             <mc:AlternateContent xmlns:mc="http://schemas.openxmlformats.org/markup-compatibility/2006">
               <mc:Choice xmlns:v="urn:schemas-microsoft-com:vml" Requires="v">
-                <p:oleObj spid="_x0000_s3167" name="Equation" r:id="rId4" imgW="914400" imgH="215640" progId="Equation.3">
+                <p:oleObj spid="_x0000_s3185" name="Equation" r:id="rId4" imgW="914400" imgH="215640" progId="Equation.3">
                   <p:embed/>
                 </p:oleObj>
               </mc:Choice>
@@ -26306,7 +26833,7 @@
           <a:graphicData uri="http://schemas.openxmlformats.org/presentationml/2006/ole">
             <mc:AlternateContent xmlns:mc="http://schemas.openxmlformats.org/markup-compatibility/2006">
               <mc:Choice xmlns:v="urn:schemas-microsoft-com:vml" Requires="v">
-                <p:oleObj spid="_x0000_s3168" name="Equation" r:id="rId6" imgW="914400" imgH="215640" progId="Equation.3">
+                <p:oleObj spid="_x0000_s3186" name="Equation" r:id="rId6" imgW="914400" imgH="215640" progId="Equation.3">
                   <p:embed/>
                 </p:oleObj>
               </mc:Choice>
@@ -26399,7 +26926,7 @@
   <p:clrMapOvr>
     <a:masterClrMapping/>
   </p:clrMapOvr>
-  <p:transition xmlns:p14="http://schemas.microsoft.com/office/powerpoint/2010/main" spd="slow">
+  <p:transition xmlns:p14="http://schemas.microsoft.com/office/powerpoint/2010/main" spd="slow" advClick="0">
     <p:fade thruBlk="1"/>
   </p:transition>
   <p:timing>
@@ -26529,30 +27056,21 @@
                             </p:childTnLst>
                           </p:cTn>
                         </p:par>
-                      </p:childTnLst>
-                    </p:cTn>
-                  </p:par>
-                  <p:par>
-                    <p:cTn id="13" fill="hold">
-                      <p:stCondLst>
-                        <p:cond delay="indefinite"/>
-                      </p:stCondLst>
-                      <p:childTnLst>
                         <p:par>
-                          <p:cTn id="14" fill="hold">
+                          <p:cTn id="13" fill="hold">
                             <p:stCondLst>
-                              <p:cond delay="0"/>
+                              <p:cond delay="500"/>
                             </p:stCondLst>
                             <p:childTnLst>
                               <p:par>
-                                <p:cTn id="15" presetID="9" presetClass="entr" presetSubtype="0" fill="hold" nodeType="clickEffect">
+                                <p:cTn id="14" presetID="9" presetClass="entr" presetSubtype="0" fill="hold" nodeType="afterEffect">
                                   <p:stCondLst>
                                     <p:cond delay="0"/>
                                   </p:stCondLst>
                                   <p:childTnLst>
                                     <p:set>
                                       <p:cBhvr>
-                                        <p:cTn id="16" dur="1" fill="hold">
+                                        <p:cTn id="15" dur="1" fill="hold">
                                           <p:stCondLst>
                                             <p:cond delay="0"/>
                                           </p:stCondLst>
@@ -26574,7 +27092,7 @@
                                     </p:set>
                                     <p:animEffect transition="in" filter="dissolve">
                                       <p:cBhvr>
-                                        <p:cTn id="17" dur="500"/>
+                                        <p:cTn id="16" dur="500"/>
                                         <p:tgtEl>
                                           <p:spTgt spid="3080">
                                             <p:txEl>
@@ -26590,30 +27108,21 @@
                             </p:childTnLst>
                           </p:cTn>
                         </p:par>
-                      </p:childTnLst>
-                    </p:cTn>
-                  </p:par>
-                  <p:par>
-                    <p:cTn id="18" fill="hold">
-                      <p:stCondLst>
-                        <p:cond delay="indefinite"/>
-                      </p:stCondLst>
-                      <p:childTnLst>
                         <p:par>
-                          <p:cTn id="19" fill="hold">
+                          <p:cTn id="17" fill="hold">
                             <p:stCondLst>
-                              <p:cond delay="0"/>
+                              <p:cond delay="1000"/>
                             </p:stCondLst>
                             <p:childTnLst>
                               <p:par>
-                                <p:cTn id="20" presetID="9" presetClass="entr" presetSubtype="0" fill="hold" nodeType="clickEffect">
+                                <p:cTn id="18" presetID="9" presetClass="entr" presetSubtype="0" fill="hold" nodeType="afterEffect">
                                   <p:stCondLst>
                                     <p:cond delay="0"/>
                                   </p:stCondLst>
                                   <p:childTnLst>
                                     <p:set>
                                       <p:cBhvr>
-                                        <p:cTn id="21" dur="1" fill="hold">
+                                        <p:cTn id="19" dur="1" fill="hold">
                                           <p:stCondLst>
                                             <p:cond delay="0"/>
                                           </p:stCondLst>
@@ -26635,7 +27144,7 @@
                                     </p:set>
                                     <p:animEffect transition="in" filter="dissolve">
                                       <p:cBhvr>
-                                        <p:cTn id="22" dur="500"/>
+                                        <p:cTn id="20" dur="500"/>
                                         <p:tgtEl>
                                           <p:spTgt spid="3080">
                                             <p:txEl>
@@ -26731,8 +27240,8 @@
         </p:nvSpPr>
         <p:spPr>
           <a:xfrm>
-            <a:off x="93137" y="1303864"/>
-            <a:ext cx="9050863" cy="5122335"/>
+            <a:off x="182037" y="1354665"/>
+            <a:ext cx="8758763" cy="4792136"/>
           </a:xfrm>
         </p:spPr>
         <p:txBody>
@@ -26742,12 +27251,11 @@
             <a:r>
               <a:rPr lang="en-US" sz="4000" dirty="0" smtClean="0">
                 <a:solidFill>
-                  <a:srgbClr val="FF6600"/>
+                  <a:srgbClr val="CB21DD"/>
                 </a:solidFill>
               </a:rPr>
               <a:t>required attendance</a:t>
             </a:r>
-            <a:endParaRPr lang="en-US" sz="4000" dirty="0" smtClean="0"/>
           </a:p>
           <a:p>
             <a:r>
@@ -26770,36 +27278,6 @@
                   <a:srgbClr val="0000FF"/>
                 </a:solidFill>
               </a:rPr>
-              <a:t>microquizzes</a:t>
-            </a:r>
-            <a:r>
-              <a:rPr lang="en-US" sz="4000" dirty="0" smtClean="0"/>
-              <a:t> </a:t>
-            </a:r>
-            <a:r>
-              <a:rPr lang="en-US" sz="4000" dirty="0"/>
-              <a:t>most </a:t>
-            </a:r>
-            <a:r>
-              <a:rPr lang="en-US" sz="4000" dirty="0" smtClean="0"/>
-              <a:t>Wed &amp; Fri 5 </a:t>
-            </a:r>
-            <a:r>
-              <a:rPr lang="en-US" sz="4000" dirty="0"/>
-              <a:t>min</a:t>
-            </a:r>
-            <a:r>
-              <a:rPr lang="en-US" sz="4000" dirty="0" smtClean="0"/>
-              <a:t>.</a:t>
-            </a:r>
-          </a:p>
-          <a:p>
-            <a:r>
-              <a:rPr lang="en-US" sz="4000" dirty="0" err="1" smtClean="0">
-                <a:solidFill>
-                  <a:srgbClr val="0000FF"/>
-                </a:solidFill>
-              </a:rPr>
               <a:t>psets</a:t>
             </a:r>
             <a:r>
@@ -26822,7 +27300,7 @@
                   <a:srgbClr val="0000FF"/>
                 </a:solidFill>
               </a:rPr>
-              <a:t>online</a:t>
+              <a:t>videos, online</a:t>
             </a:r>
             <a:r>
               <a:rPr lang="en-US" sz="4000" dirty="0" smtClean="0"/>
@@ -26840,7 +27318,11 @@
             </a:r>
             <a:r>
               <a:rPr lang="en-US" sz="4000" dirty="0" smtClean="0"/>
-              <a:t> due most days</a:t>
+              <a:t> </a:t>
+            </a:r>
+            <a:r>
+              <a:rPr lang="en-US" sz="4000" dirty="0" smtClean="0"/>
+              <a:t>most days</a:t>
             </a:r>
           </a:p>
           <a:p>
@@ -26850,15 +27332,23 @@
                   <a:srgbClr val="0000FF"/>
                 </a:solidFill>
               </a:rPr>
-              <a:t>2 midterms</a:t>
+              <a:t>3 </a:t>
+            </a:r>
+            <a:r>
+              <a:rPr lang="en-US" sz="4000" dirty="0" smtClean="0">
+                <a:solidFill>
+                  <a:srgbClr val="0000FF"/>
+                </a:solidFill>
+              </a:rPr>
+              <a:t>midterms</a:t>
             </a:r>
             <a:r>
               <a:rPr lang="en-US" sz="4000" dirty="0" smtClean="0"/>
-              <a:t>, 1 </a:t>
-            </a:r>
-            <a:r>
-              <a:rPr lang="en-US" sz="4000" dirty="0"/>
-              <a:t>hour </a:t>
+              <a:t>, </a:t>
+            </a:r>
+            <a:r>
+              <a:rPr lang="en-US" sz="4000" dirty="0" smtClean="0"/>
+              <a:t>80 min. </a:t>
             </a:r>
             <a:r>
               <a:rPr lang="en-US" sz="4000" dirty="0" smtClean="0"/>
@@ -26879,6 +27369,10 @@
               <a:t> in Piazza </a:t>
             </a:r>
             <a:r>
+              <a:rPr lang="en-US" sz="4000" dirty="0" smtClean="0"/>
+              <a:t>(</a:t>
+            </a:r>
+            <a:r>
               <a:rPr lang="en-US" sz="4000" dirty="0" smtClean="0">
                 <a:solidFill>
                   <a:srgbClr val="077F15"/>
@@ -26886,9 +27380,17 @@
               </a:rPr>
               <a:t>optional</a:t>
             </a:r>
+            <a:r>
+              <a:rPr lang="en-US" sz="4000" dirty="0" smtClean="0">
+                <a:solidFill>
+                  <a:srgbClr val="000000"/>
+                </a:solidFill>
+              </a:rPr>
+              <a:t>)</a:t>
+            </a:r>
             <a:endParaRPr lang="en-US" sz="4000" dirty="0">
               <a:solidFill>
-                <a:srgbClr val="077F15"/>
+                <a:srgbClr val="000000"/>
               </a:solidFill>
             </a:endParaRPr>
           </a:p>
@@ -26946,7 +27448,7 @@
   <p:clrMapOvr>
     <a:masterClrMapping/>
   </p:clrMapOvr>
-  <p:transition xmlns:p14="http://schemas.microsoft.com/office/powerpoint/2010/main" spd="slow">
+  <p:transition xmlns:p14="http://schemas.microsoft.com/office/powerpoint/2010/main" spd="slow" advClick="0">
     <p:fade/>
   </p:transition>
   <p:timing>
@@ -27309,67 +27811,6 @@
                                           <p:spTgt spid="3">
                                             <p:txEl>
                                               <p:pRg st="5" end="5"/>
-                                            </p:txEl>
-                                          </p:spTgt>
-                                        </p:tgtEl>
-                                      </p:cBhvr>
-                                    </p:animEffect>
-                                  </p:childTnLst>
-                                </p:cTn>
-                              </p:par>
-                            </p:childTnLst>
-                          </p:cTn>
-                        </p:par>
-                      </p:childTnLst>
-                    </p:cTn>
-                  </p:par>
-                  <p:par>
-                    <p:cTn id="33" fill="hold">
-                      <p:stCondLst>
-                        <p:cond delay="indefinite"/>
-                      </p:stCondLst>
-                      <p:childTnLst>
-                        <p:par>
-                          <p:cTn id="34" fill="hold">
-                            <p:stCondLst>
-                              <p:cond delay="0"/>
-                            </p:stCondLst>
-                            <p:childTnLst>
-                              <p:par>
-                                <p:cTn id="35" presetID="10" presetClass="entr" presetSubtype="0" fill="hold" grpId="0" nodeType="clickEffect">
-                                  <p:stCondLst>
-                                    <p:cond delay="0"/>
-                                  </p:stCondLst>
-                                  <p:childTnLst>
-                                    <p:set>
-                                      <p:cBhvr>
-                                        <p:cTn id="36" dur="1" fill="hold">
-                                          <p:stCondLst>
-                                            <p:cond delay="0"/>
-                                          </p:stCondLst>
-                                        </p:cTn>
-                                        <p:tgtEl>
-                                          <p:spTgt spid="3">
-                                            <p:txEl>
-                                              <p:pRg st="6" end="6"/>
-                                            </p:txEl>
-                                          </p:spTgt>
-                                        </p:tgtEl>
-                                        <p:attrNameLst>
-                                          <p:attrName>style.visibility</p:attrName>
-                                        </p:attrNameLst>
-                                      </p:cBhvr>
-                                      <p:to>
-                                        <p:strVal val="visible"/>
-                                      </p:to>
-                                    </p:set>
-                                    <p:animEffect transition="in" filter="fade">
-                                      <p:cBhvr>
-                                        <p:cTn id="37" dur="500"/>
-                                        <p:tgtEl>
-                                          <p:spTgt spid="3">
-                                            <p:txEl>
-                                              <p:pRg st="6" end="6"/>
                                             </p:txEl>
                                           </p:spTgt>
                                         </p:tgtEl>

--- a/spring14/slidesS14/6042S14welcome.pptx
+++ b/spring14/slidesS14/6042S14welcome.pptx
@@ -5,10 +5,10 @@
     <p:sldMasterId id="2147483650" r:id="rId1"/>
   </p:sldMasterIdLst>
   <p:notesMasterIdLst>
-    <p:notesMasterId r:id="rId35"/>
+    <p:notesMasterId r:id="rId36"/>
   </p:notesMasterIdLst>
   <p:handoutMasterIdLst>
-    <p:handoutMasterId r:id="rId36"/>
+    <p:handoutMasterId r:id="rId37"/>
   </p:handoutMasterIdLst>
   <p:sldIdLst>
     <p:sldId id="306" r:id="rId2"/>
@@ -19,36 +19,37 @@
     <p:sldId id="258" r:id="rId7"/>
     <p:sldId id="317" r:id="rId8"/>
     <p:sldId id="316" r:id="rId9"/>
-    <p:sldId id="348" r:id="rId10"/>
+    <p:sldId id="355" r:id="rId10"/>
     <p:sldId id="312" r:id="rId11"/>
-    <p:sldId id="349" r:id="rId12"/>
-    <p:sldId id="350" r:id="rId13"/>
-    <p:sldId id="351" r:id="rId14"/>
-    <p:sldId id="313" r:id="rId15"/>
-    <p:sldId id="318" r:id="rId16"/>
-    <p:sldId id="259" r:id="rId17"/>
-    <p:sldId id="260" r:id="rId18"/>
-    <p:sldId id="309" r:id="rId19"/>
-    <p:sldId id="321" r:id="rId20"/>
-    <p:sldId id="353" r:id="rId21"/>
-    <p:sldId id="347" r:id="rId22"/>
-    <p:sldId id="264" r:id="rId23"/>
-    <p:sldId id="354" r:id="rId24"/>
-    <p:sldId id="288" r:id="rId25"/>
-    <p:sldId id="319" r:id="rId26"/>
-    <p:sldId id="320" r:id="rId27"/>
-    <p:sldId id="308" r:id="rId28"/>
-    <p:sldId id="298" r:id="rId29"/>
-    <p:sldId id="342" r:id="rId30"/>
-    <p:sldId id="289" r:id="rId31"/>
-    <p:sldId id="302" r:id="rId32"/>
-    <p:sldId id="266" r:id="rId33"/>
-    <p:sldId id="339" r:id="rId34"/>
+    <p:sldId id="348" r:id="rId12"/>
+    <p:sldId id="349" r:id="rId13"/>
+    <p:sldId id="350" r:id="rId14"/>
+    <p:sldId id="351" r:id="rId15"/>
+    <p:sldId id="313" r:id="rId16"/>
+    <p:sldId id="318" r:id="rId17"/>
+    <p:sldId id="259" r:id="rId18"/>
+    <p:sldId id="260" r:id="rId19"/>
+    <p:sldId id="309" r:id="rId20"/>
+    <p:sldId id="321" r:id="rId21"/>
+    <p:sldId id="353" r:id="rId22"/>
+    <p:sldId id="347" r:id="rId23"/>
+    <p:sldId id="264" r:id="rId24"/>
+    <p:sldId id="354" r:id="rId25"/>
+    <p:sldId id="288" r:id="rId26"/>
+    <p:sldId id="319" r:id="rId27"/>
+    <p:sldId id="320" r:id="rId28"/>
+    <p:sldId id="308" r:id="rId29"/>
+    <p:sldId id="298" r:id="rId30"/>
+    <p:sldId id="342" r:id="rId31"/>
+    <p:sldId id="289" r:id="rId32"/>
+    <p:sldId id="302" r:id="rId33"/>
+    <p:sldId id="266" r:id="rId34"/>
+    <p:sldId id="339" r:id="rId35"/>
   </p:sldIdLst>
   <p:sldSz cx="9144000" cy="6858000" type="screen4x3"/>
   <p:notesSz cx="9601200" cy="7315200"/>
   <p:custDataLst>
-    <p:tags r:id="rId38"/>
+    <p:tags r:id="rId39"/>
   </p:custDataLst>
   <p:defaultTextStyle>
     <a:defPPr>
@@ -961,7 +962,7 @@
       </p:grpSpPr>
       <p:sp>
         <p:nvSpPr>
-          <p:cNvPr id="56322" name="Rectangle 7"/>
+          <p:cNvPr id="55298" name="Rectangle 7"/>
           <p:cNvSpPr>
             <a:spLocks noGrp="1" noChangeArrowheads="1"/>
           </p:cNvSpPr>
@@ -976,7 +977,7 @@
           <a:bodyPr/>
           <a:lstStyle/>
           <a:p>
-            <a:fld id="{97441565-A9B3-401A-B566-E8DD2D9EF781}" type="slidenum">
+            <a:fld id="{E2310A67-3775-49DA-8188-C01B54C69B7E}" type="slidenum">
               <a:rPr lang="en-US" smtClean="0"/>
               <a:pPr/>
               <a:t>15</a:t>
@@ -987,7 +988,7 @@
       </p:sp>
       <p:sp>
         <p:nvSpPr>
-          <p:cNvPr id="56323" name="Rectangle 2"/>
+          <p:cNvPr id="55299" name="Rectangle 2"/>
           <p:cNvSpPr>
             <a:spLocks noGrp="1" noRot="1" noChangeAspect="1" noChangeArrowheads="1" noTextEdit="1"/>
           </p:cNvSpPr>
@@ -1001,7 +1002,7 @@
       </p:sp>
       <p:sp>
         <p:nvSpPr>
-          <p:cNvPr id="56324" name="Rectangle 3"/>
+          <p:cNvPr id="55300" name="Rectangle 3"/>
           <p:cNvSpPr>
             <a:spLocks noGrp="1" noChangeArrowheads="1"/>
           </p:cNvSpPr>
@@ -1049,7 +1050,7 @@
       </p:grpSpPr>
       <p:sp>
         <p:nvSpPr>
-          <p:cNvPr id="57346" name="Rectangle 7"/>
+          <p:cNvPr id="56322" name="Rectangle 7"/>
           <p:cNvSpPr>
             <a:spLocks noGrp="1" noChangeArrowheads="1"/>
           </p:cNvSpPr>
@@ -1064,7 +1065,7 @@
           <a:bodyPr/>
           <a:lstStyle/>
           <a:p>
-            <a:fld id="{B08C3FFD-F10D-4F3B-9F18-59B67A9B3B2D}" type="slidenum">
+            <a:fld id="{97441565-A9B3-401A-B566-E8DD2D9EF781}" type="slidenum">
               <a:rPr lang="en-US" smtClean="0"/>
               <a:pPr/>
               <a:t>16</a:t>
@@ -1075,7 +1076,7 @@
       </p:sp>
       <p:sp>
         <p:nvSpPr>
-          <p:cNvPr id="57347" name="Rectangle 2"/>
+          <p:cNvPr id="56323" name="Rectangle 2"/>
           <p:cNvSpPr>
             <a:spLocks noGrp="1" noRot="1" noChangeAspect="1" noChangeArrowheads="1" noTextEdit="1"/>
           </p:cNvSpPr>
@@ -1089,7 +1090,7 @@
       </p:sp>
       <p:sp>
         <p:nvSpPr>
-          <p:cNvPr id="57348" name="Rectangle 3"/>
+          <p:cNvPr id="56324" name="Rectangle 3"/>
           <p:cNvSpPr>
             <a:spLocks noGrp="1" noChangeArrowheads="1"/>
           </p:cNvSpPr>
@@ -1137,7 +1138,7 @@
       </p:grpSpPr>
       <p:sp>
         <p:nvSpPr>
-          <p:cNvPr id="58370" name="Rectangle 7"/>
+          <p:cNvPr id="57346" name="Rectangle 7"/>
           <p:cNvSpPr>
             <a:spLocks noGrp="1" noChangeArrowheads="1"/>
           </p:cNvSpPr>
@@ -1152,7 +1153,7 @@
           <a:bodyPr/>
           <a:lstStyle/>
           <a:p>
-            <a:fld id="{407A3CA2-916B-43B8-98CE-E1396D1AE4F9}" type="slidenum">
+            <a:fld id="{B08C3FFD-F10D-4F3B-9F18-59B67A9B3B2D}" type="slidenum">
               <a:rPr lang="en-US" smtClean="0"/>
               <a:pPr/>
               <a:t>17</a:t>
@@ -1163,7 +1164,7 @@
       </p:sp>
       <p:sp>
         <p:nvSpPr>
-          <p:cNvPr id="58371" name="Rectangle 2"/>
+          <p:cNvPr id="57347" name="Rectangle 2"/>
           <p:cNvSpPr>
             <a:spLocks noGrp="1" noRot="1" noChangeAspect="1" noChangeArrowheads="1" noTextEdit="1"/>
           </p:cNvSpPr>
@@ -1177,7 +1178,7 @@
       </p:sp>
       <p:sp>
         <p:nvSpPr>
-          <p:cNvPr id="58372" name="Rectangle 3"/>
+          <p:cNvPr id="57348" name="Rectangle 3"/>
           <p:cNvSpPr>
             <a:spLocks noGrp="1" noChangeArrowheads="1"/>
           </p:cNvSpPr>
@@ -1225,7 +1226,7 @@
       </p:grpSpPr>
       <p:sp>
         <p:nvSpPr>
-          <p:cNvPr id="59394" name="Rectangle 7"/>
+          <p:cNvPr id="58370" name="Rectangle 7"/>
           <p:cNvSpPr>
             <a:spLocks noGrp="1" noChangeArrowheads="1"/>
           </p:cNvSpPr>
@@ -1240,7 +1241,7 @@
           <a:bodyPr/>
           <a:lstStyle/>
           <a:p>
-            <a:fld id="{6DD68F84-63DF-41A5-B164-68108F49AA4E}" type="slidenum">
+            <a:fld id="{407A3CA2-916B-43B8-98CE-E1396D1AE4F9}" type="slidenum">
               <a:rPr lang="en-US" smtClean="0"/>
               <a:pPr/>
               <a:t>18</a:t>
@@ -1251,7 +1252,7 @@
       </p:sp>
       <p:sp>
         <p:nvSpPr>
-          <p:cNvPr id="59395" name="Rectangle 2"/>
+          <p:cNvPr id="58371" name="Rectangle 2"/>
           <p:cNvSpPr>
             <a:spLocks noGrp="1" noRot="1" noChangeAspect="1" noChangeArrowheads="1" noTextEdit="1"/>
           </p:cNvSpPr>
@@ -1265,7 +1266,7 @@
       </p:sp>
       <p:sp>
         <p:nvSpPr>
-          <p:cNvPr id="59396" name="Rectangle 3"/>
+          <p:cNvPr id="58372" name="Rectangle 3"/>
           <p:cNvSpPr>
             <a:spLocks noGrp="1" noChangeArrowheads="1"/>
           </p:cNvSpPr>
@@ -1313,7 +1314,7 @@
       </p:grpSpPr>
       <p:sp>
         <p:nvSpPr>
-          <p:cNvPr id="60418" name="Rectangle 7"/>
+          <p:cNvPr id="59394" name="Rectangle 7"/>
           <p:cNvSpPr>
             <a:spLocks noGrp="1" noChangeArrowheads="1"/>
           </p:cNvSpPr>
@@ -1328,7 +1329,7 @@
           <a:bodyPr/>
           <a:lstStyle/>
           <a:p>
-            <a:fld id="{51FFE3F3-AF62-46B7-9D2A-50E11FFE1D71}" type="slidenum">
+            <a:fld id="{6DD68F84-63DF-41A5-B164-68108F49AA4E}" type="slidenum">
               <a:rPr lang="en-US" smtClean="0"/>
               <a:pPr/>
               <a:t>19</a:t>
@@ -1339,7 +1340,7 @@
       </p:sp>
       <p:sp>
         <p:nvSpPr>
-          <p:cNvPr id="60419" name="Rectangle 2"/>
+          <p:cNvPr id="59395" name="Rectangle 2"/>
           <p:cNvSpPr>
             <a:spLocks noGrp="1" noRot="1" noChangeAspect="1" noChangeArrowheads="1" noTextEdit="1"/>
           </p:cNvSpPr>
@@ -1353,7 +1354,7 @@
       </p:sp>
       <p:sp>
         <p:nvSpPr>
-          <p:cNvPr id="60420" name="Rectangle 3"/>
+          <p:cNvPr id="59396" name="Rectangle 3"/>
           <p:cNvSpPr>
             <a:spLocks noGrp="1" noChangeArrowheads="1"/>
           </p:cNvSpPr>
@@ -1401,7 +1402,7 @@
       </p:grpSpPr>
       <p:sp>
         <p:nvSpPr>
-          <p:cNvPr id="61442" name="Rectangle 7"/>
+          <p:cNvPr id="60418" name="Rectangle 7"/>
           <p:cNvSpPr>
             <a:spLocks noGrp="1" noChangeArrowheads="1"/>
           </p:cNvSpPr>
@@ -1416,7 +1417,7 @@
           <a:bodyPr/>
           <a:lstStyle/>
           <a:p>
-            <a:fld id="{06FD86CA-7308-4060-BA80-6687A7ACAB22}" type="slidenum">
+            <a:fld id="{51FFE3F3-AF62-46B7-9D2A-50E11FFE1D71}" type="slidenum">
               <a:rPr lang="en-US" smtClean="0"/>
               <a:pPr/>
               <a:t>20</a:t>
@@ -1427,7 +1428,7 @@
       </p:sp>
       <p:sp>
         <p:nvSpPr>
-          <p:cNvPr id="61443" name="Rectangle 2"/>
+          <p:cNvPr id="60419" name="Rectangle 2"/>
           <p:cNvSpPr>
             <a:spLocks noGrp="1" noRot="1" noChangeAspect="1" noChangeArrowheads="1" noTextEdit="1"/>
           </p:cNvSpPr>
@@ -1441,7 +1442,7 @@
       </p:sp>
       <p:sp>
         <p:nvSpPr>
-          <p:cNvPr id="61444" name="Rectangle 3"/>
+          <p:cNvPr id="60420" name="Rectangle 3"/>
           <p:cNvSpPr>
             <a:spLocks noGrp="1" noChangeArrowheads="1"/>
           </p:cNvSpPr>
@@ -1577,7 +1578,7 @@
       </p:grpSpPr>
       <p:sp>
         <p:nvSpPr>
-          <p:cNvPr id="62466" name="Rectangle 7"/>
+          <p:cNvPr id="61442" name="Rectangle 7"/>
           <p:cNvSpPr>
             <a:spLocks noGrp="1" noChangeArrowheads="1"/>
           </p:cNvSpPr>
@@ -1592,7 +1593,7 @@
           <a:bodyPr/>
           <a:lstStyle/>
           <a:p>
-            <a:fld id="{015363C2-3A80-4355-B6A5-052F8B41EBE2}" type="slidenum">
+            <a:fld id="{06FD86CA-7308-4060-BA80-6687A7ACAB22}" type="slidenum">
               <a:rPr lang="en-US" smtClean="0"/>
               <a:pPr/>
               <a:t>22</a:t>
@@ -1603,7 +1604,7 @@
       </p:sp>
       <p:sp>
         <p:nvSpPr>
-          <p:cNvPr id="62467" name="Rectangle 2"/>
+          <p:cNvPr id="61443" name="Rectangle 2"/>
           <p:cNvSpPr>
             <a:spLocks noGrp="1" noRot="1" noChangeAspect="1" noChangeArrowheads="1" noTextEdit="1"/>
           </p:cNvSpPr>
@@ -1617,7 +1618,7 @@
       </p:sp>
       <p:sp>
         <p:nvSpPr>
-          <p:cNvPr id="62468" name="Rectangle 3"/>
+          <p:cNvPr id="61444" name="Rectangle 3"/>
           <p:cNvSpPr>
             <a:spLocks noGrp="1" noChangeArrowheads="1"/>
           </p:cNvSpPr>
@@ -1753,7 +1754,7 @@
       </p:grpSpPr>
       <p:sp>
         <p:nvSpPr>
-          <p:cNvPr id="64514" name="Rectangle 7"/>
+          <p:cNvPr id="62466" name="Rectangle 7"/>
           <p:cNvSpPr>
             <a:spLocks noGrp="1" noChangeArrowheads="1"/>
           </p:cNvSpPr>
@@ -1768,7 +1769,7 @@
           <a:bodyPr/>
           <a:lstStyle/>
           <a:p>
-            <a:fld id="{1EF09EF7-8FD4-487F-B1F0-2E54B2078867}" type="slidenum">
+            <a:fld id="{015363C2-3A80-4355-B6A5-052F8B41EBE2}" type="slidenum">
               <a:rPr lang="en-US" smtClean="0"/>
               <a:pPr/>
               <a:t>24</a:t>
@@ -1779,7 +1780,7 @@
       </p:sp>
       <p:sp>
         <p:nvSpPr>
-          <p:cNvPr id="64515" name="Rectangle 2"/>
+          <p:cNvPr id="62467" name="Rectangle 2"/>
           <p:cNvSpPr>
             <a:spLocks noGrp="1" noRot="1" noChangeAspect="1" noChangeArrowheads="1" noTextEdit="1"/>
           </p:cNvSpPr>
@@ -1793,7 +1794,7 @@
       </p:sp>
       <p:sp>
         <p:nvSpPr>
-          <p:cNvPr id="64516" name="Rectangle 3"/>
+          <p:cNvPr id="62468" name="Rectangle 3"/>
           <p:cNvSpPr>
             <a:spLocks noGrp="1" noChangeArrowheads="1"/>
           </p:cNvSpPr>
@@ -1929,7 +1930,7 @@
       </p:grpSpPr>
       <p:sp>
         <p:nvSpPr>
-          <p:cNvPr id="65538" name="Rectangle 7"/>
+          <p:cNvPr id="64514" name="Rectangle 7"/>
           <p:cNvSpPr>
             <a:spLocks noGrp="1" noChangeArrowheads="1"/>
           </p:cNvSpPr>
@@ -1944,7 +1945,7 @@
           <a:bodyPr/>
           <a:lstStyle/>
           <a:p>
-            <a:fld id="{61C0D827-3B30-41B3-844D-02406EF0DDDE}" type="slidenum">
+            <a:fld id="{1EF09EF7-8FD4-487F-B1F0-2E54B2078867}" type="slidenum">
               <a:rPr lang="en-US" smtClean="0"/>
               <a:pPr/>
               <a:t>25</a:t>
@@ -1955,7 +1956,7 @@
       </p:sp>
       <p:sp>
         <p:nvSpPr>
-          <p:cNvPr id="65539" name="Rectangle 2"/>
+          <p:cNvPr id="64515" name="Rectangle 2"/>
           <p:cNvSpPr>
             <a:spLocks noGrp="1" noRot="1" noChangeAspect="1" noChangeArrowheads="1" noTextEdit="1"/>
           </p:cNvSpPr>
@@ -1969,7 +1970,7 @@
       </p:sp>
       <p:sp>
         <p:nvSpPr>
-          <p:cNvPr id="65540" name="Rectangle 3"/>
+          <p:cNvPr id="64516" name="Rectangle 3"/>
           <p:cNvSpPr>
             <a:spLocks noGrp="1" noChangeArrowheads="1"/>
           </p:cNvSpPr>
@@ -2017,7 +2018,7 @@
       </p:grpSpPr>
       <p:sp>
         <p:nvSpPr>
-          <p:cNvPr id="66562" name="Rectangle 7"/>
+          <p:cNvPr id="65538" name="Rectangle 7"/>
           <p:cNvSpPr>
             <a:spLocks noGrp="1" noChangeArrowheads="1"/>
           </p:cNvSpPr>
@@ -2032,7 +2033,7 @@
           <a:bodyPr/>
           <a:lstStyle/>
           <a:p>
-            <a:fld id="{7ADFF96C-1126-4FE2-8812-2235E28F31C8}" type="slidenum">
+            <a:fld id="{61C0D827-3B30-41B3-844D-02406EF0DDDE}" type="slidenum">
               <a:rPr lang="en-US" smtClean="0"/>
               <a:pPr/>
               <a:t>26</a:t>
@@ -2043,7 +2044,7 @@
       </p:sp>
       <p:sp>
         <p:nvSpPr>
-          <p:cNvPr id="66563" name="Rectangle 2"/>
+          <p:cNvPr id="65539" name="Rectangle 2"/>
           <p:cNvSpPr>
             <a:spLocks noGrp="1" noRot="1" noChangeAspect="1" noChangeArrowheads="1" noTextEdit="1"/>
           </p:cNvSpPr>
@@ -2057,7 +2058,7 @@
       </p:sp>
       <p:sp>
         <p:nvSpPr>
-          <p:cNvPr id="66564" name="Rectangle 3"/>
+          <p:cNvPr id="65540" name="Rectangle 3"/>
           <p:cNvSpPr>
             <a:spLocks noGrp="1" noChangeArrowheads="1"/>
           </p:cNvSpPr>
@@ -2105,7 +2106,7 @@
       </p:grpSpPr>
       <p:sp>
         <p:nvSpPr>
-          <p:cNvPr id="67586" name="Rectangle 7"/>
+          <p:cNvPr id="66562" name="Rectangle 7"/>
           <p:cNvSpPr>
             <a:spLocks noGrp="1" noChangeArrowheads="1"/>
           </p:cNvSpPr>
@@ -2120,7 +2121,7 @@
           <a:bodyPr/>
           <a:lstStyle/>
           <a:p>
-            <a:fld id="{E1AB1F72-E3CC-4931-BF03-3C0BE4D7A4E3}" type="slidenum">
+            <a:fld id="{7ADFF96C-1126-4FE2-8812-2235E28F31C8}" type="slidenum">
               <a:rPr lang="en-US" smtClean="0"/>
               <a:pPr/>
               <a:t>27</a:t>
@@ -2131,7 +2132,7 @@
       </p:sp>
       <p:sp>
         <p:nvSpPr>
-          <p:cNvPr id="67587" name="Rectangle 2"/>
+          <p:cNvPr id="66563" name="Rectangle 2"/>
           <p:cNvSpPr>
             <a:spLocks noGrp="1" noRot="1" noChangeAspect="1" noChangeArrowheads="1" noTextEdit="1"/>
           </p:cNvSpPr>
@@ -2145,7 +2146,7 @@
       </p:sp>
       <p:sp>
         <p:nvSpPr>
-          <p:cNvPr id="67588" name="Rectangle 3"/>
+          <p:cNvPr id="66564" name="Rectangle 3"/>
           <p:cNvSpPr>
             <a:spLocks noGrp="1" noChangeArrowheads="1"/>
           </p:cNvSpPr>
@@ -2193,7 +2194,7 @@
       </p:grpSpPr>
       <p:sp>
         <p:nvSpPr>
-          <p:cNvPr id="68610" name="Rectangle 7"/>
+          <p:cNvPr id="67586" name="Rectangle 7"/>
           <p:cNvSpPr>
             <a:spLocks noGrp="1" noChangeArrowheads="1"/>
           </p:cNvSpPr>
@@ -2208,7 +2209,7 @@
           <a:bodyPr/>
           <a:lstStyle/>
           <a:p>
-            <a:fld id="{AB383728-4ACD-45AA-AE8F-C481528D9881}" type="slidenum">
+            <a:fld id="{E1AB1F72-E3CC-4931-BF03-3C0BE4D7A4E3}" type="slidenum">
               <a:rPr lang="en-US" smtClean="0"/>
               <a:pPr/>
               <a:t>28</a:t>
@@ -2219,7 +2220,7 @@
       </p:sp>
       <p:sp>
         <p:nvSpPr>
-          <p:cNvPr id="68611" name="Rectangle 2"/>
+          <p:cNvPr id="67587" name="Rectangle 2"/>
           <p:cNvSpPr>
             <a:spLocks noGrp="1" noRot="1" noChangeAspect="1" noChangeArrowheads="1" noTextEdit="1"/>
           </p:cNvSpPr>
@@ -2233,7 +2234,7 @@
       </p:sp>
       <p:sp>
         <p:nvSpPr>
-          <p:cNvPr id="68612" name="Rectangle 3"/>
+          <p:cNvPr id="67588" name="Rectangle 3"/>
           <p:cNvSpPr>
             <a:spLocks noGrp="1" noChangeArrowheads="1"/>
           </p:cNvSpPr>
@@ -2281,7 +2282,7 @@
       </p:grpSpPr>
       <p:sp>
         <p:nvSpPr>
-          <p:cNvPr id="69634" name="Rectangle 7"/>
+          <p:cNvPr id="68610" name="Rectangle 7"/>
           <p:cNvSpPr>
             <a:spLocks noGrp="1" noChangeArrowheads="1"/>
           </p:cNvSpPr>
@@ -2296,7 +2297,7 @@
           <a:bodyPr/>
           <a:lstStyle/>
           <a:p>
-            <a:fld id="{37E283DA-5899-48F3-84C6-6483C00AB4A7}" type="slidenum">
+            <a:fld id="{AB383728-4ACD-45AA-AE8F-C481528D9881}" type="slidenum">
               <a:rPr lang="en-US" smtClean="0"/>
               <a:pPr/>
               <a:t>29</a:t>
@@ -2307,7 +2308,7 @@
       </p:sp>
       <p:sp>
         <p:nvSpPr>
-          <p:cNvPr id="69635" name="Rectangle 2"/>
+          <p:cNvPr id="68611" name="Rectangle 2"/>
           <p:cNvSpPr>
             <a:spLocks noGrp="1" noRot="1" noChangeAspect="1" noChangeArrowheads="1" noTextEdit="1"/>
           </p:cNvSpPr>
@@ -2321,7 +2322,7 @@
       </p:sp>
       <p:sp>
         <p:nvSpPr>
-          <p:cNvPr id="69636" name="Rectangle 3"/>
+          <p:cNvPr id="68612" name="Rectangle 3"/>
           <p:cNvSpPr>
             <a:spLocks noGrp="1" noChangeArrowheads="1"/>
           </p:cNvSpPr>
@@ -2457,7 +2458,7 @@
       </p:grpSpPr>
       <p:sp>
         <p:nvSpPr>
-          <p:cNvPr id="70658" name="Rectangle 7"/>
+          <p:cNvPr id="69634" name="Rectangle 7"/>
           <p:cNvSpPr>
             <a:spLocks noGrp="1" noChangeArrowheads="1"/>
           </p:cNvSpPr>
@@ -2472,7 +2473,7 @@
           <a:bodyPr/>
           <a:lstStyle/>
           <a:p>
-            <a:fld id="{8E7D3159-B9DE-441B-A62B-B74582C5B49E}" type="slidenum">
+            <a:fld id="{37E283DA-5899-48F3-84C6-6483C00AB4A7}" type="slidenum">
               <a:rPr lang="en-US" smtClean="0"/>
               <a:pPr/>
               <a:t>31</a:t>
@@ -2483,7 +2484,7 @@
       </p:sp>
       <p:sp>
         <p:nvSpPr>
-          <p:cNvPr id="70659" name="Rectangle 2"/>
+          <p:cNvPr id="69635" name="Rectangle 2"/>
           <p:cNvSpPr>
             <a:spLocks noGrp="1" noRot="1" noChangeAspect="1" noChangeArrowheads="1" noTextEdit="1"/>
           </p:cNvSpPr>
@@ -2497,7 +2498,7 @@
       </p:sp>
       <p:sp>
         <p:nvSpPr>
-          <p:cNvPr id="70660" name="Rectangle 3"/>
+          <p:cNvPr id="69636" name="Rectangle 3"/>
           <p:cNvSpPr>
             <a:spLocks noGrp="1" noChangeArrowheads="1"/>
           </p:cNvSpPr>
@@ -2545,7 +2546,7 @@
       </p:grpSpPr>
       <p:sp>
         <p:nvSpPr>
-          <p:cNvPr id="71682" name="Rectangle 7"/>
+          <p:cNvPr id="70658" name="Rectangle 7"/>
           <p:cNvSpPr>
             <a:spLocks noGrp="1" noChangeArrowheads="1"/>
           </p:cNvSpPr>
@@ -2560,7 +2561,7 @@
           <a:bodyPr/>
           <a:lstStyle/>
           <a:p>
-            <a:fld id="{20F44D78-E584-4667-AD79-A0C4664A329D}" type="slidenum">
+            <a:fld id="{8E7D3159-B9DE-441B-A62B-B74582C5B49E}" type="slidenum">
               <a:rPr lang="en-US" smtClean="0"/>
               <a:pPr/>
               <a:t>32</a:t>
@@ -2571,7 +2572,7 @@
       </p:sp>
       <p:sp>
         <p:nvSpPr>
-          <p:cNvPr id="71683" name="Rectangle 2"/>
+          <p:cNvPr id="70659" name="Rectangle 2"/>
           <p:cNvSpPr>
             <a:spLocks noGrp="1" noRot="1" noChangeAspect="1" noChangeArrowheads="1" noTextEdit="1"/>
           </p:cNvSpPr>
@@ -2585,7 +2586,7 @@
       </p:sp>
       <p:sp>
         <p:nvSpPr>
-          <p:cNvPr id="71684" name="Rectangle 3"/>
+          <p:cNvPr id="70660" name="Rectangle 3"/>
           <p:cNvSpPr>
             <a:spLocks noGrp="1" noChangeArrowheads="1"/>
           </p:cNvSpPr>
@@ -2633,6 +2634,94 @@
       </p:grpSpPr>
       <p:sp>
         <p:nvSpPr>
+          <p:cNvPr id="71682" name="Rectangle 7"/>
+          <p:cNvSpPr>
+            <a:spLocks noGrp="1" noChangeArrowheads="1"/>
+          </p:cNvSpPr>
+          <p:nvPr>
+            <p:ph type="sldNum" sz="quarter" idx="5"/>
+          </p:nvPr>
+        </p:nvSpPr>
+        <p:spPr>
+          <a:noFill/>
+        </p:spPr>
+        <p:txBody>
+          <a:bodyPr/>
+          <a:lstStyle/>
+          <a:p>
+            <a:fld id="{20F44D78-E584-4667-AD79-A0C4664A329D}" type="slidenum">
+              <a:rPr lang="en-US" smtClean="0"/>
+              <a:pPr/>
+              <a:t>33</a:t>
+            </a:fld>
+            <a:endParaRPr lang="en-US" smtClean="0"/>
+          </a:p>
+        </p:txBody>
+      </p:sp>
+      <p:sp>
+        <p:nvSpPr>
+          <p:cNvPr id="71683" name="Rectangle 2"/>
+          <p:cNvSpPr>
+            <a:spLocks noGrp="1" noRot="1" noChangeAspect="1" noChangeArrowheads="1" noTextEdit="1"/>
+          </p:cNvSpPr>
+          <p:nvPr>
+            <p:ph type="sldImg"/>
+          </p:nvPr>
+        </p:nvSpPr>
+        <p:spPr>
+          <a:ln/>
+        </p:spPr>
+      </p:sp>
+      <p:sp>
+        <p:nvSpPr>
+          <p:cNvPr id="71684" name="Rectangle 3"/>
+          <p:cNvSpPr>
+            <a:spLocks noGrp="1" noChangeArrowheads="1"/>
+          </p:cNvSpPr>
+          <p:nvPr>
+            <p:ph type="body" idx="1"/>
+          </p:nvPr>
+        </p:nvSpPr>
+        <p:spPr>
+          <a:noFill/>
+          <a:ln/>
+        </p:spPr>
+        <p:txBody>
+          <a:bodyPr/>
+          <a:lstStyle/>
+          <a:p>
+            <a:pPr eaLnBrk="1" hangingPunct="1"/>
+            <a:endParaRPr lang="en-US" smtClean="0"/>
+          </a:p>
+        </p:txBody>
+      </p:sp>
+    </p:spTree>
+  </p:cSld>
+  <p:clrMapOvr>
+    <a:masterClrMapping/>
+  </p:clrMapOvr>
+</p:notes>
+</file>
+
+<file path=ppt/notesSlides/notesSlide29.xml><?xml version="1.0" encoding="utf-8"?>
+<p:notes xmlns:a="http://schemas.openxmlformats.org/drawingml/2006/main" xmlns:r="http://schemas.openxmlformats.org/officeDocument/2006/relationships" xmlns:p="http://schemas.openxmlformats.org/presentationml/2006/main">
+  <p:cSld>
+    <p:spTree>
+      <p:nvGrpSpPr>
+        <p:cNvPr id="1" name=""/>
+        <p:cNvGrpSpPr/>
+        <p:nvPr/>
+      </p:nvGrpSpPr>
+      <p:grpSpPr>
+        <a:xfrm>
+          <a:off x="0" y="0"/>
+          <a:ext cx="0" cy="0"/>
+          <a:chOff x="0" y="0"/>
+          <a:chExt cx="0" cy="0"/>
+        </a:xfrm>
+      </p:grpSpPr>
+      <p:sp>
+        <p:nvSpPr>
           <p:cNvPr id="72706" name="Rectangle 7"/>
           <p:cNvSpPr>
             <a:spLocks noGrp="1" noChangeArrowheads="1"/>
@@ -2651,7 +2740,7 @@
             <a:fld id="{FD2190A4-FF02-40A0-8C37-8FAE10CE0E26}" type="slidenum">
               <a:rPr lang="en-US" smtClean="0"/>
               <a:pPr/>
-              <a:t>33</a:t>
+              <a:t>34</a:t>
             </a:fld>
             <a:endParaRPr lang="en-US" smtClean="0"/>
           </a:p>
@@ -3160,7 +3249,7 @@
       </p:grpSpPr>
       <p:sp>
         <p:nvSpPr>
-          <p:cNvPr id="52226" name="Rectangle 7"/>
+          <p:cNvPr id="51202" name="Rectangle 7"/>
           <p:cNvSpPr>
             <a:spLocks noGrp="1" noChangeArrowheads="1"/>
           </p:cNvSpPr>
@@ -3175,10 +3264,10 @@
           <a:bodyPr/>
           <a:lstStyle/>
           <a:p>
-            <a:fld id="{41B5C949-E4B4-4314-97A6-4DF96038B0AB}" type="slidenum">
+            <a:fld id="{0D7320DE-676A-47D1-8D8A-51937269739F}" type="slidenum">
               <a:rPr lang="en-US" smtClean="0"/>
               <a:pPr/>
-              <a:t>10</a:t>
+              <a:t>9</a:t>
             </a:fld>
             <a:endParaRPr lang="en-US" smtClean="0"/>
           </a:p>
@@ -3186,7 +3275,7 @@
       </p:sp>
       <p:sp>
         <p:nvSpPr>
-          <p:cNvPr id="52227" name="Rectangle 2"/>
+          <p:cNvPr id="51203" name="Rectangle 2"/>
           <p:cNvSpPr>
             <a:spLocks noGrp="1" noRot="1" noChangeAspect="1" noChangeArrowheads="1" noTextEdit="1"/>
           </p:cNvSpPr>
@@ -3200,7 +3289,7 @@
       </p:sp>
       <p:sp>
         <p:nvSpPr>
-          <p:cNvPr id="52228" name="Rectangle 3"/>
+          <p:cNvPr id="51204" name="Rectangle 3"/>
           <p:cNvSpPr>
             <a:spLocks noGrp="1" noChangeArrowheads="1"/>
           </p:cNvSpPr>
@@ -3248,7 +3337,7 @@
       </p:grpSpPr>
       <p:sp>
         <p:nvSpPr>
-          <p:cNvPr id="55298" name="Rectangle 7"/>
+          <p:cNvPr id="52226" name="Rectangle 7"/>
           <p:cNvSpPr>
             <a:spLocks noGrp="1" noChangeArrowheads="1"/>
           </p:cNvSpPr>
@@ -3263,10 +3352,10 @@
           <a:bodyPr/>
           <a:lstStyle/>
           <a:p>
-            <a:fld id="{E2310A67-3775-49DA-8188-C01B54C69B7E}" type="slidenum">
+            <a:fld id="{41B5C949-E4B4-4314-97A6-4DF96038B0AB}" type="slidenum">
               <a:rPr lang="en-US" smtClean="0"/>
               <a:pPr/>
-              <a:t>14</a:t>
+              <a:t>10</a:t>
             </a:fld>
             <a:endParaRPr lang="en-US" smtClean="0"/>
           </a:p>
@@ -3274,7 +3363,7 @@
       </p:sp>
       <p:sp>
         <p:nvSpPr>
-          <p:cNvPr id="55299" name="Rectangle 2"/>
+          <p:cNvPr id="52227" name="Rectangle 2"/>
           <p:cNvSpPr>
             <a:spLocks noGrp="1" noRot="1" noChangeAspect="1" noChangeArrowheads="1" noTextEdit="1"/>
           </p:cNvSpPr>
@@ -3288,7 +3377,7 @@
       </p:sp>
       <p:sp>
         <p:nvSpPr>
-          <p:cNvPr id="55300" name="Rectangle 3"/>
+          <p:cNvPr id="52228" name="Rectangle 3"/>
           <p:cNvSpPr>
             <a:spLocks noGrp="1" noChangeArrowheads="1"/>
           </p:cNvSpPr>
@@ -6200,15 +6289,7 @@
                   <a:srgbClr val="0D05A7"/>
                 </a:solidFill>
               </a:rPr>
-              <a:t>WELCOME</a:t>
-            </a:r>
-            <a:r>
-              <a:rPr lang="en-US" sz="6000" dirty="0" smtClean="0">
-                <a:solidFill>
-                  <a:srgbClr val="0D05A7"/>
-                </a:solidFill>
-              </a:rPr>
-              <a:t>!</a:t>
+              <a:t>WELCOME!</a:t>
             </a:r>
           </a:p>
           <a:p>
@@ -6253,7 +6334,7 @@
           <a:graphicData uri="http://schemas.openxmlformats.org/presentationml/2006/ole">
             <mc:AlternateContent xmlns:mc="http://schemas.openxmlformats.org/markup-compatibility/2006">
               <mc:Choice xmlns:v="urn:schemas-microsoft-com:vml" Requires="v">
-                <p:oleObj spid="_x0000_s1130" name="Equation" r:id="rId4" imgW="914400" imgH="215640" progId="Equation.3">
+                <p:oleObj spid="_x0000_s1158" name="Equation" r:id="rId4" imgW="914400" imgH="215640" progId="Equation.3">
                   <p:embed/>
                 </p:oleObj>
               </mc:Choice>
@@ -6323,7 +6404,7 @@
           <a:graphicData uri="http://schemas.openxmlformats.org/presentationml/2006/ole">
             <mc:AlternateContent xmlns:mc="http://schemas.openxmlformats.org/markup-compatibility/2006">
               <mc:Choice xmlns:v="urn:schemas-microsoft-com:vml" Requires="v">
-                <p:oleObj spid="_x0000_s1131" name="Equation" r:id="rId6" imgW="914400" imgH="215640" progId="Equation.3">
+                <p:oleObj spid="_x0000_s1159" name="Equation" r:id="rId6" imgW="914400" imgH="215640" progId="Equation.3">
                   <p:embed/>
                 </p:oleObj>
               </mc:Choice>
@@ -6382,11 +6463,11 @@
   <p:clrMapOvr>
     <a:masterClrMapping/>
   </p:clrMapOvr>
-  <mc:AlternateContent xmlns:mc="http://schemas.openxmlformats.org/markup-compatibility/2006">
-    <mc:Choice xmlns:p14="http://schemas.microsoft.com/office/powerpoint/2010/main" Requires="p14">
+  <mc:AlternateContent xmlns:mc="http://schemas.openxmlformats.org/markup-compatibility/2006" xmlns:p14="http://schemas.microsoft.com/office/powerpoint/2010/main">
+    <mc:Choice Requires="p14">
       <p:transition p14:dur="0" advClick="0"/>
     </mc:Choice>
-    <mc:Fallback>
+    <mc:Fallback xmlns="">
       <p:transition xmlns:p14="http://schemas.microsoft.com/office/powerpoint/2010/main" advClick="0"/>
     </mc:Fallback>
   </mc:AlternateContent>
@@ -6463,7 +6544,7 @@
         </p:nvSpPr>
         <p:spPr>
           <a:xfrm>
-            <a:off x="1552575" y="290514"/>
+            <a:off x="1057275" y="1141414"/>
             <a:ext cx="7441334" cy="1129578"/>
           </a:xfrm>
         </p:spPr>
@@ -6475,7 +6556,7 @@
             <a:r>
               <a:rPr lang="en-US" dirty="0" smtClean="0">
                 <a:solidFill>
-                  <a:schemeClr val="tx1"/>
+                  <a:srgbClr val="CB21DD"/>
                 </a:solidFill>
               </a:rPr>
               <a:t>Active learning in Teams</a:t>
@@ -6493,7 +6574,7 @@
         </p:nvSpPr>
         <p:spPr bwMode="auto">
           <a:xfrm>
-            <a:off x="645855" y="1795026"/>
+            <a:off x="645855" y="2087126"/>
             <a:ext cx="7830066" cy="3416320"/>
           </a:xfrm>
           <a:prstGeom prst="rect">
@@ -6559,9 +6640,6 @@
               </a:rPr>
               <a:t>overview by team coach, then</a:t>
             </a:r>
-            <a:endParaRPr lang="en-US" sz="5400" dirty="0" smtClean="0">
-              <a:latin typeface="Comic Sans MS" pitchFamily="66" charset="0"/>
-            </a:endParaRPr>
           </a:p>
           <a:p>
             <a:pPr marL="685800" indent="-685800" algn="l">
@@ -6586,6 +6664,175 @@
               </a:rPr>
               <a:t>solving</a:t>
             </a:r>
+          </a:p>
+        </p:txBody>
+      </p:sp>
+      <p:sp>
+        <p:nvSpPr>
+          <p:cNvPr id="5" name="Title 1"/>
+          <p:cNvSpPr txBox="1">
+            <a:spLocks/>
+          </p:cNvSpPr>
+          <p:nvPr/>
+        </p:nvSpPr>
+        <p:spPr bwMode="auto">
+          <a:xfrm>
+            <a:off x="1447800" y="304800"/>
+            <a:ext cx="7543800" cy="1143000"/>
+          </a:xfrm>
+          <a:prstGeom prst="rect">
+            <a:avLst/>
+          </a:prstGeom>
+          <a:noFill/>
+          <a:ln w="9525">
+            <a:noFill/>
+            <a:miter lim="800000"/>
+            <a:headEnd/>
+            <a:tailEnd/>
+          </a:ln>
+        </p:spPr>
+        <p:txBody>
+          <a:bodyPr vert="horz" wrap="square" lIns="91440" tIns="45720" rIns="91440" bIns="45720" numCol="1" anchor="ctr" anchorCtr="0" compatLnSpc="1">
+            <a:prstTxWarp prst="textNoShape">
+              <a:avLst/>
+            </a:prstTxWarp>
+          </a:bodyPr>
+          <a:lstStyle>
+            <a:lvl1pPr algn="l" rtl="0" eaLnBrk="0" fontAlgn="base" hangingPunct="0">
+              <a:spcBef>
+                <a:spcPct val="0"/>
+              </a:spcBef>
+              <a:spcAft>
+                <a:spcPct val="0"/>
+              </a:spcAft>
+              <a:defRPr sz="4400" b="1">
+                <a:solidFill>
+                  <a:schemeClr val="tx2"/>
+                </a:solidFill>
+                <a:latin typeface="Comic Sans MS" pitchFamily="66" charset="0"/>
+                <a:ea typeface="+mj-ea"/>
+                <a:cs typeface="+mj-cs"/>
+              </a:defRPr>
+            </a:lvl1pPr>
+            <a:lvl2pPr algn="l" rtl="0" eaLnBrk="0" fontAlgn="base" hangingPunct="0">
+              <a:spcBef>
+                <a:spcPct val="0"/>
+              </a:spcBef>
+              <a:spcAft>
+                <a:spcPct val="0"/>
+              </a:spcAft>
+              <a:defRPr sz="4400" b="1">
+                <a:solidFill>
+                  <a:schemeClr val="tx2"/>
+                </a:solidFill>
+                <a:latin typeface="Comic Sans MS" pitchFamily="66" charset="0"/>
+              </a:defRPr>
+            </a:lvl2pPr>
+            <a:lvl3pPr algn="l" rtl="0" eaLnBrk="0" fontAlgn="base" hangingPunct="0">
+              <a:spcBef>
+                <a:spcPct val="0"/>
+              </a:spcBef>
+              <a:spcAft>
+                <a:spcPct val="0"/>
+              </a:spcAft>
+              <a:defRPr sz="4400" b="1">
+                <a:solidFill>
+                  <a:schemeClr val="tx2"/>
+                </a:solidFill>
+                <a:latin typeface="Comic Sans MS" pitchFamily="66" charset="0"/>
+              </a:defRPr>
+            </a:lvl3pPr>
+            <a:lvl4pPr algn="l" rtl="0" eaLnBrk="0" fontAlgn="base" hangingPunct="0">
+              <a:spcBef>
+                <a:spcPct val="0"/>
+              </a:spcBef>
+              <a:spcAft>
+                <a:spcPct val="0"/>
+              </a:spcAft>
+              <a:defRPr sz="4400" b="1">
+                <a:solidFill>
+                  <a:schemeClr val="tx2"/>
+                </a:solidFill>
+                <a:latin typeface="Comic Sans MS" pitchFamily="66" charset="0"/>
+              </a:defRPr>
+            </a:lvl4pPr>
+            <a:lvl5pPr algn="l" rtl="0" eaLnBrk="0" fontAlgn="base" hangingPunct="0">
+              <a:spcBef>
+                <a:spcPct val="0"/>
+              </a:spcBef>
+              <a:spcAft>
+                <a:spcPct val="0"/>
+              </a:spcAft>
+              <a:defRPr sz="4400" b="1">
+                <a:solidFill>
+                  <a:schemeClr val="tx2"/>
+                </a:solidFill>
+                <a:latin typeface="Comic Sans MS" pitchFamily="66" charset="0"/>
+              </a:defRPr>
+            </a:lvl5pPr>
+            <a:lvl6pPr marL="457200" algn="l" rtl="0" fontAlgn="base">
+              <a:spcBef>
+                <a:spcPct val="0"/>
+              </a:spcBef>
+              <a:spcAft>
+                <a:spcPct val="0"/>
+              </a:spcAft>
+              <a:defRPr sz="4400" b="1">
+                <a:solidFill>
+                  <a:schemeClr val="tx2"/>
+                </a:solidFill>
+                <a:latin typeface="Times New Roman" pitchFamily="18" charset="0"/>
+              </a:defRPr>
+            </a:lvl6pPr>
+            <a:lvl7pPr marL="914400" algn="l" rtl="0" fontAlgn="base">
+              <a:spcBef>
+                <a:spcPct val="0"/>
+              </a:spcBef>
+              <a:spcAft>
+                <a:spcPct val="0"/>
+              </a:spcAft>
+              <a:defRPr sz="4400" b="1">
+                <a:solidFill>
+                  <a:schemeClr val="tx2"/>
+                </a:solidFill>
+                <a:latin typeface="Times New Roman" pitchFamily="18" charset="0"/>
+              </a:defRPr>
+            </a:lvl7pPr>
+            <a:lvl8pPr marL="1371600" algn="l" rtl="0" fontAlgn="base">
+              <a:spcBef>
+                <a:spcPct val="0"/>
+              </a:spcBef>
+              <a:spcAft>
+                <a:spcPct val="0"/>
+              </a:spcAft>
+              <a:defRPr sz="4400" b="1">
+                <a:solidFill>
+                  <a:schemeClr val="tx2"/>
+                </a:solidFill>
+                <a:latin typeface="Times New Roman" pitchFamily="18" charset="0"/>
+              </a:defRPr>
+            </a:lvl8pPr>
+            <a:lvl9pPr marL="1828800" algn="l" rtl="0" fontAlgn="base">
+              <a:spcBef>
+                <a:spcPct val="0"/>
+              </a:spcBef>
+              <a:spcAft>
+                <a:spcPct val="0"/>
+              </a:spcAft>
+              <a:defRPr sz="4400" b="1">
+                <a:solidFill>
+                  <a:schemeClr val="tx2"/>
+                </a:solidFill>
+                <a:latin typeface="Times New Roman" pitchFamily="18" charset="0"/>
+              </a:defRPr>
+            </a:lvl9pPr>
+          </a:lstStyle>
+          <a:p>
+            <a:r>
+              <a:rPr lang="en-US" smtClean="0"/>
+              <a:t>How the Class Works</a:t>
+            </a:r>
+            <a:endParaRPr lang="en-US" dirty="0"/>
           </a:p>
         </p:txBody>
       </p:sp>
@@ -6618,7 +6865,7 @@
                             </p:stCondLst>
                             <p:childTnLst>
                               <p:par>
-                                <p:cTn id="5" presetID="9" presetClass="entr" presetSubtype="0" fill="hold" nodeType="clickEffect">
+                                <p:cTn id="5" presetID="9" presetClass="entr" presetSubtype="0" fill="hold" grpId="0" nodeType="clickEffect">
                                   <p:stCondLst>
                                     <p:cond delay="0"/>
                                   </p:stCondLst>
@@ -6631,11 +6878,7 @@
                                           </p:stCondLst>
                                         </p:cTn>
                                         <p:tgtEl>
-                                          <p:spTgt spid="24580">
-                                            <p:txEl>
-                                              <p:pRg st="1" end="1"/>
-                                            </p:txEl>
-                                          </p:spTgt>
+                                          <p:spTgt spid="24579"/>
                                         </p:tgtEl>
                                         <p:attrNameLst>
                                           <p:attrName>style.visibility</p:attrName>
@@ -6649,11 +6892,7 @@
                                       <p:cBhvr>
                                         <p:cTn id="7" dur="500"/>
                                         <p:tgtEl>
-                                          <p:spTgt spid="24580">
-                                            <p:txEl>
-                                              <p:pRg st="1" end="1"/>
-                                            </p:txEl>
-                                          </p:spTgt>
+                                          <p:spTgt spid="24579"/>
                                         </p:tgtEl>
                                       </p:cBhvr>
                                     </p:animEffect>
@@ -6694,6 +6933,128 @@
                                         <p:tgtEl>
                                           <p:spTgt spid="24580">
                                             <p:txEl>
+                                              <p:pRg st="0" end="0"/>
+                                            </p:txEl>
+                                          </p:spTgt>
+                                        </p:tgtEl>
+                                        <p:attrNameLst>
+                                          <p:attrName>style.visibility</p:attrName>
+                                        </p:attrNameLst>
+                                      </p:cBhvr>
+                                      <p:to>
+                                        <p:strVal val="visible"/>
+                                      </p:to>
+                                    </p:set>
+                                    <p:animEffect transition="in" filter="dissolve">
+                                      <p:cBhvr>
+                                        <p:cTn id="12" dur="500"/>
+                                        <p:tgtEl>
+                                          <p:spTgt spid="24580">
+                                            <p:txEl>
+                                              <p:pRg st="0" end="0"/>
+                                            </p:txEl>
+                                          </p:spTgt>
+                                        </p:tgtEl>
+                                      </p:cBhvr>
+                                    </p:animEffect>
+                                  </p:childTnLst>
+                                </p:cTn>
+                              </p:par>
+                            </p:childTnLst>
+                          </p:cTn>
+                        </p:par>
+                      </p:childTnLst>
+                    </p:cTn>
+                  </p:par>
+                  <p:par>
+                    <p:cTn id="13" fill="hold">
+                      <p:stCondLst>
+                        <p:cond delay="indefinite"/>
+                      </p:stCondLst>
+                      <p:childTnLst>
+                        <p:par>
+                          <p:cTn id="14" fill="hold">
+                            <p:stCondLst>
+                              <p:cond delay="0"/>
+                            </p:stCondLst>
+                            <p:childTnLst>
+                              <p:par>
+                                <p:cTn id="15" presetID="9" presetClass="entr" presetSubtype="0" fill="hold" nodeType="clickEffect">
+                                  <p:stCondLst>
+                                    <p:cond delay="0"/>
+                                  </p:stCondLst>
+                                  <p:childTnLst>
+                                    <p:set>
+                                      <p:cBhvr>
+                                        <p:cTn id="16" dur="1" fill="hold">
+                                          <p:stCondLst>
+                                            <p:cond delay="0"/>
+                                          </p:stCondLst>
+                                        </p:cTn>
+                                        <p:tgtEl>
+                                          <p:spTgt spid="24580">
+                                            <p:txEl>
+                                              <p:pRg st="1" end="1"/>
+                                            </p:txEl>
+                                          </p:spTgt>
+                                        </p:tgtEl>
+                                        <p:attrNameLst>
+                                          <p:attrName>style.visibility</p:attrName>
+                                        </p:attrNameLst>
+                                      </p:cBhvr>
+                                      <p:to>
+                                        <p:strVal val="visible"/>
+                                      </p:to>
+                                    </p:set>
+                                    <p:animEffect transition="in" filter="dissolve">
+                                      <p:cBhvr>
+                                        <p:cTn id="17" dur="500"/>
+                                        <p:tgtEl>
+                                          <p:spTgt spid="24580">
+                                            <p:txEl>
+                                              <p:pRg st="1" end="1"/>
+                                            </p:txEl>
+                                          </p:spTgt>
+                                        </p:tgtEl>
+                                      </p:cBhvr>
+                                    </p:animEffect>
+                                  </p:childTnLst>
+                                </p:cTn>
+                              </p:par>
+                            </p:childTnLst>
+                          </p:cTn>
+                        </p:par>
+                      </p:childTnLst>
+                    </p:cTn>
+                  </p:par>
+                  <p:par>
+                    <p:cTn id="18" fill="hold">
+                      <p:stCondLst>
+                        <p:cond delay="indefinite"/>
+                      </p:stCondLst>
+                      <p:childTnLst>
+                        <p:par>
+                          <p:cTn id="19" fill="hold">
+                            <p:stCondLst>
+                              <p:cond delay="0"/>
+                            </p:stCondLst>
+                            <p:childTnLst>
+                              <p:par>
+                                <p:cTn id="20" presetID="9" presetClass="entr" presetSubtype="0" fill="hold" nodeType="clickEffect">
+                                  <p:stCondLst>
+                                    <p:cond delay="0"/>
+                                  </p:stCondLst>
+                                  <p:childTnLst>
+                                    <p:set>
+                                      <p:cBhvr>
+                                        <p:cTn id="21" dur="1" fill="hold">
+                                          <p:stCondLst>
+                                            <p:cond delay="0"/>
+                                          </p:stCondLst>
+                                        </p:cTn>
+                                        <p:tgtEl>
+                                          <p:spTgt spid="24580">
+                                            <p:txEl>
                                               <p:pRg st="2" end="2"/>
                                             </p:txEl>
                                           </p:spTgt>
@@ -6708,7 +7069,7 @@
                                     </p:set>
                                     <p:animEffect transition="in" filter="dissolve">
                                       <p:cBhvr>
-                                        <p:cTn id="12" dur="500"/>
+                                        <p:cTn id="22" dur="500"/>
                                         <p:tgtEl>
                                           <p:spTgt spid="24580">
                                             <p:txEl>
@@ -6748,6 +7109,9 @@
         </p:cTn>
       </p:par>
     </p:tnLst>
+    <p:bldLst>
+      <p:bldP spid="24579" grpId="0"/>
+    </p:bldLst>
   </p:timing>
 </p:sld>
 </file>
@@ -6771,6 +7135,590 @@
       </p:grpSpPr>
       <p:sp>
         <p:nvSpPr>
+          <p:cNvPr id="2" name="Title 1"/>
+          <p:cNvSpPr>
+            <a:spLocks noGrp="1"/>
+          </p:cNvSpPr>
+          <p:nvPr>
+            <p:ph type="title"/>
+          </p:nvPr>
+        </p:nvSpPr>
+        <p:spPr/>
+        <p:txBody>
+          <a:bodyPr/>
+          <a:lstStyle/>
+          <a:p>
+            <a:r>
+              <a:rPr lang="en-US" dirty="0" smtClean="0"/>
+              <a:t>How the Class Works</a:t>
+            </a:r>
+            <a:endParaRPr lang="en-US" dirty="0"/>
+          </a:p>
+        </p:txBody>
+      </p:sp>
+      <p:sp>
+        <p:nvSpPr>
+          <p:cNvPr id="3" name="Content Placeholder 2"/>
+          <p:cNvSpPr>
+            <a:spLocks noGrp="1"/>
+          </p:cNvSpPr>
+          <p:nvPr>
+            <p:ph idx="1"/>
+          </p:nvPr>
+        </p:nvSpPr>
+        <p:spPr>
+          <a:xfrm>
+            <a:off x="182037" y="1354665"/>
+            <a:ext cx="8758763" cy="4792136"/>
+          </a:xfrm>
+        </p:spPr>
+        <p:txBody>
+          <a:bodyPr/>
+          <a:lstStyle/>
+          <a:p>
+            <a:r>
+              <a:rPr lang="en-US" sz="4000" dirty="0" smtClean="0">
+                <a:solidFill>
+                  <a:srgbClr val="CB21DD"/>
+                </a:solidFill>
+              </a:rPr>
+              <a:t>required attendance</a:t>
+            </a:r>
+          </a:p>
+          <a:p>
+            <a:r>
+              <a:rPr lang="en-US" sz="4000" dirty="0" err="1" smtClean="0">
+                <a:solidFill>
+                  <a:srgbClr val="0000FF"/>
+                </a:solidFill>
+              </a:rPr>
+              <a:t>miniquizzes</a:t>
+            </a:r>
+            <a:r>
+              <a:rPr lang="en-US" sz="4000" dirty="0" smtClean="0"/>
+              <a:t> most Mondays 15 min.</a:t>
+            </a:r>
+          </a:p>
+          <a:p>
+            <a:r>
+              <a:rPr lang="en-US" sz="4000" dirty="0" err="1" smtClean="0">
+                <a:solidFill>
+                  <a:srgbClr val="0000FF"/>
+                </a:solidFill>
+              </a:rPr>
+              <a:t>psets</a:t>
+            </a:r>
+            <a:r>
+              <a:rPr lang="en-US" sz="4000" dirty="0" smtClean="0">
+                <a:solidFill>
+                  <a:srgbClr val="5959FF"/>
+                </a:solidFill>
+              </a:rPr>
+              <a:t> </a:t>
+            </a:r>
+            <a:r>
+              <a:rPr lang="en-US" sz="4000" dirty="0" smtClean="0"/>
+              <a:t>due most Fridays</a:t>
+            </a:r>
+          </a:p>
+          <a:p>
+            <a:r>
+              <a:rPr lang="en-US" sz="4000" dirty="0" smtClean="0">
+                <a:solidFill>
+                  <a:srgbClr val="0000FF"/>
+                </a:solidFill>
+              </a:rPr>
+              <a:t>videos, online</a:t>
+            </a:r>
+            <a:r>
+              <a:rPr lang="en-US" sz="4000" dirty="0" smtClean="0"/>
+              <a:t> </a:t>
+            </a:r>
+            <a:r>
+              <a:rPr lang="en-US" sz="4000" dirty="0" smtClean="0">
+                <a:solidFill>
+                  <a:schemeClr val="accent1">
+                    <a:lumMod val="50000"/>
+                  </a:schemeClr>
+                </a:solidFill>
+              </a:rPr>
+              <a:t>problems</a:t>
+            </a:r>
+            <a:r>
+              <a:rPr lang="en-US" sz="4000" dirty="0" smtClean="0"/>
+              <a:t> most days</a:t>
+            </a:r>
+          </a:p>
+          <a:p>
+            <a:r>
+              <a:rPr lang="en-US" sz="4000" dirty="0" smtClean="0">
+                <a:solidFill>
+                  <a:srgbClr val="0000FF"/>
+                </a:solidFill>
+              </a:rPr>
+              <a:t>3 midterms</a:t>
+            </a:r>
+            <a:r>
+              <a:rPr lang="en-US" sz="4000" dirty="0" smtClean="0"/>
+              <a:t>, 80 min. each</a:t>
+            </a:r>
+          </a:p>
+          <a:p>
+            <a:r>
+              <a:rPr lang="en-US" sz="4000" dirty="0">
+                <a:solidFill>
+                  <a:srgbClr val="0000FF"/>
+                </a:solidFill>
+              </a:rPr>
+              <a:t>comments</a:t>
+            </a:r>
+            <a:r>
+              <a:rPr lang="en-US" sz="4000" dirty="0"/>
+              <a:t> in Piazza </a:t>
+            </a:r>
+            <a:r>
+              <a:rPr lang="en-US" sz="4000" dirty="0" smtClean="0"/>
+              <a:t>(</a:t>
+            </a:r>
+            <a:r>
+              <a:rPr lang="en-US" sz="4000" dirty="0" smtClean="0">
+                <a:solidFill>
+                  <a:srgbClr val="077F15"/>
+                </a:solidFill>
+              </a:rPr>
+              <a:t>optional</a:t>
+            </a:r>
+            <a:r>
+              <a:rPr lang="en-US" sz="4000" dirty="0" smtClean="0">
+                <a:solidFill>
+                  <a:srgbClr val="000000"/>
+                </a:solidFill>
+              </a:rPr>
+              <a:t>)</a:t>
+            </a:r>
+            <a:endParaRPr lang="en-US" sz="4000" dirty="0">
+              <a:solidFill>
+                <a:srgbClr val="000000"/>
+              </a:solidFill>
+            </a:endParaRPr>
+          </a:p>
+        </p:txBody>
+      </p:sp>
+      <p:sp>
+        <p:nvSpPr>
+          <p:cNvPr id="4" name="Slide Number Placeholder 3"/>
+          <p:cNvSpPr>
+            <a:spLocks noGrp="1"/>
+          </p:cNvSpPr>
+          <p:nvPr>
+            <p:ph type="sldNum" sz="quarter" idx="10"/>
+          </p:nvPr>
+        </p:nvSpPr>
+        <p:spPr>
+          <a:xfrm>
+            <a:off x="7693739" y="6553200"/>
+            <a:ext cx="1450262" cy="307777"/>
+          </a:xfrm>
+        </p:spPr>
+        <p:txBody>
+          <a:bodyPr/>
+          <a:lstStyle/>
+          <a:p>
+            <a:pPr>
+              <a:defRPr/>
+            </a:pPr>
+            <a:r>
+              <a:rPr lang="en-US" dirty="0" smtClean="0"/>
+              <a:t>      </a:t>
+            </a:r>
+            <a:r>
+              <a:rPr lang="en-US" sz="1200" dirty="0" smtClean="0"/>
+              <a:t>proof-intro.</a:t>
+            </a:r>
+            <a:fld id="{9A106780-21EA-4C13-B4C5-F962BEA7B00B}" type="slidenum">
+              <a:rPr lang="en-US" sz="1200" smtClean="0"/>
+              <a:pPr>
+                <a:defRPr/>
+              </a:pPr>
+              <a:t>11</a:t>
+            </a:fld>
+            <a:endParaRPr lang="en-US" sz="1200" dirty="0"/>
+          </a:p>
+        </p:txBody>
+      </p:sp>
+    </p:spTree>
+    <p:extLst>
+      <p:ext uri="{BB962C8B-B14F-4D97-AF65-F5344CB8AC3E}">
+        <p14:creationId xmlns:p14="http://schemas.microsoft.com/office/powerpoint/2010/main" val="860953727"/>
+      </p:ext>
+    </p:extLst>
+  </p:cSld>
+  <p:clrMapOvr>
+    <a:masterClrMapping/>
+  </p:clrMapOvr>
+  <p:transition xmlns:p14="http://schemas.microsoft.com/office/powerpoint/2010/main" spd="slow" advClick="0">
+    <p:fade/>
+  </p:transition>
+  <p:timing>
+    <p:tnLst>
+      <p:par>
+        <p:cTn xmlns:p14="http://schemas.microsoft.com/office/powerpoint/2010/main" id="1" dur="indefinite" restart="never" nodeType="tmRoot">
+          <p:childTnLst>
+            <p:seq concurrent="1" nextAc="seek">
+              <p:cTn id="2" dur="indefinite" nodeType="mainSeq">
+                <p:childTnLst>
+                  <p:par>
+                    <p:cTn id="3" fill="hold">
+                      <p:stCondLst>
+                        <p:cond delay="indefinite"/>
+                      </p:stCondLst>
+                      <p:childTnLst>
+                        <p:par>
+                          <p:cTn id="4" fill="hold">
+                            <p:stCondLst>
+                              <p:cond delay="0"/>
+                            </p:stCondLst>
+                            <p:childTnLst>
+                              <p:par>
+                                <p:cTn id="5" presetID="10" presetClass="entr" presetSubtype="0" fill="hold" grpId="0" nodeType="clickEffect">
+                                  <p:stCondLst>
+                                    <p:cond delay="0"/>
+                                  </p:stCondLst>
+                                  <p:childTnLst>
+                                    <p:set>
+                                      <p:cBhvr>
+                                        <p:cTn id="6" dur="1" fill="hold">
+                                          <p:stCondLst>
+                                            <p:cond delay="0"/>
+                                          </p:stCondLst>
+                                        </p:cTn>
+                                        <p:tgtEl>
+                                          <p:spTgt spid="3">
+                                            <p:txEl>
+                                              <p:pRg st="1" end="1"/>
+                                            </p:txEl>
+                                          </p:spTgt>
+                                        </p:tgtEl>
+                                        <p:attrNameLst>
+                                          <p:attrName>style.visibility</p:attrName>
+                                        </p:attrNameLst>
+                                      </p:cBhvr>
+                                      <p:to>
+                                        <p:strVal val="visible"/>
+                                      </p:to>
+                                    </p:set>
+                                    <p:animEffect transition="in" filter="fade">
+                                      <p:cBhvr>
+                                        <p:cTn id="7" dur="500"/>
+                                        <p:tgtEl>
+                                          <p:spTgt spid="3">
+                                            <p:txEl>
+                                              <p:pRg st="1" end="1"/>
+                                            </p:txEl>
+                                          </p:spTgt>
+                                        </p:tgtEl>
+                                      </p:cBhvr>
+                                    </p:animEffect>
+                                  </p:childTnLst>
+                                </p:cTn>
+                              </p:par>
+                            </p:childTnLst>
+                          </p:cTn>
+                        </p:par>
+                      </p:childTnLst>
+                    </p:cTn>
+                  </p:par>
+                  <p:par>
+                    <p:cTn id="8" fill="hold">
+                      <p:stCondLst>
+                        <p:cond delay="indefinite"/>
+                      </p:stCondLst>
+                      <p:childTnLst>
+                        <p:par>
+                          <p:cTn id="9" fill="hold">
+                            <p:stCondLst>
+                              <p:cond delay="0"/>
+                            </p:stCondLst>
+                            <p:childTnLst>
+                              <p:par>
+                                <p:cTn id="10" presetID="10" presetClass="entr" presetSubtype="0" fill="hold" grpId="0" nodeType="clickEffect">
+                                  <p:stCondLst>
+                                    <p:cond delay="0"/>
+                                  </p:stCondLst>
+                                  <p:childTnLst>
+                                    <p:set>
+                                      <p:cBhvr>
+                                        <p:cTn id="11" dur="1" fill="hold">
+                                          <p:stCondLst>
+                                            <p:cond delay="0"/>
+                                          </p:stCondLst>
+                                        </p:cTn>
+                                        <p:tgtEl>
+                                          <p:spTgt spid="3">
+                                            <p:txEl>
+                                              <p:pRg st="2" end="2"/>
+                                            </p:txEl>
+                                          </p:spTgt>
+                                        </p:tgtEl>
+                                        <p:attrNameLst>
+                                          <p:attrName>style.visibility</p:attrName>
+                                        </p:attrNameLst>
+                                      </p:cBhvr>
+                                      <p:to>
+                                        <p:strVal val="visible"/>
+                                      </p:to>
+                                    </p:set>
+                                    <p:animEffect transition="in" filter="fade">
+                                      <p:cBhvr>
+                                        <p:cTn id="12" dur="500"/>
+                                        <p:tgtEl>
+                                          <p:spTgt spid="3">
+                                            <p:txEl>
+                                              <p:pRg st="2" end="2"/>
+                                            </p:txEl>
+                                          </p:spTgt>
+                                        </p:tgtEl>
+                                      </p:cBhvr>
+                                    </p:animEffect>
+                                  </p:childTnLst>
+                                </p:cTn>
+                              </p:par>
+                            </p:childTnLst>
+                          </p:cTn>
+                        </p:par>
+                      </p:childTnLst>
+                    </p:cTn>
+                  </p:par>
+                  <p:par>
+                    <p:cTn id="13" fill="hold">
+                      <p:stCondLst>
+                        <p:cond delay="indefinite"/>
+                      </p:stCondLst>
+                      <p:childTnLst>
+                        <p:par>
+                          <p:cTn id="14" fill="hold">
+                            <p:stCondLst>
+                              <p:cond delay="0"/>
+                            </p:stCondLst>
+                            <p:childTnLst>
+                              <p:par>
+                                <p:cTn id="15" presetID="10" presetClass="entr" presetSubtype="0" fill="hold" grpId="0" nodeType="clickEffect">
+                                  <p:stCondLst>
+                                    <p:cond delay="0"/>
+                                  </p:stCondLst>
+                                  <p:childTnLst>
+                                    <p:set>
+                                      <p:cBhvr>
+                                        <p:cTn id="16" dur="1" fill="hold">
+                                          <p:stCondLst>
+                                            <p:cond delay="0"/>
+                                          </p:stCondLst>
+                                        </p:cTn>
+                                        <p:tgtEl>
+                                          <p:spTgt spid="3">
+                                            <p:txEl>
+                                              <p:pRg st="3" end="3"/>
+                                            </p:txEl>
+                                          </p:spTgt>
+                                        </p:tgtEl>
+                                        <p:attrNameLst>
+                                          <p:attrName>style.visibility</p:attrName>
+                                        </p:attrNameLst>
+                                      </p:cBhvr>
+                                      <p:to>
+                                        <p:strVal val="visible"/>
+                                      </p:to>
+                                    </p:set>
+                                    <p:animEffect transition="in" filter="fade">
+                                      <p:cBhvr>
+                                        <p:cTn id="17" dur="500"/>
+                                        <p:tgtEl>
+                                          <p:spTgt spid="3">
+                                            <p:txEl>
+                                              <p:pRg st="3" end="3"/>
+                                            </p:txEl>
+                                          </p:spTgt>
+                                        </p:tgtEl>
+                                      </p:cBhvr>
+                                    </p:animEffect>
+                                  </p:childTnLst>
+                                </p:cTn>
+                              </p:par>
+                            </p:childTnLst>
+                          </p:cTn>
+                        </p:par>
+                      </p:childTnLst>
+                    </p:cTn>
+                  </p:par>
+                  <p:par>
+                    <p:cTn id="18" fill="hold">
+                      <p:stCondLst>
+                        <p:cond delay="indefinite"/>
+                      </p:stCondLst>
+                      <p:childTnLst>
+                        <p:par>
+                          <p:cTn id="19" fill="hold">
+                            <p:stCondLst>
+                              <p:cond delay="0"/>
+                            </p:stCondLst>
+                            <p:childTnLst>
+                              <p:par>
+                                <p:cTn id="20" presetID="10" presetClass="entr" presetSubtype="0" fill="hold" grpId="0" nodeType="clickEffect">
+                                  <p:stCondLst>
+                                    <p:cond delay="0"/>
+                                  </p:stCondLst>
+                                  <p:childTnLst>
+                                    <p:set>
+                                      <p:cBhvr>
+                                        <p:cTn id="21" dur="1" fill="hold">
+                                          <p:stCondLst>
+                                            <p:cond delay="0"/>
+                                          </p:stCondLst>
+                                        </p:cTn>
+                                        <p:tgtEl>
+                                          <p:spTgt spid="3">
+                                            <p:txEl>
+                                              <p:pRg st="4" end="4"/>
+                                            </p:txEl>
+                                          </p:spTgt>
+                                        </p:tgtEl>
+                                        <p:attrNameLst>
+                                          <p:attrName>style.visibility</p:attrName>
+                                        </p:attrNameLst>
+                                      </p:cBhvr>
+                                      <p:to>
+                                        <p:strVal val="visible"/>
+                                      </p:to>
+                                    </p:set>
+                                    <p:animEffect transition="in" filter="fade">
+                                      <p:cBhvr>
+                                        <p:cTn id="22" dur="500"/>
+                                        <p:tgtEl>
+                                          <p:spTgt spid="3">
+                                            <p:txEl>
+                                              <p:pRg st="4" end="4"/>
+                                            </p:txEl>
+                                          </p:spTgt>
+                                        </p:tgtEl>
+                                      </p:cBhvr>
+                                    </p:animEffect>
+                                  </p:childTnLst>
+                                </p:cTn>
+                              </p:par>
+                            </p:childTnLst>
+                          </p:cTn>
+                        </p:par>
+                      </p:childTnLst>
+                    </p:cTn>
+                  </p:par>
+                  <p:par>
+                    <p:cTn id="23" fill="hold">
+                      <p:stCondLst>
+                        <p:cond delay="indefinite"/>
+                      </p:stCondLst>
+                      <p:childTnLst>
+                        <p:par>
+                          <p:cTn id="24" fill="hold">
+                            <p:stCondLst>
+                              <p:cond delay="0"/>
+                            </p:stCondLst>
+                            <p:childTnLst>
+                              <p:par>
+                                <p:cTn id="25" presetID="10" presetClass="entr" presetSubtype="0" fill="hold" grpId="0" nodeType="clickEffect">
+                                  <p:stCondLst>
+                                    <p:cond delay="0"/>
+                                  </p:stCondLst>
+                                  <p:childTnLst>
+                                    <p:set>
+                                      <p:cBhvr>
+                                        <p:cTn id="26" dur="1" fill="hold">
+                                          <p:stCondLst>
+                                            <p:cond delay="0"/>
+                                          </p:stCondLst>
+                                        </p:cTn>
+                                        <p:tgtEl>
+                                          <p:spTgt spid="3">
+                                            <p:txEl>
+                                              <p:pRg st="5" end="5"/>
+                                            </p:txEl>
+                                          </p:spTgt>
+                                        </p:tgtEl>
+                                        <p:attrNameLst>
+                                          <p:attrName>style.visibility</p:attrName>
+                                        </p:attrNameLst>
+                                      </p:cBhvr>
+                                      <p:to>
+                                        <p:strVal val="visible"/>
+                                      </p:to>
+                                    </p:set>
+                                    <p:animEffect transition="in" filter="fade">
+                                      <p:cBhvr>
+                                        <p:cTn id="27" dur="500"/>
+                                        <p:tgtEl>
+                                          <p:spTgt spid="3">
+                                            <p:txEl>
+                                              <p:pRg st="5" end="5"/>
+                                            </p:txEl>
+                                          </p:spTgt>
+                                        </p:tgtEl>
+                                      </p:cBhvr>
+                                    </p:animEffect>
+                                  </p:childTnLst>
+                                </p:cTn>
+                              </p:par>
+                            </p:childTnLst>
+                          </p:cTn>
+                        </p:par>
+                      </p:childTnLst>
+                    </p:cTn>
+                  </p:par>
+                </p:childTnLst>
+              </p:cTn>
+              <p:prevCondLst>
+                <p:cond evt="onPrev" delay="0">
+                  <p:tgtEl>
+                    <p:sldTgt/>
+                  </p:tgtEl>
+                </p:cond>
+              </p:prevCondLst>
+              <p:nextCondLst>
+                <p:cond evt="onNext" delay="0">
+                  <p:tgtEl>
+                    <p:sldTgt/>
+                  </p:tgtEl>
+                </p:cond>
+              </p:nextCondLst>
+            </p:seq>
+          </p:childTnLst>
+        </p:cTn>
+      </p:par>
+    </p:tnLst>
+    <p:bldLst>
+      <p:bldP spid="3" grpId="0" build="p"/>
+    </p:bldLst>
+  </p:timing>
+</p:sld>
+</file>
+
+<file path=ppt/slides/slide12.xml><?xml version="1.0" encoding="utf-8"?>
+<p:sld xmlns:a="http://schemas.openxmlformats.org/drawingml/2006/main" xmlns:r="http://schemas.openxmlformats.org/officeDocument/2006/relationships" xmlns:p="http://schemas.openxmlformats.org/presentationml/2006/main">
+  <p:cSld>
+    <p:spTree>
+      <p:nvGrpSpPr>
+        <p:cNvPr id="1" name=""/>
+        <p:cNvGrpSpPr/>
+        <p:nvPr/>
+      </p:nvGrpSpPr>
+      <p:grpSpPr>
+        <a:xfrm>
+          <a:off x="0" y="0"/>
+          <a:ext cx="0" cy="0"/>
+          <a:chOff x="0" y="0"/>
+          <a:chExt cx="0" cy="0"/>
+        </a:xfrm>
+      </p:grpSpPr>
+      <p:sp>
+        <p:nvSpPr>
           <p:cNvPr id="3" name="Slide Number Placeholder 2"/>
           <p:cNvSpPr>
             <a:spLocks noGrp="1"/>
@@ -6801,7 +7749,7 @@
               <a:pPr>
                 <a:defRPr/>
               </a:pPr>
-              <a:t>11</a:t>
+              <a:t>12</a:t>
             </a:fld>
             <a:endParaRPr lang="en-US" dirty="0"/>
           </a:p>
@@ -7379,7 +8327,7 @@
 </p:sld>
 </file>
 
-<file path=ppt/slides/slide12.xml><?xml version="1.0" encoding="utf-8"?>
+<file path=ppt/slides/slide13.xml><?xml version="1.0" encoding="utf-8"?>
 <p:sld xmlns:a="http://schemas.openxmlformats.org/drawingml/2006/main" xmlns:r="http://schemas.openxmlformats.org/officeDocument/2006/relationships" xmlns:p="http://schemas.openxmlformats.org/presentationml/2006/main">
   <p:cSld>
     <p:spTree>
@@ -7428,7 +8376,7 @@
               <a:pPr>
                 <a:defRPr/>
               </a:pPr>
-              <a:t>12</a:t>
+              <a:t>13</a:t>
             </a:fld>
             <a:endParaRPr lang="en-US" dirty="0"/>
           </a:p>
@@ -7823,7 +8771,7 @@
                             </p:stCondLst>
                             <p:childTnLst>
                               <p:par>
-                                <p:cTn id="17" presetID="1" presetClass="entr" presetSubtype="0" fill="hold" grpId="0" nodeType="clickEffect">
+                                <p:cTn id="17" presetID="9" presetClass="entr" presetSubtype="0" fill="hold" grpId="0" nodeType="clickEffect">
                                   <p:stCondLst>
                                     <p:cond delay="0"/>
                                   </p:stCondLst>
@@ -7850,6 +8798,18 @@
                                         <p:strVal val="visible"/>
                                       </p:to>
                                     </p:set>
+                                    <p:animEffect transition="in" filter="dissolve">
+                                      <p:cBhvr>
+                                        <p:cTn id="19" dur="500"/>
+                                        <p:tgtEl>
+                                          <p:spTgt spid="4">
+                                            <p:txEl>
+                                              <p:pRg st="2" end="2"/>
+                                            </p:txEl>
+                                          </p:spTgt>
+                                        </p:tgtEl>
+                                      </p:cBhvr>
+                                    </p:animEffect>
                                   </p:childTnLst>
                                 </p:cTn>
                               </p:par>
@@ -7860,26 +8820,26 @@
                     </p:cTn>
                   </p:par>
                   <p:par>
-                    <p:cTn id="19" fill="hold">
+                    <p:cTn id="20" fill="hold">
                       <p:stCondLst>
                         <p:cond delay="indefinite"/>
                       </p:stCondLst>
                       <p:childTnLst>
                         <p:par>
-                          <p:cTn id="20" fill="hold">
+                          <p:cTn id="21" fill="hold">
                             <p:stCondLst>
                               <p:cond delay="0"/>
                             </p:stCondLst>
                             <p:childTnLst>
                               <p:par>
-                                <p:cTn id="21" presetID="9" presetClass="entr" presetSubtype="0" fill="hold" grpId="0" nodeType="clickEffect">
+                                <p:cTn id="22" presetID="9" presetClass="entr" presetSubtype="0" fill="hold" grpId="0" nodeType="clickEffect">
                                   <p:stCondLst>
                                     <p:cond delay="0"/>
                                   </p:stCondLst>
                                   <p:childTnLst>
                                     <p:set>
                                       <p:cBhvr>
-                                        <p:cTn id="22" dur="1" fill="hold">
+                                        <p:cTn id="23" dur="1" fill="hold">
                                           <p:stCondLst>
                                             <p:cond delay="0"/>
                                           </p:stCondLst>
@@ -7901,7 +8861,7 @@
                                     </p:set>
                                     <p:animEffect transition="in" filter="dissolve">
                                       <p:cBhvr>
-                                        <p:cTn id="23" dur="500"/>
+                                        <p:cTn id="24" dur="500"/>
                                         <p:tgtEl>
                                           <p:spTgt spid="4">
                                             <p:txEl>
@@ -7918,20 +8878,20 @@
                           </p:cTn>
                         </p:par>
                         <p:par>
-                          <p:cTn id="24" fill="hold">
+                          <p:cTn id="25" fill="hold">
                             <p:stCondLst>
                               <p:cond delay="500"/>
                             </p:stCondLst>
                             <p:childTnLst>
                               <p:par>
-                                <p:cTn id="25" presetID="1" presetClass="entr" presetSubtype="0" fill="hold" grpId="0" nodeType="afterEffect">
+                                <p:cTn id="26" presetID="1" presetClass="entr" presetSubtype="0" fill="hold" grpId="0" nodeType="afterEffect">
                                   <p:stCondLst>
                                     <p:cond delay="0"/>
                                   </p:stCondLst>
                                   <p:childTnLst>
                                     <p:set>
                                       <p:cBhvr>
-                                        <p:cTn id="26" dur="1" fill="hold">
+                                        <p:cTn id="27" dur="1" fill="hold">
                                           <p:stCondLst>
                                             <p:cond delay="0"/>
                                           </p:stCondLst>
@@ -7955,14 +8915,14 @@
                                 </p:cTn>
                               </p:par>
                               <p:par>
-                                <p:cTn id="27" presetID="1" presetClass="entr" presetSubtype="0" fill="hold" grpId="0" nodeType="withEffect">
+                                <p:cTn id="28" presetID="1" presetClass="entr" presetSubtype="0" fill="hold" grpId="0" nodeType="withEffect">
                                   <p:stCondLst>
                                     <p:cond delay="0"/>
                                   </p:stCondLst>
                                   <p:childTnLst>
                                     <p:set>
                                       <p:cBhvr>
-                                        <p:cTn id="28" dur="1" fill="hold">
+                                        <p:cTn id="29" dur="1" fill="hold">
                                           <p:stCondLst>
                                             <p:cond delay="0"/>
                                           </p:stCondLst>
@@ -7986,14 +8946,14 @@
                                 </p:cTn>
                               </p:par>
                               <p:par>
-                                <p:cTn id="29" presetID="1" presetClass="entr" presetSubtype="0" fill="hold" grpId="0" nodeType="withEffect">
+                                <p:cTn id="30" presetID="1" presetClass="entr" presetSubtype="0" fill="hold" grpId="0" nodeType="withEffect">
                                   <p:stCondLst>
                                     <p:cond delay="0"/>
                                   </p:stCondLst>
                                   <p:childTnLst>
                                     <p:set>
                                       <p:cBhvr>
-                                        <p:cTn id="30" dur="1" fill="hold">
+                                        <p:cTn id="31" dur="1" fill="hold">
                                           <p:stCondLst>
                                             <p:cond delay="0"/>
                                           </p:stCondLst>
@@ -8051,192 +9011,6 @@
 </p:sld>
 </file>
 
-<file path=ppt/slides/slide13.xml><?xml version="1.0" encoding="utf-8"?>
-<p:sld xmlns:a="http://schemas.openxmlformats.org/drawingml/2006/main" xmlns:r="http://schemas.openxmlformats.org/officeDocument/2006/relationships" xmlns:p="http://schemas.openxmlformats.org/presentationml/2006/main">
-  <p:cSld>
-    <p:spTree>
-      <p:nvGrpSpPr>
-        <p:cNvPr id="1" name=""/>
-        <p:cNvGrpSpPr/>
-        <p:nvPr/>
-      </p:nvGrpSpPr>
-      <p:grpSpPr>
-        <a:xfrm>
-          <a:off x="0" y="0"/>
-          <a:ext cx="0" cy="0"/>
-          <a:chOff x="0" y="0"/>
-          <a:chExt cx="0" cy="0"/>
-        </a:xfrm>
-      </p:grpSpPr>
-      <p:sp>
-        <p:nvSpPr>
-          <p:cNvPr id="3" name="Slide Number Placeholder 2"/>
-          <p:cNvSpPr>
-            <a:spLocks noGrp="1"/>
-          </p:cNvSpPr>
-          <p:nvPr>
-            <p:ph type="sldNum" sz="quarter" idx="10"/>
-          </p:nvPr>
-        </p:nvSpPr>
-        <p:spPr>
-          <a:xfrm>
-            <a:off x="7777534" y="6553200"/>
-            <a:ext cx="1366467" cy="307777"/>
-          </a:xfrm>
-        </p:spPr>
-        <p:txBody>
-          <a:bodyPr/>
-          <a:lstStyle/>
-          <a:p>
-            <a:pPr>
-              <a:defRPr/>
-            </a:pPr>
-            <a:r>
-              <a:rPr lang="en-US" dirty="0" smtClean="0"/>
-              <a:t>proof-intro.</a:t>
-            </a:r>
-            <a:fld id="{DB6F0ED6-FEF5-4C9C-B1CC-29B47EC66FAA}" type="slidenum">
-              <a:rPr lang="en-US" smtClean="0"/>
-              <a:pPr>
-                <a:defRPr/>
-              </a:pPr>
-              <a:t>13</a:t>
-            </a:fld>
-            <a:endParaRPr lang="en-US" dirty="0"/>
-          </a:p>
-        </p:txBody>
-      </p:sp>
-      <p:sp>
-        <p:nvSpPr>
-          <p:cNvPr id="4" name="Title 1"/>
-          <p:cNvSpPr>
-            <a:spLocks noGrp="1"/>
-          </p:cNvSpPr>
-          <p:nvPr>
-            <p:ph type="title"/>
-          </p:nvPr>
-        </p:nvSpPr>
-        <p:spPr>
-          <a:xfrm>
-            <a:off x="1447800" y="304798"/>
-            <a:ext cx="5904037" cy="1197154"/>
-          </a:xfrm>
-        </p:spPr>
-        <p:txBody>
-          <a:bodyPr/>
-          <a:lstStyle/>
-          <a:p>
-            <a:pPr algn="ctr"/>
-            <a:r>
-              <a:rPr lang="en-US" sz="4000" dirty="0" smtClean="0"/>
-              <a:t>Teamwork</a:t>
-            </a:r>
-            <a:endParaRPr lang="en-US" sz="4000" dirty="0"/>
-          </a:p>
-        </p:txBody>
-      </p:sp>
-      <p:sp>
-        <p:nvSpPr>
-          <p:cNvPr id="5" name="TextBox 4"/>
-          <p:cNvSpPr txBox="1"/>
-          <p:nvPr/>
-        </p:nvSpPr>
-        <p:spPr>
-          <a:xfrm>
-            <a:off x="643815" y="1308969"/>
-            <a:ext cx="7834145" cy="4708981"/>
-          </a:xfrm>
-          <a:prstGeom prst="rect">
-            <a:avLst/>
-          </a:prstGeom>
-          <a:noFill/>
-        </p:spPr>
-        <p:txBody>
-          <a:bodyPr wrap="square" rtlCol="0">
-            <a:spAutoFit/>
-          </a:bodyPr>
-          <a:lstStyle/>
-          <a:p>
-            <a:pPr algn="l"/>
-            <a:r>
-              <a:rPr lang="en-US" sz="6000" dirty="0" smtClean="0">
-                <a:latin typeface="Comic Sans MS" pitchFamily="66" charset="0"/>
-              </a:rPr>
-              <a:t>Your </a:t>
-            </a:r>
-            <a:r>
-              <a:rPr lang="en-US" sz="6000" dirty="0" smtClean="0">
-                <a:latin typeface="Comic Sans MS" pitchFamily="66" charset="0"/>
-              </a:rPr>
-              <a:t>team coach </a:t>
-            </a:r>
-            <a:r>
-              <a:rPr lang="en-US" sz="6000" dirty="0" smtClean="0">
-                <a:latin typeface="Comic Sans MS" pitchFamily="66" charset="0"/>
-              </a:rPr>
-              <a:t>will be working to bring out the </a:t>
-            </a:r>
-            <a:r>
-              <a:rPr lang="en-US" sz="6000" dirty="0" smtClean="0">
-                <a:solidFill>
-                  <a:srgbClr val="006600"/>
-                </a:solidFill>
-                <a:latin typeface="Comic Sans MS" pitchFamily="66" charset="0"/>
-              </a:rPr>
-              <a:t>good</a:t>
-            </a:r>
-            <a:r>
-              <a:rPr lang="en-US" sz="6000" dirty="0" smtClean="0">
-                <a:latin typeface="Comic Sans MS" pitchFamily="66" charset="0"/>
-              </a:rPr>
-              <a:t> and control the </a:t>
-            </a:r>
-            <a:r>
-              <a:rPr lang="en-US" sz="6000" dirty="0" smtClean="0">
-                <a:solidFill>
-                  <a:srgbClr val="FF0000"/>
-                </a:solidFill>
-                <a:latin typeface="Comic Sans MS" pitchFamily="66" charset="0"/>
-              </a:rPr>
-              <a:t>bad</a:t>
-            </a:r>
-          </a:p>
-          <a:p>
-            <a:r>
-              <a:rPr lang="en-US" sz="6000" dirty="0" smtClean="0">
-                <a:solidFill>
-                  <a:srgbClr val="0D05A7"/>
-                </a:solidFill>
-                <a:latin typeface="Comic Sans MS" pitchFamily="66" charset="0"/>
-              </a:rPr>
-              <a:t>(your instructor too)</a:t>
-            </a:r>
-          </a:p>
-        </p:txBody>
-      </p:sp>
-    </p:spTree>
-    <p:extLst>
-      <p:ext uri="{BB962C8B-B14F-4D97-AF65-F5344CB8AC3E}">
-        <p14:creationId xmlns:p14="http://schemas.microsoft.com/office/powerpoint/2010/main" val="1771144501"/>
-      </p:ext>
-    </p:extLst>
-  </p:cSld>
-  <p:clrMapOvr>
-    <a:masterClrMapping/>
-  </p:clrMapOvr>
-  <p:transition xmlns:p14="http://schemas.microsoft.com/office/powerpoint/2010/main" spd="slow" advClick="0">
-    <p:fade/>
-  </p:transition>
-  <p:timing>
-    <p:tnLst>
-      <p:par>
-        <p:cTn xmlns:p14="http://schemas.microsoft.com/office/powerpoint/2010/main" id="1" dur="indefinite" restart="never" nodeType="tmRoot"/>
-      </p:par>
-    </p:tnLst>
-  </p:timing>
-</p:sld>
-</file>
-
 <file path=ppt/slides/slide14.xml><?xml version="1.0" encoding="utf-8"?>
 <p:sld xmlns:a="http://schemas.openxmlformats.org/drawingml/2006/main" xmlns:r="http://schemas.openxmlformats.org/officeDocument/2006/relationships" xmlns:p="http://schemas.openxmlformats.org/presentationml/2006/main">
   <p:cSld>
@@ -8256,7 +9030,7 @@
       </p:grpSpPr>
       <p:sp>
         <p:nvSpPr>
-          <p:cNvPr id="25602" name="Slide Number Placeholder 3"/>
+          <p:cNvPr id="3" name="Slide Number Placeholder 2"/>
           <p:cNvSpPr>
             <a:spLocks noGrp="1"/>
           </p:cNvSpPr>
@@ -8265,95 +9039,135 @@
           </p:nvPr>
         </p:nvSpPr>
         <p:spPr>
-          <a:noFill/>
+          <a:xfrm>
+            <a:off x="7777534" y="6553200"/>
+            <a:ext cx="1366467" cy="307777"/>
+          </a:xfrm>
         </p:spPr>
         <p:txBody>
           <a:bodyPr/>
           <a:lstStyle/>
           <a:p>
+            <a:pPr>
+              <a:defRPr/>
+            </a:pPr>
             <a:r>
               <a:rPr lang="en-US" dirty="0" smtClean="0"/>
-              <a:t>      </a:t>
-            </a:r>
-            <a:r>
-              <a:rPr lang="en-US" sz="1200" dirty="0" smtClean="0"/>
               <a:t>proof-intro.</a:t>
             </a:r>
-            <a:fld id="{00640BF1-4053-4C17-8310-27B8253C9775}" type="slidenum">
-              <a:rPr lang="en-US" sz="1200" smtClean="0"/>
-              <a:pPr/>
+            <a:fld id="{DB6F0ED6-FEF5-4C9C-B1CC-29B47EC66FAA}" type="slidenum">
+              <a:rPr lang="en-US" smtClean="0"/>
+              <a:pPr>
+                <a:defRPr/>
+              </a:pPr>
               <a:t>14</a:t>
             </a:fld>
-            <a:endParaRPr lang="en-US" sz="1200" dirty="0" smtClean="0"/>
-          </a:p>
-        </p:txBody>
-      </p:sp>
-      <p:sp>
-        <p:nvSpPr>
-          <p:cNvPr id="25603" name="Rectangle 2"/>
+            <a:endParaRPr lang="en-US" dirty="0"/>
+          </a:p>
+        </p:txBody>
+      </p:sp>
+      <p:sp>
+        <p:nvSpPr>
+          <p:cNvPr id="4" name="Title 1"/>
           <p:cNvSpPr>
-            <a:spLocks noGrp="1" noChangeArrowheads="1"/>
+            <a:spLocks noGrp="1"/>
           </p:cNvSpPr>
           <p:nvPr>
             <p:ph type="title"/>
           </p:nvPr>
         </p:nvSpPr>
-        <p:spPr/>
+        <p:spPr>
+          <a:xfrm>
+            <a:off x="1447800" y="304798"/>
+            <a:ext cx="5904037" cy="1197154"/>
+          </a:xfrm>
+        </p:spPr>
         <p:txBody>
           <a:bodyPr/>
           <a:lstStyle/>
           <a:p>
-            <a:pPr eaLnBrk="1" hangingPunct="1"/>
-            <a:r>
-              <a:rPr lang="en-US" smtClean="0"/>
-              <a:t>Active Lectures</a:t>
-            </a:r>
-          </a:p>
-        </p:txBody>
-      </p:sp>
-      <p:sp>
-        <p:nvSpPr>
-          <p:cNvPr id="25604" name="Rectangle 3"/>
-          <p:cNvSpPr>
-            <a:spLocks noGrp="1" noChangeArrowheads="1"/>
-          </p:cNvSpPr>
-          <p:nvPr>
-            <p:ph type="body" idx="1"/>
-          </p:nvPr>
+            <a:pPr algn="ctr"/>
+            <a:r>
+              <a:rPr lang="en-US" sz="4000" dirty="0" smtClean="0"/>
+              <a:t>Teamwork</a:t>
+            </a:r>
+            <a:endParaRPr lang="en-US" sz="4000" dirty="0"/>
+          </a:p>
+        </p:txBody>
+      </p:sp>
+      <p:sp>
+        <p:nvSpPr>
+          <p:cNvPr id="5" name="TextBox 4"/>
+          <p:cNvSpPr txBox="1"/>
+          <p:nvPr/>
         </p:nvSpPr>
         <p:spPr>
           <a:xfrm>
-            <a:off x="85725" y="1625600"/>
-            <a:ext cx="8915400" cy="3460750"/>
+            <a:off x="643815" y="1308969"/>
+            <a:ext cx="7834145" cy="4708981"/>
           </a:xfrm>
-        </p:spPr>
-        <p:txBody>
-          <a:bodyPr/>
+          <a:prstGeom prst="rect">
+            <a:avLst/>
+          </a:prstGeom>
+          <a:noFill/>
+        </p:spPr>
+        <p:txBody>
+          <a:bodyPr wrap="square" rtlCol="0">
+            <a:spAutoFit/>
+          </a:bodyPr>
           <a:lstStyle/>
           <a:p>
-            <a:pPr eaLnBrk="1" hangingPunct="1">
-              <a:buFontTx/>
-              <a:buNone/>
-            </a:pPr>
-            <a:r>
-              <a:rPr lang="en-US" sz="6600" dirty="0" smtClean="0"/>
-              <a:t>Say “hello” to your neighbors</a:t>
-            </a:r>
-            <a:r>
-              <a:rPr lang="en-US" sz="8800" b="1" dirty="0" smtClean="0">
-                <a:latin typeface="Euclid" pitchFamily="18" charset="0"/>
-              </a:rPr>
-              <a:t>–</a:t>
-            </a:r>
-            <a:r>
-              <a:rPr lang="en-US" sz="6600" dirty="0" smtClean="0"/>
-              <a:t>you’ll be working with them</a:t>
-            </a:r>
-            <a:endParaRPr lang="en-US" sz="5400" dirty="0" smtClean="0"/>
+            <a:pPr algn="l"/>
+            <a:r>
+              <a:rPr lang="en-US" sz="6000" dirty="0" smtClean="0">
+                <a:latin typeface="Comic Sans MS" pitchFamily="66" charset="0"/>
+              </a:rPr>
+              <a:t>Your team coach will be working to bring out the </a:t>
+            </a:r>
+            <a:r>
+              <a:rPr lang="en-US" sz="6000" dirty="0" smtClean="0">
+                <a:solidFill>
+                  <a:srgbClr val="006600"/>
+                </a:solidFill>
+                <a:latin typeface="Comic Sans MS" pitchFamily="66" charset="0"/>
+              </a:rPr>
+              <a:t>good</a:t>
+            </a:r>
+            <a:r>
+              <a:rPr lang="en-US" sz="6000" dirty="0" smtClean="0">
+                <a:latin typeface="Comic Sans MS" pitchFamily="66" charset="0"/>
+              </a:rPr>
+              <a:t> and control the </a:t>
+            </a:r>
+            <a:r>
+              <a:rPr lang="en-US" sz="6000" dirty="0" smtClean="0">
+                <a:solidFill>
+                  <a:srgbClr val="FF0000"/>
+                </a:solidFill>
+                <a:latin typeface="Comic Sans MS" pitchFamily="66" charset="0"/>
+              </a:rPr>
+              <a:t>bad</a:t>
+            </a:r>
+          </a:p>
+          <a:p>
+            <a:r>
+              <a:rPr lang="en-US" sz="6000" dirty="0" smtClean="0">
+                <a:solidFill>
+                  <a:srgbClr val="0D05A7"/>
+                </a:solidFill>
+                <a:latin typeface="Comic Sans MS" pitchFamily="66" charset="0"/>
+              </a:rPr>
+              <a:t>(your instructor too)</a:t>
+            </a:r>
           </a:p>
         </p:txBody>
       </p:sp>
     </p:spTree>
+    <p:extLst>
+      <p:ext uri="{BB962C8B-B14F-4D97-AF65-F5344CB8AC3E}">
+        <p14:creationId xmlns:p14="http://schemas.microsoft.com/office/powerpoint/2010/main" val="1771144501"/>
+      </p:ext>
+    </p:extLst>
   </p:cSld>
   <p:clrMapOvr>
     <a:masterClrMapping/>
@@ -8390,7 +9204,7 @@
       </p:grpSpPr>
       <p:sp>
         <p:nvSpPr>
-          <p:cNvPr id="26626" name="Slide Number Placeholder 3"/>
+          <p:cNvPr id="25602" name="Slide Number Placeholder 3"/>
           <p:cNvSpPr>
             <a:spLocks noGrp="1"/>
           </p:cNvSpPr>
@@ -8413,7 +9227,7 @@
               <a:rPr lang="en-US" sz="1200" dirty="0" smtClean="0"/>
               <a:t>proof-intro.</a:t>
             </a:r>
-            <a:fld id="{F945E144-46F5-4BFE-BFF5-52D2B17983BE}" type="slidenum">
+            <a:fld id="{00640BF1-4053-4C17-8310-27B8253C9775}" type="slidenum">
               <a:rPr lang="en-US" sz="1200" smtClean="0"/>
               <a:pPr/>
               <a:t>15</a:t>
@@ -8424,7 +9238,7 @@
       </p:sp>
       <p:sp>
         <p:nvSpPr>
-          <p:cNvPr id="26627" name="Rectangle 2"/>
+          <p:cNvPr id="25603" name="Rectangle 2"/>
           <p:cNvSpPr>
             <a:spLocks noGrp="1" noChangeArrowheads="1"/>
           </p:cNvSpPr>
@@ -8447,7 +9261,7 @@
       </p:sp>
       <p:sp>
         <p:nvSpPr>
-          <p:cNvPr id="26628" name="Rectangle 3"/>
+          <p:cNvPr id="25604" name="Rectangle 3"/>
           <p:cNvSpPr>
             <a:spLocks noGrp="1" noChangeArrowheads="1"/>
           </p:cNvSpPr>
@@ -8457,8 +9271,8 @@
         </p:nvSpPr>
         <p:spPr>
           <a:xfrm>
-            <a:off x="1047750" y="1520825"/>
-            <a:ext cx="7024688" cy="3708400"/>
+            <a:off x="85725" y="1625600"/>
+            <a:ext cx="8915400" cy="3460750"/>
           </a:xfrm>
         </p:spPr>
         <p:txBody>
@@ -8470,23 +9284,20 @@
               <a:buNone/>
             </a:pPr>
             <a:r>
-              <a:rPr lang="en-US" sz="6600" smtClean="0">
-                <a:solidFill>
-                  <a:srgbClr val="0D05A7"/>
-                </a:solidFill>
-              </a:rPr>
-              <a:t>Quickie question:</a:t>
-            </a:r>
-          </a:p>
-          <a:p>
-            <a:pPr eaLnBrk="1" hangingPunct="1">
-              <a:buFontTx/>
-              <a:buNone/>
-            </a:pPr>
-            <a:r>
-              <a:rPr lang="en-US" sz="6600" smtClean="0"/>
-              <a:t>Where was your neighbor born?</a:t>
-            </a:r>
+              <a:rPr lang="en-US" sz="6600" dirty="0" smtClean="0"/>
+              <a:t>Say “hello” to your neighbors</a:t>
+            </a:r>
+            <a:r>
+              <a:rPr lang="en-US" sz="8800" b="1" dirty="0" smtClean="0">
+                <a:latin typeface="Euclid" pitchFamily="18" charset="0"/>
+              </a:rPr>
+              <a:t>–</a:t>
+            </a:r>
+            <a:r>
+              <a:rPr lang="en-US" sz="6600" dirty="0" smtClean="0"/>
+              <a:t>you’ll be working with them</a:t>
+            </a:r>
+            <a:endParaRPr lang="en-US" sz="5400" dirty="0" smtClean="0"/>
           </a:p>
         </p:txBody>
       </p:sp>
@@ -8527,6 +9338,143 @@
       </p:grpSpPr>
       <p:sp>
         <p:nvSpPr>
+          <p:cNvPr id="26626" name="Slide Number Placeholder 3"/>
+          <p:cNvSpPr>
+            <a:spLocks noGrp="1"/>
+          </p:cNvSpPr>
+          <p:nvPr>
+            <p:ph type="sldNum" sz="quarter" idx="10"/>
+          </p:nvPr>
+        </p:nvSpPr>
+        <p:spPr>
+          <a:noFill/>
+        </p:spPr>
+        <p:txBody>
+          <a:bodyPr/>
+          <a:lstStyle/>
+          <a:p>
+            <a:r>
+              <a:rPr lang="en-US" dirty="0" smtClean="0"/>
+              <a:t>      </a:t>
+            </a:r>
+            <a:r>
+              <a:rPr lang="en-US" sz="1200" dirty="0" smtClean="0"/>
+              <a:t>proof-intro.</a:t>
+            </a:r>
+            <a:fld id="{F945E144-46F5-4BFE-BFF5-52D2B17983BE}" type="slidenum">
+              <a:rPr lang="en-US" sz="1200" smtClean="0"/>
+              <a:pPr/>
+              <a:t>16</a:t>
+            </a:fld>
+            <a:endParaRPr lang="en-US" sz="1200" dirty="0" smtClean="0"/>
+          </a:p>
+        </p:txBody>
+      </p:sp>
+      <p:sp>
+        <p:nvSpPr>
+          <p:cNvPr id="26627" name="Rectangle 2"/>
+          <p:cNvSpPr>
+            <a:spLocks noGrp="1" noChangeArrowheads="1"/>
+          </p:cNvSpPr>
+          <p:nvPr>
+            <p:ph type="title"/>
+          </p:nvPr>
+        </p:nvSpPr>
+        <p:spPr/>
+        <p:txBody>
+          <a:bodyPr/>
+          <a:lstStyle/>
+          <a:p>
+            <a:pPr eaLnBrk="1" hangingPunct="1"/>
+            <a:r>
+              <a:rPr lang="en-US" smtClean="0"/>
+              <a:t>Active Lectures</a:t>
+            </a:r>
+          </a:p>
+        </p:txBody>
+      </p:sp>
+      <p:sp>
+        <p:nvSpPr>
+          <p:cNvPr id="26628" name="Rectangle 3"/>
+          <p:cNvSpPr>
+            <a:spLocks noGrp="1" noChangeArrowheads="1"/>
+          </p:cNvSpPr>
+          <p:nvPr>
+            <p:ph type="body" idx="1"/>
+          </p:nvPr>
+        </p:nvSpPr>
+        <p:spPr>
+          <a:xfrm>
+            <a:off x="1047750" y="1520825"/>
+            <a:ext cx="7024688" cy="3708400"/>
+          </a:xfrm>
+        </p:spPr>
+        <p:txBody>
+          <a:bodyPr/>
+          <a:lstStyle/>
+          <a:p>
+            <a:pPr eaLnBrk="1" hangingPunct="1">
+              <a:buFontTx/>
+              <a:buNone/>
+            </a:pPr>
+            <a:r>
+              <a:rPr lang="en-US" sz="6600" smtClean="0">
+                <a:solidFill>
+                  <a:srgbClr val="0D05A7"/>
+                </a:solidFill>
+              </a:rPr>
+              <a:t>Quickie question:</a:t>
+            </a:r>
+          </a:p>
+          <a:p>
+            <a:pPr eaLnBrk="1" hangingPunct="1">
+              <a:buFontTx/>
+              <a:buNone/>
+            </a:pPr>
+            <a:r>
+              <a:rPr lang="en-US" sz="6600" smtClean="0"/>
+              <a:t>Where was your neighbor born?</a:t>
+            </a:r>
+          </a:p>
+        </p:txBody>
+      </p:sp>
+    </p:spTree>
+  </p:cSld>
+  <p:clrMapOvr>
+    <a:masterClrMapping/>
+  </p:clrMapOvr>
+  <p:transition xmlns:p14="http://schemas.microsoft.com/office/powerpoint/2010/main" spd="slow" advClick="0">
+    <p:fade/>
+  </p:transition>
+  <p:timing>
+    <p:tnLst>
+      <p:par>
+        <p:cTn xmlns:p14="http://schemas.microsoft.com/office/powerpoint/2010/main" id="1" dur="indefinite" restart="never" nodeType="tmRoot"/>
+      </p:par>
+    </p:tnLst>
+  </p:timing>
+</p:sld>
+</file>
+
+<file path=ppt/slides/slide17.xml><?xml version="1.0" encoding="utf-8"?>
+<p:sld xmlns:a="http://schemas.openxmlformats.org/drawingml/2006/main" xmlns:r="http://schemas.openxmlformats.org/officeDocument/2006/relationships" xmlns:p="http://schemas.openxmlformats.org/presentationml/2006/main">
+  <p:cSld>
+    <p:spTree>
+      <p:nvGrpSpPr>
+        <p:cNvPr id="1" name=""/>
+        <p:cNvGrpSpPr/>
+        <p:nvPr/>
+      </p:nvGrpSpPr>
+      <p:grpSpPr>
+        <a:xfrm>
+          <a:off x="0" y="0"/>
+          <a:ext cx="0" cy="0"/>
+          <a:chOff x="0" y="0"/>
+          <a:chExt cx="0" cy="0"/>
+        </a:xfrm>
+      </p:grpSpPr>
+      <p:sp>
+        <p:nvSpPr>
           <p:cNvPr id="27650" name="Slide Number Placeholder 3"/>
           <p:cNvSpPr>
             <a:spLocks noGrp="1"/>
@@ -8557,7 +9505,7 @@
             <a:fld id="{2CE4F879-8951-4E2E-A4AF-301D9F13C57E}" type="slidenum">
               <a:rPr lang="en-US" sz="1200" smtClean="0"/>
               <a:pPr/>
-              <a:t>16</a:t>
+              <a:t>17</a:t>
             </a:fld>
             <a:endParaRPr lang="en-US" sz="1200" dirty="0" smtClean="0"/>
           </a:p>
@@ -9057,7 +10005,7 @@
           <a:graphicData uri="http://schemas.openxmlformats.org/presentationml/2006/ole">
             <mc:AlternateContent xmlns:mc="http://schemas.openxmlformats.org/markup-compatibility/2006">
               <mc:Choice xmlns:v="urn:schemas-microsoft-com:vml" Requires="v">
-                <p:oleObj spid="_x0000_s150589" name="Equation" r:id="rId4" imgW="838200" imgH="241300" progId="Equation.DSMT4">
+                <p:oleObj spid="_x0000_s150605" name="Equation" r:id="rId4" imgW="838200" imgH="241300" progId="Equation.DSMT4">
                   <p:embed/>
                 </p:oleObj>
               </mc:Choice>
@@ -9413,7 +10361,7 @@
 </p:sld>
 </file>
 
-<file path=ppt/slides/slide17.xml><?xml version="1.0" encoding="utf-8"?>
+<file path=ppt/slides/slide18.xml><?xml version="1.0" encoding="utf-8"?>
 <p:sld xmlns:a="http://schemas.openxmlformats.org/drawingml/2006/main" xmlns:r="http://schemas.openxmlformats.org/officeDocument/2006/relationships" xmlns:p="http://schemas.openxmlformats.org/presentationml/2006/main">
   <p:cSld>
     <p:spTree>
@@ -9462,7 +10410,7 @@
             <a:fld id="{0FB437FB-7EA6-4D8E-804F-52D528A3F410}" type="slidenum">
               <a:rPr lang="en-US" sz="1200" smtClean="0"/>
               <a:pPr/>
-              <a:t>17</a:t>
+              <a:t>18</a:t>
             </a:fld>
             <a:endParaRPr lang="en-US" sz="1200" dirty="0" smtClean="0"/>
           </a:p>
@@ -10072,7 +11020,7 @@
           <a:graphicData uri="http://schemas.openxmlformats.org/presentationml/2006/ole">
             <mc:AlternateContent xmlns:mc="http://schemas.openxmlformats.org/markup-compatibility/2006">
               <mc:Choice xmlns:v="urn:schemas-microsoft-com:vml" Requires="v">
-                <p:oleObj spid="_x0000_s6249" name="Equation" r:id="rId4" imgW="304560" imgH="139680" progId="Equation.DSMT4">
+                <p:oleObj spid="_x0000_s6277" name="Equation" r:id="rId4" imgW="304560" imgH="139680" progId="Equation.DSMT4">
                   <p:embed/>
                 </p:oleObj>
               </mc:Choice>
@@ -10142,7 +11090,7 @@
           <a:graphicData uri="http://schemas.openxmlformats.org/presentationml/2006/ole">
             <mc:AlternateContent xmlns:mc="http://schemas.openxmlformats.org/markup-compatibility/2006">
               <mc:Choice xmlns:v="urn:schemas-microsoft-com:vml" Requires="v">
-                <p:oleObj spid="_x0000_s6250" name="Equation" r:id="rId6" imgW="304560" imgH="139680" progId="Equation.DSMT4">
+                <p:oleObj spid="_x0000_s6278" name="Equation" r:id="rId6" imgW="304560" imgH="139680" progId="Equation.DSMT4">
                   <p:embed/>
                 </p:oleObj>
               </mc:Choice>
@@ -10563,7 +11511,7 @@
 </p:sld>
 </file>
 
-<file path=ppt/slides/slide18.xml><?xml version="1.0" encoding="utf-8"?>
+<file path=ppt/slides/slide19.xml><?xml version="1.0" encoding="utf-8"?>
 <p:sld xmlns:a="http://schemas.openxmlformats.org/drawingml/2006/main" xmlns:r="http://schemas.openxmlformats.org/officeDocument/2006/relationships" xmlns:p="http://schemas.openxmlformats.org/presentationml/2006/main">
   <p:cSld>
     <p:spTree>
@@ -10608,7 +11556,7 @@
             <a:fld id="{2397B697-5C1D-45EC-849F-1E2C7D9F00A5}" type="slidenum">
               <a:rPr lang="en-US" sz="1200" smtClean="0"/>
               <a:pPr/>
-              <a:t>18</a:t>
+              <a:t>19</a:t>
             </a:fld>
             <a:endParaRPr lang="en-US" sz="1200" dirty="0" smtClean="0"/>
           </a:p>
@@ -11131,7 +12079,7 @@
 </p:sld>
 </file>
 
-<file path=ppt/slides/slide19.xml><?xml version="1.0" encoding="utf-8"?>
+<file path=ppt/slides/slide2.xml><?xml version="1.0" encoding="utf-8"?>
 <p:sld xmlns:a="http://schemas.openxmlformats.org/drawingml/2006/main" xmlns:r="http://schemas.openxmlformats.org/officeDocument/2006/relationships" xmlns:p="http://schemas.openxmlformats.org/presentationml/2006/main">
   <p:cSld>
     <p:spTree>
@@ -11150,6 +12098,366 @@
       </p:grpSpPr>
       <p:sp>
         <p:nvSpPr>
+          <p:cNvPr id="1029" name="Slide Number Placeholder 3"/>
+          <p:cNvSpPr>
+            <a:spLocks noGrp="1"/>
+          </p:cNvSpPr>
+          <p:nvPr>
+            <p:ph type="sldNum" sz="quarter" idx="10"/>
+          </p:nvPr>
+        </p:nvSpPr>
+        <p:spPr>
+          <a:xfrm>
+            <a:off x="7693739" y="6553200"/>
+            <a:ext cx="1450262" cy="307777"/>
+          </a:xfrm>
+          <a:noFill/>
+        </p:spPr>
+        <p:txBody>
+          <a:bodyPr/>
+          <a:lstStyle/>
+          <a:p>
+            <a:r>
+              <a:rPr lang="en-US" dirty="0" smtClean="0"/>
+              <a:t>      </a:t>
+            </a:r>
+            <a:r>
+              <a:rPr lang="en-US" sz="1200" dirty="0" smtClean="0"/>
+              <a:t>proof-intro.</a:t>
+            </a:r>
+            <a:fld id="{927A8356-297C-42F1-B0D2-25D25A26288A}" type="slidenum">
+              <a:rPr lang="en-US" sz="1200" smtClean="0"/>
+              <a:pPr/>
+              <a:t>2</a:t>
+            </a:fld>
+            <a:endParaRPr lang="en-US" sz="1200" dirty="0" smtClean="0"/>
+          </a:p>
+        </p:txBody>
+      </p:sp>
+      <p:sp>
+        <p:nvSpPr>
+          <p:cNvPr id="1030" name="Rectangle 2"/>
+          <p:cNvSpPr>
+            <a:spLocks noGrp="1" noChangeArrowheads="1"/>
+          </p:cNvSpPr>
+          <p:nvPr>
+            <p:ph type="ctrTitle"/>
+          </p:nvPr>
+        </p:nvSpPr>
+        <p:spPr>
+          <a:xfrm>
+            <a:off x="1143000" y="304800"/>
+            <a:ext cx="8001000" cy="1219200"/>
+          </a:xfrm>
+        </p:spPr>
+        <p:txBody>
+          <a:bodyPr/>
+          <a:lstStyle/>
+          <a:p>
+            <a:pPr algn="ctr" eaLnBrk="1" hangingPunct="1"/>
+            <a:r>
+              <a:rPr lang="en-US" sz="3200" i="1" dirty="0" smtClean="0"/>
+              <a:t>Mathematics for Computer Science</a:t>
+            </a:r>
+            <a:r>
+              <a:rPr lang="en-US" i="1" dirty="0" smtClean="0"/>
+              <a:t/>
+            </a:r>
+            <a:br>
+              <a:rPr lang="en-US" i="1" dirty="0" smtClean="0"/>
+            </a:br>
+            <a:r>
+              <a:rPr lang="en-US" sz="3200" dirty="0" smtClean="0">
+                <a:solidFill>
+                  <a:srgbClr val="137117"/>
+                </a:solidFill>
+              </a:rPr>
+              <a:t>6.042J/18.062J</a:t>
+            </a:r>
+            <a:endParaRPr lang="en-US" sz="2800" dirty="0" smtClean="0">
+              <a:solidFill>
+                <a:srgbClr val="008380"/>
+              </a:solidFill>
+            </a:endParaRPr>
+          </a:p>
+        </p:txBody>
+      </p:sp>
+      <p:sp>
+        <p:nvSpPr>
+          <p:cNvPr id="13" name="Rectangle 3"/>
+          <p:cNvSpPr>
+            <a:spLocks noGrp="1" noChangeArrowheads="1"/>
+          </p:cNvSpPr>
+          <p:nvPr>
+            <p:ph type="subTitle" idx="1"/>
+          </p:nvPr>
+        </p:nvSpPr>
+        <p:spPr>
+          <a:xfrm>
+            <a:off x="-1" y="1398579"/>
+            <a:ext cx="9203267" cy="5459412"/>
+          </a:xfrm>
+        </p:spPr>
+        <p:txBody>
+          <a:bodyPr/>
+          <a:lstStyle/>
+          <a:p>
+            <a:pPr eaLnBrk="1" hangingPunct="1">
+              <a:defRPr/>
+            </a:pPr>
+            <a:r>
+              <a:rPr lang="en-US" sz="2400" b="1" u="sng" dirty="0">
+                <a:solidFill>
+                  <a:srgbClr val="A0106D"/>
+                </a:solidFill>
+                <a:latin typeface="Courier New" pitchFamily="49" charset="0"/>
+                <a:cs typeface="Courier New" pitchFamily="49" charset="0"/>
+              </a:rPr>
+              <a:t>https://</a:t>
+            </a:r>
+            <a:r>
+              <a:rPr lang="en-US" sz="2400" b="1" u="sng" dirty="0" err="1">
+                <a:solidFill>
+                  <a:srgbClr val="A0106D"/>
+                </a:solidFill>
+                <a:latin typeface="Courier New" pitchFamily="49" charset="0"/>
+                <a:cs typeface="Courier New" pitchFamily="49" charset="0"/>
+              </a:rPr>
+              <a:t>stellar.mit.edu</a:t>
+            </a:r>
+            <a:r>
+              <a:rPr lang="en-US" sz="2400" b="1" u="sng" dirty="0">
+                <a:solidFill>
+                  <a:srgbClr val="A0106D"/>
+                </a:solidFill>
+                <a:latin typeface="Courier New" pitchFamily="49" charset="0"/>
+                <a:cs typeface="Courier New" pitchFamily="49" charset="0"/>
+              </a:rPr>
+              <a:t>/S/course/6/sp14/6.042/</a:t>
+            </a:r>
+            <a:r>
+              <a:rPr lang="en-US" sz="6000" dirty="0" smtClean="0">
+                <a:solidFill>
+                  <a:srgbClr val="0D05A7"/>
+                </a:solidFill>
+              </a:rPr>
+              <a:t>WELCOME!</a:t>
+            </a:r>
+          </a:p>
+          <a:p>
+            <a:pPr eaLnBrk="1" hangingPunct="1">
+              <a:defRPr/>
+            </a:pPr>
+            <a:r>
+              <a:rPr lang="en-US" sz="6000" b="1" dirty="0" smtClean="0"/>
+              <a:t>Prof. Albert R Meyer*</a:t>
+            </a:r>
+          </a:p>
+          <a:p>
+            <a:pPr eaLnBrk="1" hangingPunct="1">
+              <a:defRPr/>
+            </a:pPr>
+            <a:r>
+              <a:rPr lang="en-US" sz="6000" b="1" dirty="0" smtClean="0"/>
+              <a:t>*me</a:t>
+            </a:r>
+          </a:p>
+          <a:p>
+            <a:pPr eaLnBrk="1" hangingPunct="1">
+              <a:defRPr/>
+            </a:pPr>
+            <a:endParaRPr lang="en-US" b="1" u="sng" dirty="0" smtClean="0">
+              <a:solidFill>
+                <a:srgbClr val="A0106D"/>
+              </a:solidFill>
+              <a:latin typeface="Courier New" pitchFamily="49" charset="0"/>
+              <a:cs typeface="Courier New" pitchFamily="49" charset="0"/>
+            </a:endParaRPr>
+          </a:p>
+        </p:txBody>
+      </p:sp>
+      <p:graphicFrame>
+        <p:nvGraphicFramePr>
+          <p:cNvPr id="1027" name="Object 5"/>
+          <p:cNvGraphicFramePr>
+            <a:graphicFrameLocks noChangeAspect="1"/>
+          </p:cNvGraphicFramePr>
+          <p:nvPr/>
+        </p:nvGraphicFramePr>
+        <p:xfrm>
+          <a:off x="4114800" y="3321050"/>
+          <a:ext cx="914400" cy="215900"/>
+        </p:xfrm>
+        <a:graphic>
+          <a:graphicData uri="http://schemas.openxmlformats.org/presentationml/2006/ole">
+            <mc:AlternateContent xmlns:mc="http://schemas.openxmlformats.org/markup-compatibility/2006">
+              <mc:Choice xmlns:v="urn:schemas-microsoft-com:vml" Requires="v">
+                <p:oleObj spid="_x0000_s194647" name="Equation" r:id="rId4" imgW="914400" imgH="215640" progId="Equation.3">
+                  <p:embed/>
+                </p:oleObj>
+              </mc:Choice>
+              <mc:Fallback>
+                <p:oleObj name="Equation" r:id="rId4" imgW="914400" imgH="215640" progId="Equation.3">
+                  <p:embed/>
+                  <p:pic>
+                    <p:nvPicPr>
+                      <p:cNvPr id="0" name=""/>
+                      <p:cNvPicPr>
+                        <a:picLocks noChangeAspect="1" noChangeArrowheads="1"/>
+                      </p:cNvPicPr>
+                      <p:nvPr/>
+                    </p:nvPicPr>
+                    <p:blipFill>
+                      <a:blip r:embed="rId5">
+                        <a:extLst>
+                          <a:ext uri="{28A0092B-C50C-407E-A947-70E740481C1C}">
+                            <a14:useLocalDpi xmlns:a14="http://schemas.microsoft.com/office/drawing/2010/main" val="0"/>
+                          </a:ext>
+                        </a:extLst>
+                      </a:blip>
+                      <a:srcRect/>
+                      <a:stretch>
+                        <a:fillRect/>
+                      </a:stretch>
+                    </p:blipFill>
+                    <p:spPr bwMode="auto">
+                      <a:xfrm>
+                        <a:off x="4114800" y="3321050"/>
+                        <a:ext cx="914400" cy="215900"/>
+                      </a:xfrm>
+                      <a:prstGeom prst="rect">
+                        <a:avLst/>
+                      </a:prstGeom>
+                      <a:noFill/>
+                      <a:extLst>
+                        <a:ext uri="{909E8E84-426E-40dd-AFC4-6F175D3DCCD1}">
+                          <a14:hiddenFill xmlns:a14="http://schemas.microsoft.com/office/drawing/2010/main">
+                            <a:solidFill>
+                              <a:srgbClr val="FFFFFF"/>
+                            </a:solidFill>
+                          </a14:hiddenFill>
+                        </a:ext>
+                      </a:extLst>
+                    </p:spPr>
+                  </p:pic>
+                </p:oleObj>
+              </mc:Fallback>
+            </mc:AlternateContent>
+          </a:graphicData>
+        </a:graphic>
+      </p:graphicFrame>
+      <p:graphicFrame>
+        <p:nvGraphicFramePr>
+          <p:cNvPr id="1028" name="Object 6"/>
+          <p:cNvGraphicFramePr>
+            <a:graphicFrameLocks noChangeAspect="1"/>
+          </p:cNvGraphicFramePr>
+          <p:nvPr/>
+        </p:nvGraphicFramePr>
+        <p:xfrm>
+          <a:off x="4114800" y="3321050"/>
+          <a:ext cx="914400" cy="215900"/>
+        </p:xfrm>
+        <a:graphic>
+          <a:graphicData uri="http://schemas.openxmlformats.org/presentationml/2006/ole">
+            <mc:AlternateContent xmlns:mc="http://schemas.openxmlformats.org/markup-compatibility/2006">
+              <mc:Choice xmlns:v="urn:schemas-microsoft-com:vml" Requires="v">
+                <p:oleObj spid="_x0000_s194648" name="Equation" r:id="rId6" imgW="914400" imgH="215640" progId="Equation.3">
+                  <p:embed/>
+                </p:oleObj>
+              </mc:Choice>
+              <mc:Fallback>
+                <p:oleObj name="Equation" r:id="rId6" imgW="914400" imgH="215640" progId="Equation.3">
+                  <p:embed/>
+                  <p:pic>
+                    <p:nvPicPr>
+                      <p:cNvPr id="0" name=""/>
+                      <p:cNvPicPr>
+                        <a:picLocks noChangeAspect="1" noChangeArrowheads="1"/>
+                      </p:cNvPicPr>
+                      <p:nvPr/>
+                    </p:nvPicPr>
+                    <p:blipFill>
+                      <a:blip r:embed="rId5">
+                        <a:extLst>
+                          <a:ext uri="{28A0092B-C50C-407E-A947-70E740481C1C}">
+                            <a14:useLocalDpi xmlns:a14="http://schemas.microsoft.com/office/drawing/2010/main" val="0"/>
+                          </a:ext>
+                        </a:extLst>
+                      </a:blip>
+                      <a:srcRect/>
+                      <a:stretch>
+                        <a:fillRect/>
+                      </a:stretch>
+                    </p:blipFill>
+                    <p:spPr bwMode="auto">
+                      <a:xfrm>
+                        <a:off x="4114800" y="3321050"/>
+                        <a:ext cx="914400" cy="215900"/>
+                      </a:xfrm>
+                      <a:prstGeom prst="rect">
+                        <a:avLst/>
+                      </a:prstGeom>
+                      <a:noFill/>
+                      <a:extLst>
+                        <a:ext uri="{909E8E84-426E-40dd-AFC4-6F175D3DCCD1}">
+                          <a14:hiddenFill xmlns:a14="http://schemas.microsoft.com/office/drawing/2010/main">
+                            <a:solidFill>
+                              <a:srgbClr val="FFFFFF"/>
+                            </a:solidFill>
+                          </a14:hiddenFill>
+                        </a:ext>
+                      </a:extLst>
+                    </p:spPr>
+                  </p:pic>
+                </p:oleObj>
+              </mc:Fallback>
+            </mc:AlternateContent>
+          </a:graphicData>
+        </a:graphic>
+      </p:graphicFrame>
+    </p:spTree>
+    <p:extLst>
+      <p:ext uri="{BB962C8B-B14F-4D97-AF65-F5344CB8AC3E}">
+        <p14:creationId xmlns:p14="http://schemas.microsoft.com/office/powerpoint/2010/main" val="1108472956"/>
+      </p:ext>
+    </p:extLst>
+  </p:cSld>
+  <p:clrMapOvr>
+    <a:masterClrMapping/>
+  </p:clrMapOvr>
+  <p:transition xmlns:p14="http://schemas.microsoft.com/office/powerpoint/2010/main" spd="slow" advClick="0">
+    <p:fade/>
+  </p:transition>
+  <p:timing>
+    <p:tnLst>
+      <p:par>
+        <p:cTn xmlns:p14="http://schemas.microsoft.com/office/powerpoint/2010/main" id="1" dur="indefinite" restart="never" nodeType="tmRoot"/>
+      </p:par>
+    </p:tnLst>
+  </p:timing>
+</p:sld>
+</file>
+
+<file path=ppt/slides/slide20.xml><?xml version="1.0" encoding="utf-8"?>
+<p:sld xmlns:a="http://schemas.openxmlformats.org/drawingml/2006/main" xmlns:r="http://schemas.openxmlformats.org/officeDocument/2006/relationships" xmlns:p="http://schemas.openxmlformats.org/presentationml/2006/main">
+  <p:cSld>
+    <p:spTree>
+      <p:nvGrpSpPr>
+        <p:cNvPr id="1" name=""/>
+        <p:cNvGrpSpPr/>
+        <p:nvPr/>
+      </p:nvGrpSpPr>
+      <p:grpSpPr>
+        <a:xfrm>
+          <a:off x="0" y="0"/>
+          <a:ext cx="0" cy="0"/>
+          <a:chOff x="0" y="0"/>
+          <a:chExt cx="0" cy="0"/>
+        </a:xfrm>
+      </p:grpSpPr>
+      <p:sp>
+        <p:nvSpPr>
           <p:cNvPr id="7172" name="Slide Number Placeholder 2"/>
           <p:cNvSpPr>
             <a:spLocks noGrp="1"/>
@@ -11176,7 +12484,7 @@
             <a:fld id="{65CB97D2-D080-404C-B886-E9A46F89541B}" type="slidenum">
               <a:rPr lang="en-US" sz="1200" smtClean="0"/>
               <a:pPr/>
-              <a:t>19</a:t>
+              <a:t>20</a:t>
             </a:fld>
             <a:endParaRPr lang="en-US" sz="1200" dirty="0" smtClean="0"/>
           </a:p>
@@ -11580,7 +12888,7 @@
           <a:graphicData uri="http://schemas.openxmlformats.org/presentationml/2006/ole">
             <mc:AlternateContent xmlns:mc="http://schemas.openxmlformats.org/markup-compatibility/2006">
               <mc:Choice xmlns:v="urn:schemas-microsoft-com:vml" Requires="v">
-                <p:oleObj spid="_x0000_s7269" name="Equation" r:id="rId4" imgW="304560" imgH="139680" progId="Equation.DSMT4">
+                <p:oleObj spid="_x0000_s7297" name="Equation" r:id="rId4" imgW="304560" imgH="139680" progId="Equation.DSMT4">
                   <p:embed/>
                 </p:oleObj>
               </mc:Choice>
@@ -11650,7 +12958,7 @@
           <a:graphicData uri="http://schemas.openxmlformats.org/presentationml/2006/ole">
             <mc:AlternateContent xmlns:mc="http://schemas.openxmlformats.org/markup-compatibility/2006">
               <mc:Choice xmlns:v="urn:schemas-microsoft-com:vml" Requires="v">
-                <p:oleObj spid="_x0000_s7270" name="Equation" r:id="rId6" imgW="304560" imgH="139680" progId="Equation.DSMT4">
+                <p:oleObj spid="_x0000_s7298" name="Equation" r:id="rId6" imgW="304560" imgH="139680" progId="Equation.DSMT4">
                   <p:embed/>
                 </p:oleObj>
               </mc:Choice>
@@ -11957,7 +13265,7 @@
 </p:sld>
 </file>
 
-<file path=ppt/slides/slide2.xml><?xml version="1.0" encoding="utf-8"?>
+<file path=ppt/slides/slide21.xml><?xml version="1.0" encoding="utf-8"?>
 <p:sld xmlns:a="http://schemas.openxmlformats.org/drawingml/2006/main" xmlns:r="http://schemas.openxmlformats.org/officeDocument/2006/relationships" xmlns:p="http://schemas.openxmlformats.org/presentationml/2006/main">
   <p:cSld>
     <p:spTree>
@@ -11976,374 +13284,6 @@
       </p:grpSpPr>
       <p:sp>
         <p:nvSpPr>
-          <p:cNvPr id="1029" name="Slide Number Placeholder 3"/>
-          <p:cNvSpPr>
-            <a:spLocks noGrp="1"/>
-          </p:cNvSpPr>
-          <p:nvPr>
-            <p:ph type="sldNum" sz="quarter" idx="10"/>
-          </p:nvPr>
-        </p:nvSpPr>
-        <p:spPr>
-          <a:xfrm>
-            <a:off x="7693739" y="6553200"/>
-            <a:ext cx="1450262" cy="307777"/>
-          </a:xfrm>
-          <a:noFill/>
-        </p:spPr>
-        <p:txBody>
-          <a:bodyPr/>
-          <a:lstStyle/>
-          <a:p>
-            <a:r>
-              <a:rPr lang="en-US" dirty="0" smtClean="0"/>
-              <a:t>      </a:t>
-            </a:r>
-            <a:r>
-              <a:rPr lang="en-US" sz="1200" dirty="0" smtClean="0"/>
-              <a:t>proof-intro.</a:t>
-            </a:r>
-            <a:fld id="{927A8356-297C-42F1-B0D2-25D25A26288A}" type="slidenum">
-              <a:rPr lang="en-US" sz="1200" smtClean="0"/>
-              <a:pPr/>
-              <a:t>2</a:t>
-            </a:fld>
-            <a:endParaRPr lang="en-US" sz="1200" dirty="0" smtClean="0"/>
-          </a:p>
-        </p:txBody>
-      </p:sp>
-      <p:sp>
-        <p:nvSpPr>
-          <p:cNvPr id="1030" name="Rectangle 2"/>
-          <p:cNvSpPr>
-            <a:spLocks noGrp="1" noChangeArrowheads="1"/>
-          </p:cNvSpPr>
-          <p:nvPr>
-            <p:ph type="ctrTitle"/>
-          </p:nvPr>
-        </p:nvSpPr>
-        <p:spPr>
-          <a:xfrm>
-            <a:off x="1143000" y="304800"/>
-            <a:ext cx="8001000" cy="1219200"/>
-          </a:xfrm>
-        </p:spPr>
-        <p:txBody>
-          <a:bodyPr/>
-          <a:lstStyle/>
-          <a:p>
-            <a:pPr algn="ctr" eaLnBrk="1" hangingPunct="1"/>
-            <a:r>
-              <a:rPr lang="en-US" sz="3200" i="1" dirty="0" smtClean="0"/>
-              <a:t>Mathematics for Computer Science</a:t>
-            </a:r>
-            <a:r>
-              <a:rPr lang="en-US" i="1" dirty="0" smtClean="0"/>
-              <a:t/>
-            </a:r>
-            <a:br>
-              <a:rPr lang="en-US" i="1" dirty="0" smtClean="0"/>
-            </a:br>
-            <a:r>
-              <a:rPr lang="en-US" sz="3200" dirty="0" smtClean="0">
-                <a:solidFill>
-                  <a:srgbClr val="137117"/>
-                </a:solidFill>
-              </a:rPr>
-              <a:t>6.042J/18.062J</a:t>
-            </a:r>
-            <a:endParaRPr lang="en-US" sz="2800" dirty="0" smtClean="0">
-              <a:solidFill>
-                <a:srgbClr val="008380"/>
-              </a:solidFill>
-            </a:endParaRPr>
-          </a:p>
-        </p:txBody>
-      </p:sp>
-      <p:sp>
-        <p:nvSpPr>
-          <p:cNvPr id="13" name="Rectangle 3"/>
-          <p:cNvSpPr>
-            <a:spLocks noGrp="1" noChangeArrowheads="1"/>
-          </p:cNvSpPr>
-          <p:nvPr>
-            <p:ph type="subTitle" idx="1"/>
-          </p:nvPr>
-        </p:nvSpPr>
-        <p:spPr>
-          <a:xfrm>
-            <a:off x="-1" y="1398579"/>
-            <a:ext cx="9203267" cy="5459412"/>
-          </a:xfrm>
-        </p:spPr>
-        <p:txBody>
-          <a:bodyPr/>
-          <a:lstStyle/>
-          <a:p>
-            <a:pPr eaLnBrk="1" hangingPunct="1">
-              <a:defRPr/>
-            </a:pPr>
-            <a:r>
-              <a:rPr lang="en-US" sz="2400" b="1" u="sng" dirty="0">
-                <a:solidFill>
-                  <a:srgbClr val="A0106D"/>
-                </a:solidFill>
-                <a:latin typeface="Courier New" pitchFamily="49" charset="0"/>
-                <a:cs typeface="Courier New" pitchFamily="49" charset="0"/>
-              </a:rPr>
-              <a:t>https://</a:t>
-            </a:r>
-            <a:r>
-              <a:rPr lang="en-US" sz="2400" b="1" u="sng" dirty="0" err="1">
-                <a:solidFill>
-                  <a:srgbClr val="A0106D"/>
-                </a:solidFill>
-                <a:latin typeface="Courier New" pitchFamily="49" charset="0"/>
-                <a:cs typeface="Courier New" pitchFamily="49" charset="0"/>
-              </a:rPr>
-              <a:t>stellar.mit.edu</a:t>
-            </a:r>
-            <a:r>
-              <a:rPr lang="en-US" sz="2400" b="1" u="sng" dirty="0">
-                <a:solidFill>
-                  <a:srgbClr val="A0106D"/>
-                </a:solidFill>
-                <a:latin typeface="Courier New" pitchFamily="49" charset="0"/>
-                <a:cs typeface="Courier New" pitchFamily="49" charset="0"/>
-              </a:rPr>
-              <a:t>/S/course/6/sp14/6.042/</a:t>
-            </a:r>
-            <a:r>
-              <a:rPr lang="en-US" sz="6000" dirty="0" smtClean="0">
-                <a:solidFill>
-                  <a:srgbClr val="0D05A7"/>
-                </a:solidFill>
-              </a:rPr>
-              <a:t>WELCOME</a:t>
-            </a:r>
-            <a:r>
-              <a:rPr lang="en-US" sz="6000" dirty="0" smtClean="0">
-                <a:solidFill>
-                  <a:srgbClr val="0D05A7"/>
-                </a:solidFill>
-              </a:rPr>
-              <a:t>!</a:t>
-            </a:r>
-          </a:p>
-          <a:p>
-            <a:pPr eaLnBrk="1" hangingPunct="1">
-              <a:defRPr/>
-            </a:pPr>
-            <a:r>
-              <a:rPr lang="en-US" sz="6000" b="1" dirty="0" smtClean="0"/>
-              <a:t>Prof. Albert R Meyer*</a:t>
-            </a:r>
-          </a:p>
-          <a:p>
-            <a:pPr eaLnBrk="1" hangingPunct="1">
-              <a:defRPr/>
-            </a:pPr>
-            <a:r>
-              <a:rPr lang="en-US" sz="6000" b="1" dirty="0" smtClean="0"/>
-              <a:t>*me</a:t>
-            </a:r>
-          </a:p>
-          <a:p>
-            <a:pPr eaLnBrk="1" hangingPunct="1">
-              <a:defRPr/>
-            </a:pPr>
-            <a:endParaRPr lang="en-US" b="1" u="sng" dirty="0" smtClean="0">
-              <a:solidFill>
-                <a:srgbClr val="A0106D"/>
-              </a:solidFill>
-              <a:latin typeface="Courier New" pitchFamily="49" charset="0"/>
-              <a:cs typeface="Courier New" pitchFamily="49" charset="0"/>
-            </a:endParaRPr>
-          </a:p>
-        </p:txBody>
-      </p:sp>
-      <p:graphicFrame>
-        <p:nvGraphicFramePr>
-          <p:cNvPr id="1027" name="Object 5"/>
-          <p:cNvGraphicFramePr>
-            <a:graphicFrameLocks noChangeAspect="1"/>
-          </p:cNvGraphicFramePr>
-          <p:nvPr/>
-        </p:nvGraphicFramePr>
-        <p:xfrm>
-          <a:off x="4114800" y="3321050"/>
-          <a:ext cx="914400" cy="215900"/>
-        </p:xfrm>
-        <a:graphic>
-          <a:graphicData uri="http://schemas.openxmlformats.org/presentationml/2006/ole">
-            <mc:AlternateContent xmlns:mc="http://schemas.openxmlformats.org/markup-compatibility/2006">
-              <mc:Choice xmlns:v="urn:schemas-microsoft-com:vml" Requires="v">
-                <p:oleObj spid="_x0000_s194619" name="Equation" r:id="rId4" imgW="914400" imgH="215640" progId="Equation.3">
-                  <p:embed/>
-                </p:oleObj>
-              </mc:Choice>
-              <mc:Fallback>
-                <p:oleObj name="Equation" r:id="rId4" imgW="914400" imgH="215640" progId="Equation.3">
-                  <p:embed/>
-                  <p:pic>
-                    <p:nvPicPr>
-                      <p:cNvPr id="0" name=""/>
-                      <p:cNvPicPr>
-                        <a:picLocks noChangeAspect="1" noChangeArrowheads="1"/>
-                      </p:cNvPicPr>
-                      <p:nvPr/>
-                    </p:nvPicPr>
-                    <p:blipFill>
-                      <a:blip r:embed="rId5">
-                        <a:extLst>
-                          <a:ext uri="{28A0092B-C50C-407E-A947-70E740481C1C}">
-                            <a14:useLocalDpi xmlns:a14="http://schemas.microsoft.com/office/drawing/2010/main" val="0"/>
-                          </a:ext>
-                        </a:extLst>
-                      </a:blip>
-                      <a:srcRect/>
-                      <a:stretch>
-                        <a:fillRect/>
-                      </a:stretch>
-                    </p:blipFill>
-                    <p:spPr bwMode="auto">
-                      <a:xfrm>
-                        <a:off x="4114800" y="3321050"/>
-                        <a:ext cx="914400" cy="215900"/>
-                      </a:xfrm>
-                      <a:prstGeom prst="rect">
-                        <a:avLst/>
-                      </a:prstGeom>
-                      <a:noFill/>
-                      <a:extLst>
-                        <a:ext uri="{909E8E84-426E-40dd-AFC4-6F175D3DCCD1}">
-                          <a14:hiddenFill xmlns:a14="http://schemas.microsoft.com/office/drawing/2010/main">
-                            <a:solidFill>
-                              <a:srgbClr val="FFFFFF"/>
-                            </a:solidFill>
-                          </a14:hiddenFill>
-                        </a:ext>
-                      </a:extLst>
-                    </p:spPr>
-                  </p:pic>
-                </p:oleObj>
-              </mc:Fallback>
-            </mc:AlternateContent>
-          </a:graphicData>
-        </a:graphic>
-      </p:graphicFrame>
-      <p:graphicFrame>
-        <p:nvGraphicFramePr>
-          <p:cNvPr id="1028" name="Object 6"/>
-          <p:cNvGraphicFramePr>
-            <a:graphicFrameLocks noChangeAspect="1"/>
-          </p:cNvGraphicFramePr>
-          <p:nvPr/>
-        </p:nvGraphicFramePr>
-        <p:xfrm>
-          <a:off x="4114800" y="3321050"/>
-          <a:ext cx="914400" cy="215900"/>
-        </p:xfrm>
-        <a:graphic>
-          <a:graphicData uri="http://schemas.openxmlformats.org/presentationml/2006/ole">
-            <mc:AlternateContent xmlns:mc="http://schemas.openxmlformats.org/markup-compatibility/2006">
-              <mc:Choice xmlns:v="urn:schemas-microsoft-com:vml" Requires="v">
-                <p:oleObj spid="_x0000_s194620" name="Equation" r:id="rId6" imgW="914400" imgH="215640" progId="Equation.3">
-                  <p:embed/>
-                </p:oleObj>
-              </mc:Choice>
-              <mc:Fallback>
-                <p:oleObj name="Equation" r:id="rId6" imgW="914400" imgH="215640" progId="Equation.3">
-                  <p:embed/>
-                  <p:pic>
-                    <p:nvPicPr>
-                      <p:cNvPr id="0" name=""/>
-                      <p:cNvPicPr>
-                        <a:picLocks noChangeAspect="1" noChangeArrowheads="1"/>
-                      </p:cNvPicPr>
-                      <p:nvPr/>
-                    </p:nvPicPr>
-                    <p:blipFill>
-                      <a:blip r:embed="rId5">
-                        <a:extLst>
-                          <a:ext uri="{28A0092B-C50C-407E-A947-70E740481C1C}">
-                            <a14:useLocalDpi xmlns:a14="http://schemas.microsoft.com/office/drawing/2010/main" val="0"/>
-                          </a:ext>
-                        </a:extLst>
-                      </a:blip>
-                      <a:srcRect/>
-                      <a:stretch>
-                        <a:fillRect/>
-                      </a:stretch>
-                    </p:blipFill>
-                    <p:spPr bwMode="auto">
-                      <a:xfrm>
-                        <a:off x="4114800" y="3321050"/>
-                        <a:ext cx="914400" cy="215900"/>
-                      </a:xfrm>
-                      <a:prstGeom prst="rect">
-                        <a:avLst/>
-                      </a:prstGeom>
-                      <a:noFill/>
-                      <a:extLst>
-                        <a:ext uri="{909E8E84-426E-40dd-AFC4-6F175D3DCCD1}">
-                          <a14:hiddenFill xmlns:a14="http://schemas.microsoft.com/office/drawing/2010/main">
-                            <a:solidFill>
-                              <a:srgbClr val="FFFFFF"/>
-                            </a:solidFill>
-                          </a14:hiddenFill>
-                        </a:ext>
-                      </a:extLst>
-                    </p:spPr>
-                  </p:pic>
-                </p:oleObj>
-              </mc:Fallback>
-            </mc:AlternateContent>
-          </a:graphicData>
-        </a:graphic>
-      </p:graphicFrame>
-    </p:spTree>
-    <p:extLst>
-      <p:ext uri="{BB962C8B-B14F-4D97-AF65-F5344CB8AC3E}">
-        <p14:creationId xmlns:p14="http://schemas.microsoft.com/office/powerpoint/2010/main" val="1108472956"/>
-      </p:ext>
-    </p:extLst>
-  </p:cSld>
-  <p:clrMapOvr>
-    <a:masterClrMapping/>
-  </p:clrMapOvr>
-  <p:transition xmlns:p14="http://schemas.microsoft.com/office/powerpoint/2010/main" spd="slow" advClick="0">
-    <p:fade/>
-  </p:transition>
-  <p:timing>
-    <p:tnLst>
-      <p:par>
-        <p:cTn xmlns:p14="http://schemas.microsoft.com/office/powerpoint/2010/main" id="1" dur="indefinite" restart="never" nodeType="tmRoot"/>
-      </p:par>
-    </p:tnLst>
-  </p:timing>
-</p:sld>
-</file>
-
-<file path=ppt/slides/slide20.xml><?xml version="1.0" encoding="utf-8"?>
-<p:sld xmlns:a="http://schemas.openxmlformats.org/drawingml/2006/main" xmlns:r="http://schemas.openxmlformats.org/officeDocument/2006/relationships" xmlns:p="http://schemas.openxmlformats.org/presentationml/2006/main">
-  <p:cSld>
-    <p:spTree>
-      <p:nvGrpSpPr>
-        <p:cNvPr id="1" name=""/>
-        <p:cNvGrpSpPr/>
-        <p:nvPr/>
-      </p:nvGrpSpPr>
-      <p:grpSpPr>
-        <a:xfrm>
-          <a:off x="0" y="0"/>
-          <a:ext cx="0" cy="0"/>
-          <a:chOff x="0" y="0"/>
-          <a:chExt cx="0" cy="0"/>
-        </a:xfrm>
-      </p:grpSpPr>
-      <p:sp>
-        <p:nvSpPr>
           <p:cNvPr id="8196" name="Slide Number Placeholder 3"/>
           <p:cNvSpPr>
             <a:spLocks noGrp="1"/>
@@ -12374,7 +13314,7 @@
             <a:fld id="{90D7F182-AFDA-4334-AFA0-35192557D391}" type="slidenum">
               <a:rPr lang="en-US" sz="1200" smtClean="0"/>
               <a:pPr/>
-              <a:t>20</a:t>
+              <a:t>21</a:t>
             </a:fld>
             <a:endParaRPr lang="en-US" sz="1200" dirty="0" smtClean="0"/>
           </a:p>
@@ -12419,7 +13359,7 @@
           <a:graphicData uri="http://schemas.openxmlformats.org/presentationml/2006/ole">
             <mc:AlternateContent xmlns:mc="http://schemas.openxmlformats.org/markup-compatibility/2006">
               <mc:Choice xmlns:v="urn:schemas-microsoft-com:vml" Requires="v">
-                <p:oleObj spid="_x0000_s209966" name="Equation" r:id="rId4" imgW="114120" imgH="177480" progId="Equation.DSMT4">
+                <p:oleObj spid="_x0000_s209994" name="Equation" r:id="rId4" imgW="114120" imgH="177480" progId="Equation.DSMT4">
                   <p:embed/>
                 </p:oleObj>
               </mc:Choice>
@@ -13024,7 +13964,7 @@
           <a:graphicData uri="http://schemas.openxmlformats.org/presentationml/2006/ole">
             <mc:AlternateContent xmlns:mc="http://schemas.openxmlformats.org/markup-compatibility/2006">
               <mc:Choice xmlns:v="urn:schemas-microsoft-com:vml" Requires="v">
-                <p:oleObj spid="_x0000_s209967" name="Equation" r:id="rId6" imgW="635000" imgH="469900" progId="Equation.DSMT4">
+                <p:oleObj spid="_x0000_s209995" name="Equation" r:id="rId6" imgW="635000" imgH="469900" progId="Equation.DSMT4">
                   <p:embed/>
                 </p:oleObj>
               </mc:Choice>
@@ -13158,7 +14098,7 @@
 </p:sld>
 </file>
 
-<file path=ppt/slides/slide21.xml><?xml version="1.0" encoding="utf-8"?>
+<file path=ppt/slides/slide22.xml><?xml version="1.0" encoding="utf-8"?>
 <p:sld xmlns:a="http://schemas.openxmlformats.org/drawingml/2006/main" xmlns:r="http://schemas.openxmlformats.org/officeDocument/2006/relationships" xmlns:p="http://schemas.openxmlformats.org/presentationml/2006/main">
   <p:cSld>
     <p:spTree>
@@ -13207,7 +14147,7 @@
             <a:fld id="{90D7F182-AFDA-4334-AFA0-35192557D391}" type="slidenum">
               <a:rPr lang="en-US" sz="1200" smtClean="0"/>
               <a:pPr/>
-              <a:t>21</a:t>
+              <a:t>22</a:t>
             </a:fld>
             <a:endParaRPr lang="en-US" sz="1200" dirty="0" smtClean="0"/>
           </a:p>
@@ -13252,7 +14192,7 @@
           <a:graphicData uri="http://schemas.openxmlformats.org/presentationml/2006/ole">
             <mc:AlternateContent xmlns:mc="http://schemas.openxmlformats.org/markup-compatibility/2006">
               <mc:Choice xmlns:v="urn:schemas-microsoft-com:vml" Requires="v">
-                <p:oleObj spid="_x0000_s187467" name="Equation" r:id="rId4" imgW="114120" imgH="177480" progId="Equation.DSMT4">
+                <p:oleObj spid="_x0000_s187495" name="Equation" r:id="rId4" imgW="114120" imgH="177480" progId="Equation.DSMT4">
                   <p:embed/>
                 </p:oleObj>
               </mc:Choice>
@@ -13931,7 +14871,7 @@
           <a:graphicData uri="http://schemas.openxmlformats.org/presentationml/2006/ole">
             <mc:AlternateContent xmlns:mc="http://schemas.openxmlformats.org/markup-compatibility/2006">
               <mc:Choice xmlns:v="urn:schemas-microsoft-com:vml" Requires="v">
-                <p:oleObj spid="_x0000_s187468" name="Equation" r:id="rId6" imgW="635000" imgH="444500" progId="Equation.DSMT4">
+                <p:oleObj spid="_x0000_s187496" name="Equation" r:id="rId6" imgW="635000" imgH="444500" progId="Equation.DSMT4">
                   <p:embed/>
                 </p:oleObj>
               </mc:Choice>
@@ -14000,7 +14940,7 @@
                             </p:stCondLst>
                             <p:childTnLst>
                               <p:par>
-                                <p:cTn id="5" presetID="9" presetClass="entr" presetSubtype="0" fill="hold" grpId="0" nodeType="clickEffect">
+                                <p:cTn id="5" presetID="22" presetClass="entr" presetSubtype="4" fill="hold" grpId="0" nodeType="clickEffect">
                                   <p:stCondLst>
                                     <p:cond delay="0"/>
                                   </p:stCondLst>
@@ -14013,7 +14953,7 @@
                                           </p:stCondLst>
                                         </p:cTn>
                                         <p:tgtEl>
-                                          <p:spTgt spid="8208"/>
+                                          <p:spTgt spid="8209"/>
                                         </p:tgtEl>
                                         <p:attrNameLst>
                                           <p:attrName>style.visibility</p:attrName>
@@ -14023,11 +14963,11 @@
                                         <p:strVal val="visible"/>
                                       </p:to>
                                     </p:set>
-                                    <p:animEffect transition="in" filter="dissolve">
+                                    <p:animEffect transition="in" filter="wipe(down)">
                                       <p:cBhvr>
                                         <p:cTn id="7" dur="500"/>
                                         <p:tgtEl>
-                                          <p:spTgt spid="8208"/>
+                                          <p:spTgt spid="8209"/>
                                         </p:tgtEl>
                                       </p:cBhvr>
                                     </p:animEffect>
@@ -14053,7 +14993,7 @@
                             </p:stCondLst>
                             <p:childTnLst>
                               <p:par>
-                                <p:cTn id="10" presetID="22" presetClass="entr" presetSubtype="4" fill="hold" grpId="0" nodeType="clickEffect">
+                                <p:cTn id="10" presetID="9" presetClass="entr" presetSubtype="0" fill="hold" grpId="0" nodeType="clickEffect">
                                   <p:stCondLst>
                                     <p:cond delay="0"/>
                                   </p:stCondLst>
@@ -14066,7 +15006,7 @@
                                           </p:stCondLst>
                                         </p:cTn>
                                         <p:tgtEl>
-                                          <p:spTgt spid="8209"/>
+                                          <p:spTgt spid="8208"/>
                                         </p:tgtEl>
                                         <p:attrNameLst>
                                           <p:attrName>style.visibility</p:attrName>
@@ -14076,11 +15016,11 @@
                                         <p:strVal val="visible"/>
                                       </p:to>
                                     </p:set>
-                                    <p:animEffect transition="in" filter="wipe(down)">
+                                    <p:animEffect transition="in" filter="dissolve">
                                       <p:cBhvr>
                                         <p:cTn id="12" dur="500"/>
                                         <p:tgtEl>
-                                          <p:spTgt spid="8209"/>
+                                          <p:spTgt spid="8208"/>
                                         </p:tgtEl>
                                       </p:cBhvr>
                                     </p:animEffect>
@@ -14122,7 +15062,7 @@
 </p:sld>
 </file>
 
-<file path=ppt/slides/slide22.xml><?xml version="1.0" encoding="utf-8"?>
+<file path=ppt/slides/slide23.xml><?xml version="1.0" encoding="utf-8"?>
 <p:sld xmlns:a="http://schemas.openxmlformats.org/drawingml/2006/main" xmlns:r="http://schemas.openxmlformats.org/officeDocument/2006/relationships" xmlns:p="http://schemas.openxmlformats.org/presentationml/2006/main">
   <p:cSld>
     <p:spTree>
@@ -14167,7 +15107,7 @@
             <a:fld id="{50ABE7CE-A50A-4B65-8A8D-397E169FFA68}" type="slidenum">
               <a:rPr lang="en-US" sz="1200" smtClean="0"/>
               <a:pPr/>
-              <a:t>22</a:t>
+              <a:t>23</a:t>
             </a:fld>
             <a:endParaRPr lang="en-US" sz="1200" dirty="0" smtClean="0"/>
           </a:p>
@@ -16258,7 +17198,7 @@
 </p:sld>
 </file>
 
-<file path=ppt/slides/slide23.xml><?xml version="1.0" encoding="utf-8"?>
+<file path=ppt/slides/slide24.xml><?xml version="1.0" encoding="utf-8"?>
 <p:sld xmlns:a="http://schemas.openxmlformats.org/drawingml/2006/main" xmlns:r="http://schemas.openxmlformats.org/officeDocument/2006/relationships" xmlns:p="http://schemas.openxmlformats.org/presentationml/2006/main">
   <p:cSld>
     <p:spTree>
@@ -16303,7 +17243,7 @@
             <a:fld id="{50ABE7CE-A50A-4B65-8A8D-397E169FFA68}" type="slidenum">
               <a:rPr lang="en-US" sz="1200" smtClean="0"/>
               <a:pPr/>
-              <a:t>23</a:t>
+              <a:t>24</a:t>
             </a:fld>
             <a:endParaRPr lang="en-US" sz="1200" dirty="0" smtClean="0"/>
           </a:p>
@@ -17929,7 +18869,7 @@
 </p:sld>
 </file>
 
-<file path=ppt/slides/slide24.xml><?xml version="1.0" encoding="utf-8"?>
+<file path=ppt/slides/slide25.xml><?xml version="1.0" encoding="utf-8"?>
 <p:sld xmlns:a="http://schemas.openxmlformats.org/drawingml/2006/main" xmlns:r="http://schemas.openxmlformats.org/officeDocument/2006/relationships" xmlns:p="http://schemas.openxmlformats.org/presentationml/2006/main">
   <p:cSld>
     <p:spTree>
@@ -17974,7 +18914,7 @@
             <a:fld id="{530F5DA7-E64F-4D07-8D9B-A445C7617EFD}" type="slidenum">
               <a:rPr lang="en-US" sz="1200" smtClean="0"/>
               <a:pPr/>
-              <a:t>24</a:t>
+              <a:t>25</a:t>
             </a:fld>
             <a:endParaRPr lang="en-US" sz="1200" dirty="0" smtClean="0"/>
           </a:p>
@@ -18896,7 +19836,7 @@
 </p:sld>
 </file>
 
-<file path=ppt/slides/slide25.xml><?xml version="1.0" encoding="utf-8"?>
+<file path=ppt/slides/slide26.xml><?xml version="1.0" encoding="utf-8"?>
 <p:sld xmlns:a="http://schemas.openxmlformats.org/drawingml/2006/main" xmlns:r="http://schemas.openxmlformats.org/officeDocument/2006/relationships" xmlns:p="http://schemas.openxmlformats.org/presentationml/2006/main">
   <p:cSld>
     <p:spTree>
@@ -18945,7 +19885,7 @@
             <a:fld id="{12CF27A8-2E27-47D3-89F5-30D5C89B3807}" type="slidenum">
               <a:rPr lang="en-US" sz="1200" smtClean="0"/>
               <a:pPr/>
-              <a:t>25</a:t>
+              <a:t>26</a:t>
             </a:fld>
             <a:endParaRPr lang="en-US" sz="1200" dirty="0" smtClean="0"/>
           </a:p>
@@ -19121,7 +20061,7 @@
           <a:graphicData uri="http://schemas.openxmlformats.org/presentationml/2006/ole">
             <mc:AlternateContent xmlns:mc="http://schemas.openxmlformats.org/markup-compatibility/2006">
               <mc:Choice xmlns:v="urn:schemas-microsoft-com:vml" Requires="v">
-                <p:oleObj spid="_x0000_s9365" name="Equation" r:id="rId4" imgW="1270000" imgH="457200" progId="Equation.DSMT4">
+                <p:oleObj spid="_x0000_s9405" name="Equation" r:id="rId4" imgW="1270000" imgH="457200" progId="Equation.DSMT4">
                   <p:embed/>
                 </p:oleObj>
               </mc:Choice>
@@ -19216,7 +20156,7 @@
           <a:graphicData uri="http://schemas.openxmlformats.org/presentationml/2006/ole">
             <mc:AlternateContent xmlns:mc="http://schemas.openxmlformats.org/markup-compatibility/2006">
               <mc:Choice xmlns:v="urn:schemas-microsoft-com:vml" Requires="v">
-                <p:oleObj spid="_x0000_s9366" name="Equation" r:id="rId6" imgW="1270000" imgH="457200" progId="Equation.DSMT4">
+                <p:oleObj spid="_x0000_s9406" name="Equation" r:id="rId6" imgW="1270000" imgH="457200" progId="Equation.DSMT4">
                   <p:embed/>
                 </p:oleObj>
               </mc:Choice>
@@ -19383,7 +20323,7 @@
           <a:graphicData uri="http://schemas.openxmlformats.org/presentationml/2006/ole">
             <mc:AlternateContent xmlns:mc="http://schemas.openxmlformats.org/markup-compatibility/2006">
               <mc:Choice xmlns:v="urn:schemas-microsoft-com:vml" Requires="v">
-                <p:oleObj spid="_x0000_s9367" name="Equation" r:id="rId8" imgW="774360" imgH="203040" progId="Equation.DSMT4">
+                <p:oleObj spid="_x0000_s9407" name="Equation" r:id="rId8" imgW="774360" imgH="203040" progId="Equation.DSMT4">
                   <p:embed/>
                 </p:oleObj>
               </mc:Choice>
@@ -19701,7 +20641,7 @@
 </p:sld>
 </file>
 
-<file path=ppt/slides/slide26.xml><?xml version="1.0" encoding="utf-8"?>
+<file path=ppt/slides/slide27.xml><?xml version="1.0" encoding="utf-8"?>
 <p:sld xmlns:a="http://schemas.openxmlformats.org/drawingml/2006/main" xmlns:r="http://schemas.openxmlformats.org/officeDocument/2006/relationships" xmlns:p="http://schemas.openxmlformats.org/presentationml/2006/main">
   <p:cSld>
     <p:spTree>
@@ -19750,7 +20690,7 @@
             <a:fld id="{E92C81C8-F27D-4AE4-B619-67321854E34B}" type="slidenum">
               <a:rPr lang="en-US" sz="1200" smtClean="0"/>
               <a:pPr/>
-              <a:t>26</a:t>
+              <a:t>27</a:t>
             </a:fld>
             <a:endParaRPr lang="en-US" sz="1200" dirty="0" smtClean="0"/>
           </a:p>
@@ -19975,7 +20915,7 @@
             <a:graphicData uri="http://schemas.openxmlformats.org/presentationml/2006/ole">
               <mc:AlternateContent xmlns:mc="http://schemas.openxmlformats.org/markup-compatibility/2006">
                 <mc:Choice xmlns:v="urn:schemas-microsoft-com:vml" Requires="v">
-                  <p:oleObj spid="_x0000_s10343" name="Equation" r:id="rId4" imgW="774360" imgH="203040" progId="Equation.DSMT4">
+                  <p:oleObj spid="_x0000_s10371" name="Equation" r:id="rId4" imgW="774360" imgH="203040" progId="Equation.DSMT4">
                     <p:embed/>
                   </p:oleObj>
                 </mc:Choice>
@@ -20140,7 +21080,7 @@
             <a:graphicData uri="http://schemas.openxmlformats.org/presentationml/2006/ole">
               <mc:AlternateContent xmlns:mc="http://schemas.openxmlformats.org/markup-compatibility/2006">
                 <mc:Choice xmlns:v="urn:schemas-microsoft-com:vml" Requires="v">
-                  <p:oleObj spid="_x0000_s10344" name="Equation" r:id="rId6" imgW="736560" imgH="203040" progId="Equation.DSMT4">
+                  <p:oleObj spid="_x0000_s10372" name="Equation" r:id="rId6" imgW="736560" imgH="203040" progId="Equation.DSMT4">
                     <p:embed/>
                   </p:oleObj>
                 </mc:Choice>
@@ -20467,7 +21407,7 @@
 </p:sld>
 </file>
 
-<file path=ppt/slides/slide27.xml><?xml version="1.0" encoding="utf-8"?>
+<file path=ppt/slides/slide28.xml><?xml version="1.0" encoding="utf-8"?>
 <p:sld xmlns:a="http://schemas.openxmlformats.org/drawingml/2006/main" xmlns:r="http://schemas.openxmlformats.org/officeDocument/2006/relationships" xmlns:p="http://schemas.openxmlformats.org/presentationml/2006/main">
   <p:cSld>
     <p:spTree>
@@ -20516,7 +21456,7 @@
             <a:fld id="{6F847A86-0EF0-4A1A-87B4-C860551EA508}" type="slidenum">
               <a:rPr lang="en-US" sz="1200" smtClean="0"/>
               <a:pPr/>
-              <a:t>27</a:t>
+              <a:t>28</a:t>
             </a:fld>
             <a:endParaRPr lang="en-US" sz="1200" dirty="0" smtClean="0"/>
           </a:p>
@@ -20966,7 +21906,7 @@
           <a:graphicData uri="http://schemas.openxmlformats.org/presentationml/2006/ole">
             <mc:AlternateContent xmlns:mc="http://schemas.openxmlformats.org/markup-compatibility/2006">
               <mc:Choice xmlns:v="urn:schemas-microsoft-com:vml" Requires="v">
-                <p:oleObj spid="_x0000_s11369" name="Equation" r:id="rId4" imgW="114120" imgH="177480" progId="Equation.DSMT4">
+                <p:oleObj spid="_x0000_s11397" name="Equation" r:id="rId4" imgW="114120" imgH="177480" progId="Equation.DSMT4">
                   <p:embed/>
                 </p:oleObj>
               </mc:Choice>
@@ -21036,7 +21976,7 @@
           <a:graphicData uri="http://schemas.openxmlformats.org/presentationml/2006/ole">
             <mc:AlternateContent xmlns:mc="http://schemas.openxmlformats.org/markup-compatibility/2006">
               <mc:Choice xmlns:v="urn:schemas-microsoft-com:vml" Requires="v">
-                <p:oleObj spid="_x0000_s11370" name="Equation" r:id="rId6" imgW="114120" imgH="177480" progId="Equation.DSMT4">
+                <p:oleObj spid="_x0000_s11398" name="Equation" r:id="rId6" imgW="114120" imgH="177480" progId="Equation.DSMT4">
                   <p:embed/>
                 </p:oleObj>
               </mc:Choice>
@@ -21314,7 +22254,7 @@
 </p:sld>
 </file>
 
-<file path=ppt/slides/slide28.xml><?xml version="1.0" encoding="utf-8"?>
+<file path=ppt/slides/slide29.xml><?xml version="1.0" encoding="utf-8"?>
 <p:sld xmlns:a="http://schemas.openxmlformats.org/drawingml/2006/main" xmlns:r="http://schemas.openxmlformats.org/officeDocument/2006/relationships" xmlns:p="http://schemas.openxmlformats.org/presentationml/2006/main">
   <p:cSld>
     <p:spTree>
@@ -21363,7 +22303,7 @@
             <a:fld id="{D06E24C3-47EC-4B6B-B7C6-E5F18597FBA4}" type="slidenum">
               <a:rPr lang="en-US" sz="1200" smtClean="0"/>
               <a:pPr/>
-              <a:t>28</a:t>
+              <a:t>29</a:t>
             </a:fld>
             <a:endParaRPr lang="en-US" sz="1200" dirty="0" smtClean="0"/>
           </a:p>
@@ -21801,7 +22741,7 @@
 </p:sld>
 </file>
 
-<file path=ppt/slides/slide29.xml><?xml version="1.0" encoding="utf-8"?>
+<file path=ppt/slides/slide3.xml><?xml version="1.0" encoding="utf-8"?>
 <p:sld xmlns:a="http://schemas.openxmlformats.org/drawingml/2006/main" xmlns:r="http://schemas.openxmlformats.org/officeDocument/2006/relationships" xmlns:p="http://schemas.openxmlformats.org/presentationml/2006/main">
   <p:cSld>
     <p:spTree>
@@ -21820,6 +22760,682 @@
       </p:grpSpPr>
       <p:sp>
         <p:nvSpPr>
+          <p:cNvPr id="5125" name="Slide Number Placeholder 3"/>
+          <p:cNvSpPr>
+            <a:spLocks noGrp="1"/>
+          </p:cNvSpPr>
+          <p:nvPr>
+            <p:ph type="sldNum" sz="quarter" idx="10"/>
+          </p:nvPr>
+        </p:nvSpPr>
+        <p:spPr>
+          <a:xfrm>
+            <a:off x="7693739" y="6553200"/>
+            <a:ext cx="1450262" cy="307777"/>
+          </a:xfrm>
+          <a:noFill/>
+        </p:spPr>
+        <p:txBody>
+          <a:bodyPr/>
+          <a:lstStyle/>
+          <a:p>
+            <a:r>
+              <a:rPr lang="en-US" dirty="0" smtClean="0"/>
+              <a:t>      </a:t>
+            </a:r>
+            <a:r>
+              <a:rPr lang="en-US" sz="1200" dirty="0" smtClean="0"/>
+              <a:t>proof-intro.</a:t>
+            </a:r>
+            <a:fld id="{75023C36-FE4D-4530-8B57-5C3563E819D6}" type="slidenum">
+              <a:rPr lang="en-US" sz="1200" smtClean="0"/>
+              <a:pPr/>
+              <a:t>3</a:t>
+            </a:fld>
+            <a:endParaRPr lang="en-US" sz="1200" dirty="0" smtClean="0"/>
+          </a:p>
+        </p:txBody>
+      </p:sp>
+      <p:graphicFrame>
+        <p:nvGraphicFramePr>
+          <p:cNvPr id="5123" name="Object 4"/>
+          <p:cNvGraphicFramePr>
+            <a:graphicFrameLocks noChangeAspect="1"/>
+          </p:cNvGraphicFramePr>
+          <p:nvPr/>
+        </p:nvGraphicFramePr>
+        <p:xfrm>
+          <a:off x="4114800" y="3321050"/>
+          <a:ext cx="914400" cy="215900"/>
+        </p:xfrm>
+        <a:graphic>
+          <a:graphicData uri="http://schemas.openxmlformats.org/presentationml/2006/ole">
+            <mc:AlternateContent xmlns:mc="http://schemas.openxmlformats.org/markup-compatibility/2006">
+              <mc:Choice xmlns:v="urn:schemas-microsoft-com:vml" Requires="v">
+                <p:oleObj spid="_x0000_s140425" name="Equation" r:id="rId4" imgW="914400" imgH="215640" progId="Equation.3">
+                  <p:embed/>
+                </p:oleObj>
+              </mc:Choice>
+              <mc:Fallback>
+                <p:oleObj name="Equation" r:id="rId4" imgW="914400" imgH="215640" progId="Equation.3">
+                  <p:embed/>
+                  <p:pic>
+                    <p:nvPicPr>
+                      <p:cNvPr id="0" name="Object 4"/>
+                      <p:cNvPicPr>
+                        <a:picLocks noChangeAspect="1" noChangeArrowheads="1"/>
+                      </p:cNvPicPr>
+                      <p:nvPr/>
+                    </p:nvPicPr>
+                    <p:blipFill>
+                      <a:blip r:embed="rId5">
+                        <a:extLst>
+                          <a:ext uri="{28A0092B-C50C-407E-A947-70E740481C1C}">
+                            <a14:useLocalDpi xmlns:a14="http://schemas.microsoft.com/office/drawing/2010/main" val="0"/>
+                          </a:ext>
+                        </a:extLst>
+                      </a:blip>
+                      <a:srcRect/>
+                      <a:stretch>
+                        <a:fillRect/>
+                      </a:stretch>
+                    </p:blipFill>
+                    <p:spPr bwMode="auto">
+                      <a:xfrm>
+                        <a:off x="4114800" y="3321050"/>
+                        <a:ext cx="914400" cy="215900"/>
+                      </a:xfrm>
+                      <a:prstGeom prst="rect">
+                        <a:avLst/>
+                      </a:prstGeom>
+                      <a:noFill/>
+                      <a:extLst>
+                        <a:ext uri="{909E8E84-426E-40dd-AFC4-6F175D3DCCD1}">
+                          <a14:hiddenFill xmlns:a14="http://schemas.microsoft.com/office/drawing/2010/main">
+                            <a:solidFill>
+                              <a:srgbClr val="FFFFFF"/>
+                            </a:solidFill>
+                          </a14:hiddenFill>
+                        </a:ext>
+                      </a:extLst>
+                    </p:spPr>
+                  </p:pic>
+                </p:oleObj>
+              </mc:Fallback>
+            </mc:AlternateContent>
+          </a:graphicData>
+        </a:graphic>
+      </p:graphicFrame>
+      <p:graphicFrame>
+        <p:nvGraphicFramePr>
+          <p:cNvPr id="5124" name="Object 5"/>
+          <p:cNvGraphicFramePr>
+            <a:graphicFrameLocks noChangeAspect="1"/>
+          </p:cNvGraphicFramePr>
+          <p:nvPr/>
+        </p:nvGraphicFramePr>
+        <p:xfrm>
+          <a:off x="4114800" y="3321050"/>
+          <a:ext cx="914400" cy="215900"/>
+        </p:xfrm>
+        <a:graphic>
+          <a:graphicData uri="http://schemas.openxmlformats.org/presentationml/2006/ole">
+            <mc:AlternateContent xmlns:mc="http://schemas.openxmlformats.org/markup-compatibility/2006">
+              <mc:Choice xmlns:v="urn:schemas-microsoft-com:vml" Requires="v">
+                <p:oleObj spid="_x0000_s140426" name="Equation" r:id="rId6" imgW="914400" imgH="215640" progId="Equation.3">
+                  <p:embed/>
+                </p:oleObj>
+              </mc:Choice>
+              <mc:Fallback>
+                <p:oleObj name="Equation" r:id="rId6" imgW="914400" imgH="215640" progId="Equation.3">
+                  <p:embed/>
+                  <p:pic>
+                    <p:nvPicPr>
+                      <p:cNvPr id="0" name="Object 5"/>
+                      <p:cNvPicPr>
+                        <a:picLocks noChangeAspect="1" noChangeArrowheads="1"/>
+                      </p:cNvPicPr>
+                      <p:nvPr/>
+                    </p:nvPicPr>
+                    <p:blipFill>
+                      <a:blip r:embed="rId5">
+                        <a:extLst>
+                          <a:ext uri="{28A0092B-C50C-407E-A947-70E740481C1C}">
+                            <a14:useLocalDpi xmlns:a14="http://schemas.microsoft.com/office/drawing/2010/main" val="0"/>
+                          </a:ext>
+                        </a:extLst>
+                      </a:blip>
+                      <a:srcRect/>
+                      <a:stretch>
+                        <a:fillRect/>
+                      </a:stretch>
+                    </p:blipFill>
+                    <p:spPr bwMode="auto">
+                      <a:xfrm>
+                        <a:off x="4114800" y="3321050"/>
+                        <a:ext cx="914400" cy="215900"/>
+                      </a:xfrm>
+                      <a:prstGeom prst="rect">
+                        <a:avLst/>
+                      </a:prstGeom>
+                      <a:noFill/>
+                      <a:extLst>
+                        <a:ext uri="{909E8E84-426E-40dd-AFC4-6F175D3DCCD1}">
+                          <a14:hiddenFill xmlns:a14="http://schemas.microsoft.com/office/drawing/2010/main">
+                            <a:solidFill>
+                              <a:srgbClr val="FFFFFF"/>
+                            </a:solidFill>
+                          </a14:hiddenFill>
+                        </a:ext>
+                      </a:extLst>
+                    </p:spPr>
+                  </p:pic>
+                </p:oleObj>
+              </mc:Fallback>
+            </mc:AlternateContent>
+          </a:graphicData>
+        </a:graphic>
+      </p:graphicFrame>
+      <p:sp>
+        <p:nvSpPr>
+          <p:cNvPr id="5126" name="Text Box 6"/>
+          <p:cNvSpPr txBox="1">
+            <a:spLocks noChangeArrowheads="1"/>
+          </p:cNvSpPr>
+          <p:nvPr/>
+        </p:nvSpPr>
+        <p:spPr bwMode="auto">
+          <a:xfrm>
+            <a:off x="4251325" y="2457450"/>
+            <a:ext cx="184150" cy="579438"/>
+          </a:xfrm>
+          <a:prstGeom prst="rect">
+            <a:avLst/>
+          </a:prstGeom>
+          <a:noFill/>
+          <a:ln w="9525">
+            <a:noFill/>
+            <a:miter lim="800000"/>
+            <a:headEnd/>
+            <a:tailEnd type="none" w="lg" len="lg"/>
+          </a:ln>
+        </p:spPr>
+        <p:txBody>
+          <a:bodyPr wrap="none">
+            <a:spAutoFit/>
+          </a:bodyPr>
+          <a:lstStyle/>
+          <a:p>
+            <a:endParaRPr lang="en-US"/>
+          </a:p>
+        </p:txBody>
+      </p:sp>
+      <p:sp>
+        <p:nvSpPr>
+          <p:cNvPr id="5127" name="Rectangle 9"/>
+          <p:cNvSpPr>
+            <a:spLocks noGrp="1" noChangeArrowheads="1"/>
+          </p:cNvSpPr>
+          <p:nvPr>
+            <p:ph type="ctrTitle"/>
+          </p:nvPr>
+        </p:nvSpPr>
+        <p:spPr>
+          <a:xfrm>
+            <a:off x="1552575" y="277813"/>
+            <a:ext cx="6107113" cy="1154112"/>
+          </a:xfrm>
+          <a:noFill/>
+        </p:spPr>
+        <p:txBody>
+          <a:bodyPr/>
+          <a:lstStyle/>
+          <a:p>
+            <a:pPr eaLnBrk="1" hangingPunct="1"/>
+            <a:r>
+              <a:rPr lang="en-US" dirty="0" smtClean="0"/>
+              <a:t>Stellar Web site</a:t>
+            </a:r>
+          </a:p>
+        </p:txBody>
+      </p:sp>
+      <p:sp>
+        <p:nvSpPr>
+          <p:cNvPr id="5128" name="TextBox 8"/>
+          <p:cNvSpPr txBox="1">
+            <a:spLocks noChangeArrowheads="1"/>
+          </p:cNvSpPr>
+          <p:nvPr/>
+        </p:nvSpPr>
+        <p:spPr bwMode="auto">
+          <a:xfrm>
+            <a:off x="203200" y="1168400"/>
+            <a:ext cx="8826500" cy="4462760"/>
+          </a:xfrm>
+          <a:prstGeom prst="rect">
+            <a:avLst/>
+          </a:prstGeom>
+          <a:noFill/>
+          <a:ln w="9525">
+            <a:noFill/>
+            <a:miter lim="800000"/>
+            <a:headEnd/>
+            <a:tailEnd/>
+          </a:ln>
+        </p:spPr>
+        <p:txBody>
+          <a:bodyPr wrap="square">
+            <a:spAutoFit/>
+          </a:bodyPr>
+          <a:lstStyle/>
+          <a:p>
+            <a:pPr>
+              <a:defRPr/>
+            </a:pPr>
+            <a:r>
+              <a:rPr lang="en-US" sz="2400" b="1" u="sng" kern="0" dirty="0">
+                <a:solidFill>
+                  <a:srgbClr val="A0106D"/>
+                </a:solidFill>
+                <a:latin typeface="Courier New" pitchFamily="49" charset="0"/>
+                <a:cs typeface="Courier New" pitchFamily="49" charset="0"/>
+                <a:hlinkClick r:id="rId7"/>
+              </a:rPr>
+              <a:t>https://stellar.mit.edu/S/course/6/sp14/6.042/</a:t>
+            </a:r>
+            <a:r>
+              <a:rPr lang="en-US" sz="4400" dirty="0" smtClean="0">
+                <a:latin typeface="Comic Sans MS" pitchFamily="66" charset="0"/>
+              </a:rPr>
+              <a:t> </a:t>
+            </a:r>
+            <a:endParaRPr lang="en-US" sz="4400" dirty="0">
+              <a:latin typeface="Comic Sans MS" pitchFamily="66" charset="0"/>
+            </a:endParaRPr>
+          </a:p>
+          <a:p>
+            <a:pPr algn="l">
+              <a:buFont typeface="Arial" pitchFamily="34" charset="0"/>
+              <a:buChar char="•"/>
+              <a:defRPr/>
+            </a:pPr>
+            <a:r>
+              <a:rPr lang="en-US" sz="4400" dirty="0">
+                <a:solidFill>
+                  <a:srgbClr val="000000"/>
+                </a:solidFill>
+                <a:latin typeface="Comic Sans MS" pitchFamily="66" charset="0"/>
+              </a:rPr>
+              <a:t> </a:t>
+            </a:r>
+            <a:r>
+              <a:rPr lang="en-US" sz="6000" dirty="0">
+                <a:solidFill>
+                  <a:srgbClr val="000000"/>
+                </a:solidFill>
+                <a:latin typeface="Comic Sans MS" pitchFamily="66" charset="0"/>
+              </a:rPr>
+              <a:t> notes, handouts</a:t>
+            </a:r>
+          </a:p>
+          <a:p>
+            <a:pPr algn="l">
+              <a:buFont typeface="Arial" pitchFamily="34" charset="0"/>
+              <a:buChar char="•"/>
+              <a:defRPr/>
+            </a:pPr>
+            <a:r>
+              <a:rPr lang="en-US" sz="6000" dirty="0" smtClean="0">
+                <a:solidFill>
+                  <a:srgbClr val="000000"/>
+                </a:solidFill>
+                <a:latin typeface="Comic Sans MS" pitchFamily="66" charset="0"/>
+              </a:rPr>
+              <a:t> class calendar</a:t>
+            </a:r>
+            <a:endParaRPr lang="en-US" sz="4400" dirty="0"/>
+          </a:p>
+          <a:p>
+            <a:pPr algn="l">
+              <a:buFont typeface="Arial" pitchFamily="34" charset="0"/>
+              <a:buChar char="•"/>
+              <a:defRPr/>
+            </a:pPr>
+            <a:r>
+              <a:rPr lang="en-US" sz="6000" dirty="0" smtClean="0">
+                <a:solidFill>
+                  <a:srgbClr val="000000"/>
+                </a:solidFill>
+                <a:latin typeface="Comic Sans MS" pitchFamily="66" charset="0"/>
+              </a:rPr>
+              <a:t> course organization</a:t>
+            </a:r>
+          </a:p>
+          <a:p>
+            <a:pPr algn="l">
+              <a:buFont typeface="Arial" pitchFamily="34" charset="0"/>
+              <a:buChar char="•"/>
+              <a:defRPr/>
+            </a:pPr>
+            <a:r>
+              <a:rPr lang="en-US" sz="6000" dirty="0" smtClean="0">
+                <a:solidFill>
+                  <a:srgbClr val="000000"/>
+                </a:solidFill>
+                <a:latin typeface="Comic Sans MS" pitchFamily="66" charset="0"/>
+              </a:rPr>
+              <a:t> problem submission</a:t>
+            </a:r>
+          </a:p>
+        </p:txBody>
+      </p:sp>
+    </p:spTree>
+  </p:cSld>
+  <p:clrMapOvr>
+    <a:masterClrMapping/>
+  </p:clrMapOvr>
+  <p:transition xmlns:p14="http://schemas.microsoft.com/office/powerpoint/2010/main" spd="slow">
+    <p:fade/>
+  </p:transition>
+  <p:timing>
+    <p:tnLst>
+      <p:par>
+        <p:cTn xmlns:p14="http://schemas.microsoft.com/office/powerpoint/2010/main" id="1" dur="indefinite" restart="never" nodeType="tmRoot">
+          <p:childTnLst>
+            <p:seq concurrent="1" nextAc="seek">
+              <p:cTn id="2" dur="indefinite" nodeType="mainSeq">
+                <p:childTnLst>
+                  <p:par>
+                    <p:cTn id="3" fill="hold">
+                      <p:stCondLst>
+                        <p:cond delay="indefinite"/>
+                      </p:stCondLst>
+                      <p:childTnLst>
+                        <p:par>
+                          <p:cTn id="4" fill="hold">
+                            <p:stCondLst>
+                              <p:cond delay="0"/>
+                            </p:stCondLst>
+                            <p:childTnLst>
+                              <p:par>
+                                <p:cTn id="5" presetID="9" presetClass="entr" presetSubtype="0" fill="hold" grpId="0" nodeType="clickEffect">
+                                  <p:stCondLst>
+                                    <p:cond delay="0"/>
+                                  </p:stCondLst>
+                                  <p:childTnLst>
+                                    <p:set>
+                                      <p:cBhvr>
+                                        <p:cTn id="6" dur="1" fill="hold">
+                                          <p:stCondLst>
+                                            <p:cond delay="0"/>
+                                          </p:stCondLst>
+                                        </p:cTn>
+                                        <p:tgtEl>
+                                          <p:spTgt spid="5128">
+                                            <p:txEl>
+                                              <p:pRg st="1" end="1"/>
+                                            </p:txEl>
+                                          </p:spTgt>
+                                        </p:tgtEl>
+                                        <p:attrNameLst>
+                                          <p:attrName>style.visibility</p:attrName>
+                                        </p:attrNameLst>
+                                      </p:cBhvr>
+                                      <p:to>
+                                        <p:strVal val="visible"/>
+                                      </p:to>
+                                    </p:set>
+                                    <p:animEffect transition="in" filter="dissolve">
+                                      <p:cBhvr>
+                                        <p:cTn id="7" dur="500"/>
+                                        <p:tgtEl>
+                                          <p:spTgt spid="5128">
+                                            <p:txEl>
+                                              <p:pRg st="1" end="1"/>
+                                            </p:txEl>
+                                          </p:spTgt>
+                                        </p:tgtEl>
+                                      </p:cBhvr>
+                                    </p:animEffect>
+                                  </p:childTnLst>
+                                </p:cTn>
+                              </p:par>
+                            </p:childTnLst>
+                          </p:cTn>
+                        </p:par>
+                      </p:childTnLst>
+                    </p:cTn>
+                  </p:par>
+                  <p:par>
+                    <p:cTn id="8" fill="hold">
+                      <p:stCondLst>
+                        <p:cond delay="indefinite"/>
+                      </p:stCondLst>
+                      <p:childTnLst>
+                        <p:par>
+                          <p:cTn id="9" fill="hold">
+                            <p:stCondLst>
+                              <p:cond delay="0"/>
+                            </p:stCondLst>
+                            <p:childTnLst>
+                              <p:par>
+                                <p:cTn id="10" presetID="9" presetClass="entr" presetSubtype="0" fill="hold" grpId="0" nodeType="clickEffect">
+                                  <p:stCondLst>
+                                    <p:cond delay="0"/>
+                                  </p:stCondLst>
+                                  <p:childTnLst>
+                                    <p:set>
+                                      <p:cBhvr>
+                                        <p:cTn id="11" dur="1" fill="hold">
+                                          <p:stCondLst>
+                                            <p:cond delay="0"/>
+                                          </p:stCondLst>
+                                        </p:cTn>
+                                        <p:tgtEl>
+                                          <p:spTgt spid="5128">
+                                            <p:txEl>
+                                              <p:pRg st="2" end="2"/>
+                                            </p:txEl>
+                                          </p:spTgt>
+                                        </p:tgtEl>
+                                        <p:attrNameLst>
+                                          <p:attrName>style.visibility</p:attrName>
+                                        </p:attrNameLst>
+                                      </p:cBhvr>
+                                      <p:to>
+                                        <p:strVal val="visible"/>
+                                      </p:to>
+                                    </p:set>
+                                    <p:animEffect transition="in" filter="dissolve">
+                                      <p:cBhvr>
+                                        <p:cTn id="12" dur="500"/>
+                                        <p:tgtEl>
+                                          <p:spTgt spid="5128">
+                                            <p:txEl>
+                                              <p:pRg st="2" end="2"/>
+                                            </p:txEl>
+                                          </p:spTgt>
+                                        </p:tgtEl>
+                                      </p:cBhvr>
+                                    </p:animEffect>
+                                  </p:childTnLst>
+                                </p:cTn>
+                              </p:par>
+                            </p:childTnLst>
+                          </p:cTn>
+                        </p:par>
+                      </p:childTnLst>
+                    </p:cTn>
+                  </p:par>
+                  <p:par>
+                    <p:cTn id="13" fill="hold">
+                      <p:stCondLst>
+                        <p:cond delay="indefinite"/>
+                      </p:stCondLst>
+                      <p:childTnLst>
+                        <p:par>
+                          <p:cTn id="14" fill="hold">
+                            <p:stCondLst>
+                              <p:cond delay="0"/>
+                            </p:stCondLst>
+                            <p:childTnLst>
+                              <p:par>
+                                <p:cTn id="15" presetID="9" presetClass="entr" presetSubtype="0" fill="hold" grpId="0" nodeType="clickEffect">
+                                  <p:stCondLst>
+                                    <p:cond delay="0"/>
+                                  </p:stCondLst>
+                                  <p:childTnLst>
+                                    <p:set>
+                                      <p:cBhvr>
+                                        <p:cTn id="16" dur="1" fill="hold">
+                                          <p:stCondLst>
+                                            <p:cond delay="0"/>
+                                          </p:stCondLst>
+                                        </p:cTn>
+                                        <p:tgtEl>
+                                          <p:spTgt spid="5128">
+                                            <p:txEl>
+                                              <p:pRg st="3" end="3"/>
+                                            </p:txEl>
+                                          </p:spTgt>
+                                        </p:tgtEl>
+                                        <p:attrNameLst>
+                                          <p:attrName>style.visibility</p:attrName>
+                                        </p:attrNameLst>
+                                      </p:cBhvr>
+                                      <p:to>
+                                        <p:strVal val="visible"/>
+                                      </p:to>
+                                    </p:set>
+                                    <p:animEffect transition="in" filter="dissolve">
+                                      <p:cBhvr>
+                                        <p:cTn id="17" dur="500"/>
+                                        <p:tgtEl>
+                                          <p:spTgt spid="5128">
+                                            <p:txEl>
+                                              <p:pRg st="3" end="3"/>
+                                            </p:txEl>
+                                          </p:spTgt>
+                                        </p:tgtEl>
+                                      </p:cBhvr>
+                                    </p:animEffect>
+                                  </p:childTnLst>
+                                </p:cTn>
+                              </p:par>
+                            </p:childTnLst>
+                          </p:cTn>
+                        </p:par>
+                      </p:childTnLst>
+                    </p:cTn>
+                  </p:par>
+                  <p:par>
+                    <p:cTn id="18" fill="hold">
+                      <p:stCondLst>
+                        <p:cond delay="indefinite"/>
+                      </p:stCondLst>
+                      <p:childTnLst>
+                        <p:par>
+                          <p:cTn id="19" fill="hold">
+                            <p:stCondLst>
+                              <p:cond delay="0"/>
+                            </p:stCondLst>
+                            <p:childTnLst>
+                              <p:par>
+                                <p:cTn id="20" presetID="9" presetClass="entr" presetSubtype="0" fill="hold" grpId="0" nodeType="clickEffect">
+                                  <p:stCondLst>
+                                    <p:cond delay="0"/>
+                                  </p:stCondLst>
+                                  <p:childTnLst>
+                                    <p:set>
+                                      <p:cBhvr>
+                                        <p:cTn id="21" dur="1" fill="hold">
+                                          <p:stCondLst>
+                                            <p:cond delay="0"/>
+                                          </p:stCondLst>
+                                        </p:cTn>
+                                        <p:tgtEl>
+                                          <p:spTgt spid="5128">
+                                            <p:txEl>
+                                              <p:pRg st="4" end="4"/>
+                                            </p:txEl>
+                                          </p:spTgt>
+                                        </p:tgtEl>
+                                        <p:attrNameLst>
+                                          <p:attrName>style.visibility</p:attrName>
+                                        </p:attrNameLst>
+                                      </p:cBhvr>
+                                      <p:to>
+                                        <p:strVal val="visible"/>
+                                      </p:to>
+                                    </p:set>
+                                    <p:animEffect transition="in" filter="dissolve">
+                                      <p:cBhvr>
+                                        <p:cTn id="22" dur="500"/>
+                                        <p:tgtEl>
+                                          <p:spTgt spid="5128">
+                                            <p:txEl>
+                                              <p:pRg st="4" end="4"/>
+                                            </p:txEl>
+                                          </p:spTgt>
+                                        </p:tgtEl>
+                                      </p:cBhvr>
+                                    </p:animEffect>
+                                  </p:childTnLst>
+                                </p:cTn>
+                              </p:par>
+                            </p:childTnLst>
+                          </p:cTn>
+                        </p:par>
+                      </p:childTnLst>
+                    </p:cTn>
+                  </p:par>
+                </p:childTnLst>
+              </p:cTn>
+              <p:prevCondLst>
+                <p:cond evt="onPrev" delay="0">
+                  <p:tgtEl>
+                    <p:sldTgt/>
+                  </p:tgtEl>
+                </p:cond>
+              </p:prevCondLst>
+              <p:nextCondLst>
+                <p:cond evt="onNext" delay="0">
+                  <p:tgtEl>
+                    <p:sldTgt/>
+                  </p:tgtEl>
+                </p:cond>
+              </p:nextCondLst>
+            </p:seq>
+          </p:childTnLst>
+        </p:cTn>
+      </p:par>
+    </p:tnLst>
+    <p:bldLst>
+      <p:bldP spid="5128" grpId="0" build="p"/>
+    </p:bldLst>
+  </p:timing>
+</p:sld>
+</file>
+
+<file path=ppt/slides/slide30.xml><?xml version="1.0" encoding="utf-8"?>
+<p:sld xmlns:a="http://schemas.openxmlformats.org/drawingml/2006/main" xmlns:r="http://schemas.openxmlformats.org/officeDocument/2006/relationships" xmlns:p="http://schemas.openxmlformats.org/presentationml/2006/main">
+  <p:cSld>
+    <p:spTree>
+      <p:nvGrpSpPr>
+        <p:cNvPr id="1" name=""/>
+        <p:cNvGrpSpPr/>
+        <p:nvPr/>
+      </p:nvGrpSpPr>
+      <p:grpSpPr>
+        <a:xfrm>
+          <a:off x="0" y="0"/>
+          <a:ext cx="0" cy="0"/>
+          <a:chOff x="0" y="0"/>
+          <a:chExt cx="0" cy="0"/>
+        </a:xfrm>
+      </p:grpSpPr>
+      <p:sp>
+        <p:nvSpPr>
           <p:cNvPr id="12291" name="Slide Number Placeholder 2"/>
           <p:cNvSpPr>
             <a:spLocks noGrp="1"/>
@@ -21850,7 +23466,7 @@
             <a:fld id="{38814692-9BDD-4F2D-A9DA-07816390A204}" type="slidenum">
               <a:rPr lang="en-US" sz="1200" smtClean="0"/>
               <a:pPr/>
-              <a:t>29</a:t>
+              <a:t>30</a:t>
             </a:fld>
             <a:endParaRPr lang="en-US" sz="1200" dirty="0" smtClean="0"/>
           </a:p>
@@ -21920,7 +23536,7 @@
           <a:graphicData uri="http://schemas.openxmlformats.org/presentationml/2006/ole">
             <mc:AlternateContent xmlns:mc="http://schemas.openxmlformats.org/markup-compatibility/2006">
               <mc:Choice xmlns:v="urn:schemas-microsoft-com:vml" Requires="v">
-                <p:oleObj spid="_x0000_s184380" name="Equation" r:id="rId4" imgW="2552700" imgH="419100" progId="Equation.DSMT4">
+                <p:oleObj spid="_x0000_s184396" name="Equation" r:id="rId4" imgW="2552700" imgH="419100" progId="Equation.DSMT4">
                   <p:embed/>
                 </p:oleObj>
               </mc:Choice>
@@ -22409,711 +24025,7 @@
 </p:sld>
 </file>
 
-<file path=ppt/slides/slide3.xml><?xml version="1.0" encoding="utf-8"?>
-<p:sld xmlns:a="http://schemas.openxmlformats.org/drawingml/2006/main" xmlns:r="http://schemas.openxmlformats.org/officeDocument/2006/relationships" xmlns:p="http://schemas.openxmlformats.org/presentationml/2006/main">
-  <p:cSld>
-    <p:spTree>
-      <p:nvGrpSpPr>
-        <p:cNvPr id="1" name=""/>
-        <p:cNvGrpSpPr/>
-        <p:nvPr/>
-      </p:nvGrpSpPr>
-      <p:grpSpPr>
-        <a:xfrm>
-          <a:off x="0" y="0"/>
-          <a:ext cx="0" cy="0"/>
-          <a:chOff x="0" y="0"/>
-          <a:chExt cx="0" cy="0"/>
-        </a:xfrm>
-      </p:grpSpPr>
-      <p:sp>
-        <p:nvSpPr>
-          <p:cNvPr id="5125" name="Slide Number Placeholder 3"/>
-          <p:cNvSpPr>
-            <a:spLocks noGrp="1"/>
-          </p:cNvSpPr>
-          <p:nvPr>
-            <p:ph type="sldNum" sz="quarter" idx="10"/>
-          </p:nvPr>
-        </p:nvSpPr>
-        <p:spPr>
-          <a:xfrm>
-            <a:off x="7693739" y="6553200"/>
-            <a:ext cx="1450262" cy="307777"/>
-          </a:xfrm>
-          <a:noFill/>
-        </p:spPr>
-        <p:txBody>
-          <a:bodyPr/>
-          <a:lstStyle/>
-          <a:p>
-            <a:r>
-              <a:rPr lang="en-US" dirty="0" smtClean="0"/>
-              <a:t>      </a:t>
-            </a:r>
-            <a:r>
-              <a:rPr lang="en-US" sz="1200" dirty="0" smtClean="0"/>
-              <a:t>proof-intro.</a:t>
-            </a:r>
-            <a:fld id="{75023C36-FE4D-4530-8B57-5C3563E819D6}" type="slidenum">
-              <a:rPr lang="en-US" sz="1200" smtClean="0"/>
-              <a:pPr/>
-              <a:t>3</a:t>
-            </a:fld>
-            <a:endParaRPr lang="en-US" sz="1200" dirty="0" smtClean="0"/>
-          </a:p>
-        </p:txBody>
-      </p:sp>
-      <p:graphicFrame>
-        <p:nvGraphicFramePr>
-          <p:cNvPr id="5123" name="Object 4"/>
-          <p:cNvGraphicFramePr>
-            <a:graphicFrameLocks noChangeAspect="1"/>
-          </p:cNvGraphicFramePr>
-          <p:nvPr/>
-        </p:nvGraphicFramePr>
-        <p:xfrm>
-          <a:off x="4114800" y="3321050"/>
-          <a:ext cx="914400" cy="215900"/>
-        </p:xfrm>
-        <a:graphic>
-          <a:graphicData uri="http://schemas.openxmlformats.org/presentationml/2006/ole">
-            <mc:AlternateContent xmlns:mc="http://schemas.openxmlformats.org/markup-compatibility/2006">
-              <mc:Choice xmlns:v="urn:schemas-microsoft-com:vml" Requires="v">
-                <p:oleObj spid="_x0000_s140397" name="Equation" r:id="rId4" imgW="914400" imgH="215640" progId="Equation.3">
-                  <p:embed/>
-                </p:oleObj>
-              </mc:Choice>
-              <mc:Fallback>
-                <p:oleObj name="Equation" r:id="rId4" imgW="914400" imgH="215640" progId="Equation.3">
-                  <p:embed/>
-                  <p:pic>
-                    <p:nvPicPr>
-                      <p:cNvPr id="0" name="Object 4"/>
-                      <p:cNvPicPr>
-                        <a:picLocks noChangeAspect="1" noChangeArrowheads="1"/>
-                      </p:cNvPicPr>
-                      <p:nvPr/>
-                    </p:nvPicPr>
-                    <p:blipFill>
-                      <a:blip r:embed="rId5">
-                        <a:extLst>
-                          <a:ext uri="{28A0092B-C50C-407E-A947-70E740481C1C}">
-                            <a14:useLocalDpi xmlns:a14="http://schemas.microsoft.com/office/drawing/2010/main" val="0"/>
-                          </a:ext>
-                        </a:extLst>
-                      </a:blip>
-                      <a:srcRect/>
-                      <a:stretch>
-                        <a:fillRect/>
-                      </a:stretch>
-                    </p:blipFill>
-                    <p:spPr bwMode="auto">
-                      <a:xfrm>
-                        <a:off x="4114800" y="3321050"/>
-                        <a:ext cx="914400" cy="215900"/>
-                      </a:xfrm>
-                      <a:prstGeom prst="rect">
-                        <a:avLst/>
-                      </a:prstGeom>
-                      <a:noFill/>
-                      <a:extLst>
-                        <a:ext uri="{909E8E84-426E-40dd-AFC4-6F175D3DCCD1}">
-                          <a14:hiddenFill xmlns:a14="http://schemas.microsoft.com/office/drawing/2010/main">
-                            <a:solidFill>
-                              <a:srgbClr val="FFFFFF"/>
-                            </a:solidFill>
-                          </a14:hiddenFill>
-                        </a:ext>
-                      </a:extLst>
-                    </p:spPr>
-                  </p:pic>
-                </p:oleObj>
-              </mc:Fallback>
-            </mc:AlternateContent>
-          </a:graphicData>
-        </a:graphic>
-      </p:graphicFrame>
-      <p:graphicFrame>
-        <p:nvGraphicFramePr>
-          <p:cNvPr id="5124" name="Object 5"/>
-          <p:cNvGraphicFramePr>
-            <a:graphicFrameLocks noChangeAspect="1"/>
-          </p:cNvGraphicFramePr>
-          <p:nvPr/>
-        </p:nvGraphicFramePr>
-        <p:xfrm>
-          <a:off x="4114800" y="3321050"/>
-          <a:ext cx="914400" cy="215900"/>
-        </p:xfrm>
-        <a:graphic>
-          <a:graphicData uri="http://schemas.openxmlformats.org/presentationml/2006/ole">
-            <mc:AlternateContent xmlns:mc="http://schemas.openxmlformats.org/markup-compatibility/2006">
-              <mc:Choice xmlns:v="urn:schemas-microsoft-com:vml" Requires="v">
-                <p:oleObj spid="_x0000_s140398" name="Equation" r:id="rId6" imgW="914400" imgH="215640" progId="Equation.3">
-                  <p:embed/>
-                </p:oleObj>
-              </mc:Choice>
-              <mc:Fallback>
-                <p:oleObj name="Equation" r:id="rId6" imgW="914400" imgH="215640" progId="Equation.3">
-                  <p:embed/>
-                  <p:pic>
-                    <p:nvPicPr>
-                      <p:cNvPr id="0" name="Object 5"/>
-                      <p:cNvPicPr>
-                        <a:picLocks noChangeAspect="1" noChangeArrowheads="1"/>
-                      </p:cNvPicPr>
-                      <p:nvPr/>
-                    </p:nvPicPr>
-                    <p:blipFill>
-                      <a:blip r:embed="rId5">
-                        <a:extLst>
-                          <a:ext uri="{28A0092B-C50C-407E-A947-70E740481C1C}">
-                            <a14:useLocalDpi xmlns:a14="http://schemas.microsoft.com/office/drawing/2010/main" val="0"/>
-                          </a:ext>
-                        </a:extLst>
-                      </a:blip>
-                      <a:srcRect/>
-                      <a:stretch>
-                        <a:fillRect/>
-                      </a:stretch>
-                    </p:blipFill>
-                    <p:spPr bwMode="auto">
-                      <a:xfrm>
-                        <a:off x="4114800" y="3321050"/>
-                        <a:ext cx="914400" cy="215900"/>
-                      </a:xfrm>
-                      <a:prstGeom prst="rect">
-                        <a:avLst/>
-                      </a:prstGeom>
-                      <a:noFill/>
-                      <a:extLst>
-                        <a:ext uri="{909E8E84-426E-40dd-AFC4-6F175D3DCCD1}">
-                          <a14:hiddenFill xmlns:a14="http://schemas.microsoft.com/office/drawing/2010/main">
-                            <a:solidFill>
-                              <a:srgbClr val="FFFFFF"/>
-                            </a:solidFill>
-                          </a14:hiddenFill>
-                        </a:ext>
-                      </a:extLst>
-                    </p:spPr>
-                  </p:pic>
-                </p:oleObj>
-              </mc:Fallback>
-            </mc:AlternateContent>
-          </a:graphicData>
-        </a:graphic>
-      </p:graphicFrame>
-      <p:sp>
-        <p:nvSpPr>
-          <p:cNvPr id="5126" name="Text Box 6"/>
-          <p:cNvSpPr txBox="1">
-            <a:spLocks noChangeArrowheads="1"/>
-          </p:cNvSpPr>
-          <p:nvPr/>
-        </p:nvSpPr>
-        <p:spPr bwMode="auto">
-          <a:xfrm>
-            <a:off x="4251325" y="2457450"/>
-            <a:ext cx="184150" cy="579438"/>
-          </a:xfrm>
-          <a:prstGeom prst="rect">
-            <a:avLst/>
-          </a:prstGeom>
-          <a:noFill/>
-          <a:ln w="9525">
-            <a:noFill/>
-            <a:miter lim="800000"/>
-            <a:headEnd/>
-            <a:tailEnd type="none" w="lg" len="lg"/>
-          </a:ln>
-        </p:spPr>
-        <p:txBody>
-          <a:bodyPr wrap="none">
-            <a:spAutoFit/>
-          </a:bodyPr>
-          <a:lstStyle/>
-          <a:p>
-            <a:endParaRPr lang="en-US"/>
-          </a:p>
-        </p:txBody>
-      </p:sp>
-      <p:sp>
-        <p:nvSpPr>
-          <p:cNvPr id="5127" name="Rectangle 9"/>
-          <p:cNvSpPr>
-            <a:spLocks noGrp="1" noChangeArrowheads="1"/>
-          </p:cNvSpPr>
-          <p:nvPr>
-            <p:ph type="ctrTitle"/>
-          </p:nvPr>
-        </p:nvSpPr>
-        <p:spPr>
-          <a:xfrm>
-            <a:off x="1552575" y="277813"/>
-            <a:ext cx="6107113" cy="1154112"/>
-          </a:xfrm>
-          <a:noFill/>
-        </p:spPr>
-        <p:txBody>
-          <a:bodyPr/>
-          <a:lstStyle/>
-          <a:p>
-            <a:pPr eaLnBrk="1" hangingPunct="1"/>
-            <a:r>
-              <a:rPr lang="en-US" dirty="0" smtClean="0"/>
-              <a:t>Stellar </a:t>
-            </a:r>
-            <a:r>
-              <a:rPr lang="en-US" dirty="0" smtClean="0"/>
-              <a:t>Web site</a:t>
-            </a:r>
-          </a:p>
-        </p:txBody>
-      </p:sp>
-      <p:sp>
-        <p:nvSpPr>
-          <p:cNvPr id="5128" name="TextBox 8"/>
-          <p:cNvSpPr txBox="1">
-            <a:spLocks noChangeArrowheads="1"/>
-          </p:cNvSpPr>
-          <p:nvPr/>
-        </p:nvSpPr>
-        <p:spPr bwMode="auto">
-          <a:xfrm>
-            <a:off x="203200" y="1168400"/>
-            <a:ext cx="8826500" cy="4462760"/>
-          </a:xfrm>
-          <a:prstGeom prst="rect">
-            <a:avLst/>
-          </a:prstGeom>
-          <a:noFill/>
-          <a:ln w="9525">
-            <a:noFill/>
-            <a:miter lim="800000"/>
-            <a:headEnd/>
-            <a:tailEnd/>
-          </a:ln>
-        </p:spPr>
-        <p:txBody>
-          <a:bodyPr wrap="square">
-            <a:spAutoFit/>
-          </a:bodyPr>
-          <a:lstStyle/>
-          <a:p>
-            <a:pPr>
-              <a:defRPr/>
-            </a:pPr>
-            <a:r>
-              <a:rPr lang="en-US" sz="2400" b="1" u="sng" kern="0" dirty="0">
-                <a:solidFill>
-                  <a:srgbClr val="A0106D"/>
-                </a:solidFill>
-                <a:latin typeface="Courier New" pitchFamily="49" charset="0"/>
-                <a:cs typeface="Courier New" pitchFamily="49" charset="0"/>
-                <a:hlinkClick r:id="rId7"/>
-              </a:rPr>
-              <a:t>https://stellar.mit.edu/S/course/6/sp14/6.042/</a:t>
-            </a:r>
-            <a:r>
-              <a:rPr lang="en-US" sz="4400" dirty="0" smtClean="0">
-                <a:latin typeface="Comic Sans MS" pitchFamily="66" charset="0"/>
-              </a:rPr>
-              <a:t> </a:t>
-            </a:r>
-            <a:endParaRPr lang="en-US" sz="4400" dirty="0">
-              <a:latin typeface="Comic Sans MS" pitchFamily="66" charset="0"/>
-            </a:endParaRPr>
-          </a:p>
-          <a:p>
-            <a:pPr algn="l">
-              <a:buFont typeface="Arial" pitchFamily="34" charset="0"/>
-              <a:buChar char="•"/>
-              <a:defRPr/>
-            </a:pPr>
-            <a:r>
-              <a:rPr lang="en-US" sz="4400" dirty="0">
-                <a:solidFill>
-                  <a:srgbClr val="000000"/>
-                </a:solidFill>
-                <a:latin typeface="Comic Sans MS" pitchFamily="66" charset="0"/>
-              </a:rPr>
-              <a:t> </a:t>
-            </a:r>
-            <a:r>
-              <a:rPr lang="en-US" sz="6000" dirty="0">
-                <a:solidFill>
-                  <a:srgbClr val="000000"/>
-                </a:solidFill>
-                <a:latin typeface="Comic Sans MS" pitchFamily="66" charset="0"/>
-              </a:rPr>
-              <a:t> notes, handouts</a:t>
-            </a:r>
-          </a:p>
-          <a:p>
-            <a:pPr algn="l">
-              <a:buFont typeface="Arial" pitchFamily="34" charset="0"/>
-              <a:buChar char="•"/>
-              <a:defRPr/>
-            </a:pPr>
-            <a:r>
-              <a:rPr lang="en-US" sz="6000" dirty="0" smtClean="0">
-                <a:solidFill>
-                  <a:srgbClr val="000000"/>
-                </a:solidFill>
-                <a:latin typeface="Comic Sans MS" pitchFamily="66" charset="0"/>
-              </a:rPr>
-              <a:t>  class calendar</a:t>
-            </a:r>
-            <a:endParaRPr lang="en-US" sz="4400" dirty="0"/>
-          </a:p>
-          <a:p>
-            <a:pPr algn="l">
-              <a:buFont typeface="Arial" pitchFamily="34" charset="0"/>
-              <a:buChar char="•"/>
-              <a:defRPr/>
-            </a:pPr>
-            <a:r>
-              <a:rPr lang="en-US" sz="6000" dirty="0" smtClean="0">
-                <a:solidFill>
-                  <a:srgbClr val="000000"/>
-                </a:solidFill>
-                <a:latin typeface="Comic Sans MS" pitchFamily="66" charset="0"/>
-              </a:rPr>
-              <a:t> </a:t>
-            </a:r>
-            <a:r>
-              <a:rPr lang="en-US" sz="6000" dirty="0" smtClean="0">
-                <a:solidFill>
-                  <a:srgbClr val="000000"/>
-                </a:solidFill>
-                <a:latin typeface="Comic Sans MS" pitchFamily="66" charset="0"/>
-              </a:rPr>
-              <a:t>course organization</a:t>
-            </a:r>
-          </a:p>
-          <a:p>
-            <a:pPr algn="l">
-              <a:buFont typeface="Arial" pitchFamily="34" charset="0"/>
-              <a:buChar char="•"/>
-              <a:defRPr/>
-            </a:pPr>
-            <a:r>
-              <a:rPr lang="en-US" sz="6000" dirty="0" smtClean="0">
-                <a:solidFill>
-                  <a:srgbClr val="000000"/>
-                </a:solidFill>
-                <a:latin typeface="Comic Sans MS" pitchFamily="66" charset="0"/>
-              </a:rPr>
-              <a:t> </a:t>
-            </a:r>
-            <a:r>
-              <a:rPr lang="en-US" sz="6000" dirty="0" smtClean="0">
-                <a:solidFill>
-                  <a:srgbClr val="000000"/>
-                </a:solidFill>
-                <a:latin typeface="Comic Sans MS" pitchFamily="66" charset="0"/>
-              </a:rPr>
-              <a:t> problem submission</a:t>
-            </a:r>
-            <a:endParaRPr lang="en-US" sz="6000" dirty="0" smtClean="0">
-              <a:solidFill>
-                <a:srgbClr val="000000"/>
-              </a:solidFill>
-              <a:latin typeface="Comic Sans MS" pitchFamily="66" charset="0"/>
-            </a:endParaRPr>
-          </a:p>
-        </p:txBody>
-      </p:sp>
-    </p:spTree>
-  </p:cSld>
-  <p:clrMapOvr>
-    <a:masterClrMapping/>
-  </p:clrMapOvr>
-  <p:transition xmlns:p14="http://schemas.microsoft.com/office/powerpoint/2010/main" spd="slow">
-    <p:fade/>
-  </p:transition>
-  <p:timing>
-    <p:tnLst>
-      <p:par>
-        <p:cTn xmlns:p14="http://schemas.microsoft.com/office/powerpoint/2010/main" id="1" dur="indefinite" restart="never" nodeType="tmRoot">
-          <p:childTnLst>
-            <p:seq concurrent="1" nextAc="seek">
-              <p:cTn id="2" dur="indefinite" nodeType="mainSeq">
-                <p:childTnLst>
-                  <p:par>
-                    <p:cTn id="3" fill="hold">
-                      <p:stCondLst>
-                        <p:cond delay="indefinite"/>
-                      </p:stCondLst>
-                      <p:childTnLst>
-                        <p:par>
-                          <p:cTn id="4" fill="hold">
-                            <p:stCondLst>
-                              <p:cond delay="0"/>
-                            </p:stCondLst>
-                            <p:childTnLst>
-                              <p:par>
-                                <p:cTn id="5" presetID="9" presetClass="entr" presetSubtype="0" fill="hold" grpId="0" nodeType="clickEffect">
-                                  <p:stCondLst>
-                                    <p:cond delay="0"/>
-                                  </p:stCondLst>
-                                  <p:childTnLst>
-                                    <p:set>
-                                      <p:cBhvr>
-                                        <p:cTn id="6" dur="1" fill="hold">
-                                          <p:stCondLst>
-                                            <p:cond delay="0"/>
-                                          </p:stCondLst>
-                                        </p:cTn>
-                                        <p:tgtEl>
-                                          <p:spTgt spid="5128">
-                                            <p:txEl>
-                                              <p:pRg st="1" end="1"/>
-                                            </p:txEl>
-                                          </p:spTgt>
-                                        </p:tgtEl>
-                                        <p:attrNameLst>
-                                          <p:attrName>style.visibility</p:attrName>
-                                        </p:attrNameLst>
-                                      </p:cBhvr>
-                                      <p:to>
-                                        <p:strVal val="visible"/>
-                                      </p:to>
-                                    </p:set>
-                                    <p:animEffect transition="in" filter="dissolve">
-                                      <p:cBhvr>
-                                        <p:cTn id="7" dur="500"/>
-                                        <p:tgtEl>
-                                          <p:spTgt spid="5128">
-                                            <p:txEl>
-                                              <p:pRg st="1" end="1"/>
-                                            </p:txEl>
-                                          </p:spTgt>
-                                        </p:tgtEl>
-                                      </p:cBhvr>
-                                    </p:animEffect>
-                                  </p:childTnLst>
-                                </p:cTn>
-                              </p:par>
-                            </p:childTnLst>
-                          </p:cTn>
-                        </p:par>
-                      </p:childTnLst>
-                    </p:cTn>
-                  </p:par>
-                  <p:par>
-                    <p:cTn id="8" fill="hold">
-                      <p:stCondLst>
-                        <p:cond delay="indefinite"/>
-                      </p:stCondLst>
-                      <p:childTnLst>
-                        <p:par>
-                          <p:cTn id="9" fill="hold">
-                            <p:stCondLst>
-                              <p:cond delay="0"/>
-                            </p:stCondLst>
-                            <p:childTnLst>
-                              <p:par>
-                                <p:cTn id="10" presetID="9" presetClass="entr" presetSubtype="0" fill="hold" grpId="0" nodeType="clickEffect">
-                                  <p:stCondLst>
-                                    <p:cond delay="0"/>
-                                  </p:stCondLst>
-                                  <p:childTnLst>
-                                    <p:set>
-                                      <p:cBhvr>
-                                        <p:cTn id="11" dur="1" fill="hold">
-                                          <p:stCondLst>
-                                            <p:cond delay="0"/>
-                                          </p:stCondLst>
-                                        </p:cTn>
-                                        <p:tgtEl>
-                                          <p:spTgt spid="5128">
-                                            <p:txEl>
-                                              <p:pRg st="2" end="2"/>
-                                            </p:txEl>
-                                          </p:spTgt>
-                                        </p:tgtEl>
-                                        <p:attrNameLst>
-                                          <p:attrName>style.visibility</p:attrName>
-                                        </p:attrNameLst>
-                                      </p:cBhvr>
-                                      <p:to>
-                                        <p:strVal val="visible"/>
-                                      </p:to>
-                                    </p:set>
-                                    <p:animEffect transition="in" filter="dissolve">
-                                      <p:cBhvr>
-                                        <p:cTn id="12" dur="500"/>
-                                        <p:tgtEl>
-                                          <p:spTgt spid="5128">
-                                            <p:txEl>
-                                              <p:pRg st="2" end="2"/>
-                                            </p:txEl>
-                                          </p:spTgt>
-                                        </p:tgtEl>
-                                      </p:cBhvr>
-                                    </p:animEffect>
-                                  </p:childTnLst>
-                                </p:cTn>
-                              </p:par>
-                            </p:childTnLst>
-                          </p:cTn>
-                        </p:par>
-                      </p:childTnLst>
-                    </p:cTn>
-                  </p:par>
-                  <p:par>
-                    <p:cTn id="13" fill="hold">
-                      <p:stCondLst>
-                        <p:cond delay="indefinite"/>
-                      </p:stCondLst>
-                      <p:childTnLst>
-                        <p:par>
-                          <p:cTn id="14" fill="hold">
-                            <p:stCondLst>
-                              <p:cond delay="0"/>
-                            </p:stCondLst>
-                            <p:childTnLst>
-                              <p:par>
-                                <p:cTn id="15" presetID="9" presetClass="entr" presetSubtype="0" fill="hold" grpId="0" nodeType="clickEffect">
-                                  <p:stCondLst>
-                                    <p:cond delay="0"/>
-                                  </p:stCondLst>
-                                  <p:childTnLst>
-                                    <p:set>
-                                      <p:cBhvr>
-                                        <p:cTn id="16" dur="1" fill="hold">
-                                          <p:stCondLst>
-                                            <p:cond delay="0"/>
-                                          </p:stCondLst>
-                                        </p:cTn>
-                                        <p:tgtEl>
-                                          <p:spTgt spid="5128">
-                                            <p:txEl>
-                                              <p:pRg st="3" end="3"/>
-                                            </p:txEl>
-                                          </p:spTgt>
-                                        </p:tgtEl>
-                                        <p:attrNameLst>
-                                          <p:attrName>style.visibility</p:attrName>
-                                        </p:attrNameLst>
-                                      </p:cBhvr>
-                                      <p:to>
-                                        <p:strVal val="visible"/>
-                                      </p:to>
-                                    </p:set>
-                                    <p:animEffect transition="in" filter="dissolve">
-                                      <p:cBhvr>
-                                        <p:cTn id="17" dur="500"/>
-                                        <p:tgtEl>
-                                          <p:spTgt spid="5128">
-                                            <p:txEl>
-                                              <p:pRg st="3" end="3"/>
-                                            </p:txEl>
-                                          </p:spTgt>
-                                        </p:tgtEl>
-                                      </p:cBhvr>
-                                    </p:animEffect>
-                                  </p:childTnLst>
-                                </p:cTn>
-                              </p:par>
-                            </p:childTnLst>
-                          </p:cTn>
-                        </p:par>
-                      </p:childTnLst>
-                    </p:cTn>
-                  </p:par>
-                  <p:par>
-                    <p:cTn id="18" fill="hold">
-                      <p:stCondLst>
-                        <p:cond delay="indefinite"/>
-                      </p:stCondLst>
-                      <p:childTnLst>
-                        <p:par>
-                          <p:cTn id="19" fill="hold">
-                            <p:stCondLst>
-                              <p:cond delay="0"/>
-                            </p:stCondLst>
-                            <p:childTnLst>
-                              <p:par>
-                                <p:cTn id="20" presetID="9" presetClass="entr" presetSubtype="0" fill="hold" grpId="0" nodeType="clickEffect">
-                                  <p:stCondLst>
-                                    <p:cond delay="0"/>
-                                  </p:stCondLst>
-                                  <p:childTnLst>
-                                    <p:set>
-                                      <p:cBhvr>
-                                        <p:cTn id="21" dur="1" fill="hold">
-                                          <p:stCondLst>
-                                            <p:cond delay="0"/>
-                                          </p:stCondLst>
-                                        </p:cTn>
-                                        <p:tgtEl>
-                                          <p:spTgt spid="5128">
-                                            <p:txEl>
-                                              <p:pRg st="4" end="4"/>
-                                            </p:txEl>
-                                          </p:spTgt>
-                                        </p:tgtEl>
-                                        <p:attrNameLst>
-                                          <p:attrName>style.visibility</p:attrName>
-                                        </p:attrNameLst>
-                                      </p:cBhvr>
-                                      <p:to>
-                                        <p:strVal val="visible"/>
-                                      </p:to>
-                                    </p:set>
-                                    <p:animEffect transition="in" filter="dissolve">
-                                      <p:cBhvr>
-                                        <p:cTn id="22" dur="500"/>
-                                        <p:tgtEl>
-                                          <p:spTgt spid="5128">
-                                            <p:txEl>
-                                              <p:pRg st="4" end="4"/>
-                                            </p:txEl>
-                                          </p:spTgt>
-                                        </p:tgtEl>
-                                      </p:cBhvr>
-                                    </p:animEffect>
-                                  </p:childTnLst>
-                                </p:cTn>
-                              </p:par>
-                            </p:childTnLst>
-                          </p:cTn>
-                        </p:par>
-                      </p:childTnLst>
-                    </p:cTn>
-                  </p:par>
-                </p:childTnLst>
-              </p:cTn>
-              <p:prevCondLst>
-                <p:cond evt="onPrev" delay="0">
-                  <p:tgtEl>
-                    <p:sldTgt/>
-                  </p:tgtEl>
-                </p:cond>
-              </p:prevCondLst>
-              <p:nextCondLst>
-                <p:cond evt="onNext" delay="0">
-                  <p:tgtEl>
-                    <p:sldTgt/>
-                  </p:tgtEl>
-                </p:cond>
-              </p:nextCondLst>
-            </p:seq>
-          </p:childTnLst>
-        </p:cTn>
-      </p:par>
-    </p:tnLst>
-    <p:bldLst>
-      <p:bldP spid="5128" grpId="0" build="p"/>
-    </p:bldLst>
-  </p:timing>
-</p:sld>
-</file>
-
-<file path=ppt/slides/slide30.xml><?xml version="1.0" encoding="utf-8"?>
+<file path=ppt/slides/slide31.xml><?xml version="1.0" encoding="utf-8"?>
 <p:sld xmlns:a="http://schemas.openxmlformats.org/drawingml/2006/main" xmlns:r="http://schemas.openxmlformats.org/officeDocument/2006/relationships" xmlns:p="http://schemas.openxmlformats.org/presentationml/2006/main" show="0">
   <p:cSld>
     <p:spTree>
@@ -23162,7 +24074,7 @@
             <a:fld id="{38814692-9BDD-4F2D-A9DA-07816390A204}" type="slidenum">
               <a:rPr lang="en-US" sz="1200" smtClean="0"/>
               <a:pPr/>
-              <a:t>30</a:t>
+              <a:t>31</a:t>
             </a:fld>
             <a:endParaRPr lang="en-US" sz="1200" dirty="0" smtClean="0"/>
           </a:p>
@@ -23251,7 +24163,7 @@
           <a:graphicData uri="http://schemas.openxmlformats.org/presentationml/2006/ole">
             <mc:AlternateContent xmlns:mc="http://schemas.openxmlformats.org/markup-compatibility/2006">
               <mc:Choice xmlns:v="urn:schemas-microsoft-com:vml" Requires="v">
-                <p:oleObj spid="_x0000_s12349" name="Equation" r:id="rId4" imgW="2590560" imgH="368280" progId="Equation.DSMT4">
+                <p:oleObj spid="_x0000_s12365" name="Equation" r:id="rId4" imgW="2590560" imgH="368280" progId="Equation.DSMT4">
                   <p:embed/>
                 </p:oleObj>
               </mc:Choice>
@@ -23721,7 +24633,7 @@
 </p:sld>
 </file>
 
-<file path=ppt/slides/slide31.xml><?xml version="1.0" encoding="utf-8"?>
+<file path=ppt/slides/slide32.xml><?xml version="1.0" encoding="utf-8"?>
 <p:sld xmlns:a="http://schemas.openxmlformats.org/drawingml/2006/main" xmlns:r="http://schemas.openxmlformats.org/officeDocument/2006/relationships" xmlns:p="http://schemas.openxmlformats.org/presentationml/2006/main">
   <p:cSld>
     <p:spTree>
@@ -23766,7 +24678,7 @@
             <a:fld id="{149CEC67-A6D5-4032-8245-198398361EE0}" type="slidenum">
               <a:rPr lang="en-US" sz="1200" smtClean="0"/>
               <a:pPr/>
-              <a:t>31</a:t>
+              <a:t>32</a:t>
             </a:fld>
             <a:endParaRPr lang="en-US" sz="1200" dirty="0" smtClean="0"/>
           </a:p>
@@ -24142,7 +25054,7 @@
           <a:graphicData uri="http://schemas.openxmlformats.org/presentationml/2006/ole">
             <mc:AlternateContent xmlns:mc="http://schemas.openxmlformats.org/markup-compatibility/2006">
               <mc:Choice xmlns:v="urn:schemas-microsoft-com:vml" Requires="v">
-                <p:oleObj spid="_x0000_s13373" name="Equation" r:id="rId4" imgW="152280" imgH="393480" progId="Equation.DSMT4">
+                <p:oleObj spid="_x0000_s13389" name="Equation" r:id="rId4" imgW="152280" imgH="393480" progId="Equation.DSMT4">
                   <p:embed/>
                 </p:oleObj>
               </mc:Choice>
@@ -24201,13 +25113,13 @@
   <p:clrMapOvr>
     <a:masterClrMapping/>
   </p:clrMapOvr>
-  <mc:AlternateContent xmlns:mc="http://schemas.openxmlformats.org/markup-compatibility/2006">
-    <mc:Choice xmlns:p14="http://schemas.microsoft.com/office/powerpoint/2010/main" Requires="p14">
+  <mc:AlternateContent xmlns:mc="http://schemas.openxmlformats.org/markup-compatibility/2006" xmlns:p14="http://schemas.microsoft.com/office/powerpoint/2010/main">
+    <mc:Choice Requires="p14">
       <p:transition spd="med" p14:dur="600" advClick="0">
         <p:fade thruBlk="1"/>
       </p:transition>
     </mc:Choice>
-    <mc:Fallback>
+    <mc:Fallback xmlns="">
       <p:transition xmlns:p14="http://schemas.microsoft.com/office/powerpoint/2010/main" spd="med" advClick="0">
         <p:fade thruBlk="1"/>
       </p:transition>
@@ -24460,7 +25372,7 @@
 </p:sld>
 </file>
 
-<file path=ppt/slides/slide32.xml><?xml version="1.0" encoding="utf-8"?>
+<file path=ppt/slides/slide33.xml><?xml version="1.0" encoding="utf-8"?>
 <p:sld xmlns:a="http://schemas.openxmlformats.org/drawingml/2006/main" xmlns:r="http://schemas.openxmlformats.org/officeDocument/2006/relationships" xmlns:p="http://schemas.openxmlformats.org/presentationml/2006/main">
   <p:cSld>
     <p:spTree>
@@ -24505,7 +25417,7 @@
             <a:fld id="{17F4D99F-8DB9-47AB-B21C-80A9F5EE51B9}" type="slidenum">
               <a:rPr lang="en-US" sz="1200" smtClean="0"/>
               <a:pPr/>
-              <a:t>32</a:t>
+              <a:t>33</a:t>
             </a:fld>
             <a:endParaRPr lang="en-US" sz="1200" dirty="0" smtClean="0"/>
           </a:p>
@@ -24712,7 +25624,7 @@
 </p:sld>
 </file>
 
-<file path=ppt/slides/slide33.xml><?xml version="1.0" encoding="utf-8"?>
+<file path=ppt/slides/slide34.xml><?xml version="1.0" encoding="utf-8"?>
 <p:sld xmlns:a="http://schemas.openxmlformats.org/drawingml/2006/main" xmlns:r="http://schemas.openxmlformats.org/officeDocument/2006/relationships" xmlns:p="http://schemas.openxmlformats.org/presentationml/2006/main">
   <p:cSld>
     <p:spTree>
@@ -24757,7 +25669,7 @@
             <a:fld id="{EB421C7E-0655-4947-B06C-8554469D79B2}" type="slidenum">
               <a:rPr lang="en-US" sz="1200" smtClean="0"/>
               <a:pPr/>
-              <a:t>33</a:t>
+              <a:t>34</a:t>
             </a:fld>
             <a:endParaRPr lang="en-US" sz="1200" dirty="0" smtClean="0"/>
           </a:p>
@@ -24979,7 +25891,7 @@
           <a:graphicData uri="http://schemas.openxmlformats.org/presentationml/2006/ole">
             <mc:AlternateContent xmlns:mc="http://schemas.openxmlformats.org/markup-compatibility/2006">
               <mc:Choice xmlns:v="urn:schemas-microsoft-com:vml" Requires="v">
-                <p:oleObj spid="_x0000_s2162" name="Equation" r:id="rId4" imgW="914400" imgH="215640" progId="Equation.3">
+                <p:oleObj spid="_x0000_s2190" name="Equation" r:id="rId4" imgW="914400" imgH="215640" progId="Equation.3">
                   <p:embed/>
                 </p:oleObj>
               </mc:Choice>
@@ -25049,7 +25961,7 @@
           <a:graphicData uri="http://schemas.openxmlformats.org/presentationml/2006/ole">
             <mc:AlternateContent xmlns:mc="http://schemas.openxmlformats.org/markup-compatibility/2006">
               <mc:Choice xmlns:v="urn:schemas-microsoft-com:vml" Requires="v">
-                <p:oleObj spid="_x0000_s2163" name="Equation" r:id="rId6" imgW="914400" imgH="215640" progId="Equation.3">
+                <p:oleObj spid="_x0000_s2191" name="Equation" r:id="rId6" imgW="914400" imgH="215640" progId="Equation.3">
                   <p:embed/>
                 </p:oleObj>
               </mc:Choice>
@@ -25147,8 +26059,8 @@
         </p:nvSpPr>
         <p:spPr bwMode="auto">
           <a:xfrm>
-            <a:off x="368301" y="1380677"/>
-            <a:ext cx="8369300" cy="4321623"/>
+            <a:off x="304800" y="1358901"/>
+            <a:ext cx="8559799" cy="4247317"/>
           </a:xfrm>
           <a:prstGeom prst="rect">
             <a:avLst/>
@@ -25189,7 +26101,7 @@
               <a:rPr lang="en-US" sz="5400" dirty="0" smtClean="0">
                 <a:latin typeface="Comic Sans MS" pitchFamily="66" charset="0"/>
               </a:rPr>
-              <a:t>.</a:t>
+              <a:t> (link on Stellar)</a:t>
             </a:r>
             <a:endParaRPr lang="en-US" sz="5400" dirty="0">
               <a:latin typeface="Comic Sans MS" pitchFamily="66" charset="0"/>
@@ -25327,7 +26239,7 @@
                                         <p:tgtEl>
                                           <p:spTgt spid="2056">
                                             <p:txEl>
-                                              <p:pRg st="0" end="0"/>
+                                              <p:pRg st="1" end="1"/>
                                             </p:txEl>
                                           </p:spTgt>
                                         </p:tgtEl>
@@ -25345,67 +26257,6 @@
                                         <p:tgtEl>
                                           <p:spTgt spid="2056">
                                             <p:txEl>
-                                              <p:pRg st="0" end="0"/>
-                                            </p:txEl>
-                                          </p:spTgt>
-                                        </p:tgtEl>
-                                      </p:cBhvr>
-                                    </p:animEffect>
-                                  </p:childTnLst>
-                                </p:cTn>
-                              </p:par>
-                            </p:childTnLst>
-                          </p:cTn>
-                        </p:par>
-                      </p:childTnLst>
-                    </p:cTn>
-                  </p:par>
-                  <p:par>
-                    <p:cTn id="8" fill="hold">
-                      <p:stCondLst>
-                        <p:cond delay="indefinite"/>
-                      </p:stCondLst>
-                      <p:childTnLst>
-                        <p:par>
-                          <p:cTn id="9" fill="hold">
-                            <p:stCondLst>
-                              <p:cond delay="0"/>
-                            </p:stCondLst>
-                            <p:childTnLst>
-                              <p:par>
-                                <p:cTn id="10" presetID="9" presetClass="entr" presetSubtype="0" fill="hold" nodeType="clickEffect">
-                                  <p:stCondLst>
-                                    <p:cond delay="0"/>
-                                  </p:stCondLst>
-                                  <p:childTnLst>
-                                    <p:set>
-                                      <p:cBhvr>
-                                        <p:cTn id="11" dur="1" fill="hold">
-                                          <p:stCondLst>
-                                            <p:cond delay="0"/>
-                                          </p:stCondLst>
-                                        </p:cTn>
-                                        <p:tgtEl>
-                                          <p:spTgt spid="2056">
-                                            <p:txEl>
-                                              <p:pRg st="1" end="1"/>
-                                            </p:txEl>
-                                          </p:spTgt>
-                                        </p:tgtEl>
-                                        <p:attrNameLst>
-                                          <p:attrName>style.visibility</p:attrName>
-                                        </p:attrNameLst>
-                                      </p:cBhvr>
-                                      <p:to>
-                                        <p:strVal val="visible"/>
-                                      </p:to>
-                                    </p:set>
-                                    <p:animEffect transition="in" filter="dissolve">
-                                      <p:cBhvr>
-                                        <p:cTn id="12" dur="500"/>
-                                        <p:tgtEl>
-                                          <p:spTgt spid="2056">
-                                            <p:txEl>
                                               <p:pRg st="1" end="1"/>
                                             </p:txEl>
                                           </p:spTgt>
@@ -25416,14 +26267,14 @@
                                 </p:cTn>
                               </p:par>
                               <p:par>
-                                <p:cTn id="13" presetID="9" presetClass="entr" presetSubtype="0" fill="hold" nodeType="withEffect">
+                                <p:cTn id="8" presetID="9" presetClass="entr" presetSubtype="0" fill="hold" nodeType="withEffect">
                                   <p:stCondLst>
                                     <p:cond delay="0"/>
                                   </p:stCondLst>
                                   <p:childTnLst>
                                     <p:set>
                                       <p:cBhvr>
-                                        <p:cTn id="14" dur="1" fill="hold">
+                                        <p:cTn id="9" dur="1" fill="hold">
                                           <p:stCondLst>
                                             <p:cond delay="0"/>
                                           </p:stCondLst>
@@ -25445,7 +26296,7 @@
                                     </p:set>
                                     <p:animEffect transition="in" filter="dissolve">
                                       <p:cBhvr>
-                                        <p:cTn id="15" dur="500"/>
+                                        <p:cTn id="10" dur="500"/>
                                         <p:tgtEl>
                                           <p:spTgt spid="2056">
                                             <p:txEl>
@@ -25574,20 +26425,7 @@
                 <a:cs typeface="Courier New"/>
                 <a:hlinkClick r:id="rId2"/>
               </a:rPr>
-              <a:t>2-s14-stellar@</a:t>
-            </a:r>
-            <a:r>
-              <a:rPr lang="en-US" sz="3800" b="1" dirty="0" smtClean="0">
-                <a:solidFill>
-                  <a:schemeClr val="accent1">
-                    <a:lumMod val="50000"/>
-                  </a:schemeClr>
-                </a:solidFill>
-                <a:latin typeface="Courier New"/>
-                <a:cs typeface="Courier New"/>
-                <a:hlinkClick r:id="rId2"/>
-              </a:rPr>
-              <a:t>csail.mit.ed</a:t>
+              <a:t>2-s14-stellar@csail.mit.ed</a:t>
             </a:r>
             <a:r>
               <a:rPr lang="en-US" sz="3800" b="1" dirty="0" smtClean="0">
@@ -26407,44 +27245,65 @@
           <a:lstStyle/>
           <a:p>
             <a:pPr algn="l">
+              <a:defRPr/>
+            </a:pPr>
+            <a:r>
+              <a:rPr lang="en-US" sz="4800" dirty="0" smtClean="0">
+                <a:solidFill>
+                  <a:srgbClr val="000000"/>
+                </a:solidFill>
+                <a:latin typeface="Comic Sans MS" pitchFamily="66" charset="0"/>
+              </a:rPr>
+              <a:t>     For</a:t>
+            </a:r>
+            <a:r>
+              <a:rPr lang="en-US" sz="4800" dirty="0" smtClean="0">
+                <a:solidFill>
+                  <a:srgbClr val="0000FF"/>
+                </a:solidFill>
+                <a:latin typeface="Comic Sans MS" pitchFamily="66" charset="0"/>
+              </a:rPr>
+              <a:t> Friday:</a:t>
+            </a:r>
+            <a:endParaRPr lang="en-US" sz="4800" dirty="0" smtClean="0">
+              <a:latin typeface="Comic Sans MS" pitchFamily="66" charset="0"/>
+            </a:endParaRPr>
+          </a:p>
+          <a:p>
+            <a:pPr algn="l">
               <a:buFont typeface="Arial" pitchFamily="34" charset="0"/>
               <a:buChar char="•"/>
               <a:defRPr/>
             </a:pPr>
             <a:r>
+              <a:rPr lang="en-US" sz="4800" dirty="0" smtClean="0">
+                <a:latin typeface="Comic Sans MS" pitchFamily="66" charset="0"/>
+              </a:rPr>
+              <a:t> </a:t>
+            </a:r>
+            <a:r>
+              <a:rPr lang="en-US" sz="4800" dirty="0" err="1" smtClean="0">
+                <a:latin typeface="Comic Sans MS" pitchFamily="66" charset="0"/>
+              </a:rPr>
+              <a:t>Courseinfo</a:t>
+            </a:r>
+            <a:r>
+              <a:rPr lang="en-US" sz="4800" dirty="0" smtClean="0">
+                <a:latin typeface="Comic Sans MS" pitchFamily="66" charset="0"/>
+              </a:rPr>
+              <a:t> </a:t>
+            </a:r>
+            <a:r>
               <a:rPr lang="en-US" sz="4800" dirty="0">
                 <a:latin typeface="Comic Sans MS" pitchFamily="66" charset="0"/>
               </a:rPr>
-              <a:t> </a:t>
-            </a:r>
-            <a:r>
-              <a:rPr lang="en-US" sz="4800" dirty="0" err="1" smtClean="0">
-                <a:latin typeface="Comic Sans MS" pitchFamily="66" charset="0"/>
-              </a:rPr>
-              <a:t>Courseinfo</a:t>
+              <a:t>on web </a:t>
             </a:r>
             <a:r>
               <a:rPr lang="en-US" sz="4800" dirty="0" smtClean="0">
                 <a:latin typeface="Comic Sans MS" pitchFamily="66" charset="0"/>
               </a:rPr>
-              <a:t> </a:t>
-            </a:r>
-            <a:r>
-              <a:rPr lang="en-US" sz="4800" dirty="0">
-                <a:latin typeface="Comic Sans MS" pitchFamily="66" charset="0"/>
-              </a:rPr>
-              <a:t>on web page </a:t>
-            </a:r>
-            <a:r>
-              <a:rPr lang="en-US" sz="4800" dirty="0" err="1" smtClean="0">
-                <a:solidFill>
-                  <a:schemeClr val="accent5">
-                    <a:lumMod val="50000"/>
-                  </a:schemeClr>
-                </a:solidFill>
-                <a:latin typeface="Comic Sans MS" pitchFamily="66" charset="0"/>
-              </a:rPr>
-              <a:t>asap</a:t>
+              <a:t>page</a:t>
             </a:r>
             <a:endParaRPr lang="en-US" sz="4800" dirty="0">
               <a:solidFill>
@@ -26465,32 +27324,19 @@
               <a:rPr lang="en-US" sz="4800" dirty="0" smtClean="0">
                 <a:latin typeface="Comic Sans MS" pitchFamily="66" charset="0"/>
               </a:rPr>
-              <a:t> Text Chapter </a:t>
-            </a:r>
-            <a:r>
-              <a:rPr lang="en-US" sz="4800" dirty="0" smtClean="0">
-                <a:latin typeface="Comic Sans MS" pitchFamily="66" charset="0"/>
-              </a:rPr>
-              <a:t>1, </a:t>
-            </a:r>
-            <a:r>
-              <a:rPr lang="en-US" sz="4800" dirty="0" smtClean="0">
-                <a:latin typeface="Comic Sans MS" pitchFamily="66" charset="0"/>
-              </a:rPr>
-              <a:t>slide </a:t>
-            </a:r>
-            <a:r>
-              <a:rPr lang="en-US" sz="4800" dirty="0">
-                <a:latin typeface="Comic Sans MS" pitchFamily="66" charset="0"/>
-              </a:rPr>
-              <a:t>video </a:t>
-            </a:r>
-            <a:r>
-              <a:rPr lang="en-US" sz="4800" dirty="0" smtClean="0">
-                <a:latin typeface="Comic Sans MS" pitchFamily="66" charset="0"/>
-              </a:rPr>
-              <a:t>  	</a:t>
-            </a:r>
+              <a:t> Text Chapter 1; slides/videos</a:t>
+            </a:r>
+            <a:endParaRPr lang="en-US" sz="4800" dirty="0" smtClean="0">
+              <a:solidFill>
+                <a:srgbClr val="000000"/>
+              </a:solidFill>
+              <a:latin typeface="Comic Sans MS" pitchFamily="66" charset="0"/>
+            </a:endParaRPr>
+          </a:p>
+          <a:p>
+            <a:pPr algn="l">
+              <a:defRPr/>
+            </a:pPr>
             <a:r>
               <a:rPr lang="en-US" sz="4800" dirty="0" smtClean="0">
                 <a:solidFill>
@@ -26498,7 +27344,7 @@
                 </a:solidFill>
                 <a:latin typeface="Comic Sans MS" pitchFamily="66" charset="0"/>
               </a:rPr>
-              <a:t>for</a:t>
+              <a:t>     </a:t>
             </a:r>
             <a:r>
               <a:rPr lang="en-US" sz="4800" dirty="0" smtClean="0">
@@ -26507,7 +27353,7 @@
                 </a:solidFill>
                 <a:latin typeface="Comic Sans MS" pitchFamily="66" charset="0"/>
               </a:rPr>
-              <a:t> Friday</a:t>
+              <a:t>Next week:</a:t>
             </a:r>
             <a:r>
               <a:rPr lang="en-US" sz="4800" dirty="0" smtClean="0">
@@ -26516,69 +27362,7 @@
                 </a:solidFill>
                 <a:latin typeface="Comic Sans MS" pitchFamily="66" charset="0"/>
               </a:rPr>
-              <a:t>.</a:t>
-            </a:r>
-          </a:p>
-          <a:p>
-            <a:pPr algn="l">
-              <a:defRPr/>
-            </a:pPr>
-            <a:r>
-              <a:rPr lang="en-US" sz="4800" dirty="0" smtClean="0">
-                <a:solidFill>
-                  <a:srgbClr val="000000"/>
-                </a:solidFill>
-                <a:latin typeface="Comic Sans MS" pitchFamily="66" charset="0"/>
-              </a:rPr>
-              <a:t>     </a:t>
-            </a:r>
-            <a:r>
-              <a:rPr lang="en-US" sz="4800" dirty="0">
-                <a:latin typeface="Comic Sans MS" pitchFamily="66" charset="0"/>
-              </a:rPr>
-              <a:t>F</a:t>
-            </a:r>
-            <a:r>
-              <a:rPr lang="en-US" sz="4800" dirty="0" smtClean="0">
-                <a:latin typeface="Comic Sans MS" pitchFamily="66" charset="0"/>
-              </a:rPr>
-              <a:t>or</a:t>
-            </a:r>
-            <a:r>
-              <a:rPr lang="en-US" sz="4800" dirty="0" smtClean="0">
-                <a:solidFill>
-                  <a:srgbClr val="0000FF"/>
-                </a:solidFill>
-                <a:latin typeface="Comic Sans MS" pitchFamily="66" charset="0"/>
-              </a:rPr>
-              <a:t> </a:t>
-            </a:r>
-            <a:r>
-              <a:rPr lang="en-US" sz="4800" dirty="0">
-                <a:solidFill>
-                  <a:srgbClr val="0000FF"/>
-                </a:solidFill>
-                <a:latin typeface="Comic Sans MS" pitchFamily="66" charset="0"/>
-              </a:rPr>
-              <a:t>next </a:t>
-            </a:r>
-            <a:r>
-              <a:rPr lang="en-US" sz="4800" dirty="0" smtClean="0">
-                <a:solidFill>
-                  <a:srgbClr val="0000FF"/>
-                </a:solidFill>
-                <a:latin typeface="Comic Sans MS" pitchFamily="66" charset="0"/>
-              </a:rPr>
-              <a:t>week:</a:t>
-            </a:r>
-            <a:r>
-              <a:rPr lang="en-US" sz="4800" dirty="0" smtClean="0">
-                <a:solidFill>
-                  <a:srgbClr val="000000"/>
-                </a:solidFill>
-                <a:latin typeface="Comic Sans MS" pitchFamily="66" charset="0"/>
-              </a:rPr>
-              <a:t> videos &amp;</a:t>
+              <a:t> slides/videos &amp;</a:t>
             </a:r>
             <a:endParaRPr lang="en-US" sz="4800" dirty="0" smtClean="0">
               <a:solidFill>
@@ -26656,18 +27440,7 @@
                 </a:solidFill>
                 <a:latin typeface="Comic Sans MS" pitchFamily="66" charset="0"/>
               </a:rPr>
-              <a:t>Wed, </a:t>
-            </a:r>
-            <a:r>
-              <a:rPr lang="en-US" sz="4800" dirty="0" smtClean="0">
-                <a:solidFill>
-                  <a:schemeClr val="accent1">
-                    <a:lumMod val="50000"/>
-                  </a:schemeClr>
-                </a:solidFill>
-                <a:latin typeface="Comic Sans MS" pitchFamily="66" charset="0"/>
-              </a:rPr>
-              <a:t>Fri</a:t>
+              <a:t>Wed, Fri</a:t>
             </a:r>
             <a:endParaRPr lang="en-US" sz="4800" dirty="0">
               <a:latin typeface="Comic Sans MS" pitchFamily="66" charset="0"/>
@@ -26763,7 +27536,7 @@
           <a:graphicData uri="http://schemas.openxmlformats.org/presentationml/2006/ole">
             <mc:AlternateContent xmlns:mc="http://schemas.openxmlformats.org/markup-compatibility/2006">
               <mc:Choice xmlns:v="urn:schemas-microsoft-com:vml" Requires="v">
-                <p:oleObj spid="_x0000_s3185" name="Equation" r:id="rId4" imgW="914400" imgH="215640" progId="Equation.3">
+                <p:oleObj spid="_x0000_s3205" name="Equation" r:id="rId4" imgW="914400" imgH="215640" progId="Equation.3">
                   <p:embed/>
                 </p:oleObj>
               </mc:Choice>
@@ -26773,76 +27546,6 @@
                   <p:pic>
                     <p:nvPicPr>
                       <p:cNvPr id="0" name="Object 4"/>
-                      <p:cNvPicPr>
-                        <a:picLocks noChangeAspect="1" noChangeArrowheads="1"/>
-                      </p:cNvPicPr>
-                      <p:nvPr/>
-                    </p:nvPicPr>
-                    <p:blipFill>
-                      <a:blip r:embed="rId5">
-                        <a:extLst>
-                          <a:ext uri="{28A0092B-C50C-407E-A947-70E740481C1C}">
-                            <a14:useLocalDpi xmlns:a14="http://schemas.microsoft.com/office/drawing/2010/main" val="0"/>
-                          </a:ext>
-                        </a:extLst>
-                      </a:blip>
-                      <a:srcRect/>
-                      <a:stretch>
-                        <a:fillRect/>
-                      </a:stretch>
-                    </p:blipFill>
-                    <p:spPr bwMode="auto">
-                      <a:xfrm>
-                        <a:off x="4114800" y="3321050"/>
-                        <a:ext cx="914400" cy="215900"/>
-                      </a:xfrm>
-                      <a:prstGeom prst="rect">
-                        <a:avLst/>
-                      </a:prstGeom>
-                      <a:noFill/>
-                      <a:extLst>
-                        <a:ext uri="{909E8E84-426E-40dd-AFC4-6F175D3DCCD1}">
-                          <a14:hiddenFill xmlns:a14="http://schemas.microsoft.com/office/drawing/2010/main">
-                            <a:solidFill>
-                              <a:srgbClr val="FFFFFF"/>
-                            </a:solidFill>
-                          </a14:hiddenFill>
-                        </a:ext>
-                      </a:extLst>
-                    </p:spPr>
-                  </p:pic>
-                </p:oleObj>
-              </mc:Fallback>
-            </mc:AlternateContent>
-          </a:graphicData>
-        </a:graphic>
-      </p:graphicFrame>
-      <p:graphicFrame>
-        <p:nvGraphicFramePr>
-          <p:cNvPr id="3076" name="Object 5"/>
-          <p:cNvGraphicFramePr>
-            <a:graphicFrameLocks noChangeAspect="1"/>
-          </p:cNvGraphicFramePr>
-          <p:nvPr/>
-        </p:nvGraphicFramePr>
-        <p:xfrm>
-          <a:off x="4114800" y="3321050"/>
-          <a:ext cx="914400" cy="215900"/>
-        </p:xfrm>
-        <a:graphic>
-          <a:graphicData uri="http://schemas.openxmlformats.org/presentationml/2006/ole">
-            <mc:AlternateContent xmlns:mc="http://schemas.openxmlformats.org/markup-compatibility/2006">
-              <mc:Choice xmlns:v="urn:schemas-microsoft-com:vml" Requires="v">
-                <p:oleObj spid="_x0000_s3186" name="Equation" r:id="rId6" imgW="914400" imgH="215640" progId="Equation.3">
-                  <p:embed/>
-                </p:oleObj>
-              </mc:Choice>
-              <mc:Fallback>
-                <p:oleObj name="Equation" r:id="rId6" imgW="914400" imgH="215640" progId="Equation.3">
-                  <p:embed/>
-                  <p:pic>
-                    <p:nvPicPr>
-                      <p:cNvPr id="0" name="Object 5"/>
                       <p:cNvPicPr>
                         <a:picLocks noChangeAspect="1" noChangeArrowheads="1"/>
                       </p:cNvPicPr>
@@ -27056,21 +27759,30 @@
                             </p:childTnLst>
                           </p:cTn>
                         </p:par>
+                      </p:childTnLst>
+                    </p:cTn>
+                  </p:par>
+                  <p:par>
+                    <p:cTn id="13" fill="hold">
+                      <p:stCondLst>
+                        <p:cond delay="indefinite"/>
+                      </p:stCondLst>
+                      <p:childTnLst>
                         <p:par>
-                          <p:cTn id="13" fill="hold">
+                          <p:cTn id="14" fill="hold">
                             <p:stCondLst>
-                              <p:cond delay="500"/>
+                              <p:cond delay="0"/>
                             </p:stCondLst>
                             <p:childTnLst>
                               <p:par>
-                                <p:cTn id="14" presetID="9" presetClass="entr" presetSubtype="0" fill="hold" nodeType="afterEffect">
+                                <p:cTn id="15" presetID="9" presetClass="entr" presetSubtype="0" fill="hold" nodeType="clickEffect">
                                   <p:stCondLst>
                                     <p:cond delay="0"/>
                                   </p:stCondLst>
                                   <p:childTnLst>
                                     <p:set>
                                       <p:cBhvr>
-                                        <p:cTn id="15" dur="1" fill="hold">
+                                        <p:cTn id="16" dur="1" fill="hold">
                                           <p:stCondLst>
                                             <p:cond delay="0"/>
                                           </p:stCondLst>
@@ -27092,7 +27804,7 @@
                                     </p:set>
                                     <p:animEffect transition="in" filter="dissolve">
                                       <p:cBhvr>
-                                        <p:cTn id="16" dur="500"/>
+                                        <p:cTn id="17" dur="500"/>
                                         <p:tgtEl>
                                           <p:spTgt spid="3080">
                                             <p:txEl>
@@ -27109,20 +27821,20 @@
                           </p:cTn>
                         </p:par>
                         <p:par>
-                          <p:cTn id="17" fill="hold">
+                          <p:cTn id="18" fill="hold">
                             <p:stCondLst>
-                              <p:cond delay="1000"/>
+                              <p:cond delay="500"/>
                             </p:stCondLst>
                             <p:childTnLst>
                               <p:par>
-                                <p:cTn id="18" presetID="9" presetClass="entr" presetSubtype="0" fill="hold" nodeType="afterEffect">
+                                <p:cTn id="19" presetID="9" presetClass="entr" presetSubtype="0" fill="hold" nodeType="afterEffect">
                                   <p:stCondLst>
                                     <p:cond delay="0"/>
                                   </p:stCondLst>
                                   <p:childTnLst>
                                     <p:set>
                                       <p:cBhvr>
-                                        <p:cTn id="19" dur="1" fill="hold">
+                                        <p:cTn id="20" dur="1" fill="hold">
                                           <p:stCondLst>
                                             <p:cond delay="0"/>
                                           </p:stCondLst>
@@ -27144,11 +27856,72 @@
                                     </p:set>
                                     <p:animEffect transition="in" filter="dissolve">
                                       <p:cBhvr>
-                                        <p:cTn id="20" dur="500"/>
+                                        <p:cTn id="21" dur="500"/>
                                         <p:tgtEl>
                                           <p:spTgt spid="3080">
                                             <p:txEl>
                                               <p:pRg st="4" end="4"/>
+                                            </p:txEl>
+                                          </p:spTgt>
+                                        </p:tgtEl>
+                                      </p:cBhvr>
+                                    </p:animEffect>
+                                  </p:childTnLst>
+                                </p:cTn>
+                              </p:par>
+                            </p:childTnLst>
+                          </p:cTn>
+                        </p:par>
+                      </p:childTnLst>
+                    </p:cTn>
+                  </p:par>
+                  <p:par>
+                    <p:cTn id="22" fill="hold">
+                      <p:stCondLst>
+                        <p:cond delay="indefinite"/>
+                      </p:stCondLst>
+                      <p:childTnLst>
+                        <p:par>
+                          <p:cTn id="23" fill="hold">
+                            <p:stCondLst>
+                              <p:cond delay="0"/>
+                            </p:stCondLst>
+                            <p:childTnLst>
+                              <p:par>
+                                <p:cTn id="24" presetID="9" presetClass="entr" presetSubtype="0" fill="hold" nodeType="clickEffect">
+                                  <p:stCondLst>
+                                    <p:cond delay="0"/>
+                                  </p:stCondLst>
+                                  <p:childTnLst>
+                                    <p:set>
+                                      <p:cBhvr>
+                                        <p:cTn id="25" dur="1" fill="hold">
+                                          <p:stCondLst>
+                                            <p:cond delay="0"/>
+                                          </p:stCondLst>
+                                        </p:cTn>
+                                        <p:tgtEl>
+                                          <p:spTgt spid="3080">
+                                            <p:txEl>
+                                              <p:pRg st="5" end="5"/>
+                                            </p:txEl>
+                                          </p:spTgt>
+                                        </p:tgtEl>
+                                        <p:attrNameLst>
+                                          <p:attrName>style.visibility</p:attrName>
+                                        </p:attrNameLst>
+                                      </p:cBhvr>
+                                      <p:to>
+                                        <p:strVal val="visible"/>
+                                      </p:to>
+                                    </p:set>
+                                    <p:animEffect transition="in" filter="dissolve">
+                                      <p:cBhvr>
+                                        <p:cTn id="26" dur="500"/>
+                                        <p:tgtEl>
+                                          <p:spTgt spid="3080">
+                                            <p:txEl>
+                                              <p:pRg st="5" end="5"/>
                                             </p:txEl>
                                           </p:spTgt>
                                         </p:tgtEl>
@@ -27207,198 +27980,79 @@
       </p:grpSpPr>
       <p:sp>
         <p:nvSpPr>
-          <p:cNvPr id="2" name="Title 1"/>
-          <p:cNvSpPr>
-            <a:spLocks noGrp="1"/>
-          </p:cNvSpPr>
-          <p:nvPr>
-            <p:ph type="title"/>
-          </p:nvPr>
-        </p:nvSpPr>
-        <p:spPr/>
-        <p:txBody>
-          <a:bodyPr/>
+          <p:cNvPr id="3080" name="Text Box 7"/>
+          <p:cNvSpPr txBox="1">
+            <a:spLocks noChangeArrowheads="1"/>
+          </p:cNvSpPr>
+          <p:nvPr/>
+        </p:nvSpPr>
+        <p:spPr bwMode="auto">
+          <a:xfrm>
+            <a:off x="275168" y="1955800"/>
+            <a:ext cx="8627531" cy="3046988"/>
+          </a:xfrm>
+          <a:prstGeom prst="rect">
+            <a:avLst/>
+          </a:prstGeom>
+          <a:noFill/>
+          <a:ln w="9525">
+            <a:noFill/>
+            <a:miter lim="800000"/>
+            <a:headEnd/>
+            <a:tailEnd type="none" w="lg" len="lg"/>
+          </a:ln>
+        </p:spPr>
+        <p:txBody>
+          <a:bodyPr wrap="square">
+            <a:spAutoFit/>
+          </a:bodyPr>
           <a:lstStyle/>
           <a:p>
-            <a:r>
-              <a:rPr lang="en-US" dirty="0" smtClean="0"/>
-              <a:t>How the Class Works</a:t>
-            </a:r>
-            <a:endParaRPr lang="en-US" dirty="0"/>
-          </a:p>
-        </p:txBody>
-      </p:sp>
-      <p:sp>
-        <p:nvSpPr>
-          <p:cNvPr id="3" name="Content Placeholder 2"/>
-          <p:cNvSpPr>
-            <a:spLocks noGrp="1"/>
-          </p:cNvSpPr>
-          <p:nvPr>
-            <p:ph idx="1"/>
-          </p:nvPr>
-        </p:nvSpPr>
-        <p:spPr>
-          <a:xfrm>
-            <a:off x="182037" y="1354665"/>
-            <a:ext cx="8758763" cy="4792136"/>
-          </a:xfrm>
-        </p:spPr>
-        <p:txBody>
-          <a:bodyPr/>
-          <a:lstStyle/>
-          <a:p>
-            <a:r>
-              <a:rPr lang="en-US" sz="4000" dirty="0" smtClean="0">
-                <a:solidFill>
-                  <a:srgbClr val="CB21DD"/>
-                </a:solidFill>
-              </a:rPr>
-              <a:t>required attendance</a:t>
-            </a:r>
-          </a:p>
-          <a:p>
-            <a:r>
-              <a:rPr lang="en-US" sz="4000" dirty="0" err="1" smtClean="0">
+            <a:pPr algn="l">
+              <a:defRPr/>
+            </a:pPr>
+            <a:r>
+              <a:rPr lang="en-US" sz="9600" baseline="30000" dirty="0" smtClean="0">
+                <a:latin typeface="Comic Sans MS" pitchFamily="66" charset="0"/>
+              </a:rPr>
+              <a:t>Specific readings and due dates in class </a:t>
+            </a:r>
+            <a:r>
+              <a:rPr lang="en-US" sz="9600" baseline="30000" dirty="0" smtClean="0">
                 <a:solidFill>
                   <a:srgbClr val="0000FF"/>
                 </a:solidFill>
-              </a:rPr>
-              <a:t>miniquizzes</a:t>
-            </a:r>
-            <a:r>
-              <a:rPr lang="en-US" sz="4000" dirty="0" smtClean="0"/>
-              <a:t> most Mondays 15 min.</a:t>
-            </a:r>
-          </a:p>
-          <a:p>
-            <a:r>
-              <a:rPr lang="en-US" sz="4000" dirty="0" err="1" smtClean="0">
+                <a:latin typeface="Comic Sans MS" pitchFamily="66" charset="0"/>
+              </a:rPr>
+              <a:t>calendar </a:t>
+            </a:r>
+            <a:r>
+              <a:rPr lang="en-US" sz="9600" baseline="30000" dirty="0" smtClean="0">
+                <a:latin typeface="Comic Sans MS" pitchFamily="66" charset="0"/>
+              </a:rPr>
+              <a:t>on </a:t>
+            </a:r>
+            <a:r>
+              <a:rPr lang="en-US" sz="9600" baseline="30000" dirty="0" smtClean="0">
                 <a:solidFill>
                   <a:srgbClr val="0000FF"/>
                 </a:solidFill>
-              </a:rPr>
-              <a:t>psets</a:t>
-            </a:r>
-            <a:r>
-              <a:rPr lang="en-US" sz="4000" dirty="0" smtClean="0">
-                <a:solidFill>
-                  <a:srgbClr val="5959FF"/>
-                </a:solidFill>
-              </a:rPr>
-              <a:t> </a:t>
-            </a:r>
-            <a:r>
-              <a:rPr lang="en-US" sz="4000" dirty="0" smtClean="0"/>
-              <a:t>due most Fridays</a:t>
-            </a:r>
-          </a:p>
-          <a:p>
-            <a:r>
-              <a:rPr lang="en-US" sz="4000" dirty="0" smtClean="0">
-                <a:solidFill>
-                  <a:srgbClr val="0000FF"/>
-                </a:solidFill>
-              </a:rPr>
-              <a:t>videos, online</a:t>
-            </a:r>
-            <a:r>
-              <a:rPr lang="en-US" sz="4000" dirty="0" smtClean="0"/>
-              <a:t> </a:t>
-            </a:r>
-            <a:r>
-              <a:rPr lang="en-US" sz="4000" dirty="0" smtClean="0">
-                <a:solidFill>
-                  <a:schemeClr val="accent1">
-                    <a:lumMod val="50000"/>
-                  </a:schemeClr>
-                </a:solidFill>
-              </a:rPr>
-              <a:t>problems</a:t>
-            </a:r>
-            <a:r>
-              <a:rPr lang="en-US" sz="4000" dirty="0" smtClean="0"/>
-              <a:t> </a:t>
-            </a:r>
-            <a:r>
-              <a:rPr lang="en-US" sz="4000" dirty="0" smtClean="0"/>
-              <a:t>most days</a:t>
-            </a:r>
-          </a:p>
-          <a:p>
-            <a:r>
-              <a:rPr lang="en-US" sz="4000" dirty="0" smtClean="0">
-                <a:solidFill>
-                  <a:srgbClr val="0000FF"/>
-                </a:solidFill>
-              </a:rPr>
-              <a:t>3 </a:t>
-            </a:r>
-            <a:r>
-              <a:rPr lang="en-US" sz="4000" dirty="0" smtClean="0">
-                <a:solidFill>
-                  <a:srgbClr val="0000FF"/>
-                </a:solidFill>
-              </a:rPr>
-              <a:t>midterms</a:t>
-            </a:r>
-            <a:r>
-              <a:rPr lang="en-US" sz="4000" dirty="0" smtClean="0"/>
-              <a:t>, </a:t>
-            </a:r>
-            <a:r>
-              <a:rPr lang="en-US" sz="4000" dirty="0" smtClean="0"/>
-              <a:t>80 min. </a:t>
-            </a:r>
-            <a:r>
-              <a:rPr lang="en-US" sz="4000" dirty="0" smtClean="0"/>
-              <a:t>each</a:t>
-            </a:r>
-          </a:p>
-          <a:p>
-            <a:r>
-              <a:rPr lang="en-US" sz="4000" dirty="0">
-                <a:solidFill>
-                  <a:srgbClr val="0000FF"/>
-                </a:solidFill>
-              </a:rPr>
-              <a:t>comments</a:t>
-            </a:r>
-            <a:r>
-              <a:rPr lang="en-US" sz="4000" dirty="0"/>
-              <a:t> in Piazza </a:t>
-            </a:r>
-            <a:r>
-              <a:rPr lang="en-US" sz="4000" dirty="0" smtClean="0"/>
-              <a:t>(</a:t>
-            </a:r>
-            <a:r>
-              <a:rPr lang="en-US" sz="4000" dirty="0" smtClean="0">
-                <a:solidFill>
-                  <a:srgbClr val="077F15"/>
-                </a:solidFill>
-              </a:rPr>
-              <a:t>optional</a:t>
-            </a:r>
-            <a:r>
-              <a:rPr lang="en-US" sz="4000" dirty="0" smtClean="0">
-                <a:solidFill>
-                  <a:srgbClr val="000000"/>
-                </a:solidFill>
-              </a:rPr>
-              <a:t>)</a:t>
-            </a:r>
-            <a:endParaRPr lang="en-US" sz="4000" dirty="0">
+                <a:latin typeface="Comic Sans MS" pitchFamily="66" charset="0"/>
+              </a:rPr>
+              <a:t>Stellar</a:t>
+            </a:r>
+            <a:endParaRPr lang="en-US" sz="9600" baseline="30000" dirty="0">
               <a:solidFill>
-                <a:srgbClr val="000000"/>
+                <a:srgbClr val="0000FF"/>
               </a:solidFill>
+              <a:latin typeface="Comic Sans MS" pitchFamily="66" charset="0"/>
             </a:endParaRPr>
           </a:p>
         </p:txBody>
       </p:sp>
       <p:sp>
         <p:nvSpPr>
-          <p:cNvPr id="4" name="Slide Number Placeholder 3"/>
+          <p:cNvPr id="3077" name="Slide Number Placeholder 3"/>
           <p:cNvSpPr>
             <a:spLocks noGrp="1"/>
           </p:cNvSpPr>
@@ -27411,444 +28065,82 @@
             <a:off x="7693739" y="6553200"/>
             <a:ext cx="1450262" cy="307777"/>
           </a:xfrm>
+          <a:noFill/>
         </p:spPr>
         <p:txBody>
           <a:bodyPr/>
           <a:lstStyle/>
           <a:p>
-            <a:pPr>
+            <a:r>
+              <a:rPr lang="en-US" dirty="0" smtClean="0"/>
+              <a:t>      </a:t>
+            </a:r>
+            <a:r>
+              <a:rPr lang="en-US" sz="1200" dirty="0" smtClean="0"/>
+              <a:t>proof-intro.</a:t>
+            </a:r>
+            <a:fld id="{4D204BE9-2F10-477E-9517-5A472BD6B7C3}" type="slidenum">
+              <a:rPr lang="en-US" sz="1200" smtClean="0"/>
+              <a:pPr/>
+              <a:t>9</a:t>
+            </a:fld>
+            <a:endParaRPr lang="en-US" sz="1200" dirty="0" smtClean="0"/>
+          </a:p>
+        </p:txBody>
+      </p:sp>
+      <p:sp>
+        <p:nvSpPr>
+          <p:cNvPr id="3078" name="Rectangle 2"/>
+          <p:cNvSpPr>
+            <a:spLocks noGrp="1" noChangeArrowheads="1"/>
+          </p:cNvSpPr>
+          <p:nvPr>
+            <p:ph type="ctrTitle"/>
+          </p:nvPr>
+        </p:nvSpPr>
+        <p:spPr>
+          <a:xfrm>
+            <a:off x="1516063" y="319088"/>
+            <a:ext cx="6484937" cy="1123950"/>
+          </a:xfrm>
+        </p:spPr>
+        <p:txBody>
+          <a:bodyPr/>
+          <a:lstStyle/>
+          <a:p>
+            <a:pPr algn="ctr" eaLnBrk="1" hangingPunct="1">
               <a:defRPr/>
             </a:pPr>
             <a:r>
-              <a:rPr lang="en-US" dirty="0" smtClean="0"/>
-              <a:t>      </a:t>
-            </a:r>
-            <a:r>
-              <a:rPr lang="en-US" sz="1200" dirty="0" smtClean="0"/>
-              <a:t>proof-intro.</a:t>
-            </a:r>
-            <a:fld id="{9A106780-21EA-4C13-B4C5-F962BEA7B00B}" type="slidenum">
-              <a:rPr lang="en-US" sz="1200" smtClean="0"/>
-              <a:pPr>
-                <a:defRPr/>
-              </a:pPr>
-              <a:t>9</a:t>
-            </a:fld>
-            <a:endParaRPr lang="en-US" sz="1200" dirty="0"/>
+              <a:rPr lang="en-US" dirty="0" smtClean="0">
+                <a:solidFill>
+                  <a:schemeClr val="tx1"/>
+                </a:solidFill>
+              </a:rPr>
+              <a:t>Reading Assignment</a:t>
+            </a:r>
           </a:p>
         </p:txBody>
       </p:sp>
     </p:spTree>
     <p:extLst>
       <p:ext uri="{BB962C8B-B14F-4D97-AF65-F5344CB8AC3E}">
-        <p14:creationId xmlns:p14="http://schemas.microsoft.com/office/powerpoint/2010/main" val="860953727"/>
+        <p14:creationId xmlns:p14="http://schemas.microsoft.com/office/powerpoint/2010/main" val="277740754"/>
       </p:ext>
     </p:extLst>
   </p:cSld>
   <p:clrMapOvr>
     <a:masterClrMapping/>
   </p:clrMapOvr>
-  <p:transition xmlns:p14="http://schemas.microsoft.com/office/powerpoint/2010/main" spd="slow" advClick="0">
-    <p:fade/>
+  <p:transition xmlns:p14="http://schemas.microsoft.com/office/powerpoint/2010/main" advClick="0">
+    <p:fade thruBlk="1"/>
   </p:transition>
   <p:timing>
     <p:tnLst>
       <p:par>
-        <p:cTn xmlns:p14="http://schemas.microsoft.com/office/powerpoint/2010/main" id="1" dur="indefinite" restart="never" nodeType="tmRoot">
-          <p:childTnLst>
-            <p:seq concurrent="1" nextAc="seek">
-              <p:cTn id="2" dur="indefinite" nodeType="mainSeq">
-                <p:childTnLst>
-                  <p:par>
-                    <p:cTn id="3" fill="hold">
-                      <p:stCondLst>
-                        <p:cond delay="indefinite"/>
-                      </p:stCondLst>
-                      <p:childTnLst>
-                        <p:par>
-                          <p:cTn id="4" fill="hold">
-                            <p:stCondLst>
-                              <p:cond delay="0"/>
-                            </p:stCondLst>
-                            <p:childTnLst>
-                              <p:par>
-                                <p:cTn id="5" presetID="10" presetClass="entr" presetSubtype="0" fill="hold" grpId="0" nodeType="clickEffect">
-                                  <p:stCondLst>
-                                    <p:cond delay="0"/>
-                                  </p:stCondLst>
-                                  <p:childTnLst>
-                                    <p:set>
-                                      <p:cBhvr>
-                                        <p:cTn id="6" dur="1" fill="hold">
-                                          <p:stCondLst>
-                                            <p:cond delay="0"/>
-                                          </p:stCondLst>
-                                        </p:cTn>
-                                        <p:tgtEl>
-                                          <p:spTgt spid="3">
-                                            <p:txEl>
-                                              <p:pRg st="0" end="0"/>
-                                            </p:txEl>
-                                          </p:spTgt>
-                                        </p:tgtEl>
-                                        <p:attrNameLst>
-                                          <p:attrName>style.visibility</p:attrName>
-                                        </p:attrNameLst>
-                                      </p:cBhvr>
-                                      <p:to>
-                                        <p:strVal val="visible"/>
-                                      </p:to>
-                                    </p:set>
-                                    <p:animEffect transition="in" filter="fade">
-                                      <p:cBhvr>
-                                        <p:cTn id="7" dur="500"/>
-                                        <p:tgtEl>
-                                          <p:spTgt spid="3">
-                                            <p:txEl>
-                                              <p:pRg st="0" end="0"/>
-                                            </p:txEl>
-                                          </p:spTgt>
-                                        </p:tgtEl>
-                                      </p:cBhvr>
-                                    </p:animEffect>
-                                  </p:childTnLst>
-                                </p:cTn>
-                              </p:par>
-                            </p:childTnLst>
-                          </p:cTn>
-                        </p:par>
-                      </p:childTnLst>
-                    </p:cTn>
-                  </p:par>
-                  <p:par>
-                    <p:cTn id="8" fill="hold">
-                      <p:stCondLst>
-                        <p:cond delay="indefinite"/>
-                      </p:stCondLst>
-                      <p:childTnLst>
-                        <p:par>
-                          <p:cTn id="9" fill="hold">
-                            <p:stCondLst>
-                              <p:cond delay="0"/>
-                            </p:stCondLst>
-                            <p:childTnLst>
-                              <p:par>
-                                <p:cTn id="10" presetID="10" presetClass="entr" presetSubtype="0" fill="hold" grpId="0" nodeType="clickEffect">
-                                  <p:stCondLst>
-                                    <p:cond delay="0"/>
-                                  </p:stCondLst>
-                                  <p:childTnLst>
-                                    <p:set>
-                                      <p:cBhvr>
-                                        <p:cTn id="11" dur="1" fill="hold">
-                                          <p:stCondLst>
-                                            <p:cond delay="0"/>
-                                          </p:stCondLst>
-                                        </p:cTn>
-                                        <p:tgtEl>
-                                          <p:spTgt spid="3">
-                                            <p:txEl>
-                                              <p:pRg st="1" end="1"/>
-                                            </p:txEl>
-                                          </p:spTgt>
-                                        </p:tgtEl>
-                                        <p:attrNameLst>
-                                          <p:attrName>style.visibility</p:attrName>
-                                        </p:attrNameLst>
-                                      </p:cBhvr>
-                                      <p:to>
-                                        <p:strVal val="visible"/>
-                                      </p:to>
-                                    </p:set>
-                                    <p:animEffect transition="in" filter="fade">
-                                      <p:cBhvr>
-                                        <p:cTn id="12" dur="500"/>
-                                        <p:tgtEl>
-                                          <p:spTgt spid="3">
-                                            <p:txEl>
-                                              <p:pRg st="1" end="1"/>
-                                            </p:txEl>
-                                          </p:spTgt>
-                                        </p:tgtEl>
-                                      </p:cBhvr>
-                                    </p:animEffect>
-                                  </p:childTnLst>
-                                </p:cTn>
-                              </p:par>
-                            </p:childTnLst>
-                          </p:cTn>
-                        </p:par>
-                      </p:childTnLst>
-                    </p:cTn>
-                  </p:par>
-                  <p:par>
-                    <p:cTn id="13" fill="hold">
-                      <p:stCondLst>
-                        <p:cond delay="indefinite"/>
-                      </p:stCondLst>
-                      <p:childTnLst>
-                        <p:par>
-                          <p:cTn id="14" fill="hold">
-                            <p:stCondLst>
-                              <p:cond delay="0"/>
-                            </p:stCondLst>
-                            <p:childTnLst>
-                              <p:par>
-                                <p:cTn id="15" presetID="10" presetClass="entr" presetSubtype="0" fill="hold" grpId="0" nodeType="clickEffect">
-                                  <p:stCondLst>
-                                    <p:cond delay="0"/>
-                                  </p:stCondLst>
-                                  <p:childTnLst>
-                                    <p:set>
-                                      <p:cBhvr>
-                                        <p:cTn id="16" dur="1" fill="hold">
-                                          <p:stCondLst>
-                                            <p:cond delay="0"/>
-                                          </p:stCondLst>
-                                        </p:cTn>
-                                        <p:tgtEl>
-                                          <p:spTgt spid="3">
-                                            <p:txEl>
-                                              <p:pRg st="2" end="2"/>
-                                            </p:txEl>
-                                          </p:spTgt>
-                                        </p:tgtEl>
-                                        <p:attrNameLst>
-                                          <p:attrName>style.visibility</p:attrName>
-                                        </p:attrNameLst>
-                                      </p:cBhvr>
-                                      <p:to>
-                                        <p:strVal val="visible"/>
-                                      </p:to>
-                                    </p:set>
-                                    <p:animEffect transition="in" filter="fade">
-                                      <p:cBhvr>
-                                        <p:cTn id="17" dur="500"/>
-                                        <p:tgtEl>
-                                          <p:spTgt spid="3">
-                                            <p:txEl>
-                                              <p:pRg st="2" end="2"/>
-                                            </p:txEl>
-                                          </p:spTgt>
-                                        </p:tgtEl>
-                                      </p:cBhvr>
-                                    </p:animEffect>
-                                  </p:childTnLst>
-                                </p:cTn>
-                              </p:par>
-                            </p:childTnLst>
-                          </p:cTn>
-                        </p:par>
-                      </p:childTnLst>
-                    </p:cTn>
-                  </p:par>
-                  <p:par>
-                    <p:cTn id="18" fill="hold">
-                      <p:stCondLst>
-                        <p:cond delay="indefinite"/>
-                      </p:stCondLst>
-                      <p:childTnLst>
-                        <p:par>
-                          <p:cTn id="19" fill="hold">
-                            <p:stCondLst>
-                              <p:cond delay="0"/>
-                            </p:stCondLst>
-                            <p:childTnLst>
-                              <p:par>
-                                <p:cTn id="20" presetID="10" presetClass="entr" presetSubtype="0" fill="hold" grpId="0" nodeType="clickEffect">
-                                  <p:stCondLst>
-                                    <p:cond delay="0"/>
-                                  </p:stCondLst>
-                                  <p:childTnLst>
-                                    <p:set>
-                                      <p:cBhvr>
-                                        <p:cTn id="21" dur="1" fill="hold">
-                                          <p:stCondLst>
-                                            <p:cond delay="0"/>
-                                          </p:stCondLst>
-                                        </p:cTn>
-                                        <p:tgtEl>
-                                          <p:spTgt spid="3">
-                                            <p:txEl>
-                                              <p:pRg st="3" end="3"/>
-                                            </p:txEl>
-                                          </p:spTgt>
-                                        </p:tgtEl>
-                                        <p:attrNameLst>
-                                          <p:attrName>style.visibility</p:attrName>
-                                        </p:attrNameLst>
-                                      </p:cBhvr>
-                                      <p:to>
-                                        <p:strVal val="visible"/>
-                                      </p:to>
-                                    </p:set>
-                                    <p:animEffect transition="in" filter="fade">
-                                      <p:cBhvr>
-                                        <p:cTn id="22" dur="500"/>
-                                        <p:tgtEl>
-                                          <p:spTgt spid="3">
-                                            <p:txEl>
-                                              <p:pRg st="3" end="3"/>
-                                            </p:txEl>
-                                          </p:spTgt>
-                                        </p:tgtEl>
-                                      </p:cBhvr>
-                                    </p:animEffect>
-                                  </p:childTnLst>
-                                </p:cTn>
-                              </p:par>
-                            </p:childTnLst>
-                          </p:cTn>
-                        </p:par>
-                      </p:childTnLst>
-                    </p:cTn>
-                  </p:par>
-                  <p:par>
-                    <p:cTn id="23" fill="hold">
-                      <p:stCondLst>
-                        <p:cond delay="indefinite"/>
-                      </p:stCondLst>
-                      <p:childTnLst>
-                        <p:par>
-                          <p:cTn id="24" fill="hold">
-                            <p:stCondLst>
-                              <p:cond delay="0"/>
-                            </p:stCondLst>
-                            <p:childTnLst>
-                              <p:par>
-                                <p:cTn id="25" presetID="10" presetClass="entr" presetSubtype="0" fill="hold" grpId="0" nodeType="clickEffect">
-                                  <p:stCondLst>
-                                    <p:cond delay="0"/>
-                                  </p:stCondLst>
-                                  <p:childTnLst>
-                                    <p:set>
-                                      <p:cBhvr>
-                                        <p:cTn id="26" dur="1" fill="hold">
-                                          <p:stCondLst>
-                                            <p:cond delay="0"/>
-                                          </p:stCondLst>
-                                        </p:cTn>
-                                        <p:tgtEl>
-                                          <p:spTgt spid="3">
-                                            <p:txEl>
-                                              <p:pRg st="4" end="4"/>
-                                            </p:txEl>
-                                          </p:spTgt>
-                                        </p:tgtEl>
-                                        <p:attrNameLst>
-                                          <p:attrName>style.visibility</p:attrName>
-                                        </p:attrNameLst>
-                                      </p:cBhvr>
-                                      <p:to>
-                                        <p:strVal val="visible"/>
-                                      </p:to>
-                                    </p:set>
-                                    <p:animEffect transition="in" filter="fade">
-                                      <p:cBhvr>
-                                        <p:cTn id="27" dur="500"/>
-                                        <p:tgtEl>
-                                          <p:spTgt spid="3">
-                                            <p:txEl>
-                                              <p:pRg st="4" end="4"/>
-                                            </p:txEl>
-                                          </p:spTgt>
-                                        </p:tgtEl>
-                                      </p:cBhvr>
-                                    </p:animEffect>
-                                  </p:childTnLst>
-                                </p:cTn>
-                              </p:par>
-                            </p:childTnLst>
-                          </p:cTn>
-                        </p:par>
-                      </p:childTnLst>
-                    </p:cTn>
-                  </p:par>
-                  <p:par>
-                    <p:cTn id="28" fill="hold">
-                      <p:stCondLst>
-                        <p:cond delay="indefinite"/>
-                      </p:stCondLst>
-                      <p:childTnLst>
-                        <p:par>
-                          <p:cTn id="29" fill="hold">
-                            <p:stCondLst>
-                              <p:cond delay="0"/>
-                            </p:stCondLst>
-                            <p:childTnLst>
-                              <p:par>
-                                <p:cTn id="30" presetID="10" presetClass="entr" presetSubtype="0" fill="hold" grpId="0" nodeType="clickEffect">
-                                  <p:stCondLst>
-                                    <p:cond delay="0"/>
-                                  </p:stCondLst>
-                                  <p:childTnLst>
-                                    <p:set>
-                                      <p:cBhvr>
-                                        <p:cTn id="31" dur="1" fill="hold">
-                                          <p:stCondLst>
-                                            <p:cond delay="0"/>
-                                          </p:stCondLst>
-                                        </p:cTn>
-                                        <p:tgtEl>
-                                          <p:spTgt spid="3">
-                                            <p:txEl>
-                                              <p:pRg st="5" end="5"/>
-                                            </p:txEl>
-                                          </p:spTgt>
-                                        </p:tgtEl>
-                                        <p:attrNameLst>
-                                          <p:attrName>style.visibility</p:attrName>
-                                        </p:attrNameLst>
-                                      </p:cBhvr>
-                                      <p:to>
-                                        <p:strVal val="visible"/>
-                                      </p:to>
-                                    </p:set>
-                                    <p:animEffect transition="in" filter="fade">
-                                      <p:cBhvr>
-                                        <p:cTn id="32" dur="500"/>
-                                        <p:tgtEl>
-                                          <p:spTgt spid="3">
-                                            <p:txEl>
-                                              <p:pRg st="5" end="5"/>
-                                            </p:txEl>
-                                          </p:spTgt>
-                                        </p:tgtEl>
-                                      </p:cBhvr>
-                                    </p:animEffect>
-                                  </p:childTnLst>
-                                </p:cTn>
-                              </p:par>
-                            </p:childTnLst>
-                          </p:cTn>
-                        </p:par>
-                      </p:childTnLst>
-                    </p:cTn>
-                  </p:par>
-                </p:childTnLst>
-              </p:cTn>
-              <p:prevCondLst>
-                <p:cond evt="onPrev" delay="0">
-                  <p:tgtEl>
-                    <p:sldTgt/>
-                  </p:tgtEl>
-                </p:cond>
-              </p:prevCondLst>
-              <p:nextCondLst>
-                <p:cond evt="onNext" delay="0">
-                  <p:tgtEl>
-                    <p:sldTgt/>
-                  </p:tgtEl>
-                </p:cond>
-              </p:nextCondLst>
-            </p:seq>
-          </p:childTnLst>
-        </p:cTn>
+        <p:cTn xmlns:p14="http://schemas.microsoft.com/office/powerpoint/2010/main" id="1" dur="indefinite" restart="never" nodeType="tmRoot"/>
       </p:par>
     </p:tnLst>
-    <p:bldLst>
-      <p:bldP spid="3" grpId="0" build="p"/>
-    </p:bldLst>
   </p:timing>
 </p:sld>
 </file>

--- a/spring14/slidesS14/6042S14welcome.pptx
+++ b/spring14/slidesS14/6042S14welcome.pptx
@@ -6334,7 +6334,7 @@
           <a:graphicData uri="http://schemas.openxmlformats.org/presentationml/2006/ole">
             <mc:AlternateContent xmlns:mc="http://schemas.openxmlformats.org/markup-compatibility/2006">
               <mc:Choice xmlns:v="urn:schemas-microsoft-com:vml" Requires="v">
-                <p:oleObj spid="_x0000_s1161" name="Equation" r:id="rId4" imgW="914400" imgH="215640" progId="Equation.3">
+                <p:oleObj spid="_x0000_s1163" name="Equation" r:id="rId4" imgW="914400" imgH="215640" progId="Equation.3">
                   <p:embed/>
                 </p:oleObj>
               </mc:Choice>
@@ -6404,7 +6404,7 @@
           <a:graphicData uri="http://schemas.openxmlformats.org/presentationml/2006/ole">
             <mc:AlternateContent xmlns:mc="http://schemas.openxmlformats.org/markup-compatibility/2006">
               <mc:Choice xmlns:v="urn:schemas-microsoft-com:vml" Requires="v">
-                <p:oleObj spid="_x0000_s1162" name="Equation" r:id="rId6" imgW="914400" imgH="215640" progId="Equation.3">
+                <p:oleObj spid="_x0000_s1164" name="Equation" r:id="rId6" imgW="914400" imgH="215640" progId="Equation.3">
                   <p:embed/>
                 </p:oleObj>
               </mc:Choice>
@@ -10005,7 +10005,7 @@
           <a:graphicData uri="http://schemas.openxmlformats.org/presentationml/2006/ole">
             <mc:AlternateContent xmlns:mc="http://schemas.openxmlformats.org/markup-compatibility/2006">
               <mc:Choice xmlns:v="urn:schemas-microsoft-com:vml" Requires="v">
-                <p:oleObj spid="_x0000_s150607" name="Equation" r:id="rId4" imgW="838200" imgH="241300" progId="Equation.DSMT4">
+                <p:oleObj spid="_x0000_s150608" name="Equation" r:id="rId4" imgW="838200" imgH="241300" progId="Equation.DSMT4">
                   <p:embed/>
                 </p:oleObj>
               </mc:Choice>
@@ -11020,7 +11020,7 @@
           <a:graphicData uri="http://schemas.openxmlformats.org/presentationml/2006/ole">
             <mc:AlternateContent xmlns:mc="http://schemas.openxmlformats.org/markup-compatibility/2006">
               <mc:Choice xmlns:v="urn:schemas-microsoft-com:vml" Requires="v">
-                <p:oleObj spid="_x0000_s6280" name="Equation" r:id="rId4" imgW="304560" imgH="139680" progId="Equation.DSMT4">
+                <p:oleObj spid="_x0000_s6282" name="Equation" r:id="rId4" imgW="304560" imgH="139680" progId="Equation.DSMT4">
                   <p:embed/>
                 </p:oleObj>
               </mc:Choice>
@@ -11090,7 +11090,7 @@
           <a:graphicData uri="http://schemas.openxmlformats.org/presentationml/2006/ole">
             <mc:AlternateContent xmlns:mc="http://schemas.openxmlformats.org/markup-compatibility/2006">
               <mc:Choice xmlns:v="urn:schemas-microsoft-com:vml" Requires="v">
-                <p:oleObj spid="_x0000_s6281" name="Equation" r:id="rId6" imgW="304560" imgH="139680" progId="Equation.DSMT4">
+                <p:oleObj spid="_x0000_s6283" name="Equation" r:id="rId6" imgW="304560" imgH="139680" progId="Equation.DSMT4">
                   <p:embed/>
                 </p:oleObj>
               </mc:Choice>
@@ -12292,7 +12292,7 @@
           <a:graphicData uri="http://schemas.openxmlformats.org/presentationml/2006/ole">
             <mc:AlternateContent xmlns:mc="http://schemas.openxmlformats.org/markup-compatibility/2006">
               <mc:Choice xmlns:v="urn:schemas-microsoft-com:vml" Requires="v">
-                <p:oleObj spid="_x0000_s194650" name="Equation" r:id="rId4" imgW="914400" imgH="215640" progId="Equation.3">
+                <p:oleObj spid="_x0000_s194652" name="Equation" r:id="rId4" imgW="914400" imgH="215640" progId="Equation.3">
                   <p:embed/>
                 </p:oleObj>
               </mc:Choice>
@@ -12362,7 +12362,7 @@
           <a:graphicData uri="http://schemas.openxmlformats.org/presentationml/2006/ole">
             <mc:AlternateContent xmlns:mc="http://schemas.openxmlformats.org/markup-compatibility/2006">
               <mc:Choice xmlns:v="urn:schemas-microsoft-com:vml" Requires="v">
-                <p:oleObj spid="_x0000_s194651" name="Equation" r:id="rId6" imgW="914400" imgH="215640" progId="Equation.3">
+                <p:oleObj spid="_x0000_s194653" name="Equation" r:id="rId6" imgW="914400" imgH="215640" progId="Equation.3">
                   <p:embed/>
                 </p:oleObj>
               </mc:Choice>
@@ -12888,7 +12888,7 @@
           <a:graphicData uri="http://schemas.openxmlformats.org/presentationml/2006/ole">
             <mc:AlternateContent xmlns:mc="http://schemas.openxmlformats.org/markup-compatibility/2006">
               <mc:Choice xmlns:v="urn:schemas-microsoft-com:vml" Requires="v">
-                <p:oleObj spid="_x0000_s7300" name="Equation" r:id="rId4" imgW="304560" imgH="139680" progId="Equation.DSMT4">
+                <p:oleObj spid="_x0000_s7302" name="Equation" r:id="rId4" imgW="304560" imgH="139680" progId="Equation.DSMT4">
                   <p:embed/>
                 </p:oleObj>
               </mc:Choice>
@@ -12958,7 +12958,7 @@
           <a:graphicData uri="http://schemas.openxmlformats.org/presentationml/2006/ole">
             <mc:AlternateContent xmlns:mc="http://schemas.openxmlformats.org/markup-compatibility/2006">
               <mc:Choice xmlns:v="urn:schemas-microsoft-com:vml" Requires="v">
-                <p:oleObj spid="_x0000_s7301" name="Equation" r:id="rId6" imgW="304560" imgH="139680" progId="Equation.DSMT4">
+                <p:oleObj spid="_x0000_s7303" name="Equation" r:id="rId6" imgW="304560" imgH="139680" progId="Equation.DSMT4">
                   <p:embed/>
                 </p:oleObj>
               </mc:Choice>
@@ -13359,7 +13359,7 @@
           <a:graphicData uri="http://schemas.openxmlformats.org/presentationml/2006/ole">
             <mc:AlternateContent xmlns:mc="http://schemas.openxmlformats.org/markup-compatibility/2006">
               <mc:Choice xmlns:v="urn:schemas-microsoft-com:vml" Requires="v">
-                <p:oleObj spid="_x0000_s209997" name="Equation" r:id="rId4" imgW="114120" imgH="177480" progId="Equation.DSMT4">
+                <p:oleObj spid="_x0000_s209999" name="Equation" r:id="rId4" imgW="114120" imgH="177480" progId="Equation.DSMT4">
                   <p:embed/>
                 </p:oleObj>
               </mc:Choice>
@@ -13964,7 +13964,7 @@
           <a:graphicData uri="http://schemas.openxmlformats.org/presentationml/2006/ole">
             <mc:AlternateContent xmlns:mc="http://schemas.openxmlformats.org/markup-compatibility/2006">
               <mc:Choice xmlns:v="urn:schemas-microsoft-com:vml" Requires="v">
-                <p:oleObj spid="_x0000_s209998" name="Equation" r:id="rId6" imgW="635000" imgH="469900" progId="Equation.DSMT4">
+                <p:oleObj spid="_x0000_s210000" name="Equation" r:id="rId6" imgW="635000" imgH="469900" progId="Equation.DSMT4">
                   <p:embed/>
                 </p:oleObj>
               </mc:Choice>
@@ -14192,7 +14192,7 @@
           <a:graphicData uri="http://schemas.openxmlformats.org/presentationml/2006/ole">
             <mc:AlternateContent xmlns:mc="http://schemas.openxmlformats.org/markup-compatibility/2006">
               <mc:Choice xmlns:v="urn:schemas-microsoft-com:vml" Requires="v">
-                <p:oleObj spid="_x0000_s187498" name="Equation" r:id="rId4" imgW="114120" imgH="177480" progId="Equation.DSMT4">
+                <p:oleObj spid="_x0000_s187500" name="Equation" r:id="rId4" imgW="114120" imgH="177480" progId="Equation.DSMT4">
                   <p:embed/>
                 </p:oleObj>
               </mc:Choice>
@@ -14871,7 +14871,7 @@
           <a:graphicData uri="http://schemas.openxmlformats.org/presentationml/2006/ole">
             <mc:AlternateContent xmlns:mc="http://schemas.openxmlformats.org/markup-compatibility/2006">
               <mc:Choice xmlns:v="urn:schemas-microsoft-com:vml" Requires="v">
-                <p:oleObj spid="_x0000_s187499" name="Equation" r:id="rId6" imgW="635000" imgH="444500" progId="Equation.DSMT4">
+                <p:oleObj spid="_x0000_s187501" name="Equation" r:id="rId6" imgW="635000" imgH="444500" progId="Equation.DSMT4">
                   <p:embed/>
                 </p:oleObj>
               </mc:Choice>
@@ -20061,7 +20061,7 @@
           <a:graphicData uri="http://schemas.openxmlformats.org/presentationml/2006/ole">
             <mc:AlternateContent xmlns:mc="http://schemas.openxmlformats.org/markup-compatibility/2006">
               <mc:Choice xmlns:v="urn:schemas-microsoft-com:vml" Requires="v">
-                <p:oleObj spid="_x0000_s9409" name="Equation" r:id="rId4" imgW="1270000" imgH="457200" progId="Equation.DSMT4">
+                <p:oleObj spid="_x0000_s9412" name="Equation" r:id="rId4" imgW="1270000" imgH="457200" progId="Equation.DSMT4">
                   <p:embed/>
                 </p:oleObj>
               </mc:Choice>
@@ -20156,7 +20156,7 @@
           <a:graphicData uri="http://schemas.openxmlformats.org/presentationml/2006/ole">
             <mc:AlternateContent xmlns:mc="http://schemas.openxmlformats.org/markup-compatibility/2006">
               <mc:Choice xmlns:v="urn:schemas-microsoft-com:vml" Requires="v">
-                <p:oleObj spid="_x0000_s9410" name="Equation" r:id="rId6" imgW="1270000" imgH="457200" progId="Equation.DSMT4">
+                <p:oleObj spid="_x0000_s9413" name="Equation" r:id="rId6" imgW="1270000" imgH="457200" progId="Equation.DSMT4">
                   <p:embed/>
                 </p:oleObj>
               </mc:Choice>
@@ -20323,7 +20323,7 @@
           <a:graphicData uri="http://schemas.openxmlformats.org/presentationml/2006/ole">
             <mc:AlternateContent xmlns:mc="http://schemas.openxmlformats.org/markup-compatibility/2006">
               <mc:Choice xmlns:v="urn:schemas-microsoft-com:vml" Requires="v">
-                <p:oleObj spid="_x0000_s9411" name="Equation" r:id="rId8" imgW="774360" imgH="203040" progId="Equation.DSMT4">
+                <p:oleObj spid="_x0000_s9414" name="Equation" r:id="rId8" imgW="774360" imgH="203040" progId="Equation.DSMT4">
                   <p:embed/>
                 </p:oleObj>
               </mc:Choice>
@@ -20915,7 +20915,7 @@
             <a:graphicData uri="http://schemas.openxmlformats.org/presentationml/2006/ole">
               <mc:AlternateContent xmlns:mc="http://schemas.openxmlformats.org/markup-compatibility/2006">
                 <mc:Choice xmlns:v="urn:schemas-microsoft-com:vml" Requires="v">
-                  <p:oleObj spid="_x0000_s10374" name="Equation" r:id="rId4" imgW="774360" imgH="203040" progId="Equation.DSMT4">
+                  <p:oleObj spid="_x0000_s10376" name="Equation" r:id="rId4" imgW="774360" imgH="203040" progId="Equation.DSMT4">
                     <p:embed/>
                   </p:oleObj>
                 </mc:Choice>
@@ -21080,7 +21080,7 @@
             <a:graphicData uri="http://schemas.openxmlformats.org/presentationml/2006/ole">
               <mc:AlternateContent xmlns:mc="http://schemas.openxmlformats.org/markup-compatibility/2006">
                 <mc:Choice xmlns:v="urn:schemas-microsoft-com:vml" Requires="v">
-                  <p:oleObj spid="_x0000_s10375" name="Equation" r:id="rId6" imgW="736560" imgH="203040" progId="Equation.DSMT4">
+                  <p:oleObj spid="_x0000_s10377" name="Equation" r:id="rId6" imgW="736560" imgH="203040" progId="Equation.DSMT4">
                     <p:embed/>
                   </p:oleObj>
                 </mc:Choice>
@@ -21906,7 +21906,7 @@
           <a:graphicData uri="http://schemas.openxmlformats.org/presentationml/2006/ole">
             <mc:AlternateContent xmlns:mc="http://schemas.openxmlformats.org/markup-compatibility/2006">
               <mc:Choice xmlns:v="urn:schemas-microsoft-com:vml" Requires="v">
-                <p:oleObj spid="_x0000_s11400" name="Equation" r:id="rId4" imgW="114120" imgH="177480" progId="Equation.DSMT4">
+                <p:oleObj spid="_x0000_s11402" name="Equation" r:id="rId4" imgW="114120" imgH="177480" progId="Equation.DSMT4">
                   <p:embed/>
                 </p:oleObj>
               </mc:Choice>
@@ -21976,7 +21976,7 @@
           <a:graphicData uri="http://schemas.openxmlformats.org/presentationml/2006/ole">
             <mc:AlternateContent xmlns:mc="http://schemas.openxmlformats.org/markup-compatibility/2006">
               <mc:Choice xmlns:v="urn:schemas-microsoft-com:vml" Requires="v">
-                <p:oleObj spid="_x0000_s11401" name="Equation" r:id="rId6" imgW="114120" imgH="177480" progId="Equation.DSMT4">
+                <p:oleObj spid="_x0000_s11403" name="Equation" r:id="rId6" imgW="114120" imgH="177480" progId="Equation.DSMT4">
                   <p:embed/>
                 </p:oleObj>
               </mc:Choice>
@@ -22812,7 +22812,7 @@
           <a:graphicData uri="http://schemas.openxmlformats.org/presentationml/2006/ole">
             <mc:AlternateContent xmlns:mc="http://schemas.openxmlformats.org/markup-compatibility/2006">
               <mc:Choice xmlns:v="urn:schemas-microsoft-com:vml" Requires="v">
-                <p:oleObj spid="_x0000_s140428" name="Equation" r:id="rId4" imgW="914400" imgH="215640" progId="Equation.3">
+                <p:oleObj spid="_x0000_s140430" name="Equation" r:id="rId4" imgW="914400" imgH="215640" progId="Equation.3">
                   <p:embed/>
                 </p:oleObj>
               </mc:Choice>
@@ -22882,7 +22882,7 @@
           <a:graphicData uri="http://schemas.openxmlformats.org/presentationml/2006/ole">
             <mc:AlternateContent xmlns:mc="http://schemas.openxmlformats.org/markup-compatibility/2006">
               <mc:Choice xmlns:v="urn:schemas-microsoft-com:vml" Requires="v">
-                <p:oleObj spid="_x0000_s140429" name="Equation" r:id="rId6" imgW="914400" imgH="215640" progId="Equation.3">
+                <p:oleObj spid="_x0000_s140431" name="Equation" r:id="rId6" imgW="914400" imgH="215640" progId="Equation.3">
                   <p:embed/>
                 </p:oleObj>
               </mc:Choice>
@@ -23536,7 +23536,7 @@
           <a:graphicData uri="http://schemas.openxmlformats.org/presentationml/2006/ole">
             <mc:AlternateContent xmlns:mc="http://schemas.openxmlformats.org/markup-compatibility/2006">
               <mc:Choice xmlns:v="urn:schemas-microsoft-com:vml" Requires="v">
-                <p:oleObj spid="_x0000_s184398" name="Equation" r:id="rId4" imgW="2552700" imgH="419100" progId="Equation.DSMT4">
+                <p:oleObj spid="_x0000_s184399" name="Equation" r:id="rId4" imgW="2552700" imgH="419100" progId="Equation.DSMT4">
                   <p:embed/>
                 </p:oleObj>
               </mc:Choice>
@@ -24226,7 +24226,7 @@
           <a:graphicData uri="http://schemas.openxmlformats.org/presentationml/2006/ole">
             <mc:AlternateContent xmlns:mc="http://schemas.openxmlformats.org/markup-compatibility/2006">
               <mc:Choice xmlns:v="urn:schemas-microsoft-com:vml" Requires="v">
-                <p:oleObj spid="_x0000_s12367" name="Equation" r:id="rId4" imgW="2590560" imgH="368280" progId="Equation.DSMT4">
+                <p:oleObj spid="_x0000_s12368" name="Equation" r:id="rId4" imgW="2590560" imgH="368280" progId="Equation.DSMT4">
                   <p:embed/>
                 </p:oleObj>
               </mc:Choice>
@@ -25117,7 +25117,7 @@
           <a:graphicData uri="http://schemas.openxmlformats.org/presentationml/2006/ole">
             <mc:AlternateContent xmlns:mc="http://schemas.openxmlformats.org/markup-compatibility/2006">
               <mc:Choice xmlns:v="urn:schemas-microsoft-com:vml" Requires="v">
-                <p:oleObj spid="_x0000_s13391" name="Equation" r:id="rId4" imgW="152280" imgH="393480" progId="Equation.DSMT4">
+                <p:oleObj spid="_x0000_s13392" name="Equation" r:id="rId4" imgW="152280" imgH="393480" progId="Equation.DSMT4">
                   <p:embed/>
                 </p:oleObj>
               </mc:Choice>
@@ -25954,7 +25954,7 @@
           <a:graphicData uri="http://schemas.openxmlformats.org/presentationml/2006/ole">
             <mc:AlternateContent xmlns:mc="http://schemas.openxmlformats.org/markup-compatibility/2006">
               <mc:Choice xmlns:v="urn:schemas-microsoft-com:vml" Requires="v">
-                <p:oleObj spid="_x0000_s2193" name="Equation" r:id="rId4" imgW="914400" imgH="215640" progId="Equation.3">
+                <p:oleObj spid="_x0000_s2195" name="Equation" r:id="rId4" imgW="914400" imgH="215640" progId="Equation.3">
                   <p:embed/>
                 </p:oleObj>
               </mc:Choice>
@@ -26024,7 +26024,7 @@
           <a:graphicData uri="http://schemas.openxmlformats.org/presentationml/2006/ole">
             <mc:AlternateContent xmlns:mc="http://schemas.openxmlformats.org/markup-compatibility/2006">
               <mc:Choice xmlns:v="urn:schemas-microsoft-com:vml" Requires="v">
-                <p:oleObj spid="_x0000_s2194" name="Equation" r:id="rId6" imgW="914400" imgH="215640" progId="Equation.3">
+                <p:oleObj spid="_x0000_s2196" name="Equation" r:id="rId6" imgW="914400" imgH="215640" progId="Equation.3">
                   <p:embed/>
                 </p:oleObj>
               </mc:Choice>
@@ -27599,7 +27599,7 @@
           <a:graphicData uri="http://schemas.openxmlformats.org/presentationml/2006/ole">
             <mc:AlternateContent xmlns:mc="http://schemas.openxmlformats.org/markup-compatibility/2006">
               <mc:Choice xmlns:v="urn:schemas-microsoft-com:vml" Requires="v">
-                <p:oleObj spid="_x0000_s3207" name="Equation" r:id="rId4" imgW="914400" imgH="215640" progId="Equation.3">
+                <p:oleObj spid="_x0000_s3208" name="Equation" r:id="rId4" imgW="914400" imgH="215640" progId="Equation.3">
                   <p:embed/>
                 </p:oleObj>
               </mc:Choice>
